--- a/presentations/powerpoint/intro-presentation.pptx
+++ b/presentations/powerpoint/intro-presentation.pptx
@@ -40,38 +40,6 @@
     <p:sldId id="288" r:id="rId39"/>
     <p:sldId id="289" r:id="rId40"/>
     <p:sldId id="290" r:id="rId41"/>
-    <p:sldId id="291" r:id="rId42"/>
-    <p:sldId id="292" r:id="rId43"/>
-    <p:sldId id="293" r:id="rId44"/>
-    <p:sldId id="294" r:id="rId45"/>
-    <p:sldId id="295" r:id="rId46"/>
-    <p:sldId id="296" r:id="rId47"/>
-    <p:sldId id="297" r:id="rId48"/>
-    <p:sldId id="298" r:id="rId49"/>
-    <p:sldId id="299" r:id="rId50"/>
-    <p:sldId id="300" r:id="rId51"/>
-    <p:sldId id="301" r:id="rId52"/>
-    <p:sldId id="302" r:id="rId53"/>
-    <p:sldId id="303" r:id="rId54"/>
-    <p:sldId id="304" r:id="rId55"/>
-    <p:sldId id="305" r:id="rId56"/>
-    <p:sldId id="306" r:id="rId57"/>
-    <p:sldId id="307" r:id="rId58"/>
-    <p:sldId id="308" r:id="rId59"/>
-    <p:sldId id="309" r:id="rId60"/>
-    <p:sldId id="310" r:id="rId61"/>
-    <p:sldId id="311" r:id="rId62"/>
-    <p:sldId id="312" r:id="rId63"/>
-    <p:sldId id="313" r:id="rId64"/>
-    <p:sldId id="314" r:id="rId65"/>
-    <p:sldId id="315" r:id="rId66"/>
-    <p:sldId id="316" r:id="rId67"/>
-    <p:sldId id="317" r:id="rId68"/>
-    <p:sldId id="318" r:id="rId69"/>
-    <p:sldId id="319" r:id="rId70"/>
-    <p:sldId id="320" r:id="rId71"/>
-    <p:sldId id="321" r:id="rId72"/>
-    <p:sldId id="322" r:id="rId73"/>
   </p:sldIdLst>
   <p:sldSz cx="12192000" cy="6858000"/>
   <p:notesSz cx="6858000" cy="9144000"/>
@@ -643,7 +611,7 @@
           <a:lstStyle/>
           <a:p>
             <a:r>
-              <a:t>Diese Definitionen zeigen verschiedene Perspektiven auf Software-Architektur. Gemeinsame Erkenntnisse: Struktur (Organisation der Software), Entscheidungen (wichtige Design-Entscheidungen), Beziehungen (Zusammenhänge), Kosten (spätere Änderbarkeit), Kommunikation (Vermittlung des Designs).</a:t>
+              <a:t>Diese Definition betont sowohl technische Aspekte (Struktur, Verhalten) als auch fachliche Ziele. Architektur ist nicht nur Technik - sie muss Geschäftsziele verstehen und unterstützen.</a:t>
             </a:r>
           </a:p>
         </p:txBody>
@@ -713,7 +681,7 @@
           <a:lstStyle/>
           <a:p>
             <a:r>
-              <a:t>Diese Definition betont sowohl technische Aspekte (Struktur, Verhalten) als auch fachliche Ziele. Architektur ist nicht nur Technik - sie muss Geschäftsziele verstehen und unterstützen.</a:t>
+              <a:t>Enterprise-Herausforderungen: Modernisierung bei laufendem Betrieb, Compliance und Governance, Performance bei hoher Last, Kostenoptimierung bei gleichzeitig hoher Qualität. Integration von Dutzenden von Systemen.</a:t>
             </a:r>
           </a:p>
         </p:txBody>
@@ -783,7 +751,7 @@
           <a:lstStyle/>
           <a:p>
             <a:r>
-              <a:t>Enterprise-Herausforderungen: Modernisierung bei laufendem Betrieb, Compliance und Governance, Performance bei hoher Last, Kostenoptimierung bei gleichzeitig hoher Qualität. Integration von Dutzenden von Systemen.</a:t>
+              <a:t>Clean Code Definition nach Robert C. Martin: "Code that has been taken care of." 80% der Zeit wird Code gelesen, nur 20% geschrieben. Wartbarkeit ist wichtiger als Cleverness.</a:t>
             </a:r>
           </a:p>
         </p:txBody>
@@ -853,7 +821,7 @@
           <a:lstStyle/>
           <a:p>
             <a:r>
-              <a:t>Clean Code Definition nach Robert C. Martin: "Code that has been taken care of." 80% der Zeit wird Code gelesen, nur 20% geschrieben. Wartbarkeit ist wichtiger als Cleverness.</a:t>
+              <a:t>Legacy-Systeme mit Millionen Zeilen undokumentiertem Code verursachen hohe Wartungskosten, weil jede kleine Änderung Wochen dauert und risikoreich ist. Clean Code ist eine Investition in die Zukunft.</a:t>
             </a:r>
           </a:p>
         </p:txBody>
@@ -923,7 +891,7 @@
           <a:lstStyle/>
           <a:p>
             <a:r>
-              <a:t>Legacy-Systeme mit Millionen Zeilen undokumentiertem Code verursachen hohe Wartungskosten, weil jede kleine Änderung Wochen dauert und risikoreich ist. Clean Code ist eine Investition in die Zukunft.</a:t>
+              <a:t>Praktische Auswirkungen: Zinsen (jede Änderung dauert länger), Hauptsumme (Aufwand für Refactoring), Insolvenz (System nicht mehr wartbar). Schulden-Management: Sichtbar machen, priorisieren, kontinuierlich abbauen.</a:t>
             </a:r>
           </a:p>
         </p:txBody>
@@ -993,7 +961,7 @@
           <a:lstStyle/>
           <a:p>
             <a:r>
-              <a:t>Praktische Auswirkungen: Zinsen (jede Änderung dauert länger), Hauptsumme (Aufwand für Refactoring), Insolvenz (System nicht mehr wartbar). Schulden-Management: Sichtbar machen, priorisieren, kontinuierlich abbauen.</a:t>
+              <a:t>Technology-First Symptome: Hype-Driven Development, Solution looking for a problem, Architecture Astronauts, Over-Engineering. Warum passiert das? Techniker denken technisch, Marketing macht Technologie sexy, CV-Driven Development, Komplexität wirkt professionell.</a:t>
             </a:r>
           </a:p>
         </p:txBody>
@@ -1063,7 +1031,7 @@
           <a:lstStyle/>
           <a:p>
             <a:r>
-              <a:t>Technology-First Symptome: Hype-Driven Development, Solution looking for a problem, Architecture Astronauts, Over-Engineering. Warum passiert das? Techniker denken technisch, Marketing macht Technologie sexy, CV-Driven Development, Komplexität wirkt professionell.</a:t>
+              <a:t>Das Grundproblem: Es gab KEIN fachliches Problem, das diese Technologien gelöst hätten. Finanzdaten sind RELATIONAL - NoSQL passte nicht zur Fachlichkeit.</a:t>
             </a:r>
           </a:p>
         </p:txBody>
@@ -1133,7 +1101,7 @@
           <a:lstStyle/>
           <a:p>
             <a:r>
-              <a:t>Das Grundproblem: Es gab KEIN fachliches Problem, das diese Technologien gelöst hätten. Finanzdaten sind RELATIONAL - NoSQL passte nicht zur Fachlichkeit.</a:t>
+              <a:t>DDD-Grundgedanke nach Eric Evans: "The heart of software is its ability to solve domain-related problems for its user. All other concerns should be subordinated." Technology-First führt zu Over-Engineering und unpassenden Lösungen.</a:t>
             </a:r>
           </a:p>
         </p:txBody>
@@ -1203,7 +1171,7 @@
           <a:lstStyle/>
           <a:p>
             <a:r>
-              <a:t>DDD-Grundgedanke nach Eric Evans: "The heart of software is its ability to solve domain-related problems for its user. All other concerns should be subordinated." Technology-First führt zu Over-Engineering und unpassenden Lösungen.</a:t>
+              <a:t>Warnsignale für Technology-First: "Das ist modern/trendy", "Das macht Netflix auch", "Das steht in meinem Lebenslauf gut". Die richtigen Fragen: "Welches fachliche Problem löst das?", "Was sind unsere spezifischen Anforderungen?"</a:t>
             </a:r>
           </a:p>
         </p:txBody>
@@ -1273,7 +1241,7 @@
           <a:lstStyle/>
           <a:p>
             <a:r>
-              <a:t>Warnsignale für Technology-First: "Das ist modern/trendy", "Das macht Netflix auch", "Das steht in meinem Lebenslauf gut". Die richtigen Fragen: "Welches fachliche Problem löst das?", "Was sind unsere spezifischen Anforderungen?"</a:t>
+              <a:t>Alexanders Erkenntnis: "Each pattern describes a problem which occurs over and over again, and then describes the core of the solution." GoF erkannten: Erfahrene Entwickler nutzen bewährte Lösungen, wiederkehrende Probleme haben wiederkehrende Lösungen.</a:t>
             </a:r>
           </a:p>
         </p:txBody>
@@ -1413,7 +1381,7 @@
           <a:lstStyle/>
           <a:p>
             <a:r>
-              <a:t>Alexanders Erkenntnis: "Each pattern describes a problem which occurs over and over again, and then describes the core of the solution." GoF erkannten: Erfahrene Entwickler nutzen bewährte Lösungen, wiederkehrende Probleme haben wiederkehrende Lösungen.</a:t>
+              <a:t>Kommunikationsverbesserung: Vorher: "Wir brauchen eine Klasse, die andere Klassen erzeugt..." Nachher: "Wir nutzen Factory Pattern". Team-Kommunikation wird effizienter, neue Teammitglieder verstehen Design schneller.</a:t>
             </a:r>
           </a:p>
         </p:txBody>
@@ -1483,7 +1451,7 @@
           <a:lstStyle/>
           <a:p>
             <a:r>
-              <a:t>Kommunikationsverbesserung: Vorher: "Wir brauchen eine Klasse, die andere Klassen erzeugt..." Nachher: "Wir nutzen Factory Pattern". Team-Kommunikation wird effizienter, neue Teammitglieder verstehen Design schneller.</a:t>
+              <a:t>Golden Hammer vermeiden: "Ich habe einen Hammer, alles sieht aus wie ein Nagel". Pattern Overload: 20 Patterns für 5 Klassen. Wichtige Fragen: Haben wir wirklich das Problem? Ist es komplex genug für ein Pattern?</a:t>
             </a:r>
           </a:p>
         </p:txBody>
@@ -1553,7 +1521,7 @@
           <a:lstStyle/>
           <a:p>
             <a:r>
-              <a:t>Golden Hammer vermeiden: "Ich habe einen Hammer, alles sieht aus wie ein Nagel". Pattern Overload: 20 Patterns für 5 Klassen. Wichtige Fragen: Haben wir wirklich das Problem? Ist es komplex genug für ein Pattern?</a:t>
+              <a:t>Was Refactoring NICHT ist: Bugfixes, neue Features, Performance-Optimierung, Rewrite. Refactoring ist kontinuierlich, nicht ein einmaliges Event.</a:t>
             </a:r>
           </a:p>
         </p:txBody>
@@ -1623,7 +1591,7 @@
           <a:lstStyle/>
           <a:p>
             <a:r>
-              <a:t>Was Refactoring NICHT ist: Bugfixes, neue Features, Performance-Optimierung, Rewrite. Refactoring ist kontinuierlich, nicht ein einmaliges Event.</a:t>
+              <a:t>Boy Scout Aktionen: temp → elapsedTimeInDays, 7 → DAYS_PER_WEEK, Duplicate Code extrahieren, Unused Code entfernen, Kommentare durch self-documenting code ersetzen.</a:t>
             </a:r>
           </a:p>
         </p:txBody>
@@ -1693,7 +1661,7 @@
           <a:lstStyle/>
           <a:p>
             <a:r>
-              <a:t>Boy Scout Aktionen: temp → elapsedTimeInDays, 7 → DAYS_PER_WEEK, Duplicate Code extrahieren, Unused Code entfernen, Kommentare durch self-documenting code ersetzen.</a:t>
+              <a:t>Gute Refactoring-Zeitpunkte: Sprint Planning, Bug-Fixing mit Boy Scout Rule, Code Reviews, Technische Stories. "Make the change easy, then make the easy change."</a:t>
             </a:r>
           </a:p>
         </p:txBody>
@@ -1763,7 +1731,7 @@
           <a:lstStyle/>
           <a:p>
             <a:r>
-              <a:t>Gute Refactoring-Zeitpunkte: Sprint Planning, Bug-Fixing mit Boy Scout Rule, Code Reviews, Technische Stories. "Make the change easy, then make the easy change."</a:t>
+              <a:t>Häufige Refactoring-Patterns: Extract Method (Long Method aufteilen), Replace Magic Number with Named Constant. Enterprise-Kontext: Legacy Systems extra vorsichtig, Live Systems graduelle Änderungen.</a:t>
             </a:r>
           </a:p>
         </p:txBody>
@@ -1833,7 +1801,7 @@
           <a:lstStyle/>
           <a:p>
             <a:r>
-              <a:t>Häufige Refactoring-Patterns: Extract Method (Long Method aufteilen), Replace Magic Number with Named Constant. Enterprise-Kontext: Legacy Systems extra vorsichtig, Live Systems graduelle Änderungen.</a:t>
+              <a:t>Beispiel Strategy Pattern: Ein if-else → zweites if-else → Duplikation reduzieren → drittes ähnliches Pattern → "Das ist Strategy Pattern!" → Refactoring zu Strategy Pattern. Tests sind essenziell für sicheres Refactoring.</a:t>
             </a:r>
           </a:p>
         </p:txBody>
@@ -1903,76 +1871,6 @@
           <a:lstStyle/>
           <a:p>
             <a:r>
-              <a:t>Beispiel Strategy Pattern: Ein if-else → zweites if-else → Duplikation reduzieren → drittes ähnliches Pattern → "Das ist Strategy Pattern!" → Refactoring zu Strategy Pattern. Tests sind essenziell für sicheres Refactoring.</a:t>
-            </a:r>
-          </a:p>
-        </p:txBody>
-      </p:sp>
-      <p:sp>
-        <p:nvSpPr>
-          <p:cNvPr id="4" name="Slide Number Placeholder 3"/>
-          <p:cNvSpPr>
-            <a:spLocks noGrp="1"/>
-          </p:cNvSpPr>
-          <p:nvPr>
-            <p:ph type="sldNum" idx="5" sz="quarter"/>
-          </p:nvPr>
-        </p:nvSpPr>
-        <p:spPr/>
-      </p:sp>
-    </p:spTree>
-  </p:cSld>
-  <p:clrMapOvr>
-    <a:masterClrMapping/>
-  </p:clrMapOvr>
-</p:notes>
-</file>
-
-<file path=ppt/notesSlides/notesSlide28.xml><?xml version="1.0" encoding="utf-8"?>
-<p:notes xmlns:a="http://schemas.openxmlformats.org/drawingml/2006/main" xmlns:p="http://schemas.openxmlformats.org/presentationml/2006/main" xmlns:r="http://schemas.openxmlformats.org/officeDocument/2006/relationships">
-  <p:cSld>
-    <p:spTree>
-      <p:nvGrpSpPr>
-        <p:cNvPr id="1" name=""/>
-        <p:cNvGrpSpPr/>
-        <p:nvPr/>
-      </p:nvGrpSpPr>
-      <p:grpSpPr>
-        <a:xfrm>
-          <a:off x="0" y="0"/>
-          <a:ext cx="0" cy="0"/>
-          <a:chOff x="0" y="0"/>
-          <a:chExt cx="0" cy="0"/>
-        </a:xfrm>
-      </p:grpSpPr>
-      <p:sp>
-        <p:nvSpPr>
-          <p:cNvPr id="2" name="Slide Image Placeholder 1"/>
-          <p:cNvSpPr>
-            <a:spLocks noGrp="1"/>
-          </p:cNvSpPr>
-          <p:nvPr>
-            <p:ph type="sldImg" idx="2"/>
-          </p:nvPr>
-        </p:nvSpPr>
-        <p:spPr/>
-      </p:sp>
-      <p:sp>
-        <p:nvSpPr>
-          <p:cNvPr id="3" name="Notes Placeholder 2"/>
-          <p:cNvSpPr>
-            <a:spLocks noGrp="1"/>
-          </p:cNvSpPr>
-          <p:nvPr>
-            <p:ph type="body" idx="3" sz="quarter"/>
-          </p:nvPr>
-        </p:nvSpPr>
-        <p:spPr/>
-        <p:txBody>
-          <a:bodyPr/>
-          <a:lstStyle/>
-          <a:p>
-            <a:r>
               <a:t>Lassen Sie jeden Teilnehmer sein Ziel formulieren - wir kommen am Ende darauf zurück! Mit diesem Refactoring-Mindset sind wir bereit - wir wissen jetzt, dass wir Patterns durch evolutionäre Verbesserung entdecken.</a:t>
             </a:r>
           </a:p>
@@ -2393,7 +2291,7 @@
           <a:lstStyle/>
           <a:p>
             <a:r>
-              <a:t>Was wir bereitstellen: Vollständige Code-Beispiele für alle Patterns, Enterprise-typische Use Cases, Refactoring-Challenges, Pattern-Spickzettel als Nachschlagewerk.</a:t>
+              <a:t>Diese Regeln fördern aktive Teilnahme und effektiven Wissensaustausch. Der Workshop lebt von Interaktion und praktischen Diskussionen.</a:t>
             </a:r>
           </a:p>
         </p:txBody>
@@ -2463,7 +2361,7 @@
           <a:lstStyle/>
           <a:p>
             <a:r>
-              <a:t>Diese Regeln fördern aktive Teilnahme und effektiven Wissensaustausch. Der Workshop lebt von Interaktion und praktischen Diskussionen.</a:t>
+              <a:t>Diese Definitionen zeigen verschiedene Perspektiven auf Software-Architektur. Gemeinsame Erkenntnisse: Struktur (Organisation der Software), Entscheidungen (wichtige Design-Entscheidungen), Beziehungen (Zusammenhänge), Kosten (spätere Änderbarkeit), Kommunikation (Vermittlung des Designs).</a:t>
             </a:r>
           </a:p>
         </p:txBody>
@@ -6654,7 +6552,11 @@
         <p:txBody>
           <a:bodyPr/>
           <a:lstStyle/>
-          <a:p/>
+          <a:p>
+            <a:r>
+              <a:t>Design Patterns Workshop</a:t>
+            </a:r>
+          </a:p>
         </p:txBody>
       </p:sp>
       <p:sp>
@@ -6671,7 +6573,11 @@
         <p:txBody>
           <a:bodyPr/>
           <a:lstStyle/>
-          <a:p/>
+          <a:p>
+            <a:r>
+              <a:t>Einführungsblock</a:t>
+            </a:r>
+          </a:p>
         </p:txBody>
       </p:sp>
     </p:spTree>
@@ -6699,31 +6605,100 @@
             <a:spLocks noGrp="1"/>
           </p:cNvSpPr>
           <p:nvPr>
-            <p:ph type="ctrTitle"/>
-          </p:nvPr>
-        </p:nvSpPr>
-        <p:spPr/>
-        <p:txBody>
-          <a:bodyPr/>
-          <a:lstStyle/>
-          <a:p/>
-        </p:txBody>
-      </p:sp>
-      <p:sp>
-        <p:nvSpPr>
-          <p:cNvPr id="3" name="Subtitle 2"/>
-          <p:cNvSpPr>
-            <a:spLocks noGrp="1"/>
-          </p:cNvSpPr>
-          <p:nvPr>
-            <p:ph type="subTitle" idx="1"/>
-          </p:nvPr>
-        </p:nvSpPr>
-        <p:spPr/>
-        <p:txBody>
-          <a:bodyPr/>
-          <a:lstStyle/>
-          <a:p/>
+            <p:ph type="title"/>
+          </p:nvPr>
+        </p:nvSpPr>
+        <p:spPr/>
+        <p:txBody>
+          <a:bodyPr/>
+          <a:lstStyle/>
+          <a:p>
+            <a:r>
+              <a:t>Praktische Organisation</a:t>
+            </a:r>
+          </a:p>
+        </p:txBody>
+      </p:sp>
+      <p:sp>
+        <p:nvSpPr>
+          <p:cNvPr id="3" name="Content Placeholder 2"/>
+          <p:cNvSpPr>
+            <a:spLocks noGrp="1"/>
+          </p:cNvSpPr>
+          <p:nvPr>
+            <p:ph idx="1" sz="half"/>
+          </p:nvPr>
+        </p:nvSpPr>
+        <p:spPr/>
+        <p:txBody>
+          <a:bodyPr/>
+          <a:lstStyle/>
+          <a:p>
+            <a:r>
+              <a:t>Was Sie mitbringen sollten:</a:t>
+            </a:r>
+          </a:p>
+          <a:p>
+            <a:r>
+              <a:t>Laptop mit Java 11+ und IDE (IntelliJ/Eclipse)</a:t>
+            </a:r>
+          </a:p>
+          <a:p>
+            <a:r>
+              <a:t>Git für Code-Austausch</a:t>
+            </a:r>
+          </a:p>
+          <a:p>
+            <a:r>
+              <a:t>Offenheit für neue Perspektiven</a:t>
+            </a:r>
+          </a:p>
+          <a:p>
+            <a:r>
+              <a:t>Eigene Code-Beispiele (wenn möglich)</a:t>
+            </a:r>
+          </a:p>
+        </p:txBody>
+      </p:sp>
+      <p:sp>
+        <p:nvSpPr>
+          <p:cNvPr id="4" name="Content Placeholder 3"/>
+          <p:cNvSpPr>
+            <a:spLocks noGrp="1"/>
+          </p:cNvSpPr>
+          <p:nvPr>
+            <p:ph idx="2" sz="half"/>
+          </p:nvPr>
+        </p:nvSpPr>
+        <p:spPr/>
+        <p:txBody>
+          <a:bodyPr/>
+          <a:lstStyle/>
+          <a:p>
+            <a:r>
+              <a:t>Was wir bereitstellen:</a:t>
+            </a:r>
+          </a:p>
+          <a:p>
+            <a:r>
+              <a:t>Vollständige Code-Beispiele für alle Patterns</a:t>
+            </a:r>
+          </a:p>
+          <a:p>
+            <a:r>
+              <a:t>Enterprise-typische Use Cases</a:t>
+            </a:r>
+          </a:p>
+          <a:p>
+            <a:r>
+              <a:t>Refactoring-Challenges</a:t>
+            </a:r>
+          </a:p>
+          <a:p>
+            <a:r>
+              <a:t>Pattern-Spickzettel als Nachschlagewerk</a:t>
+            </a:r>
+          </a:p>
         </p:txBody>
       </p:sp>
     </p:spTree>
@@ -6760,7 +6735,7 @@
           <a:lstStyle/>
           <a:p>
             <a:r>
-              <a:t>Schwerpunkt: Komplexe Szenarien</a:t>
+              <a:t>Workshop-Regeln - Zusammenarbeit</a:t>
             </a:r>
           </a:p>
         </p:txBody>
@@ -6780,33 +6755,28 @@
           <a:bodyPr/>
           <a:lstStyle/>
           <a:p>
-            <a:pPr/>
-            <a:r>
-              <a:t>Template Method: Algorithmus-Skelett mit variablen Teilen</a:t>
-            </a:r>
-          </a:p>
-          <a:p>
-            <a:pPr/>
-            <a:r>
-              <a:t>Visitor: Operationen von Datenstruktur trennen</a:t>
-            </a:r>
-          </a:p>
-          <a:p>
-            <a:pPr/>
-            <a:r>
-              <a:t>Chain of Responsibility: Requests durch Handler-Kette</a:t>
-            </a:r>
-          </a:p>
-          <a:p>
-            <a:pPr/>
-            <a:r>
-              <a:t>Mediator: Komplexe Objekt-Interaktionen koordinieren</a:t>
-            </a:r>
-          </a:p>
-          <a:p>
-            <a:pPr/>
-            <a:r>
-              <a:t>Enterprise Patterns: Repository, Unit of Work, MVC/MVP/MVVM</a:t>
+            <a:r>
+              <a:t>Fragen jederzeit - Unterbrechungen sind erwünscht</a:t>
+            </a:r>
+          </a:p>
+          <a:p>
+            <a:r>
+              <a:t>Handy stumm - aber für Code-Recherche gerne nutzen</a:t>
+            </a:r>
+          </a:p>
+          <a:p>
+            <a:r>
+              <a:t>Kamera an bei Remote-Teilnahme</a:t>
+            </a:r>
+          </a:p>
+          <a:p>
+            <a:r>
+              <a:t>Code teilen - Github Repository für alle</a:t>
+            </a:r>
+          </a:p>
+          <a:p>
+            <a:r>
+              <a:t>Feedback geben - täglich kurze Retro</a:t>
             </a:r>
           </a:p>
         </p:txBody>
@@ -6843,7 +6813,11 @@
         <p:txBody>
           <a:bodyPr/>
           <a:lstStyle/>
-          <a:p/>
+          <a:p>
+            <a:r>
+              <a:t>Software-Architektur</a:t>
+            </a:r>
+          </a:p>
         </p:txBody>
       </p:sp>
       <p:sp>
@@ -6860,7 +6834,11 @@
         <p:txBody>
           <a:bodyPr/>
           <a:lstStyle/>
-          <a:p/>
+          <a:p>
+            <a:r>
+              <a:t>Grundlagen und Definition</a:t>
+            </a:r>
+          </a:p>
         </p:txBody>
       </p:sp>
     </p:spTree>
@@ -6897,7 +6875,7 @@
           <a:lstStyle/>
           <a:p>
             <a:r>
-              <a:t>Bewusst ausgeklammerte Themen</a:t>
+              <a:t>Was ist Software-Architektur? - Verschiedene Definitionen</a:t>
             </a:r>
           </a:p>
         </p:txBody>
@@ -6917,33 +6895,23 @@
           <a:bodyPr/>
           <a:lstStyle/>
           <a:p>
-            <a:pPr/>
-            <a:r>
-              <a:t>Framework-spezifische Patterns (Spring, Hibernate, etc.)</a:t>
-            </a:r>
-          </a:p>
-          <a:p>
-            <a:pPr/>
-            <a:r>
-              <a:t>Architektur-Patterns (Microservices, CQRS, Event Sourcing)</a:t>
-            </a:r>
-          </a:p>
-          <a:p>
-            <a:pPr/>
-            <a:r>
-              <a:t>Concurrency-Patterns (würde eigenen Workshop füllen)</a:t>
-            </a:r>
-          </a:p>
-          <a:p>
-            <a:pPr/>
-            <a:r>
-              <a:t>Specific UI-Frameworks (Angular, React, Vue)</a:t>
-            </a:r>
-          </a:p>
-          <a:p>
-            <a:pPr/>
-            <a:r>
-              <a:t>Cloud-native Patterns (separate Workshop-Serie)</a:t>
+            <a:r>
+              <a:t>IEEE 1471: "Grundlegende Organisation eines Systems durch Komponenten und deren Beziehungen"</a:t>
+            </a:r>
+          </a:p>
+          <a:p>
+            <a:r>
+              <a:t>Martin Fowler: "Architecture is about the important stuff. Whatever that is."</a:t>
+            </a:r>
+          </a:p>
+          <a:p>
+            <a:r>
+              <a:t>Grady Booch: "Signifikante Design-Entscheidungen, gemessen an Änderungskosten"</a:t>
+            </a:r>
+          </a:p>
+          <a:p>
+            <a:r>
+              <a:t>Simon Brown: "Struktur und Vision für gemeinsames Verständnis"</a:t>
             </a:r>
           </a:p>
         </p:txBody>
@@ -6973,31 +6941,39 @@
             <a:spLocks noGrp="1"/>
           </p:cNvSpPr>
           <p:nvPr>
-            <p:ph type="ctrTitle"/>
-          </p:nvPr>
-        </p:nvSpPr>
-        <p:spPr/>
-        <p:txBody>
-          <a:bodyPr/>
-          <a:lstStyle/>
-          <a:p/>
-        </p:txBody>
-      </p:sp>
-      <p:sp>
-        <p:nvSpPr>
-          <p:cNvPr id="3" name="Subtitle 2"/>
-          <p:cNvSpPr>
-            <a:spLocks noGrp="1"/>
-          </p:cNvSpPr>
-          <p:nvPr>
-            <p:ph type="subTitle" idx="1"/>
-          </p:nvPr>
-        </p:nvSpPr>
-        <p:spPr/>
-        <p:txBody>
-          <a:bodyPr/>
-          <a:lstStyle/>
-          <a:p/>
+            <p:ph type="title"/>
+          </p:nvPr>
+        </p:nvSpPr>
+        <p:spPr/>
+        <p:txBody>
+          <a:bodyPr/>
+          <a:lstStyle/>
+          <a:p>
+            <a:r>
+              <a:t>Arbeitsdefinition für diesen Workshop - Unser gemeinsames Verständnis</a:t>
+            </a:r>
+          </a:p>
+        </p:txBody>
+      </p:sp>
+      <p:sp>
+        <p:nvSpPr>
+          <p:cNvPr id="3" name="Content Placeholder 2"/>
+          <p:cNvSpPr>
+            <a:spLocks noGrp="1"/>
+          </p:cNvSpPr>
+          <p:nvPr>
+            <p:ph idx="1"/>
+          </p:nvPr>
+        </p:nvSpPr>
+        <p:spPr/>
+        <p:txBody>
+          <a:bodyPr/>
+          <a:lstStyle/>
+          <a:p>
+            <a:r>
+              <a:t>Software-Architektur ist die Kunst, wichtige Designentscheidungen zu treffen, die die Struktur, das Verhalten und die Evolution eines Systems bestimmen - mit dem Ziel, fachliche Anforderungen optimal zu erfüllen.</a:t>
+            </a:r>
+          </a:p>
         </p:txBody>
       </p:sp>
     </p:spTree>
@@ -7034,7 +7010,7 @@
           <a:lstStyle/>
           <a:p>
             <a:r>
-              <a:t>Zentrale Problemstellungen</a:t>
+              <a:t>Enterprise-Kontext - Besonderheiten in großen Unternehmen</a:t>
             </a:r>
           </a:p>
         </p:txBody>
@@ -7054,33 +7030,28 @@
           <a:bodyPr/>
           <a:lstStyle/>
           <a:p>
-            <a:pPr/>
-            <a:r>
-              <a:t>Legacy-System Integration und Adapter-Patterns</a:t>
-            </a:r>
-          </a:p>
-          <a:p>
-            <a:pPr/>
-            <a:r>
-              <a:t>Flexible Objekterzeugung und Dependency Management</a:t>
-            </a:r>
-          </a:p>
-          <a:p>
-            <a:pPr/>
-            <a:r>
-              <a:t>Algorithmus-Variationen und Strategy-Patterns</a:t>
-            </a:r>
-          </a:p>
-          <a:p>
-            <a:pPr/>
-            <a:r>
-              <a:t>Event-basierte Kommunikation und Observer-Patterns</a:t>
-            </a:r>
-          </a:p>
-          <a:p>
-            <a:pPr/>
-            <a:r>
-              <a:t>Komplexe Objektstrukturen und Composite-Patterns</a:t>
+            <a:r>
+              <a:t>Legacy-Systeme: Jahrzehntealte Systeme, die noch laufen müssen</a:t>
+            </a:r>
+          </a:p>
+          <a:p>
+            <a:r>
+              <a:t>Regulatorische Anforderungen: DSGVO, Compliance-Standards</a:t>
+            </a:r>
+          </a:p>
+          <a:p>
+            <a:r>
+              <a:t>Hochverfügbarkeit: 99.9%+ Uptime-Anforderungen</a:t>
+            </a:r>
+          </a:p>
+          <a:p>
+            <a:r>
+              <a:t>Skalierung: Millionen von Benutzern, große Datenmengen</a:t>
+            </a:r>
+          </a:p>
+          <a:p>
+            <a:r>
+              <a:t>Sicherheit: Kritische Geschäftsdaten, Cyber-Security</a:t>
             </a:r>
           </a:p>
         </p:txBody>
@@ -7117,7 +7088,11 @@
         <p:txBody>
           <a:bodyPr/>
           <a:lstStyle/>
-          <a:p/>
+          <a:p>
+            <a:r>
+              <a:t>Clean Code</a:t>
+            </a:r>
+          </a:p>
         </p:txBody>
       </p:sp>
       <p:sp>
@@ -7134,7 +7109,11 @@
         <p:txBody>
           <a:bodyPr/>
           <a:lstStyle/>
-          <a:p/>
+          <a:p>
+            <a:r>
+              <a:t>Grundlagen für wartbaren Code</a:t>
+            </a:r>
+          </a:p>
         </p:txBody>
       </p:sp>
     </p:spTree>
@@ -7171,7 +7150,7 @@
           <a:lstStyle/>
           <a:p>
             <a:r>
-              <a:t>Was Sie mitbringen sollten</a:t>
+              <a:t>Clean Code Grundlagen - Was bedeutet "sauber"?</a:t>
             </a:r>
           </a:p>
         </p:txBody>
@@ -7191,27 +7170,28 @@
           <a:bodyPr/>
           <a:lstStyle/>
           <a:p>
-            <a:pPr/>
-            <a:r>
-              <a:t>Laptop mit Java 11+ und IDE (IntelliJ/Eclipse)</a:t>
-            </a:r>
-          </a:p>
-          <a:p>
-            <a:pPr/>
-            <a:r>
-              <a:t>Git für Code-Austausch</a:t>
-            </a:r>
-          </a:p>
-          <a:p>
-            <a:pPr/>
-            <a:r>
-              <a:t>Offenheit für neue Perspektiven</a:t>
-            </a:r>
-          </a:p>
-          <a:p>
-            <a:pPr/>
-            <a:r>
-              <a:t>Eigene Code-Beispiele (wenn möglich)</a:t>
+            <a:r>
+              <a:t>Lesbarkeit vor Cleverness</a:t>
+            </a:r>
+          </a:p>
+          <a:p>
+            <a:r>
+              <a:t>Eindeutige Namen für Funktionen, Variablen, Boolean</a:t>
+            </a:r>
+          </a:p>
+          <a:p>
+            <a:r>
+              <a:t>Kurze Funktionen (Eine Funktion = Ein Gedanke)</a:t>
+            </a:r>
+          </a:p>
+          <a:p>
+            <a:r>
+              <a:t>Keine Kommentare, die Code erklären</a:t>
+            </a:r>
+          </a:p>
+          <a:p>
+            <a:r>
+              <a:t>Konsistenz in Namenskonventionen und Formatierung</a:t>
             </a:r>
           </a:p>
         </p:txBody>
@@ -7241,31 +7221,85 @@
             <a:spLocks noGrp="1"/>
           </p:cNvSpPr>
           <p:nvPr>
-            <p:ph type="ctrTitle"/>
-          </p:nvPr>
-        </p:nvSpPr>
-        <p:spPr/>
-        <p:txBody>
-          <a:bodyPr/>
-          <a:lstStyle/>
-          <a:p/>
-        </p:txBody>
-      </p:sp>
-      <p:sp>
-        <p:nvSpPr>
-          <p:cNvPr id="3" name="Subtitle 2"/>
-          <p:cNvSpPr>
-            <a:spLocks noGrp="1"/>
-          </p:cNvSpPr>
-          <p:nvPr>
-            <p:ph type="subTitle" idx="1"/>
-          </p:nvPr>
-        </p:nvSpPr>
-        <p:spPr/>
-        <p:txBody>
-          <a:bodyPr/>
-          <a:lstStyle/>
-          <a:p/>
+            <p:ph type="title"/>
+          </p:nvPr>
+        </p:nvSpPr>
+        <p:spPr/>
+        <p:txBody>
+          <a:bodyPr/>
+          <a:lstStyle/>
+          <a:p>
+            <a:r>
+              <a:t>Software-Lebenszyklus in der Praxis</a:t>
+            </a:r>
+          </a:p>
+        </p:txBody>
+      </p:sp>
+      <p:sp>
+        <p:nvSpPr>
+          <p:cNvPr id="3" name="Content Placeholder 2"/>
+          <p:cNvSpPr>
+            <a:spLocks noGrp="1"/>
+          </p:cNvSpPr>
+          <p:nvPr>
+            <p:ph idx="1" sz="half"/>
+          </p:nvPr>
+        </p:nvSpPr>
+        <p:spPr/>
+        <p:txBody>
+          <a:bodyPr/>
+          <a:lstStyle/>
+          <a:p>
+            <a:r>
+              <a:t>Kostenverteilung:</a:t>
+            </a:r>
+          </a:p>
+          <a:p>
+            <a:r>
+              <a:t>Entwicklung: 20% der Gesamtkosten</a:t>
+            </a:r>
+          </a:p>
+          <a:p>
+            <a:r>
+              <a:t>Wartung: 80% der Gesamtkosten</a:t>
+            </a:r>
+          </a:p>
+        </p:txBody>
+      </p:sp>
+      <p:sp>
+        <p:nvSpPr>
+          <p:cNvPr id="4" name="Content Placeholder 3"/>
+          <p:cNvSpPr>
+            <a:spLocks noGrp="1"/>
+          </p:cNvSpPr>
+          <p:nvPr>
+            <p:ph idx="2" sz="half"/>
+          </p:nvPr>
+        </p:nvSpPr>
+        <p:spPr/>
+        <p:txBody>
+          <a:bodyPr/>
+          <a:lstStyle/>
+          <a:p>
+            <a:r>
+              <a:t>Wartbarkeits-Faktoren:</a:t>
+            </a:r>
+          </a:p>
+          <a:p>
+            <a:r>
+              <a:t>Verständlichkeit: Kann ich verstehen, was der Code macht?</a:t>
+            </a:r>
+          </a:p>
+          <a:p>
+            <a:r>
+              <a:t>Änderbarkeit: Kann ich sicher Änderungen vornehmen?</a:t>
+            </a:r>
+          </a:p>
+          <a:p>
+            <a:r>
+              <a:t>Testbarkeit: Kann ich das Verhalten überprüfen?</a:t>
+            </a:r>
+          </a:p>
         </p:txBody>
       </p:sp>
     </p:spTree>
@@ -7302,7 +7336,7 @@
           <a:lstStyle/>
           <a:p>
             <a:r>
-              <a:t>Zusammenarbeit</a:t>
+              <a:t>Technische Schulden</a:t>
             </a:r>
           </a:p>
         </p:txBody>
@@ -7314,41 +7348,57 @@
             <a:spLocks noGrp="1"/>
           </p:cNvSpPr>
           <p:nvPr>
-            <p:ph idx="1"/>
-          </p:nvPr>
-        </p:nvSpPr>
-        <p:spPr/>
-        <p:txBody>
-          <a:bodyPr/>
-          <a:lstStyle/>
-          <a:p>
-            <a:pPr/>
-            <a:r>
-              <a:t>Fragen jederzeit - Unterbrechungen sind erwünscht</a:t>
-            </a:r>
-          </a:p>
-          <a:p>
-            <a:pPr/>
-            <a:r>
-              <a:t>Handy stumm - aber für Code-Recherche gerne nutzen</a:t>
-            </a:r>
-          </a:p>
-          <a:p>
-            <a:pPr/>
-            <a:r>
-              <a:t>Kamera an bei Remote-Teilnahme</a:t>
-            </a:r>
-          </a:p>
-          <a:p>
-            <a:pPr/>
-            <a:r>
-              <a:t>Code teilen - Github Repository für alle</a:t>
-            </a:r>
-          </a:p>
-          <a:p>
-            <a:pPr/>
-            <a:r>
-              <a:t>Feedback geben - täglich kurze Retro</a:t>
+            <p:ph idx="1" sz="half"/>
+          </p:nvPr>
+        </p:nvSpPr>
+        <p:spPr/>
+        <p:txBody>
+          <a:bodyPr/>
+          <a:lstStyle/>
+          <a:p>
+            <a:r>
+              <a:t>Definition nach Martin Fowler:</a:t>
+            </a:r>
+          </a:p>
+          <a:p>
+            <a:r>
+              <a:t>"Technical debt is a metaphor referring to the eventual consequences of poor system design, software architecture or software development within a codebase."</a:t>
+            </a:r>
+          </a:p>
+        </p:txBody>
+      </p:sp>
+      <p:sp>
+        <p:nvSpPr>
+          <p:cNvPr id="4" name="Content Placeholder 3"/>
+          <p:cNvSpPr>
+            <a:spLocks noGrp="1"/>
+          </p:cNvSpPr>
+          <p:nvPr>
+            <p:ph idx="2" sz="half"/>
+          </p:nvPr>
+        </p:nvSpPr>
+        <p:spPr/>
+        <p:txBody>
+          <a:bodyPr/>
+          <a:lstStyle/>
+          <a:p>
+            <a:r>
+              <a:t>Arten technischer Schulden:</a:t>
+            </a:r>
+          </a:p>
+          <a:p>
+            <a:r>
+              <a:t>Bewusste Schulden: "Quick and dirty, aber nächste Woche aufräumen"</a:t>
+            </a:r>
+          </a:p>
+          <a:p>
+            <a:r>
+              <a:t>Unbewusste Schulden: Entstehen durch Unwissen (gefährlichste Art)</a:t>
+            </a:r>
+          </a:p>
+          <a:p>
+            <a:r>
+              <a:t>Umwelt-Schulden: Änderung der Anforderungen macht Code obsolet</a:t>
             </a:r>
           </a:p>
         </p:txBody>
@@ -7385,7 +7435,11 @@
         <p:txBody>
           <a:bodyPr/>
           <a:lstStyle/>
-          <a:p/>
+          <a:p>
+            <a:r>
+              <a:t>Workshop-Erwartungen</a:t>
+            </a:r>
+          </a:p>
         </p:txBody>
       </p:sp>
       <p:sp>
@@ -7437,7 +7491,11 @@
         <p:txBody>
           <a:bodyPr/>
           <a:lstStyle/>
-          <a:p/>
+          <a:p>
+            <a:r>
+              <a:t>Fachlichkeit vor Technik</a:t>
+            </a:r>
+          </a:p>
         </p:txBody>
       </p:sp>
       <p:sp>
@@ -7454,7 +7512,11 @@
         <p:txBody>
           <a:bodyPr/>
           <a:lstStyle/>
-          <a:p/>
+          <a:p>
+            <a:r>
+              <a:t>Domain-Driven Design</a:t>
+            </a:r>
+          </a:p>
         </p:txBody>
       </p:sp>
     </p:spTree>
@@ -7491,7 +7553,7 @@
           <a:lstStyle/>
           <a:p>
             <a:r>
-              <a:t>Verschiedene Definitionen</a:t>
+              <a:t>Das häufigste Anti-Pattern: Technology-First</a:t>
             </a:r>
           </a:p>
         </p:txBody>
@@ -7511,27 +7573,18 @@
           <a:bodyPr/>
           <a:lstStyle/>
           <a:p>
-            <a:pPr/>
-            <a:r>
-              <a:t>IEEE 1471: "Grundlegende Organisation eines Systems durch Komponenten und deren Beziehungen"</a:t>
-            </a:r>
-          </a:p>
-          <a:p>
-            <a:pPr/>
-            <a:r>
-              <a:t>Martin Fowler: "Architecture is about the important stuff. Whatever that is."</a:t>
-            </a:r>
-          </a:p>
-          <a:p>
-            <a:pPr/>
-            <a:r>
-              <a:t>Grady Booch: "Signifikante Design-Entscheidungen, gemessen an Änderungskosten"</a:t>
-            </a:r>
-          </a:p>
-          <a:p>
-            <a:pPr/>
-            <a:r>
-              <a:t>Simon Brown: "Struktur und Vision für gemeinsames Verständnis"</a:t>
+            <a:r>
+              <a:t>"Wir nutzen jetzt Microservices!" - Aber warum?</a:t>
+            </a:r>
+          </a:p>
+          <a:p>
+            <a:r>
+              <a:t>"Lass uns auf Kubernetes umsteigen!" - Aber welches Problem löst das?</a:t>
+            </a:r>
+          </a:p>
+          <a:p>
+            <a:r>
+              <a:t>"NoSQL ist modern, weg mit der relationalen DB!" - Aber was sind unsere Datenanforderungen?</a:t>
             </a:r>
           </a:p>
         </p:txBody>
@@ -7561,31 +7614,90 @@
             <a:spLocks noGrp="1"/>
           </p:cNvSpPr>
           <p:nvPr>
-            <p:ph type="ctrTitle"/>
-          </p:nvPr>
-        </p:nvSpPr>
-        <p:spPr/>
-        <p:txBody>
-          <a:bodyPr/>
-          <a:lstStyle/>
-          <a:p/>
-        </p:txBody>
-      </p:sp>
-      <p:sp>
-        <p:nvSpPr>
-          <p:cNvPr id="3" name="Subtitle 2"/>
-          <p:cNvSpPr>
-            <a:spLocks noGrp="1"/>
-          </p:cNvSpPr>
-          <p:nvPr>
-            <p:ph type="subTitle" idx="1"/>
-          </p:nvPr>
-        </p:nvSpPr>
-        <p:spPr/>
-        <p:txBody>
-          <a:bodyPr/>
-          <a:lstStyle/>
-          <a:p/>
+            <p:ph type="title"/>
+          </p:nvPr>
+        </p:nvSpPr>
+        <p:spPr/>
+        <p:txBody>
+          <a:bodyPr/>
+          <a:lstStyle/>
+          <a:p>
+            <a:r>
+              <a:t>Technology-First Beispiele</a:t>
+            </a:r>
+          </a:p>
+        </p:txBody>
+      </p:sp>
+      <p:sp>
+        <p:nvSpPr>
+          <p:cNvPr id="3" name="Content Placeholder 2"/>
+          <p:cNvSpPr>
+            <a:spLocks noGrp="1"/>
+          </p:cNvSpPr>
+          <p:nvPr>
+            <p:ph idx="1" sz="half"/>
+          </p:nvPr>
+        </p:nvSpPr>
+        <p:spPr/>
+        <p:txBody>
+          <a:bodyPr/>
+          <a:lstStyle/>
+          <a:p>
+            <a:r>
+              <a:t>Der Microservices-Hype:</a:t>
+            </a:r>
+          </a:p>
+          <a:p>
+            <a:r>
+              <a:t>Problem: Monolith funktioniert gut, aber "Microservices sind modern"</a:t>
+            </a:r>
+          </a:p>
+          <a:p>
+            <a:r>
+              <a:t>Entscheidung: Monolith in 20+ Services aufteilen</a:t>
+            </a:r>
+          </a:p>
+          <a:p>
+            <a:r>
+              <a:t>Ergebnis: 3x höhere Komplexität, Latenz-Probleme, Debugging-Albtraum</a:t>
+            </a:r>
+          </a:p>
+        </p:txBody>
+      </p:sp>
+      <p:sp>
+        <p:nvSpPr>
+          <p:cNvPr id="4" name="Content Placeholder 3"/>
+          <p:cNvSpPr>
+            <a:spLocks noGrp="1"/>
+          </p:cNvSpPr>
+          <p:nvPr>
+            <p:ph idx="2" sz="half"/>
+          </p:nvPr>
+        </p:nvSpPr>
+        <p:spPr/>
+        <p:txBody>
+          <a:bodyPr/>
+          <a:lstStyle/>
+          <a:p>
+            <a:r>
+              <a:t>Die NoSQL-Modernisierung:</a:t>
+            </a:r>
+          </a:p>
+          <a:p>
+            <a:r>
+              <a:t>Problem: Bewährte relationale DB für Finanzdaten</a:t>
+            </a:r>
+          </a:p>
+          <a:p>
+            <a:r>
+              <a:t>Entscheidung: Migration auf Document-Database</a:t>
+            </a:r>
+          </a:p>
+          <a:p>
+            <a:r>
+              <a:t>Ergebnis: Datenkonsistenz-Probleme, Migration zurück nach 18 Monaten</a:t>
+            </a:r>
+          </a:p>
         </p:txBody>
       </p:sp>
     </p:spTree>
@@ -7613,31 +7725,49 @@
             <a:spLocks noGrp="1"/>
           </p:cNvSpPr>
           <p:nvPr>
-            <p:ph type="ctrTitle"/>
-          </p:nvPr>
-        </p:nvSpPr>
-        <p:spPr/>
-        <p:txBody>
-          <a:bodyPr/>
-          <a:lstStyle/>
-          <a:p/>
-        </p:txBody>
-      </p:sp>
-      <p:sp>
-        <p:nvSpPr>
-          <p:cNvPr id="3" name="Subtitle 2"/>
-          <p:cNvSpPr>
-            <a:spLocks noGrp="1"/>
-          </p:cNvSpPr>
-          <p:nvPr>
-            <p:ph type="subTitle" idx="1"/>
-          </p:nvPr>
-        </p:nvSpPr>
-        <p:spPr/>
-        <p:txBody>
-          <a:bodyPr/>
-          <a:lstStyle/>
-          <a:p/>
+            <p:ph type="title"/>
+          </p:nvPr>
+        </p:nvSpPr>
+        <p:spPr/>
+        <p:txBody>
+          <a:bodyPr/>
+          <a:lstStyle/>
+          <a:p>
+            <a:r>
+              <a:t>Domain-Driven Design: Fachlichkeit First - Die richtige Reihenfolge</a:t>
+            </a:r>
+          </a:p>
+        </p:txBody>
+      </p:sp>
+      <p:sp>
+        <p:nvSpPr>
+          <p:cNvPr id="3" name="Content Placeholder 2"/>
+          <p:cNvSpPr>
+            <a:spLocks noGrp="1"/>
+          </p:cNvSpPr>
+          <p:nvPr>
+            <p:ph idx="1"/>
+          </p:nvPr>
+        </p:nvSpPr>
+        <p:spPr/>
+        <p:txBody>
+          <a:bodyPr/>
+          <a:lstStyle/>
+          <a:p>
+            <a:r>
+              <a:t>1. Fachlichkeit verstehen: Geschäftsproblem, Arbeitsprozesse, Regeln, echte Anforderungen</a:t>
+            </a:r>
+          </a:p>
+          <a:p>
+            <a:r>
+              <a:t>2. Fachliche Architektur entwerfen: Domains, Bounded Contexts, fachliche Services, Geschäftslogik-Modellierung</a:t>
+            </a:r>
+          </a:p>
+          <a:p>
+            <a:r>
+              <a:t>3. Technologie auswählen: Was unterstützt unser fachliches Modell am besten?</a:t>
+            </a:r>
+          </a:p>
         </p:txBody>
       </p:sp>
     </p:spTree>
@@ -7665,31 +7795,49 @@
             <a:spLocks noGrp="1"/>
           </p:cNvSpPr>
           <p:nvPr>
-            <p:ph type="ctrTitle"/>
-          </p:nvPr>
-        </p:nvSpPr>
-        <p:spPr/>
-        <p:txBody>
-          <a:bodyPr/>
-          <a:lstStyle/>
-          <a:p/>
-        </p:txBody>
-      </p:sp>
-      <p:sp>
-        <p:nvSpPr>
-          <p:cNvPr id="3" name="Subtitle 2"/>
-          <p:cNvSpPr>
-            <a:spLocks noGrp="1"/>
-          </p:cNvSpPr>
-          <p:nvPr>
-            <p:ph type="subTitle" idx="1"/>
-          </p:nvPr>
-        </p:nvSpPr>
-        <p:spPr/>
-        <p:txBody>
-          <a:bodyPr/>
-          <a:lstStyle/>
-          <a:p/>
+            <p:ph type="title"/>
+          </p:nvPr>
+        </p:nvSpPr>
+        <p:spPr/>
+        <p:txBody>
+          <a:bodyPr/>
+          <a:lstStyle/>
+          <a:p>
+            <a:r>
+              <a:t>Die richtige Herangehensweise - Fragen in der richtigen Reihenfolge</a:t>
+            </a:r>
+          </a:p>
+        </p:txBody>
+      </p:sp>
+      <p:sp>
+        <p:nvSpPr>
+          <p:cNvPr id="3" name="Content Placeholder 2"/>
+          <p:cNvSpPr>
+            <a:spLocks noGrp="1"/>
+          </p:cNvSpPr>
+          <p:nvPr>
+            <p:ph idx="1"/>
+          </p:nvPr>
+        </p:nvSpPr>
+        <p:spPr/>
+        <p:txBody>
+          <a:bodyPr/>
+          <a:lstStyle/>
+          <a:p>
+            <a:r>
+              <a:t>Phase 1: Fachlichkeit verstehen - Was soll das System tun? Warum ist das wichtig? Wer sind die Stakeholder?</a:t>
+            </a:r>
+          </a:p>
+          <a:p>
+            <a:r>
+              <a:t>Phase 2: Fachliche Lösung entwerfen - Welche fachlichen Bereiche gibt es? Wo sind die Grenzen? Wie kommunizieren sie?</a:t>
+            </a:r>
+          </a:p>
+          <a:p>
+            <a:r>
+              <a:t>Phase 3: Technologie auswählen - Womit implementieren wir das am besten? Was löst unsere spezifischen Probleme?</a:t>
+            </a:r>
+          </a:p>
         </p:txBody>
       </p:sp>
     </p:spTree>
@@ -7717,62 +7865,37 @@
             <a:spLocks noGrp="1"/>
           </p:cNvSpPr>
           <p:nvPr>
-            <p:ph type="title"/>
-          </p:nvPr>
-        </p:nvSpPr>
-        <p:spPr/>
-        <p:txBody>
-          <a:bodyPr/>
-          <a:lstStyle/>
-          <a:p>
-            <a:r>
-              <a:t>Besonderheiten in großen Unternehmen</a:t>
-            </a:r>
-          </a:p>
-        </p:txBody>
-      </p:sp>
-      <p:sp>
-        <p:nvSpPr>
-          <p:cNvPr id="3" name="Content Placeholder 2"/>
-          <p:cNvSpPr>
-            <a:spLocks noGrp="1"/>
-          </p:cNvSpPr>
-          <p:nvPr>
-            <p:ph idx="1"/>
-          </p:nvPr>
-        </p:nvSpPr>
-        <p:spPr/>
-        <p:txBody>
-          <a:bodyPr/>
-          <a:lstStyle/>
-          <a:p>
-            <a:pPr/>
-            <a:r>
-              <a:t>Legacy-Systeme: Jahrzehntealte Systeme, die noch laufen müssen</a:t>
-            </a:r>
-          </a:p>
-          <a:p>
-            <a:pPr/>
-            <a:r>
-              <a:t>Regulatorische Anforderungen: DSGVO, Compliance-Standards</a:t>
-            </a:r>
-          </a:p>
-          <a:p>
-            <a:pPr/>
-            <a:r>
-              <a:t>Hochverfügbarkeit: 99.9%+ Uptime-Anforderungen</a:t>
-            </a:r>
-          </a:p>
-          <a:p>
-            <a:pPr/>
-            <a:r>
-              <a:t>Skalierung: Millionen von Benutzern, große Datenmengen</a:t>
-            </a:r>
-          </a:p>
-          <a:p>
-            <a:pPr/>
-            <a:r>
-              <a:t>Sicherheit: Kritische Geschäftsdaten, Cyber-Security</a:t>
+            <p:ph type="ctrTitle"/>
+          </p:nvPr>
+        </p:nvSpPr>
+        <p:spPr/>
+        <p:txBody>
+          <a:bodyPr/>
+          <a:lstStyle/>
+          <a:p>
+            <a:r>
+              <a:t>Design Patterns</a:t>
+            </a:r>
+          </a:p>
+        </p:txBody>
+      </p:sp>
+      <p:sp>
+        <p:nvSpPr>
+          <p:cNvPr id="3" name="Subtitle 2"/>
+          <p:cNvSpPr>
+            <a:spLocks noGrp="1"/>
+          </p:cNvSpPr>
+          <p:nvPr>
+            <p:ph type="subTitle" idx="1"/>
+          </p:nvPr>
+        </p:nvSpPr>
+        <p:spPr/>
+        <p:txBody>
+          <a:bodyPr/>
+          <a:lstStyle/>
+          <a:p>
+            <a:r>
+              <a:t>Motivation und Geschichte</a:t>
             </a:r>
           </a:p>
         </p:txBody>
@@ -7802,31 +7925,59 @@
             <a:spLocks noGrp="1"/>
           </p:cNvSpPr>
           <p:nvPr>
-            <p:ph type="ctrTitle"/>
-          </p:nvPr>
-        </p:nvSpPr>
-        <p:spPr/>
-        <p:txBody>
-          <a:bodyPr/>
-          <a:lstStyle/>
-          <a:p/>
-        </p:txBody>
-      </p:sp>
-      <p:sp>
-        <p:nvSpPr>
-          <p:cNvPr id="3" name="Subtitle 2"/>
-          <p:cNvSpPr>
-            <a:spLocks noGrp="1"/>
-          </p:cNvSpPr>
-          <p:nvPr>
-            <p:ph type="subTitle" idx="1"/>
-          </p:nvPr>
-        </p:nvSpPr>
-        <p:spPr/>
-        <p:txBody>
-          <a:bodyPr/>
-          <a:lstStyle/>
-          <a:p/>
+            <p:ph type="title"/>
+          </p:nvPr>
+        </p:nvSpPr>
+        <p:spPr/>
+        <p:txBody>
+          <a:bodyPr/>
+          <a:lstStyle/>
+          <a:p>
+            <a:r>
+              <a:t>Design Patterns Motivation - Geschichte: Warum entstanden Design Patterns?</a:t>
+            </a:r>
+          </a:p>
+        </p:txBody>
+      </p:sp>
+      <p:sp>
+        <p:nvSpPr>
+          <p:cNvPr id="3" name="Content Placeholder 2"/>
+          <p:cNvSpPr>
+            <a:spLocks noGrp="1"/>
+          </p:cNvSpPr>
+          <p:nvPr>
+            <p:ph idx="1"/>
+          </p:nvPr>
+        </p:nvSpPr>
+        <p:spPr/>
+        <p:txBody>
+          <a:bodyPr/>
+          <a:lstStyle/>
+          <a:p>
+            <a:r>
+              <a:t>Christopher Alexander (1977): "A Pattern Language" - Gebäude-Architektur!</a:t>
+            </a:r>
+          </a:p>
+          <a:p>
+            <a:r>
+              <a:t>Gang of Four (1994): Übertragung auf Software</a:t>
+            </a:r>
+          </a:p>
+          <a:p>
+            <a:r>
+              <a:t>Problem 1: Wiederkehrende Design-Probleme</a:t>
+            </a:r>
+          </a:p>
+          <a:p>
+            <a:r>
+              <a:t>Problem 2: Schlechte Kommunikation zwischen Entwicklern</a:t>
+            </a:r>
+          </a:p>
+          <a:p>
+            <a:r>
+              <a:t>Problem 3: Fehlende Best Practices</a:t>
+            </a:r>
+          </a:p>
         </p:txBody>
       </p:sp>
     </p:spTree>
@@ -7863,7 +8014,7 @@
           <a:lstStyle/>
           <a:p>
             <a:r>
-              <a:t>Was bedeutet "sauber"?</a:t>
+              <a:t>Warum Design Patterns? - Vier Hauptvorteile</a:t>
             </a:r>
           </a:p>
         </p:txBody>
@@ -7883,33 +8034,23 @@
           <a:bodyPr/>
           <a:lstStyle/>
           <a:p>
-            <a:pPr/>
-            <a:r>
-              <a:t>Lesbarkeit vor Cleverness</a:t>
-            </a:r>
-          </a:p>
-          <a:p>
-            <a:pPr/>
-            <a:r>
-              <a:t>Eindeutige Namen für Funktionen, Variablen, Boolean</a:t>
-            </a:r>
-          </a:p>
-          <a:p>
-            <a:pPr/>
-            <a:r>
-              <a:t>Kurze Funktionen (Eine Funktion = Ein Gedanke)</a:t>
-            </a:r>
-          </a:p>
-          <a:p>
-            <a:pPr/>
-            <a:r>
-              <a:t>Keine Kommentare, die Code erklären</a:t>
-            </a:r>
-          </a:p>
-          <a:p>
-            <a:pPr/>
-            <a:r>
-              <a:t>Konsistenz in Namenskonventionen und Formatierung</a:t>
+            <a:r>
+              <a:t>Bewährte Lösungen nutzen: Anstatt Rad neu erfinden</a:t>
+            </a:r>
+          </a:p>
+          <a:p>
+            <a:r>
+              <a:t>Gemeinsame Sprache entwickeln: Vokabular für Teams</a:t>
+            </a:r>
+          </a:p>
+          <a:p>
+            <a:r>
+              <a:t>Design-Qualität verbessern: SOLID-Prinzipien kodifiziert</a:t>
+            </a:r>
+          </a:p>
+          <a:p>
+            <a:r>
+              <a:t>Wartbarkeit erhöhen: Bekannte Patterns sind verständlicher</a:t>
             </a:r>
           </a:p>
         </p:txBody>
@@ -7939,31 +8080,95 @@
             <a:spLocks noGrp="1"/>
           </p:cNvSpPr>
           <p:nvPr>
-            <p:ph type="ctrTitle"/>
-          </p:nvPr>
-        </p:nvSpPr>
-        <p:spPr/>
-        <p:txBody>
-          <a:bodyPr/>
-          <a:lstStyle/>
-          <a:p/>
-        </p:txBody>
-      </p:sp>
-      <p:sp>
-        <p:nvSpPr>
-          <p:cNvPr id="3" name="Subtitle 2"/>
-          <p:cNvSpPr>
-            <a:spLocks noGrp="1"/>
-          </p:cNvSpPr>
-          <p:nvPr>
-            <p:ph type="subTitle" idx="1"/>
-          </p:nvPr>
-        </p:nvSpPr>
-        <p:spPr/>
-        <p:txBody>
-          <a:bodyPr/>
-          <a:lstStyle/>
-          <a:p/>
+            <p:ph type="title"/>
+          </p:nvPr>
+        </p:nvSpPr>
+        <p:spPr/>
+        <p:txBody>
+          <a:bodyPr/>
+          <a:lstStyle/>
+          <a:p>
+            <a:r>
+              <a:t>Patterns sind NICHT... - Pattern-Missbrauch vermeiden</a:t>
+            </a:r>
+          </a:p>
+        </p:txBody>
+      </p:sp>
+      <p:sp>
+        <p:nvSpPr>
+          <p:cNvPr id="3" name="Content Placeholder 2"/>
+          <p:cNvSpPr>
+            <a:spLocks noGrp="1"/>
+          </p:cNvSpPr>
+          <p:nvPr>
+            <p:ph idx="1" sz="half"/>
+          </p:nvPr>
+        </p:nvSpPr>
+        <p:spPr/>
+        <p:txBody>
+          <a:bodyPr/>
+          <a:lstStyle/>
+          <a:p>
+            <a:r>
+              <a:t>Patterns sind NICHT:</a:t>
+            </a:r>
+          </a:p>
+          <a:p>
+            <a:r>
+              <a:t>Silberkugeln: Patterns lösen nicht alle Probleme</a:t>
+            </a:r>
+          </a:p>
+          <a:p>
+            <a:r>
+              <a:t>Dogmen: Patterns müssen nicht sklavisch befolgt werden</a:t>
+            </a:r>
+          </a:p>
+          <a:p>
+            <a:r>
+              <a:t>Komplexität um der Komplexität willen</a:t>
+            </a:r>
+          </a:p>
+          <a:p>
+            <a:r>
+              <a:t>Copy-Paste Code: Patterns sind konzeptuelle Lösungen</a:t>
+            </a:r>
+          </a:p>
+        </p:txBody>
+      </p:sp>
+      <p:sp>
+        <p:nvSpPr>
+          <p:cNvPr id="4" name="Content Placeholder 3"/>
+          <p:cNvSpPr>
+            <a:spLocks noGrp="1"/>
+          </p:cNvSpPr>
+          <p:nvPr>
+            <p:ph idx="2" sz="half"/>
+          </p:nvPr>
+        </p:nvSpPr>
+        <p:spPr/>
+        <p:txBody>
+          <a:bodyPr/>
+          <a:lstStyle/>
+          <a:p>
+            <a:r>
+              <a:t>Anti-Beispiel aus der Praxis:</a:t>
+            </a:r>
+          </a:p>
+          <a:p>
+            <a:r>
+              <a:t>Problem: Einfache Konfigurationswerte lesen</a:t>
+            </a:r>
+          </a:p>
+          <a:p>
+            <a:r>
+              <a:t>Overengineered: AbstractConfigurationFactoryBuilderStrategyProxy</a:t>
+            </a:r>
+          </a:p>
+          <a:p>
+            <a:r>
+              <a:t>Einfach: Properties.load()</a:t>
+            </a:r>
+          </a:p>
         </p:txBody>
       </p:sp>
     </p:spTree>
@@ -7991,44 +8196,37 @@
             <a:spLocks noGrp="1"/>
           </p:cNvSpPr>
           <p:nvPr>
-            <p:ph type="title"/>
-          </p:nvPr>
-        </p:nvSpPr>
-        <p:spPr/>
-        <p:txBody>
-          <a:bodyPr/>
-          <a:lstStyle/>
-          <a:p>
-            <a:r>
-              <a:t>Kostenverteilung</a:t>
-            </a:r>
-          </a:p>
-        </p:txBody>
-      </p:sp>
-      <p:sp>
-        <p:nvSpPr>
-          <p:cNvPr id="3" name="Content Placeholder 2"/>
-          <p:cNvSpPr>
-            <a:spLocks noGrp="1"/>
-          </p:cNvSpPr>
-          <p:nvPr>
-            <p:ph idx="1"/>
-          </p:nvPr>
-        </p:nvSpPr>
-        <p:spPr/>
-        <p:txBody>
-          <a:bodyPr/>
-          <a:lstStyle/>
-          <a:p>
-            <a:pPr/>
-            <a:r>
-              <a:t>Entwicklung: 20% der Gesamtkosten</a:t>
-            </a:r>
-          </a:p>
-          <a:p>
-            <a:pPr/>
-            <a:r>
-              <a:t>Wartung: 80% der Gesamtkosten</a:t>
+            <p:ph type="ctrTitle"/>
+          </p:nvPr>
+        </p:nvSpPr>
+        <p:spPr/>
+        <p:txBody>
+          <a:bodyPr/>
+          <a:lstStyle/>
+          <a:p>
+            <a:r>
+              <a:t>Refactoring Philosophie</a:t>
+            </a:r>
+          </a:p>
+        </p:txBody>
+      </p:sp>
+      <p:sp>
+        <p:nvSpPr>
+          <p:cNvPr id="3" name="Subtitle 2"/>
+          <p:cNvSpPr>
+            <a:spLocks noGrp="1"/>
+          </p:cNvSpPr>
+          <p:nvPr>
+            <p:ph type="subTitle" idx="1"/>
+          </p:nvPr>
+        </p:nvSpPr>
+        <p:spPr/>
+        <p:txBody>
+          <a:bodyPr/>
+          <a:lstStyle/>
+          <a:p>
+            <a:r>
+              <a:t>Der Weg zu besserer Code-Qualität</a:t>
             </a:r>
           </a:p>
         </p:txBody>
@@ -8087,25 +8285,21 @@
           <a:bodyPr/>
           <a:lstStyle/>
           <a:p>
-            <a:pPr/>
             <a:r>
               <a:t>Block 1: Creational Patterns - Flexible Objekterzeugung in Enterprise-Systemen</a:t>
             </a:r>
           </a:p>
           <a:p>
-            <a:pPr/>
             <a:r>
               <a:t>Block 2: Structural Patterns - Objektkomposition und Systemintegration</a:t>
             </a:r>
           </a:p>
           <a:p>
-            <a:pPr/>
             <a:r>
               <a:t>Block 3: Behavioral Patterns - Verhalten und Kommunikation zwischen Objekten</a:t>
             </a:r>
           </a:p>
           <a:p>
-            <a:pPr/>
             <a:r>
               <a:t>Block 4: Advanced Patterns - Komplexe Szenarien und Pattern-Kombinationen</a:t>
             </a:r>
@@ -8146,7 +8340,7 @@
           <a:lstStyle/>
           <a:p>
             <a:r>
-              <a:t>Wartbarkeits-Faktoren</a:t>
+              <a:t>Was ist Refactoring?</a:t>
             </a:r>
           </a:p>
         </p:txBody>
@@ -8158,29 +8352,57 @@
             <a:spLocks noGrp="1"/>
           </p:cNvSpPr>
           <p:nvPr>
-            <p:ph idx="1"/>
-          </p:nvPr>
-        </p:nvSpPr>
-        <p:spPr/>
-        <p:txBody>
-          <a:bodyPr/>
-          <a:lstStyle/>
-          <a:p>
-            <a:pPr/>
-            <a:r>
-              <a:t>Verständlichkeit: Kann ich verstehen, was der Code macht?</a:t>
-            </a:r>
-          </a:p>
-          <a:p>
-            <a:pPr/>
-            <a:r>
-              <a:t>Änderbarkeit: Kann ich sicher Änderungen vornehmen?</a:t>
-            </a:r>
-          </a:p>
-          <a:p>
-            <a:pPr/>
-            <a:r>
-              <a:t>Testbarkeit: Kann ich das Verhalten überprüfen?</a:t>
+            <p:ph idx="1" sz="half"/>
+          </p:nvPr>
+        </p:nvSpPr>
+        <p:spPr/>
+        <p:txBody>
+          <a:bodyPr/>
+          <a:lstStyle/>
+          <a:p>
+            <a:r>
+              <a:t>Definition nach Martin Fowler:</a:t>
+            </a:r>
+          </a:p>
+          <a:p>
+            <a:r>
+              <a:t>"Refactoring is the process of changing a software system in such a way that it does not alter the external behavior of the code yet improves its internal structure."</a:t>
+            </a:r>
+          </a:p>
+        </p:txBody>
+      </p:sp>
+      <p:sp>
+        <p:nvSpPr>
+          <p:cNvPr id="4" name="Content Placeholder 3"/>
+          <p:cNvSpPr>
+            <a:spLocks noGrp="1"/>
+          </p:cNvSpPr>
+          <p:nvPr>
+            <p:ph idx="2" sz="half"/>
+          </p:nvPr>
+        </p:nvSpPr>
+        <p:spPr/>
+        <p:txBody>
+          <a:bodyPr/>
+          <a:lstStyle/>
+          <a:p>
+            <a:r>
+              <a:t>Schlüsselelemente:</a:t>
+            </a:r>
+          </a:p>
+          <a:p>
+            <a:r>
+              <a:t>Verhalten bleibt gleich - Funktionalität ändert sich nicht</a:t>
+            </a:r>
+          </a:p>
+          <a:p>
+            <a:r>
+              <a:t>Struktur wird besser - Code wird wartbarer</a:t>
+            </a:r>
+          </a:p>
+          <a:p>
+            <a:r>
+              <a:t>Kleine Schritte - Viele kleine, sichere Änderungen</a:t>
             </a:r>
           </a:p>
         </p:txBody>
@@ -8210,31 +8432,85 @@
             <a:spLocks noGrp="1"/>
           </p:cNvSpPr>
           <p:nvPr>
-            <p:ph type="ctrTitle"/>
-          </p:nvPr>
-        </p:nvSpPr>
-        <p:spPr/>
-        <p:txBody>
-          <a:bodyPr/>
-          <a:lstStyle/>
-          <a:p/>
-        </p:txBody>
-      </p:sp>
-      <p:sp>
-        <p:nvSpPr>
-          <p:cNvPr id="3" name="Subtitle 2"/>
-          <p:cNvSpPr>
-            <a:spLocks noGrp="1"/>
-          </p:cNvSpPr>
-          <p:nvPr>
-            <p:ph type="subTitle" idx="1"/>
-          </p:nvPr>
-        </p:nvSpPr>
-        <p:spPr/>
-        <p:txBody>
-          <a:bodyPr/>
-          <a:lstStyle/>
-          <a:p/>
+            <p:ph type="title"/>
+          </p:nvPr>
+        </p:nvSpPr>
+        <p:spPr/>
+        <p:txBody>
+          <a:bodyPr/>
+          <a:lstStyle/>
+          <a:p>
+            <a:r>
+              <a:t>Die Boy Scout Rule - Ursprung und Übertragung</a:t>
+            </a:r>
+          </a:p>
+        </p:txBody>
+      </p:sp>
+      <p:sp>
+        <p:nvSpPr>
+          <p:cNvPr id="3" name="Content Placeholder 2"/>
+          <p:cNvSpPr>
+            <a:spLocks noGrp="1"/>
+          </p:cNvSpPr>
+          <p:nvPr>
+            <p:ph idx="1" sz="half"/>
+          </p:nvPr>
+        </p:nvSpPr>
+        <p:spPr/>
+        <p:txBody>
+          <a:bodyPr/>
+          <a:lstStyle/>
+          <a:p>
+            <a:r>
+              <a:t>Boy Scouts of America:</a:t>
+            </a:r>
+          </a:p>
+          <a:p>
+            <a:r>
+              <a:t>"Try and leave this world a little better than you found it."</a:t>
+            </a:r>
+          </a:p>
+          <a:p>
+            <a:r>
+              <a:t>Uncle Bob für Software:</a:t>
+            </a:r>
+          </a:p>
+          <a:p>
+            <a:r>
+              <a:t>"Always leave the campground cleaner than you found it."</a:t>
+            </a:r>
+          </a:p>
+        </p:txBody>
+      </p:sp>
+      <p:sp>
+        <p:nvSpPr>
+          <p:cNvPr id="4" name="Content Placeholder 3"/>
+          <p:cNvSpPr>
+            <a:spLocks noGrp="1"/>
+          </p:cNvSpPr>
+          <p:nvPr>
+            <p:ph idx="2" sz="half"/>
+          </p:nvPr>
+        </p:nvSpPr>
+        <p:spPr/>
+        <p:txBody>
+          <a:bodyPr/>
+          <a:lstStyle/>
+          <a:p>
+            <a:r>
+              <a:t>Praktische Anwendung:</a:t>
+            </a:r>
+          </a:p>
+          <a:p>
+            <a:r>
+              <a:t>Bei jedem Code-Touch: Verstehe → Verbessere → Prüfe → Committe</a:t>
+            </a:r>
+          </a:p>
+          <a:p>
+            <a:r>
+              <a:t>Konkrete Aktionen: Variable umbenennen, Magic Numbers extrahieren, Long Methods aufteilen</a:t>
+            </a:r>
+          </a:p>
         </p:txBody>
       </p:sp>
     </p:spTree>
@@ -8262,31 +8538,90 @@
             <a:spLocks noGrp="1"/>
           </p:cNvSpPr>
           <p:nvPr>
-            <p:ph type="ctrTitle"/>
-          </p:nvPr>
-        </p:nvSpPr>
-        <p:spPr/>
-        <p:txBody>
-          <a:bodyPr/>
-          <a:lstStyle/>
-          <a:p/>
-        </p:txBody>
-      </p:sp>
-      <p:sp>
-        <p:nvSpPr>
-          <p:cNvPr id="3" name="Subtitle 2"/>
-          <p:cNvSpPr>
-            <a:spLocks noGrp="1"/>
-          </p:cNvSpPr>
-          <p:nvPr>
-            <p:ph type="subTitle" idx="1"/>
-          </p:nvPr>
-        </p:nvSpPr>
-        <p:spPr/>
-        <p:txBody>
-          <a:bodyPr/>
-          <a:lstStyle/>
-          <a:p/>
+            <p:ph type="title"/>
+          </p:nvPr>
+        </p:nvSpPr>
+        <p:spPr/>
+        <p:txBody>
+          <a:bodyPr/>
+          <a:lstStyle/>
+          <a:p>
+            <a:r>
+              <a:t>Wann refactoren? - Die "Rule of Three"</a:t>
+            </a:r>
+          </a:p>
+        </p:txBody>
+      </p:sp>
+      <p:sp>
+        <p:nvSpPr>
+          <p:cNvPr id="3" name="Content Placeholder 2"/>
+          <p:cNvSpPr>
+            <a:spLocks noGrp="1"/>
+          </p:cNvSpPr>
+          <p:nvPr>
+            <p:ph idx="1" sz="half"/>
+          </p:nvPr>
+        </p:nvSpPr>
+        <p:spPr/>
+        <p:txBody>
+          <a:bodyPr/>
+          <a:lstStyle/>
+          <a:p>
+            <a:r>
+              <a:t>Die "Rule of Three":</a:t>
+            </a:r>
+          </a:p>
+          <a:p>
+            <a:r>
+              <a:t>1. Das erste Mal - mache es einfach</a:t>
+            </a:r>
+          </a:p>
+          <a:p>
+            <a:r>
+              <a:t>2. Das zweite Mal - ärgere dich über Duplikation, aber mache es trotzdem</a:t>
+            </a:r>
+          </a:p>
+          <a:p>
+            <a:r>
+              <a:t>3. Das dritte Mal - refactore!</a:t>
+            </a:r>
+          </a:p>
+        </p:txBody>
+      </p:sp>
+      <p:sp>
+        <p:nvSpPr>
+          <p:cNvPr id="4" name="Content Placeholder 3"/>
+          <p:cNvSpPr>
+            <a:spLocks noGrp="1"/>
+          </p:cNvSpPr>
+          <p:nvPr>
+            <p:ph idx="2" sz="half"/>
+          </p:nvPr>
+        </p:nvSpPr>
+        <p:spPr/>
+        <p:txBody>
+          <a:bodyPr/>
+          <a:lstStyle/>
+          <a:p>
+            <a:r>
+              <a:t>Refactoring-Trigger:</a:t>
+            </a:r>
+          </a:p>
+          <a:p>
+            <a:r>
+              <a:t>Wenn du Code verstehen musst (vor Bug-Fix, vor Feature)</a:t>
+            </a:r>
+          </a:p>
+          <a:p>
+            <a:r>
+              <a:t>Wenn du Duplikation siehst (Copy-Paste Code)</a:t>
+            </a:r>
+          </a:p>
+          <a:p>
+            <a:r>
+              <a:t>Wenn Code "riecht" (Long Method, Large Class, Long Parameter List)</a:t>
+            </a:r>
+          </a:p>
         </p:txBody>
       </p:sp>
     </p:spTree>
@@ -8323,7 +8658,7 @@
           <a:lstStyle/>
           <a:p>
             <a:r>
-              <a:t>Arten technischer Schulden</a:t>
+              <a:t>Refactoring-Sicherheitsmaßnahmen</a:t>
             </a:r>
           </a:p>
         </p:txBody>
@@ -8335,29 +8670,67 @@
             <a:spLocks noGrp="1"/>
           </p:cNvSpPr>
           <p:nvPr>
-            <p:ph idx="1"/>
-          </p:nvPr>
-        </p:nvSpPr>
-        <p:spPr/>
-        <p:txBody>
-          <a:bodyPr/>
-          <a:lstStyle/>
-          <a:p>
-            <a:pPr/>
-            <a:r>
-              <a:t>Bewusste Schulden: "Quick and dirty, aber nächste Woche aufräumen"</a:t>
-            </a:r>
-          </a:p>
-          <a:p>
-            <a:pPr/>
-            <a:r>
-              <a:t>Unbewusste Schulden: Entstehen durch Unwissen (gefährlichste Art)</a:t>
-            </a:r>
-          </a:p>
-          <a:p>
-            <a:pPr/>
-            <a:r>
-              <a:t>Umwelt-Schulden: Änderung der Anforderungen macht Code obsolet</a:t>
+            <p:ph idx="1" sz="half"/>
+          </p:nvPr>
+        </p:nvSpPr>
+        <p:spPr/>
+        <p:txBody>
+          <a:bodyPr/>
+          <a:lstStyle/>
+          <a:p>
+            <a:r>
+              <a:t>Tests zuerst:</a:t>
+            </a:r>
+          </a:p>
+          <a:p>
+            <a:r>
+              <a:t>Vor Refactoring: Verstehe Verhalten, schreibe Tests, alle Tests grün</a:t>
+            </a:r>
+          </a:p>
+          <a:p>
+            <a:r>
+              <a:t>Während Refactoring: Nach jedem Schritt Tests laufen lassen</a:t>
+            </a:r>
+          </a:p>
+          <a:p>
+            <a:r>
+              <a:t>Nach Refactoring: Alle Tests noch grün</a:t>
+            </a:r>
+          </a:p>
+        </p:txBody>
+      </p:sp>
+      <p:sp>
+        <p:nvSpPr>
+          <p:cNvPr id="4" name="Content Placeholder 3"/>
+          <p:cNvSpPr>
+            <a:spLocks noGrp="1"/>
+          </p:cNvSpPr>
+          <p:nvPr>
+            <p:ph idx="2" sz="half"/>
+          </p:nvPr>
+        </p:nvSpPr>
+        <p:spPr/>
+        <p:txBody>
+          <a:bodyPr/>
+          <a:lstStyle/>
+          <a:p>
+            <a:r>
+              <a:t>Kleine Schritte und IDE-Unterstützung:</a:t>
+            </a:r>
+          </a:p>
+          <a:p>
+            <a:r>
+              <a:t>Ein Schritt nach dem anderen</a:t>
+            </a:r>
+          </a:p>
+          <a:p>
+            <a:r>
+              <a:t>Extract Method, Rename Variable, Move Method</a:t>
+            </a:r>
+          </a:p>
+          <a:p>
+            <a:r>
+              <a:t>IDE kann viel automatisch und sicher machen</a:t>
             </a:r>
           </a:p>
         </p:txBody>
@@ -8387,31 +8760,85 @@
             <a:spLocks noGrp="1"/>
           </p:cNvSpPr>
           <p:nvPr>
-            <p:ph type="ctrTitle"/>
-          </p:nvPr>
-        </p:nvSpPr>
-        <p:spPr/>
-        <p:txBody>
-          <a:bodyPr/>
-          <a:lstStyle/>
-          <a:p/>
-        </p:txBody>
-      </p:sp>
-      <p:sp>
-        <p:nvSpPr>
-          <p:cNvPr id="3" name="Subtitle 2"/>
-          <p:cNvSpPr>
-            <a:spLocks noGrp="1"/>
-          </p:cNvSpPr>
-          <p:nvPr>
-            <p:ph type="subTitle" idx="1"/>
-          </p:nvPr>
-        </p:nvSpPr>
-        <p:spPr/>
-        <p:txBody>
-          <a:bodyPr/>
-          <a:lstStyle/>
-          <a:p/>
+            <p:ph type="title"/>
+          </p:nvPr>
+        </p:nvSpPr>
+        <p:spPr/>
+        <p:txBody>
+          <a:bodyPr/>
+          <a:lstStyle/>
+          <a:p>
+            <a:r>
+              <a:t>Refactoring als Weg zu Patterns</a:t>
+            </a:r>
+          </a:p>
+        </p:txBody>
+      </p:sp>
+      <p:sp>
+        <p:nvSpPr>
+          <p:cNvPr id="3" name="Content Placeholder 2"/>
+          <p:cNvSpPr>
+            <a:spLocks noGrp="1"/>
+          </p:cNvSpPr>
+          <p:nvPr>
+            <p:ph idx="1" sz="half"/>
+          </p:nvPr>
+        </p:nvSpPr>
+        <p:spPr/>
+        <p:txBody>
+          <a:bodyPr/>
+          <a:lstStyle/>
+          <a:p>
+            <a:r>
+              <a:t>Typischer Ablauf:</a:t>
+            </a:r>
+          </a:p>
+          <a:p>
+            <a:r>
+              <a:t>1. Duplikation entsteht natürlich</a:t>
+            </a:r>
+          </a:p>
+          <a:p>
+            <a:r>
+              <a:t>2. Refactoring macht Gemeinsamkeiten sichtbar</a:t>
+            </a:r>
+          </a:p>
+          <a:p>
+            <a:r>
+              <a:t>3. Pattern Recognition - "Das ist ein bekanntes Problem"</a:t>
+            </a:r>
+          </a:p>
+          <a:p>
+            <a:r>
+              <a:t>4. Pattern Application - Bekannte Lösung anwenden</a:t>
+            </a:r>
+          </a:p>
+        </p:txBody>
+      </p:sp>
+      <p:sp>
+        <p:nvSpPr>
+          <p:cNvPr id="4" name="Content Placeholder 3"/>
+          <p:cNvSpPr>
+            <a:spLocks noGrp="1"/>
+          </p:cNvSpPr>
+          <p:nvPr>
+            <p:ph idx="2" sz="half"/>
+          </p:nvPr>
+        </p:nvSpPr>
+        <p:spPr/>
+        <p:txBody>
+          <a:bodyPr/>
+          <a:lstStyle/>
+          <a:p>
+            <a:r>
+              <a:t>Wichtige Erkenntnis:</a:t>
+            </a:r>
+          </a:p>
+          <a:p>
+            <a:r>
+              <a:t>Patterns werden durch Refactoring eingeführt, nicht von Anfang an geplant!</a:t>
+            </a:r>
+          </a:p>
         </p:txBody>
       </p:sp>
     </p:spTree>
@@ -8448,7 +8875,7 @@
           <a:lstStyle/>
           <a:p>
             <a:r>
-              <a:t>Das häufigste Anti-Pattern: Technology-First</a:t>
+              <a:t>Workshop-Bereitschaft - Ihr persönliches Lernziel</a:t>
             </a:r>
           </a:p>
         </p:txBody>
@@ -8468,273 +8895,27 @@
           <a:bodyPr/>
           <a:lstStyle/>
           <a:p>
-            <a:pPr/>
-            <a:r>
-              <a:t>"Wir nutzen jetzt Microservices!" - Aber warum?</a:t>
-            </a:r>
-          </a:p>
-          <a:p>
-            <a:pPr/>
-            <a:r>
-              <a:t>"Lass uns auf Kubernetes umsteigen!" - Aber welches Problem löst das?</a:t>
-            </a:r>
-          </a:p>
-          <a:p>
-            <a:pPr/>
-            <a:r>
-              <a:t>"NoSQL ist modern, weg mit der relationalen DB!" - Aber was sind unsere Datenanforderungen?</a:t>
-            </a:r>
-          </a:p>
-        </p:txBody>
-      </p:sp>
-    </p:spTree>
-  </p:cSld>
-  <p:clrMapOvr>
-    <a:masterClrMapping/>
-  </p:clrMapOvr>
-</p:sld>
-</file>
-
-<file path=ppt/slides/slide36.xml><?xml version="1.0" encoding="utf-8"?>
-<p:sld xmlns:a="http://schemas.openxmlformats.org/drawingml/2006/main" xmlns:p="http://schemas.openxmlformats.org/presentationml/2006/main" xmlns:r="http://schemas.openxmlformats.org/officeDocument/2006/relationships">
-  <p:cSld>
-    <p:spTree>
-      <p:nvGrpSpPr>
-        <p:cNvPr id="1" name=""/>
-        <p:cNvGrpSpPr/>
-        <p:nvPr/>
-      </p:nvGrpSpPr>
-      <p:grpSpPr/>
-      <p:sp>
-        <p:nvSpPr>
-          <p:cNvPr id="2" name="Title 1"/>
-          <p:cNvSpPr>
-            <a:spLocks noGrp="1"/>
-          </p:cNvSpPr>
-          <p:nvPr>
-            <p:ph type="ctrTitle"/>
-          </p:nvPr>
-        </p:nvSpPr>
-        <p:spPr/>
-        <p:txBody>
-          <a:bodyPr/>
-          <a:lstStyle/>
+            <a:r>
+              <a:t>Frage an die Teilnehmer:</a:t>
+            </a:r>
+          </a:p>
+          <a:p>
+            <a:r>
+              <a:t>"Was ist Ihr persönliches Lernziel für diese 4 Blöcke?"</a:t>
+            </a:r>
+          </a:p>
           <a:p/>
-        </p:txBody>
-      </p:sp>
-      <p:sp>
-        <p:nvSpPr>
-          <p:cNvPr id="3" name="Subtitle 2"/>
-          <p:cNvSpPr>
-            <a:spLocks noGrp="1"/>
-          </p:cNvSpPr>
-          <p:nvPr>
-            <p:ph type="subTitle" idx="1"/>
-          </p:nvPr>
-        </p:nvSpPr>
-        <p:spPr/>
-        <p:txBody>
-          <a:bodyPr/>
-          <a:lstStyle/>
+          <a:p>
+            <a:r>
+              <a:t>Zielsetzung: Systematische Anwendung von Design Patterns zur Verbesserung von Code-Qualität, Wartbarkeit und Systemarchitektur in Enterprise-Umgebungen.</a:t>
+            </a:r>
+          </a:p>
           <a:p/>
-        </p:txBody>
-      </p:sp>
-    </p:spTree>
-  </p:cSld>
-  <p:clrMapOvr>
-    <a:masterClrMapping/>
-  </p:clrMapOvr>
-</p:sld>
-</file>
-
-<file path=ppt/slides/slide37.xml><?xml version="1.0" encoding="utf-8"?>
-<p:sld xmlns:a="http://schemas.openxmlformats.org/drawingml/2006/main" xmlns:p="http://schemas.openxmlformats.org/presentationml/2006/main" xmlns:r="http://schemas.openxmlformats.org/officeDocument/2006/relationships">
-  <p:cSld>
-    <p:spTree>
-      <p:nvGrpSpPr>
-        <p:cNvPr id="1" name=""/>
-        <p:cNvGrpSpPr/>
-        <p:nvPr/>
-      </p:nvGrpSpPr>
-      <p:grpSpPr/>
-      <p:sp>
-        <p:nvSpPr>
-          <p:cNvPr id="2" name="Title 1"/>
-          <p:cNvSpPr>
-            <a:spLocks noGrp="1"/>
-          </p:cNvSpPr>
-          <p:nvPr>
-            <p:ph type="title"/>
-          </p:nvPr>
-        </p:nvSpPr>
-        <p:spPr/>
-        <p:txBody>
-          <a:bodyPr/>
-          <a:lstStyle/>
-          <a:p>
-            <a:r>
-              <a:t>Der Microservices-Hype</a:t>
-            </a:r>
-          </a:p>
-        </p:txBody>
-      </p:sp>
-      <p:sp>
-        <p:nvSpPr>
-          <p:cNvPr id="3" name="Content Placeholder 2"/>
-          <p:cNvSpPr>
-            <a:spLocks noGrp="1"/>
-          </p:cNvSpPr>
-          <p:nvPr>
-            <p:ph idx="1"/>
-          </p:nvPr>
-        </p:nvSpPr>
-        <p:spPr/>
-        <p:txBody>
-          <a:bodyPr/>
-          <a:lstStyle/>
-          <a:p>
-            <a:pPr/>
-            <a:r>
-              <a:t>Problem: Monolith funktioniert gut, aber "Microservices sind modern"</a:t>
-            </a:r>
-          </a:p>
-          <a:p>
-            <a:pPr/>
-            <a:r>
-              <a:t>Entscheidung: Monolith in 20+ Services aufteilen</a:t>
-            </a:r>
-          </a:p>
-          <a:p>
-            <a:pPr/>
-            <a:r>
-              <a:t>Ergebnis: 3x höhere Komplexität, Latenz-Probleme, Debugging-Albtraum</a:t>
-            </a:r>
-          </a:p>
-        </p:txBody>
-      </p:sp>
-    </p:spTree>
-  </p:cSld>
-  <p:clrMapOvr>
-    <a:masterClrMapping/>
-  </p:clrMapOvr>
-</p:sld>
-</file>
-
-<file path=ppt/slides/slide38.xml><?xml version="1.0" encoding="utf-8"?>
-<p:sld xmlns:a="http://schemas.openxmlformats.org/drawingml/2006/main" xmlns:p="http://schemas.openxmlformats.org/presentationml/2006/main" xmlns:r="http://schemas.openxmlformats.org/officeDocument/2006/relationships">
-  <p:cSld>
-    <p:spTree>
-      <p:nvGrpSpPr>
-        <p:cNvPr id="1" name=""/>
-        <p:cNvGrpSpPr/>
-        <p:nvPr/>
-      </p:nvGrpSpPr>
-      <p:grpSpPr/>
-      <p:sp>
-        <p:nvSpPr>
-          <p:cNvPr id="2" name="Title 1"/>
-          <p:cNvSpPr>
-            <a:spLocks noGrp="1"/>
-          </p:cNvSpPr>
-          <p:nvPr>
-            <p:ph type="title"/>
-          </p:nvPr>
-        </p:nvSpPr>
-        <p:spPr/>
-        <p:txBody>
-          <a:bodyPr/>
-          <a:lstStyle/>
-          <a:p>
-            <a:r>
-              <a:t>Die NoSQL-Modernisierung</a:t>
-            </a:r>
-          </a:p>
-        </p:txBody>
-      </p:sp>
-      <p:sp>
-        <p:nvSpPr>
-          <p:cNvPr id="3" name="Content Placeholder 2"/>
-          <p:cNvSpPr>
-            <a:spLocks noGrp="1"/>
-          </p:cNvSpPr>
-          <p:nvPr>
-            <p:ph idx="1"/>
-          </p:nvPr>
-        </p:nvSpPr>
-        <p:spPr/>
-        <p:txBody>
-          <a:bodyPr/>
-          <a:lstStyle/>
-          <a:p>
-            <a:pPr/>
-            <a:r>
-              <a:t>Problem: Bewährte relationale DB für Finanzdaten</a:t>
-            </a:r>
-          </a:p>
-          <a:p>
-            <a:pPr/>
-            <a:r>
-              <a:t>Entscheidung: Migration auf Document-Database</a:t>
-            </a:r>
-          </a:p>
-          <a:p>
-            <a:pPr/>
-            <a:r>
-              <a:t>Ergebnis: Datenkonsistenz-Probleme, Migration zurück nach 18 Monaten</a:t>
-            </a:r>
-          </a:p>
-        </p:txBody>
-      </p:sp>
-    </p:spTree>
-  </p:cSld>
-  <p:clrMapOvr>
-    <a:masterClrMapping/>
-  </p:clrMapOvr>
-</p:sld>
-</file>
-
-<file path=ppt/slides/slide39.xml><?xml version="1.0" encoding="utf-8"?>
-<p:sld xmlns:a="http://schemas.openxmlformats.org/drawingml/2006/main" xmlns:p="http://schemas.openxmlformats.org/presentationml/2006/main" xmlns:r="http://schemas.openxmlformats.org/officeDocument/2006/relationships">
-  <p:cSld>
-    <p:spTree>
-      <p:nvGrpSpPr>
-        <p:cNvPr id="1" name=""/>
-        <p:cNvGrpSpPr/>
-        <p:nvPr/>
-      </p:nvGrpSpPr>
-      <p:grpSpPr/>
-      <p:sp>
-        <p:nvSpPr>
-          <p:cNvPr id="2" name="Title 1"/>
-          <p:cNvSpPr>
-            <a:spLocks noGrp="1"/>
-          </p:cNvSpPr>
-          <p:nvPr>
-            <p:ph type="ctrTitle"/>
-          </p:nvPr>
-        </p:nvSpPr>
-        <p:spPr/>
-        <p:txBody>
-          <a:bodyPr/>
-          <a:lstStyle/>
-          <a:p/>
-        </p:txBody>
-      </p:sp>
-      <p:sp>
-        <p:nvSpPr>
-          <p:cNvPr id="3" name="Subtitle 2"/>
-          <p:cNvSpPr>
-            <a:spLocks noGrp="1"/>
-          </p:cNvSpPr>
-          <p:nvPr>
-            <p:ph type="subTitle" idx="1"/>
-          </p:nvPr>
-        </p:nvSpPr>
-        <p:spPr/>
-        <p:txBody>
-          <a:bodyPr/>
-          <a:lstStyle/>
-          <a:p/>
+          <a:p>
+            <a:r>
+              <a:t>Sind Sie bereit? Dann starten wir mit Block 1: Creational Patterns!</a:t>
+            </a:r>
+          </a:p>
         </p:txBody>
       </p:sp>
     </p:spTree>
@@ -8762,162 +8943,6 @@
             <a:spLocks noGrp="1"/>
           </p:cNvSpPr>
           <p:nvPr>
-            <p:ph type="ctrTitle"/>
-          </p:nvPr>
-        </p:nvSpPr>
-        <p:spPr/>
-        <p:txBody>
-          <a:bodyPr/>
-          <a:lstStyle/>
-          <a:p/>
-        </p:txBody>
-      </p:sp>
-      <p:sp>
-        <p:nvSpPr>
-          <p:cNvPr id="3" name="Subtitle 2"/>
-          <p:cNvSpPr>
-            <a:spLocks noGrp="1"/>
-          </p:cNvSpPr>
-          <p:nvPr>
-            <p:ph type="subTitle" idx="1"/>
-          </p:nvPr>
-        </p:nvSpPr>
-        <p:spPr/>
-        <p:txBody>
-          <a:bodyPr/>
-          <a:lstStyle/>
-          <a:p/>
-        </p:txBody>
-      </p:sp>
-    </p:spTree>
-  </p:cSld>
-  <p:clrMapOvr>
-    <a:masterClrMapping/>
-  </p:clrMapOvr>
-</p:sld>
-</file>
-
-<file path=ppt/slides/slide40.xml><?xml version="1.0" encoding="utf-8"?>
-<p:sld xmlns:a="http://schemas.openxmlformats.org/drawingml/2006/main" xmlns:p="http://schemas.openxmlformats.org/presentationml/2006/main" xmlns:r="http://schemas.openxmlformats.org/officeDocument/2006/relationships">
-  <p:cSld>
-    <p:spTree>
-      <p:nvGrpSpPr>
-        <p:cNvPr id="1" name=""/>
-        <p:cNvGrpSpPr/>
-        <p:nvPr/>
-      </p:nvGrpSpPr>
-      <p:grpSpPr/>
-      <p:sp>
-        <p:nvSpPr>
-          <p:cNvPr id="2" name="Title 1"/>
-          <p:cNvSpPr>
-            <a:spLocks noGrp="1"/>
-          </p:cNvSpPr>
-          <p:nvPr>
-            <p:ph type="ctrTitle"/>
-          </p:nvPr>
-        </p:nvSpPr>
-        <p:spPr/>
-        <p:txBody>
-          <a:bodyPr/>
-          <a:lstStyle/>
-          <a:p/>
-        </p:txBody>
-      </p:sp>
-      <p:sp>
-        <p:nvSpPr>
-          <p:cNvPr id="3" name="Subtitle 2"/>
-          <p:cNvSpPr>
-            <a:spLocks noGrp="1"/>
-          </p:cNvSpPr>
-          <p:nvPr>
-            <p:ph type="subTitle" idx="1"/>
-          </p:nvPr>
-        </p:nvSpPr>
-        <p:spPr/>
-        <p:txBody>
-          <a:bodyPr/>
-          <a:lstStyle/>
-          <a:p/>
-        </p:txBody>
-      </p:sp>
-    </p:spTree>
-  </p:cSld>
-  <p:clrMapOvr>
-    <a:masterClrMapping/>
-  </p:clrMapOvr>
-</p:sld>
-</file>
-
-<file path=ppt/slides/slide41.xml><?xml version="1.0" encoding="utf-8"?>
-<p:sld xmlns:a="http://schemas.openxmlformats.org/drawingml/2006/main" xmlns:p="http://schemas.openxmlformats.org/presentationml/2006/main" xmlns:r="http://schemas.openxmlformats.org/officeDocument/2006/relationships">
-  <p:cSld>
-    <p:spTree>
-      <p:nvGrpSpPr>
-        <p:cNvPr id="1" name=""/>
-        <p:cNvGrpSpPr/>
-        <p:nvPr/>
-      </p:nvGrpSpPr>
-      <p:grpSpPr/>
-      <p:sp>
-        <p:nvSpPr>
-          <p:cNvPr id="2" name="Title 1"/>
-          <p:cNvSpPr>
-            <a:spLocks noGrp="1"/>
-          </p:cNvSpPr>
-          <p:nvPr>
-            <p:ph type="ctrTitle"/>
-          </p:nvPr>
-        </p:nvSpPr>
-        <p:spPr/>
-        <p:txBody>
-          <a:bodyPr/>
-          <a:lstStyle/>
-          <a:p/>
-        </p:txBody>
-      </p:sp>
-      <p:sp>
-        <p:nvSpPr>
-          <p:cNvPr id="3" name="Subtitle 2"/>
-          <p:cNvSpPr>
-            <a:spLocks noGrp="1"/>
-          </p:cNvSpPr>
-          <p:nvPr>
-            <p:ph type="subTitle" idx="1"/>
-          </p:nvPr>
-        </p:nvSpPr>
-        <p:spPr/>
-        <p:txBody>
-          <a:bodyPr/>
-          <a:lstStyle/>
-          <a:p/>
-        </p:txBody>
-      </p:sp>
-    </p:spTree>
-  </p:cSld>
-  <p:clrMapOvr>
-    <a:masterClrMapping/>
-  </p:clrMapOvr>
-</p:sld>
-</file>
-
-<file path=ppt/slides/slide42.xml><?xml version="1.0" encoding="utf-8"?>
-<p:sld xmlns:a="http://schemas.openxmlformats.org/drawingml/2006/main" xmlns:p="http://schemas.openxmlformats.org/presentationml/2006/main" xmlns:r="http://schemas.openxmlformats.org/officeDocument/2006/relationships">
-  <p:cSld>
-    <p:spTree>
-      <p:nvGrpSpPr>
-        <p:cNvPr id="1" name=""/>
-        <p:cNvGrpSpPr/>
-        <p:nvPr/>
-      </p:nvGrpSpPr>
-      <p:grpSpPr/>
-      <p:sp>
-        <p:nvSpPr>
-          <p:cNvPr id="2" name="Title 1"/>
-          <p:cNvSpPr>
-            <a:spLocks noGrp="1"/>
-          </p:cNvSpPr>
-          <p:nvPr>
             <p:ph type="title"/>
           </p:nvPr>
         </p:nvSpPr>
@@ -8927,7 +8952,7 @@
           <a:lstStyle/>
           <a:p>
             <a:r>
-              <a:t>Fragen in der richtigen Reihenfolge</a:t>
+              <a:t>Block 1: Creational Patterns - Schwerpunkt: Objekterzeugung</a:t>
             </a:r>
           </a:p>
         </p:txBody>
@@ -8947,493 +8972,28 @@
           <a:bodyPr/>
           <a:lstStyle/>
           <a:p>
-            <a:pPr/>
-            <a:r>
-              <a:t>Was soll das System tun? Warum ist das wichtig? Wer sind die Stakeholder?</a:t>
-            </a:r>
-          </a:p>
-          <a:p>
-            <a:pPr/>
-            <a:r>
-              <a:t>Welche fachlichen Bereiche gibt es? Wo sind die Grenzen? Wie kommunizieren sie?</a:t>
-            </a:r>
-          </a:p>
-          <a:p>
-            <a:pPr/>
-            <a:r>
-              <a:t>Womit implementieren wir das am besten? Was löst unsere spezifischen Probleme?</a:t>
-            </a:r>
-          </a:p>
-        </p:txBody>
-      </p:sp>
-    </p:spTree>
-  </p:cSld>
-  <p:clrMapOvr>
-    <a:masterClrMapping/>
-  </p:clrMapOvr>
-</p:sld>
-</file>
-
-<file path=ppt/slides/slide43.xml><?xml version="1.0" encoding="utf-8"?>
-<p:sld xmlns:a="http://schemas.openxmlformats.org/drawingml/2006/main" xmlns:p="http://schemas.openxmlformats.org/presentationml/2006/main" xmlns:r="http://schemas.openxmlformats.org/officeDocument/2006/relationships">
-  <p:cSld>
-    <p:spTree>
-      <p:nvGrpSpPr>
-        <p:cNvPr id="1" name=""/>
-        <p:cNvGrpSpPr/>
-        <p:nvPr/>
-      </p:nvGrpSpPr>
-      <p:grpSpPr/>
-      <p:sp>
-        <p:nvSpPr>
-          <p:cNvPr id="2" name="Title 1"/>
-          <p:cNvSpPr>
-            <a:spLocks noGrp="1"/>
-          </p:cNvSpPr>
-          <p:nvPr>
-            <p:ph type="ctrTitle"/>
-          </p:nvPr>
-        </p:nvSpPr>
-        <p:spPr/>
-        <p:txBody>
-          <a:bodyPr/>
-          <a:lstStyle/>
-          <a:p/>
-        </p:txBody>
-      </p:sp>
-      <p:sp>
-        <p:nvSpPr>
-          <p:cNvPr id="3" name="Subtitle 2"/>
-          <p:cNvSpPr>
-            <a:spLocks noGrp="1"/>
-          </p:cNvSpPr>
-          <p:nvPr>
-            <p:ph type="subTitle" idx="1"/>
-          </p:nvPr>
-        </p:nvSpPr>
-        <p:spPr/>
-        <p:txBody>
-          <a:bodyPr/>
-          <a:lstStyle/>
-          <a:p/>
-        </p:txBody>
-      </p:sp>
-    </p:spTree>
-  </p:cSld>
-  <p:clrMapOvr>
-    <a:masterClrMapping/>
-  </p:clrMapOvr>
-</p:sld>
-</file>
-
-<file path=ppt/slides/slide44.xml><?xml version="1.0" encoding="utf-8"?>
-<p:sld xmlns:a="http://schemas.openxmlformats.org/drawingml/2006/main" xmlns:p="http://schemas.openxmlformats.org/presentationml/2006/main" xmlns:r="http://schemas.openxmlformats.org/officeDocument/2006/relationships">
-  <p:cSld>
-    <p:spTree>
-      <p:nvGrpSpPr>
-        <p:cNvPr id="1" name=""/>
-        <p:cNvGrpSpPr/>
-        <p:nvPr/>
-      </p:nvGrpSpPr>
-      <p:grpSpPr/>
-      <p:sp>
-        <p:nvSpPr>
-          <p:cNvPr id="2" name="Title 1"/>
-          <p:cNvSpPr>
-            <a:spLocks noGrp="1"/>
-          </p:cNvSpPr>
-          <p:nvPr>
-            <p:ph type="title"/>
-          </p:nvPr>
-        </p:nvSpPr>
-        <p:spPr/>
-        <p:txBody>
-          <a:bodyPr/>
-          <a:lstStyle/>
-          <a:p>
-            <a:r>
-              <a:t>Geschichte: Warum entstanden Design Patterns?</a:t>
-            </a:r>
-          </a:p>
-        </p:txBody>
-      </p:sp>
-      <p:sp>
-        <p:nvSpPr>
-          <p:cNvPr id="3" name="Content Placeholder 2"/>
-          <p:cNvSpPr>
-            <a:spLocks noGrp="1"/>
-          </p:cNvSpPr>
-          <p:nvPr>
-            <p:ph idx="1"/>
-          </p:nvPr>
-        </p:nvSpPr>
-        <p:spPr/>
-        <p:txBody>
-          <a:bodyPr/>
-          <a:lstStyle/>
-          <a:p>
-            <a:pPr/>
-            <a:r>
-              <a:t>Christopher Alexander (1977): "A Pattern Language" - Gebäude-Architektur!</a:t>
-            </a:r>
-          </a:p>
-          <a:p>
-            <a:pPr/>
-            <a:r>
-              <a:t>Gang of Four (1994): Übertragung auf Software</a:t>
-            </a:r>
-          </a:p>
-          <a:p>
-            <a:pPr/>
-            <a:r>
-              <a:t>Problem 1: Wiederkehrende Design-Probleme</a:t>
-            </a:r>
-          </a:p>
-          <a:p>
-            <a:pPr/>
-            <a:r>
-              <a:t>Problem 2: Schlechte Kommunikation zwischen Entwicklern</a:t>
-            </a:r>
-          </a:p>
-          <a:p>
-            <a:pPr/>
-            <a:r>
-              <a:t>Problem 3: Fehlende Best Practices</a:t>
-            </a:r>
-          </a:p>
-        </p:txBody>
-      </p:sp>
-    </p:spTree>
-  </p:cSld>
-  <p:clrMapOvr>
-    <a:masterClrMapping/>
-  </p:clrMapOvr>
-</p:sld>
-</file>
-
-<file path=ppt/slides/slide45.xml><?xml version="1.0" encoding="utf-8"?>
-<p:sld xmlns:a="http://schemas.openxmlformats.org/drawingml/2006/main" xmlns:p="http://schemas.openxmlformats.org/presentationml/2006/main" xmlns:r="http://schemas.openxmlformats.org/officeDocument/2006/relationships">
-  <p:cSld>
-    <p:spTree>
-      <p:nvGrpSpPr>
-        <p:cNvPr id="1" name=""/>
-        <p:cNvGrpSpPr/>
-        <p:nvPr/>
-      </p:nvGrpSpPr>
-      <p:grpSpPr/>
-      <p:sp>
-        <p:nvSpPr>
-          <p:cNvPr id="2" name="Title 1"/>
-          <p:cNvSpPr>
-            <a:spLocks noGrp="1"/>
-          </p:cNvSpPr>
-          <p:nvPr>
-            <p:ph type="ctrTitle"/>
-          </p:nvPr>
-        </p:nvSpPr>
-        <p:spPr/>
-        <p:txBody>
-          <a:bodyPr/>
-          <a:lstStyle/>
-          <a:p/>
-        </p:txBody>
-      </p:sp>
-      <p:sp>
-        <p:nvSpPr>
-          <p:cNvPr id="3" name="Subtitle 2"/>
-          <p:cNvSpPr>
-            <a:spLocks noGrp="1"/>
-          </p:cNvSpPr>
-          <p:nvPr>
-            <p:ph type="subTitle" idx="1"/>
-          </p:nvPr>
-        </p:nvSpPr>
-        <p:spPr/>
-        <p:txBody>
-          <a:bodyPr/>
-          <a:lstStyle/>
-          <a:p/>
-        </p:txBody>
-      </p:sp>
-    </p:spTree>
-  </p:cSld>
-  <p:clrMapOvr>
-    <a:masterClrMapping/>
-  </p:clrMapOvr>
-</p:sld>
-</file>
-
-<file path=ppt/slides/slide46.xml><?xml version="1.0" encoding="utf-8"?>
-<p:sld xmlns:a="http://schemas.openxmlformats.org/drawingml/2006/main" xmlns:p="http://schemas.openxmlformats.org/presentationml/2006/main" xmlns:r="http://schemas.openxmlformats.org/officeDocument/2006/relationships">
-  <p:cSld>
-    <p:spTree>
-      <p:nvGrpSpPr>
-        <p:cNvPr id="1" name=""/>
-        <p:cNvGrpSpPr/>
-        <p:nvPr/>
-      </p:nvGrpSpPr>
-      <p:grpSpPr/>
-      <p:sp>
-        <p:nvSpPr>
-          <p:cNvPr id="2" name="Title 1"/>
-          <p:cNvSpPr>
-            <a:spLocks noGrp="1"/>
-          </p:cNvSpPr>
-          <p:nvPr>
-            <p:ph type="title"/>
-          </p:nvPr>
-        </p:nvSpPr>
-        <p:spPr/>
-        <p:txBody>
-          <a:bodyPr/>
-          <a:lstStyle/>
-          <a:p>
-            <a:r>
-              <a:t>Vier Hauptvorteile</a:t>
-            </a:r>
-          </a:p>
-        </p:txBody>
-      </p:sp>
-      <p:sp>
-        <p:nvSpPr>
-          <p:cNvPr id="3" name="Content Placeholder 2"/>
-          <p:cNvSpPr>
-            <a:spLocks noGrp="1"/>
-          </p:cNvSpPr>
-          <p:nvPr>
-            <p:ph idx="1"/>
-          </p:nvPr>
-        </p:nvSpPr>
-        <p:spPr/>
-        <p:txBody>
-          <a:bodyPr/>
-          <a:lstStyle/>
-          <a:p>
-            <a:pPr/>
-            <a:r>
-              <a:t>**Bewährte Lösungen nutzen**: Anstatt Rad neu erfinden</a:t>
-            </a:r>
-          </a:p>
-          <a:p>
-            <a:pPr/>
-            <a:r>
-              <a:t>**Gemeinsame Sprache entwickeln**: Vokabular für Teams</a:t>
-            </a:r>
-          </a:p>
-          <a:p>
-            <a:pPr/>
-            <a:r>
-              <a:t>**Design-Qualität verbessern**: SOLID-Prinzipien kodifiziert</a:t>
-            </a:r>
-          </a:p>
-          <a:p>
-            <a:pPr/>
-            <a:r>
-              <a:t>**Wartbarkeit erhöhen**: Bekannte Patterns sind verständlicher</a:t>
-            </a:r>
-          </a:p>
-        </p:txBody>
-      </p:sp>
-    </p:spTree>
-  </p:cSld>
-  <p:clrMapOvr>
-    <a:masterClrMapping/>
-  </p:clrMapOvr>
-</p:sld>
-</file>
-
-<file path=ppt/slides/slide47.xml><?xml version="1.0" encoding="utf-8"?>
-<p:sld xmlns:a="http://schemas.openxmlformats.org/drawingml/2006/main" xmlns:p="http://schemas.openxmlformats.org/presentationml/2006/main" xmlns:r="http://schemas.openxmlformats.org/officeDocument/2006/relationships">
-  <p:cSld>
-    <p:spTree>
-      <p:nvGrpSpPr>
-        <p:cNvPr id="1" name=""/>
-        <p:cNvGrpSpPr/>
-        <p:nvPr/>
-      </p:nvGrpSpPr>
-      <p:grpSpPr/>
-      <p:sp>
-        <p:nvSpPr>
-          <p:cNvPr id="2" name="Title 1"/>
-          <p:cNvSpPr>
-            <a:spLocks noGrp="1"/>
-          </p:cNvSpPr>
-          <p:nvPr>
-            <p:ph type="ctrTitle"/>
-          </p:nvPr>
-        </p:nvSpPr>
-        <p:spPr/>
-        <p:txBody>
-          <a:bodyPr/>
-          <a:lstStyle/>
-          <a:p/>
-        </p:txBody>
-      </p:sp>
-      <p:sp>
-        <p:nvSpPr>
-          <p:cNvPr id="3" name="Subtitle 2"/>
-          <p:cNvSpPr>
-            <a:spLocks noGrp="1"/>
-          </p:cNvSpPr>
-          <p:nvPr>
-            <p:ph type="subTitle" idx="1"/>
-          </p:nvPr>
-        </p:nvSpPr>
-        <p:spPr/>
-        <p:txBody>
-          <a:bodyPr/>
-          <a:lstStyle/>
-          <a:p/>
-        </p:txBody>
-      </p:sp>
-    </p:spTree>
-  </p:cSld>
-  <p:clrMapOvr>
-    <a:masterClrMapping/>
-  </p:clrMapOvr>
-</p:sld>
-</file>
-
-<file path=ppt/slides/slide48.xml><?xml version="1.0" encoding="utf-8"?>
-<p:sld xmlns:a="http://schemas.openxmlformats.org/drawingml/2006/main" xmlns:p="http://schemas.openxmlformats.org/presentationml/2006/main" xmlns:r="http://schemas.openxmlformats.org/officeDocument/2006/relationships">
-  <p:cSld>
-    <p:spTree>
-      <p:nvGrpSpPr>
-        <p:cNvPr id="1" name=""/>
-        <p:cNvGrpSpPr/>
-        <p:nvPr/>
-      </p:nvGrpSpPr>
-      <p:grpSpPr/>
-      <p:sp>
-        <p:nvSpPr>
-          <p:cNvPr id="2" name="Title 1"/>
-          <p:cNvSpPr>
-            <a:spLocks noGrp="1"/>
-          </p:cNvSpPr>
-          <p:nvPr>
-            <p:ph type="title"/>
-          </p:nvPr>
-        </p:nvSpPr>
-        <p:spPr/>
-        <p:txBody>
-          <a:bodyPr/>
-          <a:lstStyle/>
-          <a:p>
-            <a:r>
-              <a:t>Pattern-Missbrauch vermeiden</a:t>
-            </a:r>
-          </a:p>
-        </p:txBody>
-      </p:sp>
-      <p:sp>
-        <p:nvSpPr>
-          <p:cNvPr id="3" name="Content Placeholder 2"/>
-          <p:cNvSpPr>
-            <a:spLocks noGrp="1"/>
-          </p:cNvSpPr>
-          <p:nvPr>
-            <p:ph idx="1"/>
-          </p:nvPr>
-        </p:nvSpPr>
-        <p:spPr/>
-        <p:txBody>
-          <a:bodyPr/>
-          <a:lstStyle/>
-          <a:p>
-            <a:pPr/>
-            <a:r>
-              <a:t>Silberkugeln: Patterns lösen nicht alle Probleme</a:t>
-            </a:r>
-          </a:p>
-          <a:p>
-            <a:pPr/>
-            <a:r>
-              <a:t>Dogmen: Patterns müssen nicht sklavisch befolgt werden</a:t>
-            </a:r>
-          </a:p>
-          <a:p>
-            <a:pPr/>
-            <a:r>
-              <a:t>Komplexität um der Komplexität willen</a:t>
-            </a:r>
-          </a:p>
-          <a:p>
-            <a:pPr/>
-            <a:r>
-              <a:t>Copy-Paste Code: Patterns sind konzeptuelle Lösungen</a:t>
-            </a:r>
-          </a:p>
-        </p:txBody>
-      </p:sp>
-    </p:spTree>
-  </p:cSld>
-  <p:clrMapOvr>
-    <a:masterClrMapping/>
-  </p:clrMapOvr>
-</p:sld>
-</file>
-
-<file path=ppt/slides/slide49.xml><?xml version="1.0" encoding="utf-8"?>
-<p:sld xmlns:a="http://schemas.openxmlformats.org/drawingml/2006/main" xmlns:p="http://schemas.openxmlformats.org/presentationml/2006/main" xmlns:r="http://schemas.openxmlformats.org/officeDocument/2006/relationships">
-  <p:cSld>
-    <p:spTree>
-      <p:nvGrpSpPr>
-        <p:cNvPr id="1" name=""/>
-        <p:cNvGrpSpPr/>
-        <p:nvPr/>
-      </p:nvGrpSpPr>
-      <p:grpSpPr/>
-      <p:sp>
-        <p:nvSpPr>
-          <p:cNvPr id="2" name="Title 1"/>
-          <p:cNvSpPr>
-            <a:spLocks noGrp="1"/>
-          </p:cNvSpPr>
-          <p:nvPr>
-            <p:ph type="title"/>
-          </p:nvPr>
-        </p:nvSpPr>
-        <p:spPr/>
-        <p:txBody>
-          <a:bodyPr/>
-          <a:lstStyle/>
-          <a:p>
-            <a:r>
-              <a:t>Anti-Beispiel aus der Praxis</a:t>
-            </a:r>
-          </a:p>
-        </p:txBody>
-      </p:sp>
-      <p:sp>
-        <p:nvSpPr>
-          <p:cNvPr id="3" name="Content Placeholder 2"/>
-          <p:cNvSpPr>
-            <a:spLocks noGrp="1"/>
-          </p:cNvSpPr>
-          <p:nvPr>
-            <p:ph idx="1"/>
-          </p:nvPr>
-        </p:nvSpPr>
-        <p:spPr/>
-        <p:txBody>
-          <a:bodyPr/>
-          <a:lstStyle/>
-          <a:p>
-            <a:pPr/>
-            <a:r>
-              <a:t>Problem: Einfache Konfigurationswerte lesen</a:t>
-            </a:r>
-          </a:p>
-          <a:p>
-            <a:pPr/>
-            <a:r>
-              <a:t>Overengineered: AbstractConfigurationFactoryBuilderStrategyProxy</a:t>
-            </a:r>
-          </a:p>
-          <a:p>
-            <a:pPr/>
-            <a:r>
-              <a:t>Einfach: Properties.load()</a:t>
+            <a:r>
+              <a:t>Factory Method: Objekterzeugung ohne konkrete Klassen</a:t>
+            </a:r>
+          </a:p>
+          <a:p>
+            <a:r>
+              <a:t>Abstract Factory: Familien verwandter Objekte</a:t>
+            </a:r>
+          </a:p>
+          <a:p>
+            <a:r>
+              <a:t>Builder: Komplexe Objekte Schritt für Schritt aufbauen</a:t>
+            </a:r>
+          </a:p>
+          <a:p>
+            <a:r>
+              <a:t>Prototype: Objektklonierung für kostspielige Initialisierung</a:t>
+            </a:r>
+          </a:p>
+          <a:p>
+            <a:r>
+              <a:t>Singleton: Eine Instanz für das ganze System</a:t>
             </a:r>
           </a:p>
         </p:txBody>
@@ -9472,7 +9032,7 @@
           <a:lstStyle/>
           <a:p>
             <a:r>
-              <a:t>Schwerpunkt: Objekterzeugung</a:t>
+              <a:t>Block 2: Structural Patterns - Schwerpunkt: Strukturelle Komposition</a:t>
             </a:r>
           </a:p>
         </p:txBody>
@@ -9492,612 +9052,25 @@
           <a:bodyPr/>
           <a:lstStyle/>
           <a:p>
-            <a:pPr/>
-            <a:r>
-              <a:t>Factory Method: Objekterzeugung ohne konkrete Klassen</a:t>
-            </a:r>
-          </a:p>
-          <a:p>
-            <a:pPr/>
-            <a:r>
-              <a:t>Abstract Factory: Familien verwandter Objekte</a:t>
-            </a:r>
-          </a:p>
-          <a:p>
-            <a:pPr/>
-            <a:r>
-              <a:t>Builder: Komplexe Objekte Schritt für Schritt aufbauen</a:t>
-            </a:r>
-          </a:p>
-          <a:p>
-            <a:pPr/>
-            <a:r>
-              <a:t>Prototype: Objektklonierung für kostspielige Initialisierung</a:t>
-            </a:r>
-          </a:p>
-          <a:p>
-            <a:pPr/>
-            <a:r>
-              <a:t>Singleton: Eine Instanz für das ganze System</a:t>
-            </a:r>
-          </a:p>
-        </p:txBody>
-      </p:sp>
-    </p:spTree>
-  </p:cSld>
-  <p:clrMapOvr>
-    <a:masterClrMapping/>
-  </p:clrMapOvr>
-</p:sld>
-</file>
-
-<file path=ppt/slides/slide50.xml><?xml version="1.0" encoding="utf-8"?>
-<p:sld xmlns:a="http://schemas.openxmlformats.org/drawingml/2006/main" xmlns:p="http://schemas.openxmlformats.org/presentationml/2006/main" xmlns:r="http://schemas.openxmlformats.org/officeDocument/2006/relationships">
-  <p:cSld>
-    <p:spTree>
-      <p:nvGrpSpPr>
-        <p:cNvPr id="1" name=""/>
-        <p:cNvGrpSpPr/>
-        <p:nvPr/>
-      </p:nvGrpSpPr>
-      <p:grpSpPr/>
-      <p:sp>
-        <p:nvSpPr>
-          <p:cNvPr id="2" name="Title 1"/>
-          <p:cNvSpPr>
-            <a:spLocks noGrp="1"/>
-          </p:cNvSpPr>
-          <p:nvPr>
-            <p:ph type="ctrTitle"/>
-          </p:nvPr>
-        </p:nvSpPr>
-        <p:spPr/>
-        <p:txBody>
-          <a:bodyPr/>
-          <a:lstStyle/>
-          <a:p/>
-        </p:txBody>
-      </p:sp>
-      <p:sp>
-        <p:nvSpPr>
-          <p:cNvPr id="3" name="Subtitle 2"/>
-          <p:cNvSpPr>
-            <a:spLocks noGrp="1"/>
-          </p:cNvSpPr>
-          <p:nvPr>
-            <p:ph type="subTitle" idx="1"/>
-          </p:nvPr>
-        </p:nvSpPr>
-        <p:spPr/>
-        <p:txBody>
-          <a:bodyPr/>
-          <a:lstStyle/>
-          <a:p/>
-        </p:txBody>
-      </p:sp>
-    </p:spTree>
-  </p:cSld>
-  <p:clrMapOvr>
-    <a:masterClrMapping/>
-  </p:clrMapOvr>
-</p:sld>
-</file>
-
-<file path=ppt/slides/slide51.xml><?xml version="1.0" encoding="utf-8"?>
-<p:sld xmlns:a="http://schemas.openxmlformats.org/drawingml/2006/main" xmlns:p="http://schemas.openxmlformats.org/presentationml/2006/main" xmlns:r="http://schemas.openxmlformats.org/officeDocument/2006/relationships">
-  <p:cSld>
-    <p:spTree>
-      <p:nvGrpSpPr>
-        <p:cNvPr id="1" name=""/>
-        <p:cNvGrpSpPr/>
-        <p:nvPr/>
-      </p:nvGrpSpPr>
-      <p:grpSpPr/>
-      <p:sp>
-        <p:nvSpPr>
-          <p:cNvPr id="2" name="Title 1"/>
-          <p:cNvSpPr>
-            <a:spLocks noGrp="1"/>
-          </p:cNvSpPr>
-          <p:nvPr>
-            <p:ph type="ctrTitle"/>
-          </p:nvPr>
-        </p:nvSpPr>
-        <p:spPr/>
-        <p:txBody>
-          <a:bodyPr/>
-          <a:lstStyle/>
-          <a:p/>
-        </p:txBody>
-      </p:sp>
-      <p:sp>
-        <p:nvSpPr>
-          <p:cNvPr id="3" name="Subtitle 2"/>
-          <p:cNvSpPr>
-            <a:spLocks noGrp="1"/>
-          </p:cNvSpPr>
-          <p:nvPr>
-            <p:ph type="subTitle" idx="1"/>
-          </p:nvPr>
-        </p:nvSpPr>
-        <p:spPr/>
-        <p:txBody>
-          <a:bodyPr/>
-          <a:lstStyle/>
-          <a:p/>
-        </p:txBody>
-      </p:sp>
-    </p:spTree>
-  </p:cSld>
-  <p:clrMapOvr>
-    <a:masterClrMapping/>
-  </p:clrMapOvr>
-</p:sld>
-</file>
-
-<file path=ppt/slides/slide52.xml><?xml version="1.0" encoding="utf-8"?>
-<p:sld xmlns:a="http://schemas.openxmlformats.org/drawingml/2006/main" xmlns:p="http://schemas.openxmlformats.org/presentationml/2006/main" xmlns:r="http://schemas.openxmlformats.org/officeDocument/2006/relationships">
-  <p:cSld>
-    <p:spTree>
-      <p:nvGrpSpPr>
-        <p:cNvPr id="1" name=""/>
-        <p:cNvGrpSpPr/>
-        <p:nvPr/>
-      </p:nvGrpSpPr>
-      <p:grpSpPr/>
-      <p:sp>
-        <p:nvSpPr>
-          <p:cNvPr id="2" name="Title 1"/>
-          <p:cNvSpPr>
-            <a:spLocks noGrp="1"/>
-          </p:cNvSpPr>
-          <p:nvPr>
-            <p:ph type="title"/>
-          </p:nvPr>
-        </p:nvSpPr>
-        <p:spPr/>
-        <p:txBody>
-          <a:bodyPr/>
-          <a:lstStyle/>
-          <a:p>
-            <a:r>
-              <a:t>Schlüsselelemente</a:t>
-            </a:r>
-          </a:p>
-        </p:txBody>
-      </p:sp>
-      <p:sp>
-        <p:nvSpPr>
-          <p:cNvPr id="3" name="Content Placeholder 2"/>
-          <p:cNvSpPr>
-            <a:spLocks noGrp="1"/>
-          </p:cNvSpPr>
-          <p:nvPr>
-            <p:ph idx="1"/>
-          </p:nvPr>
-        </p:nvSpPr>
-        <p:spPr/>
-        <p:txBody>
-          <a:bodyPr/>
-          <a:lstStyle/>
-          <a:p>
-            <a:pPr/>
-            <a:r>
-              <a:t>Verhalten bleibt gleich - Funktionalität ändert sich nicht</a:t>
-            </a:r>
-          </a:p>
-          <a:p>
-            <a:pPr/>
-            <a:r>
-              <a:t>Struktur wird besser - Code wird wartbarer</a:t>
-            </a:r>
-          </a:p>
-          <a:p>
-            <a:pPr/>
-            <a:r>
-              <a:t>Kleine Schritte - Viele kleine, sichere Änderungen</a:t>
-            </a:r>
-          </a:p>
-        </p:txBody>
-      </p:sp>
-    </p:spTree>
-  </p:cSld>
-  <p:clrMapOvr>
-    <a:masterClrMapping/>
-  </p:clrMapOvr>
-</p:sld>
-</file>
-
-<file path=ppt/slides/slide53.xml><?xml version="1.0" encoding="utf-8"?>
-<p:sld xmlns:a="http://schemas.openxmlformats.org/drawingml/2006/main" xmlns:p="http://schemas.openxmlformats.org/presentationml/2006/main" xmlns:r="http://schemas.openxmlformats.org/officeDocument/2006/relationships">
-  <p:cSld>
-    <p:spTree>
-      <p:nvGrpSpPr>
-        <p:cNvPr id="1" name=""/>
-        <p:cNvGrpSpPr/>
-        <p:nvPr/>
-      </p:nvGrpSpPr>
-      <p:grpSpPr/>
-      <p:sp>
-        <p:nvSpPr>
-          <p:cNvPr id="2" name="Title 1"/>
-          <p:cNvSpPr>
-            <a:spLocks noGrp="1"/>
-          </p:cNvSpPr>
-          <p:nvPr>
-            <p:ph type="ctrTitle"/>
-          </p:nvPr>
-        </p:nvSpPr>
-        <p:spPr/>
-        <p:txBody>
-          <a:bodyPr/>
-          <a:lstStyle/>
-          <a:p/>
-        </p:txBody>
-      </p:sp>
-      <p:sp>
-        <p:nvSpPr>
-          <p:cNvPr id="3" name="Subtitle 2"/>
-          <p:cNvSpPr>
-            <a:spLocks noGrp="1"/>
-          </p:cNvSpPr>
-          <p:nvPr>
-            <p:ph type="subTitle" idx="1"/>
-          </p:nvPr>
-        </p:nvSpPr>
-        <p:spPr/>
-        <p:txBody>
-          <a:bodyPr/>
-          <a:lstStyle/>
-          <a:p/>
-        </p:txBody>
-      </p:sp>
-    </p:spTree>
-  </p:cSld>
-  <p:clrMapOvr>
-    <a:masterClrMapping/>
-  </p:clrMapOvr>
-</p:sld>
-</file>
-
-<file path=ppt/slides/slide54.xml><?xml version="1.0" encoding="utf-8"?>
-<p:sld xmlns:a="http://schemas.openxmlformats.org/drawingml/2006/main" xmlns:p="http://schemas.openxmlformats.org/presentationml/2006/main" xmlns:r="http://schemas.openxmlformats.org/officeDocument/2006/relationships">
-  <p:cSld>
-    <p:spTree>
-      <p:nvGrpSpPr>
-        <p:cNvPr id="1" name=""/>
-        <p:cNvGrpSpPr/>
-        <p:nvPr/>
-      </p:nvGrpSpPr>
-      <p:grpSpPr/>
-      <p:sp>
-        <p:nvSpPr>
-          <p:cNvPr id="2" name="Title 1"/>
-          <p:cNvSpPr>
-            <a:spLocks noGrp="1"/>
-          </p:cNvSpPr>
-          <p:nvPr>
-            <p:ph type="ctrTitle"/>
-          </p:nvPr>
-        </p:nvSpPr>
-        <p:spPr/>
-        <p:txBody>
-          <a:bodyPr/>
-          <a:lstStyle/>
-          <a:p/>
-        </p:txBody>
-      </p:sp>
-      <p:sp>
-        <p:nvSpPr>
-          <p:cNvPr id="3" name="Subtitle 2"/>
-          <p:cNvSpPr>
-            <a:spLocks noGrp="1"/>
-          </p:cNvSpPr>
-          <p:nvPr>
-            <p:ph type="subTitle" idx="1"/>
-          </p:nvPr>
-        </p:nvSpPr>
-        <p:spPr/>
-        <p:txBody>
-          <a:bodyPr/>
-          <a:lstStyle/>
-          <a:p/>
-        </p:txBody>
-      </p:sp>
-    </p:spTree>
-  </p:cSld>
-  <p:clrMapOvr>
-    <a:masterClrMapping/>
-  </p:clrMapOvr>
-</p:sld>
-</file>
-
-<file path=ppt/slides/slide55.xml><?xml version="1.0" encoding="utf-8"?>
-<p:sld xmlns:a="http://schemas.openxmlformats.org/drawingml/2006/main" xmlns:p="http://schemas.openxmlformats.org/presentationml/2006/main" xmlns:r="http://schemas.openxmlformats.org/officeDocument/2006/relationships">
-  <p:cSld>
-    <p:spTree>
-      <p:nvGrpSpPr>
-        <p:cNvPr id="1" name=""/>
-        <p:cNvGrpSpPr/>
-        <p:nvPr/>
-      </p:nvGrpSpPr>
-      <p:grpSpPr/>
-      <p:sp>
-        <p:nvSpPr>
-          <p:cNvPr id="2" name="Title 1"/>
-          <p:cNvSpPr>
-            <a:spLocks noGrp="1"/>
-          </p:cNvSpPr>
-          <p:nvPr>
-            <p:ph type="title"/>
-          </p:nvPr>
-        </p:nvSpPr>
-        <p:spPr/>
-        <p:txBody>
-          <a:bodyPr/>
-          <a:lstStyle/>
-          <a:p>
-            <a:r>
-              <a:t>Praktische Anwendung</a:t>
-            </a:r>
-          </a:p>
-        </p:txBody>
-      </p:sp>
-      <p:sp>
-        <p:nvSpPr>
-          <p:cNvPr id="3" name="Content Placeholder 2"/>
-          <p:cNvSpPr>
-            <a:spLocks noGrp="1"/>
-          </p:cNvSpPr>
-          <p:nvPr>
-            <p:ph idx="1"/>
-          </p:nvPr>
-        </p:nvSpPr>
-        <p:spPr/>
-        <p:txBody>
-          <a:bodyPr/>
-          <a:lstStyle/>
-          <a:p>
-            <a:pPr/>
-            <a:r>
-              <a:t>Bei jedem Code-Touch: Verstehe → Verbessere → Prüfe → Committe</a:t>
-            </a:r>
-          </a:p>
-          <a:p>
-            <a:pPr/>
-            <a:r>
-              <a:t>Konkrete Aktionen: Variable umbenennen, Magic Numbers extrahieren, Long Methods aufteilen</a:t>
-            </a:r>
-          </a:p>
-        </p:txBody>
-      </p:sp>
-    </p:spTree>
-  </p:cSld>
-  <p:clrMapOvr>
-    <a:masterClrMapping/>
-  </p:clrMapOvr>
-</p:sld>
-</file>
-
-<file path=ppt/slides/slide56.xml><?xml version="1.0" encoding="utf-8"?>
-<p:sld xmlns:a="http://schemas.openxmlformats.org/drawingml/2006/main" xmlns:p="http://schemas.openxmlformats.org/presentationml/2006/main" xmlns:r="http://schemas.openxmlformats.org/officeDocument/2006/relationships">
-  <p:cSld>
-    <p:spTree>
-      <p:nvGrpSpPr>
-        <p:cNvPr id="1" name=""/>
-        <p:cNvGrpSpPr/>
-        <p:nvPr/>
-      </p:nvGrpSpPr>
-      <p:grpSpPr/>
-      <p:sp>
-        <p:nvSpPr>
-          <p:cNvPr id="2" name="Title 1"/>
-          <p:cNvSpPr>
-            <a:spLocks noGrp="1"/>
-          </p:cNvSpPr>
-          <p:nvPr>
-            <p:ph type="ctrTitle"/>
-          </p:nvPr>
-        </p:nvSpPr>
-        <p:spPr/>
-        <p:txBody>
-          <a:bodyPr/>
-          <a:lstStyle/>
-          <a:p/>
-        </p:txBody>
-      </p:sp>
-      <p:sp>
-        <p:nvSpPr>
-          <p:cNvPr id="3" name="Subtitle 2"/>
-          <p:cNvSpPr>
-            <a:spLocks noGrp="1"/>
-          </p:cNvSpPr>
-          <p:nvPr>
-            <p:ph type="subTitle" idx="1"/>
-          </p:nvPr>
-        </p:nvSpPr>
-        <p:spPr/>
-        <p:txBody>
-          <a:bodyPr/>
-          <a:lstStyle/>
-          <a:p/>
-        </p:txBody>
-      </p:sp>
-    </p:spTree>
-  </p:cSld>
-  <p:clrMapOvr>
-    <a:masterClrMapping/>
-  </p:clrMapOvr>
-</p:sld>
-</file>
-
-<file path=ppt/slides/slide57.xml><?xml version="1.0" encoding="utf-8"?>
-<p:sld xmlns:a="http://schemas.openxmlformats.org/drawingml/2006/main" xmlns:p="http://schemas.openxmlformats.org/presentationml/2006/main" xmlns:r="http://schemas.openxmlformats.org/officeDocument/2006/relationships">
-  <p:cSld>
-    <p:spTree>
-      <p:nvGrpSpPr>
-        <p:cNvPr id="1" name=""/>
-        <p:cNvGrpSpPr/>
-        <p:nvPr/>
-      </p:nvGrpSpPr>
-      <p:grpSpPr/>
-      <p:sp>
-        <p:nvSpPr>
-          <p:cNvPr id="2" name="Title 1"/>
-          <p:cNvSpPr>
-            <a:spLocks noGrp="1"/>
-          </p:cNvSpPr>
-          <p:nvPr>
-            <p:ph type="ctrTitle"/>
-          </p:nvPr>
-        </p:nvSpPr>
-        <p:spPr/>
-        <p:txBody>
-          <a:bodyPr/>
-          <a:lstStyle/>
-          <a:p/>
-        </p:txBody>
-      </p:sp>
-      <p:sp>
-        <p:nvSpPr>
-          <p:cNvPr id="3" name="Subtitle 2"/>
-          <p:cNvSpPr>
-            <a:spLocks noGrp="1"/>
-          </p:cNvSpPr>
-          <p:nvPr>
-            <p:ph type="subTitle" idx="1"/>
-          </p:nvPr>
-        </p:nvSpPr>
-        <p:spPr/>
-        <p:txBody>
-          <a:bodyPr/>
-          <a:lstStyle/>
-          <a:p/>
-        </p:txBody>
-      </p:sp>
-    </p:spTree>
-  </p:cSld>
-  <p:clrMapOvr>
-    <a:masterClrMapping/>
-  </p:clrMapOvr>
-</p:sld>
-</file>
-
-<file path=ppt/slides/slide58.xml><?xml version="1.0" encoding="utf-8"?>
-<p:sld xmlns:a="http://schemas.openxmlformats.org/drawingml/2006/main" xmlns:p="http://schemas.openxmlformats.org/presentationml/2006/main" xmlns:r="http://schemas.openxmlformats.org/officeDocument/2006/relationships">
-  <p:cSld>
-    <p:spTree>
-      <p:nvGrpSpPr>
-        <p:cNvPr id="1" name=""/>
-        <p:cNvGrpSpPr/>
-        <p:nvPr/>
-      </p:nvGrpSpPr>
-      <p:grpSpPr/>
-      <p:sp>
-        <p:nvSpPr>
-          <p:cNvPr id="2" name="Title 1"/>
-          <p:cNvSpPr>
-            <a:spLocks noGrp="1"/>
-          </p:cNvSpPr>
-          <p:nvPr>
-            <p:ph type="title"/>
-          </p:nvPr>
-        </p:nvSpPr>
-        <p:spPr/>
-        <p:txBody>
-          <a:bodyPr/>
-          <a:lstStyle/>
-          <a:p>
-            <a:r>
-              <a:t>Refactoring-Trigger</a:t>
-            </a:r>
-          </a:p>
-        </p:txBody>
-      </p:sp>
-      <p:sp>
-        <p:nvSpPr>
-          <p:cNvPr id="3" name="Content Placeholder 2"/>
-          <p:cNvSpPr>
-            <a:spLocks noGrp="1"/>
-          </p:cNvSpPr>
-          <p:nvPr>
-            <p:ph idx="1"/>
-          </p:nvPr>
-        </p:nvSpPr>
-        <p:spPr/>
-        <p:txBody>
-          <a:bodyPr/>
-          <a:lstStyle/>
-          <a:p>
-            <a:pPr/>
-            <a:r>
-              <a:t>Wenn du Code verstehen musst (vor Bug-Fix, vor Feature)</a:t>
-            </a:r>
-          </a:p>
-          <a:p>
-            <a:pPr/>
-            <a:r>
-              <a:t>Wenn du Duplikation siehst (Copy-Paste Code)</a:t>
-            </a:r>
-          </a:p>
-          <a:p>
-            <a:pPr/>
-            <a:r>
-              <a:t>Wenn Code "riecht" (Long Method, Large Class, Long Parameter List)</a:t>
-            </a:r>
-          </a:p>
-        </p:txBody>
-      </p:sp>
-    </p:spTree>
-  </p:cSld>
-  <p:clrMapOvr>
-    <a:masterClrMapping/>
-  </p:clrMapOvr>
-</p:sld>
-</file>
-
-<file path=ppt/slides/slide59.xml><?xml version="1.0" encoding="utf-8"?>
-<p:sld xmlns:a="http://schemas.openxmlformats.org/drawingml/2006/main" xmlns:p="http://schemas.openxmlformats.org/presentationml/2006/main" xmlns:r="http://schemas.openxmlformats.org/officeDocument/2006/relationships">
-  <p:cSld>
-    <p:spTree>
-      <p:nvGrpSpPr>
-        <p:cNvPr id="1" name=""/>
-        <p:cNvGrpSpPr/>
-        <p:nvPr/>
-      </p:nvGrpSpPr>
-      <p:grpSpPr/>
-      <p:sp>
-        <p:nvSpPr>
-          <p:cNvPr id="2" name="Title 1"/>
-          <p:cNvSpPr>
-            <a:spLocks noGrp="1"/>
-          </p:cNvSpPr>
-          <p:nvPr>
-            <p:ph type="ctrTitle"/>
-          </p:nvPr>
-        </p:nvSpPr>
-        <p:spPr/>
-        <p:txBody>
-          <a:bodyPr/>
-          <a:lstStyle/>
-          <a:p/>
-        </p:txBody>
-      </p:sp>
-      <p:sp>
-        <p:nvSpPr>
-          <p:cNvPr id="3" name="Subtitle 2"/>
-          <p:cNvSpPr>
-            <a:spLocks noGrp="1"/>
-          </p:cNvSpPr>
-          <p:nvPr>
-            <p:ph type="subTitle" idx="1"/>
-          </p:nvPr>
-        </p:nvSpPr>
-        <p:spPr/>
-        <p:txBody>
-          <a:bodyPr/>
-          <a:lstStyle/>
-          <a:p/>
+            <a:r>
+              <a:t>Adapter: Inkompatible Schnittstellen verbinden</a:t>
+            </a:r>
+          </a:p>
+          <a:p>
+            <a:r>
+              <a:t>Decorator: Verhalten dynamisch erweitern</a:t>
+            </a:r>
+          </a:p>
+          <a:p>
+            <a:r>
+              <a:t>Facade: Komplexe Subsysteme vereinfachen</a:t>
+            </a:r>
+          </a:p>
+          <a:p>
+            <a:r>
+              <a:t>Composite: Hierarchische Strukturen behandeln</a:t>
+            </a:r>
+          </a:p>
         </p:txBody>
       </p:sp>
     </p:spTree>
@@ -10125,110 +9098,6 @@
             <a:spLocks noGrp="1"/>
           </p:cNvSpPr>
           <p:nvPr>
-            <p:ph type="ctrTitle"/>
-          </p:nvPr>
-        </p:nvSpPr>
-        <p:spPr/>
-        <p:txBody>
-          <a:bodyPr/>
-          <a:lstStyle/>
-          <a:p/>
-        </p:txBody>
-      </p:sp>
-      <p:sp>
-        <p:nvSpPr>
-          <p:cNvPr id="3" name="Subtitle 2"/>
-          <p:cNvSpPr>
-            <a:spLocks noGrp="1"/>
-          </p:cNvSpPr>
-          <p:nvPr>
-            <p:ph type="subTitle" idx="1"/>
-          </p:nvPr>
-        </p:nvSpPr>
-        <p:spPr/>
-        <p:txBody>
-          <a:bodyPr/>
-          <a:lstStyle/>
-          <a:p/>
-        </p:txBody>
-      </p:sp>
-    </p:spTree>
-  </p:cSld>
-  <p:clrMapOvr>
-    <a:masterClrMapping/>
-  </p:clrMapOvr>
-</p:sld>
-</file>
-
-<file path=ppt/slides/slide60.xml><?xml version="1.0" encoding="utf-8"?>
-<p:sld xmlns:a="http://schemas.openxmlformats.org/drawingml/2006/main" xmlns:p="http://schemas.openxmlformats.org/presentationml/2006/main" xmlns:r="http://schemas.openxmlformats.org/officeDocument/2006/relationships">
-  <p:cSld>
-    <p:spTree>
-      <p:nvGrpSpPr>
-        <p:cNvPr id="1" name=""/>
-        <p:cNvGrpSpPr/>
-        <p:nvPr/>
-      </p:nvGrpSpPr>
-      <p:grpSpPr/>
-      <p:sp>
-        <p:nvSpPr>
-          <p:cNvPr id="2" name="Title 1"/>
-          <p:cNvSpPr>
-            <a:spLocks noGrp="1"/>
-          </p:cNvSpPr>
-          <p:nvPr>
-            <p:ph type="ctrTitle"/>
-          </p:nvPr>
-        </p:nvSpPr>
-        <p:spPr/>
-        <p:txBody>
-          <a:bodyPr/>
-          <a:lstStyle/>
-          <a:p/>
-        </p:txBody>
-      </p:sp>
-      <p:sp>
-        <p:nvSpPr>
-          <p:cNvPr id="3" name="Subtitle 2"/>
-          <p:cNvSpPr>
-            <a:spLocks noGrp="1"/>
-          </p:cNvSpPr>
-          <p:nvPr>
-            <p:ph type="subTitle" idx="1"/>
-          </p:nvPr>
-        </p:nvSpPr>
-        <p:spPr/>
-        <p:txBody>
-          <a:bodyPr/>
-          <a:lstStyle/>
-          <a:p/>
-        </p:txBody>
-      </p:sp>
-    </p:spTree>
-  </p:cSld>
-  <p:clrMapOvr>
-    <a:masterClrMapping/>
-  </p:clrMapOvr>
-</p:sld>
-</file>
-
-<file path=ppt/slides/slide61.xml><?xml version="1.0" encoding="utf-8"?>
-<p:sld xmlns:a="http://schemas.openxmlformats.org/drawingml/2006/main" xmlns:p="http://schemas.openxmlformats.org/presentationml/2006/main" xmlns:r="http://schemas.openxmlformats.org/officeDocument/2006/relationships">
-  <p:cSld>
-    <p:spTree>
-      <p:nvGrpSpPr>
-        <p:cNvPr id="1" name=""/>
-        <p:cNvGrpSpPr/>
-        <p:nvPr/>
-      </p:nvGrpSpPr>
-      <p:grpSpPr/>
-      <p:sp>
-        <p:nvSpPr>
-          <p:cNvPr id="2" name="Title 1"/>
-          <p:cNvSpPr>
-            <a:spLocks noGrp="1"/>
-          </p:cNvSpPr>
-          <p:nvPr>
             <p:ph type="title"/>
           </p:nvPr>
         </p:nvSpPr>
@@ -10238,7 +9107,7 @@
           <a:lstStyle/>
           <a:p>
             <a:r>
-              <a:t>Kleine Schritte und IDE-Unterstützung</a:t>
+              <a:t>Block 3: Behavioral Patterns - Schwerpunkt: Verhalten und Kommunikation</a:t>
             </a:r>
           </a:p>
         </p:txBody>
@@ -10258,335 +9127,25 @@
           <a:bodyPr/>
           <a:lstStyle/>
           <a:p>
-            <a:pPr/>
-            <a:r>
-              <a:t>Ein Schritt nach dem anderen</a:t>
-            </a:r>
-          </a:p>
-          <a:p>
-            <a:pPr/>
-            <a:r>
-              <a:t>Extract Method, Rename Variable, Move Method</a:t>
-            </a:r>
-          </a:p>
-          <a:p>
-            <a:pPr/>
-            <a:r>
-              <a:t>IDE kann viel automatisch und sicher machen</a:t>
-            </a:r>
-          </a:p>
-        </p:txBody>
-      </p:sp>
-    </p:spTree>
-  </p:cSld>
-  <p:clrMapOvr>
-    <a:masterClrMapping/>
-  </p:clrMapOvr>
-</p:sld>
-</file>
-
-<file path=ppt/slides/slide62.xml><?xml version="1.0" encoding="utf-8"?>
-<p:sld xmlns:a="http://schemas.openxmlformats.org/drawingml/2006/main" xmlns:p="http://schemas.openxmlformats.org/presentationml/2006/main" xmlns:r="http://schemas.openxmlformats.org/officeDocument/2006/relationships">
-  <p:cSld>
-    <p:spTree>
-      <p:nvGrpSpPr>
-        <p:cNvPr id="1" name=""/>
-        <p:cNvGrpSpPr/>
-        <p:nvPr/>
-      </p:nvGrpSpPr>
-      <p:grpSpPr/>
-      <p:sp>
-        <p:nvSpPr>
-          <p:cNvPr id="2" name="Title 1"/>
-          <p:cNvSpPr>
-            <a:spLocks noGrp="1"/>
-          </p:cNvSpPr>
-          <p:nvPr>
-            <p:ph type="ctrTitle"/>
-          </p:nvPr>
-        </p:nvSpPr>
-        <p:spPr/>
-        <p:txBody>
-          <a:bodyPr/>
-          <a:lstStyle/>
-          <a:p/>
-        </p:txBody>
-      </p:sp>
-      <p:sp>
-        <p:nvSpPr>
-          <p:cNvPr id="3" name="Subtitle 2"/>
-          <p:cNvSpPr>
-            <a:spLocks noGrp="1"/>
-          </p:cNvSpPr>
-          <p:nvPr>
-            <p:ph type="subTitle" idx="1"/>
-          </p:nvPr>
-        </p:nvSpPr>
-        <p:spPr/>
-        <p:txBody>
-          <a:bodyPr/>
-          <a:lstStyle/>
-          <a:p/>
-        </p:txBody>
-      </p:sp>
-    </p:spTree>
-  </p:cSld>
-  <p:clrMapOvr>
-    <a:masterClrMapping/>
-  </p:clrMapOvr>
-</p:sld>
-</file>
-
-<file path=ppt/slides/slide63.xml><?xml version="1.0" encoding="utf-8"?>
-<p:sld xmlns:a="http://schemas.openxmlformats.org/drawingml/2006/main" xmlns:p="http://schemas.openxmlformats.org/presentationml/2006/main" xmlns:r="http://schemas.openxmlformats.org/officeDocument/2006/relationships">
-  <p:cSld>
-    <p:spTree>
-      <p:nvGrpSpPr>
-        <p:cNvPr id="1" name=""/>
-        <p:cNvGrpSpPr/>
-        <p:nvPr/>
-      </p:nvGrpSpPr>
-      <p:grpSpPr/>
-      <p:sp>
-        <p:nvSpPr>
-          <p:cNvPr id="2" name="Title 1"/>
-          <p:cNvSpPr>
-            <a:spLocks noGrp="1"/>
-          </p:cNvSpPr>
-          <p:nvPr>
-            <p:ph type="ctrTitle"/>
-          </p:nvPr>
-        </p:nvSpPr>
-        <p:spPr/>
-        <p:txBody>
-          <a:bodyPr/>
-          <a:lstStyle/>
-          <a:p/>
-        </p:txBody>
-      </p:sp>
-      <p:sp>
-        <p:nvSpPr>
-          <p:cNvPr id="3" name="Subtitle 2"/>
-          <p:cNvSpPr>
-            <a:spLocks noGrp="1"/>
-          </p:cNvSpPr>
-          <p:nvPr>
-            <p:ph type="subTitle" idx="1"/>
-          </p:nvPr>
-        </p:nvSpPr>
-        <p:spPr/>
-        <p:txBody>
-          <a:bodyPr/>
-          <a:lstStyle/>
-          <a:p/>
-        </p:txBody>
-      </p:sp>
-    </p:spTree>
-  </p:cSld>
-  <p:clrMapOvr>
-    <a:masterClrMapping/>
-  </p:clrMapOvr>
-</p:sld>
-</file>
-
-<file path=ppt/slides/slide64.xml><?xml version="1.0" encoding="utf-8"?>
-<p:sld xmlns:a="http://schemas.openxmlformats.org/drawingml/2006/main" xmlns:p="http://schemas.openxmlformats.org/presentationml/2006/main" xmlns:r="http://schemas.openxmlformats.org/officeDocument/2006/relationships">
-  <p:cSld>
-    <p:spTree>
-      <p:nvGrpSpPr>
-        <p:cNvPr id="1" name=""/>
-        <p:cNvGrpSpPr/>
-        <p:nvPr/>
-      </p:nvGrpSpPr>
-      <p:grpSpPr/>
-      <p:sp>
-        <p:nvSpPr>
-          <p:cNvPr id="2" name="Title 1"/>
-          <p:cNvSpPr>
-            <a:spLocks noGrp="1"/>
-          </p:cNvSpPr>
-          <p:nvPr>
-            <p:ph type="ctrTitle"/>
-          </p:nvPr>
-        </p:nvSpPr>
-        <p:spPr/>
-        <p:txBody>
-          <a:bodyPr/>
-          <a:lstStyle/>
-          <a:p/>
-        </p:txBody>
-      </p:sp>
-      <p:sp>
-        <p:nvSpPr>
-          <p:cNvPr id="3" name="Subtitle 2"/>
-          <p:cNvSpPr>
-            <a:spLocks noGrp="1"/>
-          </p:cNvSpPr>
-          <p:nvPr>
-            <p:ph type="subTitle" idx="1"/>
-          </p:nvPr>
-        </p:nvSpPr>
-        <p:spPr/>
-        <p:txBody>
-          <a:bodyPr/>
-          <a:lstStyle/>
-          <a:p/>
-        </p:txBody>
-      </p:sp>
-    </p:spTree>
-  </p:cSld>
-  <p:clrMapOvr>
-    <a:masterClrMapping/>
-  </p:clrMapOvr>
-</p:sld>
-</file>
-
-<file path=ppt/slides/slide65.xml><?xml version="1.0" encoding="utf-8"?>
-<p:sld xmlns:a="http://schemas.openxmlformats.org/drawingml/2006/main" xmlns:p="http://schemas.openxmlformats.org/presentationml/2006/main" xmlns:r="http://schemas.openxmlformats.org/officeDocument/2006/relationships">
-  <p:cSld>
-    <p:spTree>
-      <p:nvGrpSpPr>
-        <p:cNvPr id="1" name=""/>
-        <p:cNvGrpSpPr/>
-        <p:nvPr/>
-      </p:nvGrpSpPr>
-      <p:grpSpPr/>
-      <p:sp>
-        <p:nvSpPr>
-          <p:cNvPr id="2" name="Title 1"/>
-          <p:cNvSpPr>
-            <a:spLocks noGrp="1"/>
-          </p:cNvSpPr>
-          <p:nvPr>
-            <p:ph type="ctrTitle"/>
-          </p:nvPr>
-        </p:nvSpPr>
-        <p:spPr/>
-        <p:txBody>
-          <a:bodyPr/>
-          <a:lstStyle/>
-          <a:p/>
-        </p:txBody>
-      </p:sp>
-      <p:sp>
-        <p:nvSpPr>
-          <p:cNvPr id="3" name="Subtitle 2"/>
-          <p:cNvSpPr>
-            <a:spLocks noGrp="1"/>
-          </p:cNvSpPr>
-          <p:nvPr>
-            <p:ph type="subTitle" idx="1"/>
-          </p:nvPr>
-        </p:nvSpPr>
-        <p:spPr/>
-        <p:txBody>
-          <a:bodyPr/>
-          <a:lstStyle/>
-          <a:p/>
-        </p:txBody>
-      </p:sp>
-    </p:spTree>
-  </p:cSld>
-  <p:clrMapOvr>
-    <a:masterClrMapping/>
-  </p:clrMapOvr>
-</p:sld>
-</file>
-
-<file path=ppt/slides/slide66.xml><?xml version="1.0" encoding="utf-8"?>
-<p:sld xmlns:a="http://schemas.openxmlformats.org/drawingml/2006/main" xmlns:p="http://schemas.openxmlformats.org/presentationml/2006/main" xmlns:r="http://schemas.openxmlformats.org/officeDocument/2006/relationships">
-  <p:cSld>
-    <p:spTree>
-      <p:nvGrpSpPr>
-        <p:cNvPr id="1" name=""/>
-        <p:cNvGrpSpPr/>
-        <p:nvPr/>
-      </p:nvGrpSpPr>
-      <p:grpSpPr/>
-      <p:sp>
-        <p:nvSpPr>
-          <p:cNvPr id="2" name="Title 1"/>
-          <p:cNvSpPr>
-            <a:spLocks noGrp="1"/>
-          </p:cNvSpPr>
-          <p:nvPr>
-            <p:ph type="ctrTitle"/>
-          </p:nvPr>
-        </p:nvSpPr>
-        <p:spPr/>
-        <p:txBody>
-          <a:bodyPr/>
-          <a:lstStyle/>
-          <a:p/>
-        </p:txBody>
-      </p:sp>
-      <p:sp>
-        <p:nvSpPr>
-          <p:cNvPr id="3" name="Subtitle 2"/>
-          <p:cNvSpPr>
-            <a:spLocks noGrp="1"/>
-          </p:cNvSpPr>
-          <p:nvPr>
-            <p:ph type="subTitle" idx="1"/>
-          </p:nvPr>
-        </p:nvSpPr>
-        <p:spPr/>
-        <p:txBody>
-          <a:bodyPr/>
-          <a:lstStyle/>
-          <a:p/>
-        </p:txBody>
-      </p:sp>
-    </p:spTree>
-  </p:cSld>
-  <p:clrMapOvr>
-    <a:masterClrMapping/>
-  </p:clrMapOvr>
-</p:sld>
-</file>
-
-<file path=ppt/slides/slide67.xml><?xml version="1.0" encoding="utf-8"?>
-<p:sld xmlns:a="http://schemas.openxmlformats.org/drawingml/2006/main" xmlns:p="http://schemas.openxmlformats.org/presentationml/2006/main" xmlns:r="http://schemas.openxmlformats.org/officeDocument/2006/relationships">
-  <p:cSld>
-    <p:spTree>
-      <p:nvGrpSpPr>
-        <p:cNvPr id="1" name=""/>
-        <p:cNvGrpSpPr/>
-        <p:nvPr/>
-      </p:nvGrpSpPr>
-      <p:grpSpPr/>
-      <p:sp>
-        <p:nvSpPr>
-          <p:cNvPr id="2" name="Title 1"/>
-          <p:cNvSpPr>
-            <a:spLocks noGrp="1"/>
-          </p:cNvSpPr>
-          <p:nvPr>
-            <p:ph type="ctrTitle"/>
-          </p:nvPr>
-        </p:nvSpPr>
-        <p:spPr/>
-        <p:txBody>
-          <a:bodyPr/>
-          <a:lstStyle/>
-          <a:p/>
-        </p:txBody>
-      </p:sp>
-      <p:sp>
-        <p:nvSpPr>
-          <p:cNvPr id="3" name="Subtitle 2"/>
-          <p:cNvSpPr>
-            <a:spLocks noGrp="1"/>
-          </p:cNvSpPr>
-          <p:nvPr>
-            <p:ph type="subTitle" idx="1"/>
-          </p:nvPr>
-        </p:nvSpPr>
-        <p:spPr/>
-        <p:txBody>
-          <a:bodyPr/>
-          <a:lstStyle/>
-          <a:p/>
+            <a:r>
+              <a:t>Observer: Ereignisse propagieren</a:t>
+            </a:r>
+          </a:p>
+          <a:p>
+            <a:r>
+              <a:t>Strategy: Algorithmen austauschbar machen</a:t>
+            </a:r>
+          </a:p>
+          <a:p>
+            <a:r>
+              <a:t>Command: Operationen als Objekte</a:t>
+            </a:r>
+          </a:p>
+          <a:p>
+            <a:r>
+              <a:t>State: Zustandsabhängiges Verhalten</a:t>
+            </a:r>
+          </a:p>
         </p:txBody>
       </p:sp>
     </p:spTree>
@@ -10623,7 +9182,7 @@
           <a:lstStyle/>
           <a:p>
             <a:r>
-              <a:t>Schwerpunkt: Strukturelle Komposition</a:t>
+              <a:t>Block 4: Advanced Patterns - Schwerpunkt: Komplexe Szenarien</a:t>
             </a:r>
           </a:p>
         </p:txBody>
@@ -10643,27 +9202,28 @@
           <a:bodyPr/>
           <a:lstStyle/>
           <a:p>
-            <a:pPr/>
-            <a:r>
-              <a:t>Adapter: Inkompatible Schnittstellen verbinden</a:t>
-            </a:r>
-          </a:p>
-          <a:p>
-            <a:pPr/>
-            <a:r>
-              <a:t>Decorator: Verhalten dynamisch erweitern</a:t>
-            </a:r>
-          </a:p>
-          <a:p>
-            <a:pPr/>
-            <a:r>
-              <a:t>Facade: Komplexe Subsysteme vereinfachen</a:t>
-            </a:r>
-          </a:p>
-          <a:p>
-            <a:pPr/>
-            <a:r>
-              <a:t>Composite: Hierarchische Strukturen behandeln</a:t>
+            <a:r>
+              <a:t>Template Method: Algorithmus-Skelett mit variablen Teilen</a:t>
+            </a:r>
+          </a:p>
+          <a:p>
+            <a:r>
+              <a:t>Visitor: Operationen von Datenstruktur trennen</a:t>
+            </a:r>
+          </a:p>
+          <a:p>
+            <a:r>
+              <a:t>Chain of Responsibility: Requests durch Handler-Kette</a:t>
+            </a:r>
+          </a:p>
+          <a:p>
+            <a:r>
+              <a:t>Mediator: Komplexe Objekt-Interaktionen koordinieren</a:t>
+            </a:r>
+          </a:p>
+          <a:p>
+            <a:r>
+              <a:t>Enterprise Patterns: Repository, Unit of Work, MVC/MVP/MVVM</a:t>
             </a:r>
           </a:p>
         </p:txBody>
@@ -10693,31 +9253,59 @@
             <a:spLocks noGrp="1"/>
           </p:cNvSpPr>
           <p:nvPr>
-            <p:ph type="ctrTitle"/>
-          </p:nvPr>
-        </p:nvSpPr>
-        <p:spPr/>
-        <p:txBody>
-          <a:bodyPr/>
-          <a:lstStyle/>
-          <a:p/>
-        </p:txBody>
-      </p:sp>
-      <p:sp>
-        <p:nvSpPr>
-          <p:cNvPr id="3" name="Subtitle 2"/>
-          <p:cNvSpPr>
-            <a:spLocks noGrp="1"/>
-          </p:cNvSpPr>
-          <p:nvPr>
-            <p:ph type="subTitle" idx="1"/>
-          </p:nvPr>
-        </p:nvSpPr>
-        <p:spPr/>
-        <p:txBody>
-          <a:bodyPr/>
-          <a:lstStyle/>
-          <a:p/>
+            <p:ph type="title"/>
+          </p:nvPr>
+        </p:nvSpPr>
+        <p:spPr/>
+        <p:txBody>
+          <a:bodyPr/>
+          <a:lstStyle/>
+          <a:p>
+            <a:r>
+              <a:t>Was werden wir NICHT behandeln? - Bewusst ausgeklammerte Themen</a:t>
+            </a:r>
+          </a:p>
+        </p:txBody>
+      </p:sp>
+      <p:sp>
+        <p:nvSpPr>
+          <p:cNvPr id="3" name="Content Placeholder 2"/>
+          <p:cNvSpPr>
+            <a:spLocks noGrp="1"/>
+          </p:cNvSpPr>
+          <p:nvPr>
+            <p:ph idx="1"/>
+          </p:nvPr>
+        </p:nvSpPr>
+        <p:spPr/>
+        <p:txBody>
+          <a:bodyPr/>
+          <a:lstStyle/>
+          <a:p>
+            <a:r>
+              <a:t>Framework-spezifische Patterns (Spring, Hibernate, etc.)</a:t>
+            </a:r>
+          </a:p>
+          <a:p>
+            <a:r>
+              <a:t>Architektur-Patterns (Microservices, CQRS, Event Sourcing)</a:t>
+            </a:r>
+          </a:p>
+          <a:p>
+            <a:r>
+              <a:t>Concurrency-Patterns (würde eigenen Workshop füllen)</a:t>
+            </a:r>
+          </a:p>
+          <a:p>
+            <a:r>
+              <a:t>Specific UI-Frameworks (Angular, React, Vue)</a:t>
+            </a:r>
+          </a:p>
+          <a:p>
+            <a:r>
+              <a:t>Cloud-native Patterns (separate Workshop-Serie)</a:t>
+            </a:r>
+          </a:p>
         </p:txBody>
       </p:sp>
     </p:spTree>
@@ -10754,7 +9342,7 @@
           <a:lstStyle/>
           <a:p>
             <a:r>
-              <a:t>Schwerpunkt: Verhalten und Kommunikation</a:t>
+              <a:t>Lernziele und Kompetenzen - Zentrale Problemstellungen</a:t>
             </a:r>
           </a:p>
         </p:txBody>
@@ -10774,27 +9362,28 @@
           <a:bodyPr/>
           <a:lstStyle/>
           <a:p>
-            <a:pPr/>
-            <a:r>
-              <a:t>Observer: Ereignisse propagieren</a:t>
-            </a:r>
-          </a:p>
-          <a:p>
-            <a:pPr/>
-            <a:r>
-              <a:t>Strategy: Algorithmen austauschbar machen</a:t>
-            </a:r>
-          </a:p>
-          <a:p>
-            <a:pPr/>
-            <a:r>
-              <a:t>Command: Operationen als Objekte</a:t>
-            </a:r>
-          </a:p>
-          <a:p>
-            <a:pPr/>
-            <a:r>
-              <a:t>State: Zustandsabhängiges Verhalten</a:t>
+            <a:r>
+              <a:t>Legacy-System Integration und Adapter-Patterns</a:t>
+            </a:r>
+          </a:p>
+          <a:p>
+            <a:r>
+              <a:t>Flexible Objekterzeugung und Dependency Management</a:t>
+            </a:r>
+          </a:p>
+          <a:p>
+            <a:r>
+              <a:t>Algorithmus-Variationen und Strategy-Patterns</a:t>
+            </a:r>
+          </a:p>
+          <a:p>
+            <a:r>
+              <a:t>Event-basierte Kommunikation und Observer-Patterns</a:t>
+            </a:r>
+          </a:p>
+          <a:p>
+            <a:r>
+              <a:t>Komplexe Objektstrukturen und Composite-Patterns</a:t>
             </a:r>
           </a:p>
         </p:txBody>

--- a/presentations/powerpoint/intro-presentation.pptx
+++ b/presentations/powerpoint/intro-presentation.pptx
@@ -7,7 +7,7 @@
   <p:sldIdLst>
     <p:sldId id="256" r:id="rId6"/>
     <p:sldId id="257" r:id="rId7"/>
-    <p:sldId id="258" r:id="rId8"/>
+    <p:sldId id="258" r:id="rId9"/>
     <p:sldId id="259" r:id="rId10"/>
     <p:sldId id="260" r:id="rId11"/>
     <p:sldId id="261" r:id="rId12"/>
@@ -34,12 +34,6 @@
     <p:sldId id="282" r:id="rId33"/>
     <p:sldId id="283" r:id="rId34"/>
     <p:sldId id="284" r:id="rId35"/>
-    <p:sldId id="285" r:id="rId36"/>
-    <p:sldId id="286" r:id="rId37"/>
-    <p:sldId id="287" r:id="rId38"/>
-    <p:sldId id="288" r:id="rId39"/>
-    <p:sldId id="289" r:id="rId40"/>
-    <p:sldId id="290" r:id="rId41"/>
   </p:sldIdLst>
   <p:sldSz cx="12192000" cy="6858000"/>
   <p:notesSz cx="6858000" cy="9144000"/>
@@ -611,7 +605,7 @@
           <a:lstStyle/>
           <a:p>
             <a:r>
-              <a:t>Diese Definition betont sowohl technische Aspekte (Struktur, Verhalten) als auch fachliche Ziele. Architektur ist nicht nur Technik - sie muss Geschäftsziele verstehen und unterstützen.</a:t>
+              <a:t>Diese Definitionen zeigen verschiedene Perspektiven auf Software-Architektur. Gemeinsame Erkenntnisse: Struktur (Organisation der Software), Entscheidungen (wichtige Design-Entscheidungen), Beziehungen (Zusammenhänge), Kosten (spätere Änderbarkeit), Kommunikation (Vermittlung des Designs).</a:t>
             </a:r>
           </a:p>
         </p:txBody>
@@ -681,7 +675,7 @@
           <a:lstStyle/>
           <a:p>
             <a:r>
-              <a:t>Enterprise-Herausforderungen: Modernisierung bei laufendem Betrieb, Compliance und Governance, Performance bei hoher Last, Kostenoptimierung bei gleichzeitig hoher Qualität. Integration von Dutzenden von Systemen.</a:t>
+              <a:t>Diese Definition betont sowohl technische Aspekte (Struktur, Verhalten) als auch fachliche Ziele. Architektur ist nicht nur Technik - sie muss Geschäftsziele verstehen und unterstützen.</a:t>
             </a:r>
           </a:p>
         </p:txBody>
@@ -751,7 +745,7 @@
           <a:lstStyle/>
           <a:p>
             <a:r>
-              <a:t>Clean Code Definition nach Robert C. Martin: "Code that has been taken care of." 80% der Zeit wird Code gelesen, nur 20% geschrieben. Wartbarkeit ist wichtiger als Cleverness.</a:t>
+              <a:t>Enterprise-Herausforderungen: Modernisierung bei laufendem Betrieb, Compliance und Governance, Performance bei hoher Last, Kostenoptimierung bei gleichzeitig hoher Qualität. Integration von Dutzenden von Systemen.</a:t>
             </a:r>
           </a:p>
         </p:txBody>
@@ -821,7 +815,7 @@
           <a:lstStyle/>
           <a:p>
             <a:r>
-              <a:t>Legacy-Systeme mit Millionen Zeilen undokumentiertem Code verursachen hohe Wartungskosten, weil jede kleine Änderung Wochen dauert und risikoreich ist. Clean Code ist eine Investition in die Zukunft.</a:t>
+              <a:t>Clean Code Definition nach Robert C. Martin: "Code that has been taken care of." 80% der Zeit wird Code gelesen, nur 20% geschrieben. Wartbarkeit ist wichtiger als Cleverness.</a:t>
             </a:r>
           </a:p>
         </p:txBody>
@@ -891,7 +885,7 @@
           <a:lstStyle/>
           <a:p>
             <a:r>
-              <a:t>Praktische Auswirkungen: Zinsen (jede Änderung dauert länger), Hauptsumme (Aufwand für Refactoring), Insolvenz (System nicht mehr wartbar). Schulden-Management: Sichtbar machen, priorisieren, kontinuierlich abbauen.</a:t>
+              <a:t>Legacy-Systeme mit Millionen Zeilen undokumentiertem Code verursachen hohe Wartungskosten, weil jede kleine Änderung Wochen dauert und risikoreich ist. Clean Code ist eine Investition in die Zukunft.</a:t>
             </a:r>
           </a:p>
         </p:txBody>
@@ -961,7 +955,7 @@
           <a:lstStyle/>
           <a:p>
             <a:r>
-              <a:t>Technology-First Symptome: Hype-Driven Development, Solution looking for a problem, Architecture Astronauts, Over-Engineering. Warum passiert das? Techniker denken technisch, Marketing macht Technologie sexy, CV-Driven Development, Komplexität wirkt professionell.</a:t>
+              <a:t>Praktische Auswirkungen: Zinsen (jede Änderung dauert länger), Hauptsumme (Aufwand für Refactoring), Insolvenz (System nicht mehr wartbar). Schulden-Management: Sichtbar machen, priorisieren, kontinuierlich abbauen.</a:t>
             </a:r>
           </a:p>
         </p:txBody>
@@ -1031,7 +1025,7 @@
           <a:lstStyle/>
           <a:p>
             <a:r>
-              <a:t>Das Grundproblem: Es gab KEIN fachliches Problem, das diese Technologien gelöst hätten. Finanzdaten sind RELATIONAL - NoSQL passte nicht zur Fachlichkeit.</a:t>
+              <a:t>Technology-First Symptome: Hype-Driven Development, Solution looking for a problem, Architecture Astronauts, Over-Engineering. Warum passiert das? Techniker denken technisch, Marketing macht Technologie sexy, CV-Driven Development, Komplexität wirkt professionell.</a:t>
             </a:r>
           </a:p>
         </p:txBody>
@@ -1101,7 +1095,7 @@
           <a:lstStyle/>
           <a:p>
             <a:r>
-              <a:t>DDD-Grundgedanke nach Eric Evans: "The heart of software is its ability to solve domain-related problems for its user. All other concerns should be subordinated." Technology-First führt zu Over-Engineering und unpassenden Lösungen.</a:t>
+              <a:t>Das Grundproblem: Es gab KEIN fachliches Problem, das diese Technologien gelöst hätten. Finanzdaten sind RELATIONAL - NoSQL passte nicht zur Fachlichkeit.</a:t>
             </a:r>
           </a:p>
         </p:txBody>
@@ -1171,7 +1165,7 @@
           <a:lstStyle/>
           <a:p>
             <a:r>
-              <a:t>Warnsignale für Technology-First: "Das ist modern/trendy", "Das macht Netflix auch", "Das steht in meinem Lebenslauf gut". Die richtigen Fragen: "Welches fachliche Problem löst das?", "Was sind unsere spezifischen Anforderungen?"</a:t>
+              <a:t>DDD-Grundgedanke nach Eric Evans: "The heart of software is its ability to solve domain-related problems for its user. All other concerns should be subordinated." Technology-First führt zu Over-Engineering und unpassenden Lösungen.</a:t>
             </a:r>
           </a:p>
         </p:txBody>
@@ -1241,7 +1235,7 @@
           <a:lstStyle/>
           <a:p>
             <a:r>
-              <a:t>Alexanders Erkenntnis: "Each pattern describes a problem which occurs over and over again, and then describes the core of the solution." GoF erkannten: Erfahrene Entwickler nutzen bewährte Lösungen, wiederkehrende Probleme haben wiederkehrende Lösungen.</a:t>
+              <a:t>Warnsignale für Technology-First: "Das ist modern/trendy", "Das macht Netflix auch", "Das steht in meinem Lebenslauf gut". Die richtigen Fragen: "Welches fachliche Problem löst das?", "Was sind unsere spezifischen Anforderungen?"</a:t>
             </a:r>
           </a:p>
         </p:txBody>
@@ -1381,7 +1375,7 @@
           <a:lstStyle/>
           <a:p>
             <a:r>
-              <a:t>Kommunikationsverbesserung: Vorher: "Wir brauchen eine Klasse, die andere Klassen erzeugt..." Nachher: "Wir nutzen Factory Pattern". Team-Kommunikation wird effizienter, neue Teammitglieder verstehen Design schneller.</a:t>
+              <a:t>Alexanders Erkenntnis: "Each pattern describes a problem which occurs over and over again, and then describes the core of the solution." GoF erkannten: Erfahrene Entwickler nutzen bewährte Lösungen, wiederkehrende Probleme haben wiederkehrende Lösungen.</a:t>
             </a:r>
           </a:p>
         </p:txBody>
@@ -1451,7 +1445,7 @@
           <a:lstStyle/>
           <a:p>
             <a:r>
-              <a:t>Golden Hammer vermeiden: "Ich habe einen Hammer, alles sieht aus wie ein Nagel". Pattern Overload: 20 Patterns für 5 Klassen. Wichtige Fragen: Haben wir wirklich das Problem? Ist es komplex genug für ein Pattern?</a:t>
+              <a:t>Kommunikationsverbesserung: Vorher: "Wir brauchen eine Klasse, die andere Klassen erzeugt..." Nachher: "Wir nutzen Factory Pattern". Team-Kommunikation wird effizienter, neue Teammitglieder verstehen Design schneller.</a:t>
             </a:r>
           </a:p>
         </p:txBody>
@@ -1521,7 +1515,7 @@
           <a:lstStyle/>
           <a:p>
             <a:r>
-              <a:t>Was Refactoring NICHT ist: Bugfixes, neue Features, Performance-Optimierung, Rewrite. Refactoring ist kontinuierlich, nicht ein einmaliges Event.</a:t>
+              <a:t>Golden Hammer vermeiden: "Ich habe einen Hammer, alles sieht aus wie ein Nagel". Pattern Overload: 20 Patterns für 5 Klassen. Wichtige Fragen: Haben wir wirklich das Problem? Ist es komplex genug für ein Pattern?</a:t>
             </a:r>
           </a:p>
         </p:txBody>
@@ -1591,7 +1585,7 @@
           <a:lstStyle/>
           <a:p>
             <a:r>
-              <a:t>Boy Scout Aktionen: temp → elapsedTimeInDays, 7 → DAYS_PER_WEEK, Duplicate Code extrahieren, Unused Code entfernen, Kommentare durch self-documenting code ersetzen.</a:t>
+              <a:t>Was Refactoring NICHT ist: Bugfixes, neue Features, Performance-Optimierung, Rewrite. Refactoring ist kontinuierlich, nicht ein einmaliges Event.</a:t>
             </a:r>
           </a:p>
         </p:txBody>
@@ -1661,7 +1655,7 @@
           <a:lstStyle/>
           <a:p>
             <a:r>
-              <a:t>Gute Refactoring-Zeitpunkte: Sprint Planning, Bug-Fixing mit Boy Scout Rule, Code Reviews, Technische Stories. "Make the change easy, then make the easy change."</a:t>
+              <a:t>Boy Scout Aktionen: temp → elapsedTimeInDays, 7 → DAYS_PER_WEEK, Duplicate Code extrahieren, Unused Code entfernen, Kommentare durch self-documenting code ersetzen.</a:t>
             </a:r>
           </a:p>
         </p:txBody>
@@ -1731,7 +1725,7 @@
           <a:lstStyle/>
           <a:p>
             <a:r>
-              <a:t>Häufige Refactoring-Patterns: Extract Method (Long Method aufteilen), Replace Magic Number with Named Constant. Enterprise-Kontext: Legacy Systems extra vorsichtig, Live Systems graduelle Änderungen.</a:t>
+              <a:t>Gute Refactoring-Zeitpunkte: Sprint Planning, Bug-Fixing mit Boy Scout Rule, Code Reviews, Technische Stories. "Make the change easy, then make the easy change."</a:t>
             </a:r>
           </a:p>
         </p:txBody>
@@ -1801,7 +1795,7 @@
           <a:lstStyle/>
           <a:p>
             <a:r>
-              <a:t>Beispiel Strategy Pattern: Ein if-else → zweites if-else → Duplikation reduzieren → drittes ähnliches Pattern → "Das ist Strategy Pattern!" → Refactoring zu Strategy Pattern. Tests sind essenziell für sicheres Refactoring.</a:t>
+              <a:t>Häufige Refactoring-Patterns: Extract Method (Long Method aufteilen), Replace Magic Number with Named Constant. Enterprise-Kontext: Legacy Systems extra vorsichtig, Live Systems graduelle Änderungen.</a:t>
             </a:r>
           </a:p>
         </p:txBody>
@@ -1871,6 +1865,76 @@
           <a:lstStyle/>
           <a:p>
             <a:r>
+              <a:t>Beispiel Strategy Pattern: Ein if-else → zweites if-else → Duplikation reduzieren → drittes ähnliches Pattern → "Das ist Strategy Pattern!" → Refactoring zu Strategy Pattern. Tests sind essenziell für sicheres Refactoring.</a:t>
+            </a:r>
+          </a:p>
+        </p:txBody>
+      </p:sp>
+      <p:sp>
+        <p:nvSpPr>
+          <p:cNvPr id="4" name="Slide Number Placeholder 3"/>
+          <p:cNvSpPr>
+            <a:spLocks noGrp="1"/>
+          </p:cNvSpPr>
+          <p:nvPr>
+            <p:ph type="sldNum" idx="5" sz="quarter"/>
+          </p:nvPr>
+        </p:nvSpPr>
+        <p:spPr/>
+      </p:sp>
+    </p:spTree>
+  </p:cSld>
+  <p:clrMapOvr>
+    <a:masterClrMapping/>
+  </p:clrMapOvr>
+</p:notes>
+</file>
+
+<file path=ppt/notesSlides/notesSlide28.xml><?xml version="1.0" encoding="utf-8"?>
+<p:notes xmlns:a="http://schemas.openxmlformats.org/drawingml/2006/main" xmlns:p="http://schemas.openxmlformats.org/presentationml/2006/main" xmlns:r="http://schemas.openxmlformats.org/officeDocument/2006/relationships">
+  <p:cSld>
+    <p:spTree>
+      <p:nvGrpSpPr>
+        <p:cNvPr id="1" name=""/>
+        <p:cNvGrpSpPr/>
+        <p:nvPr/>
+      </p:nvGrpSpPr>
+      <p:grpSpPr>
+        <a:xfrm>
+          <a:off x="0" y="0"/>
+          <a:ext cx="0" cy="0"/>
+          <a:chOff x="0" y="0"/>
+          <a:chExt cx="0" cy="0"/>
+        </a:xfrm>
+      </p:grpSpPr>
+      <p:sp>
+        <p:nvSpPr>
+          <p:cNvPr id="2" name="Slide Image Placeholder 1"/>
+          <p:cNvSpPr>
+            <a:spLocks noGrp="1"/>
+          </p:cNvSpPr>
+          <p:nvPr>
+            <p:ph type="sldImg" idx="2"/>
+          </p:nvPr>
+        </p:nvSpPr>
+        <p:spPr/>
+      </p:sp>
+      <p:sp>
+        <p:nvSpPr>
+          <p:cNvPr id="3" name="Notes Placeholder 2"/>
+          <p:cNvSpPr>
+            <a:spLocks noGrp="1"/>
+          </p:cNvSpPr>
+          <p:nvPr>
+            <p:ph type="body" idx="3" sz="quarter"/>
+          </p:nvPr>
+        </p:nvSpPr>
+        <p:spPr/>
+        <p:txBody>
+          <a:bodyPr/>
+          <a:lstStyle/>
+          <a:p>
+            <a:r>
               <a:t>Lassen Sie jeden Teilnehmer sein Ziel formulieren - wir kommen am Ende darauf zurück! Mit diesem Refactoring-Mindset sind wir bereit - wir wissen jetzt, dass wir Patterns durch evolutionäre Verbesserung entdecken.</a:t>
             </a:r>
           </a:p>
@@ -2291,7 +2355,7 @@
           <a:lstStyle/>
           <a:p>
             <a:r>
-              <a:t>Diese Regeln fördern aktive Teilnahme und effektiven Wissensaustausch. Der Workshop lebt von Interaktion und praktischen Diskussionen.</a:t>
+              <a:t>Was wir bereitstellen: Vollständige Code-Beispiele für alle Patterns, Enterprise-typische Use Cases, Refactoring-Challenges, Pattern-Spickzettel als Nachschlagewerk.</a:t>
             </a:r>
           </a:p>
         </p:txBody>
@@ -2361,7 +2425,7 @@
           <a:lstStyle/>
           <a:p>
             <a:r>
-              <a:t>Diese Definitionen zeigen verschiedene Perspektiven auf Software-Architektur. Gemeinsame Erkenntnisse: Struktur (Organisation der Software), Entscheidungen (wichtige Design-Entscheidungen), Beziehungen (Zusammenhänge), Kosten (spätere Änderbarkeit), Kommunikation (Vermittlung des Designs).</a:t>
+              <a:t>Diese Regeln fördern aktive Teilnahme und effektiven Wissensaustausch. Der Workshop lebt von Interaktion und praktischen Diskussionen.</a:t>
             </a:r>
           </a:p>
         </p:txBody>
@@ -6554,28 +6618,28 @@
           <a:lstStyle/>
           <a:p>
             <a:r>
+              <a:t>Design Patterns Workshop - Einführungsblock</a:t>
+            </a:r>
+          </a:p>
+        </p:txBody>
+      </p:sp>
+      <p:sp>
+        <p:nvSpPr>
+          <p:cNvPr id="3" name="Subtitle 2"/>
+          <p:cNvSpPr>
+            <a:spLocks noGrp="1"/>
+          </p:cNvSpPr>
+          <p:nvPr>
+            <p:ph type="subTitle" idx="1"/>
+          </p:nvPr>
+        </p:nvSpPr>
+        <p:spPr/>
+        <p:txBody>
+          <a:bodyPr/>
+          <a:lstStyle/>
+          <a:p>
+            <a:r>
               <a:t>Design Patterns Workshop</a:t>
-            </a:r>
-          </a:p>
-        </p:txBody>
-      </p:sp>
-      <p:sp>
-        <p:nvSpPr>
-          <p:cNvPr id="3" name="Subtitle 2"/>
-          <p:cNvSpPr>
-            <a:spLocks noGrp="1"/>
-          </p:cNvSpPr>
-          <p:nvPr>
-            <p:ph type="subTitle" idx="1"/>
-          </p:nvPr>
-        </p:nvSpPr>
-        <p:spPr/>
-        <p:txBody>
-          <a:bodyPr/>
-          <a:lstStyle/>
-          <a:p>
-            <a:r>
-              <a:t>Einführungsblock</a:t>
             </a:r>
           </a:p>
         </p:txBody>
@@ -6614,7 +6678,7 @@
           <a:lstStyle/>
           <a:p>
             <a:r>
-              <a:t>Praktische Organisation</a:t>
+              <a:t>Workshop-Regeln</a:t>
             </a:r>
           </a:p>
         </p:txBody>
@@ -6626,77 +6690,48 @@
             <a:spLocks noGrp="1"/>
           </p:cNvSpPr>
           <p:nvPr>
-            <p:ph idx="1" sz="half"/>
+            <p:ph idx="1"/>
           </p:nvPr>
         </p:nvSpPr>
         <p:spPr/>
         <p:txBody>
           <a:bodyPr/>
           <a:lstStyle/>
-          <a:p>
-            <a:r>
-              <a:t>Was Sie mitbringen sollten:</a:t>
-            </a:r>
-          </a:p>
-          <a:p>
-            <a:r>
-              <a:t>Laptop mit Java 11+ und IDE (IntelliJ/Eclipse)</a:t>
-            </a:r>
-          </a:p>
-          <a:p>
-            <a:r>
-              <a:t>Git für Code-Austausch</a:t>
-            </a:r>
-          </a:p>
-          <a:p>
-            <a:r>
-              <a:t>Offenheit für neue Perspektiven</a:t>
-            </a:r>
-          </a:p>
-          <a:p>
-            <a:r>
-              <a:t>Eigene Code-Beispiele (wenn möglich)</a:t>
-            </a:r>
-          </a:p>
-        </p:txBody>
-      </p:sp>
-      <p:sp>
-        <p:nvSpPr>
-          <p:cNvPr id="4" name="Content Placeholder 3"/>
-          <p:cNvSpPr>
-            <a:spLocks noGrp="1"/>
-          </p:cNvSpPr>
-          <p:nvPr>
-            <p:ph idx="2" sz="half"/>
-          </p:nvPr>
-        </p:nvSpPr>
-        <p:spPr/>
-        <p:txBody>
-          <a:bodyPr/>
-          <a:lstStyle/>
-          <a:p>
-            <a:r>
-              <a:t>Was wir bereitstellen:</a:t>
-            </a:r>
-          </a:p>
-          <a:p>
-            <a:r>
-              <a:t>Vollständige Code-Beispiele für alle Patterns</a:t>
-            </a:r>
-          </a:p>
-          <a:p>
-            <a:r>
-              <a:t>Enterprise-typische Use Cases</a:t>
-            </a:r>
-          </a:p>
-          <a:p>
-            <a:r>
-              <a:t>Refactoring-Challenges</a:t>
-            </a:r>
-          </a:p>
-          <a:p>
-            <a:r>
-              <a:t>Pattern-Spickzettel als Nachschlagewerk</a:t>
+          <a:p/>
+          <a:p>
+            <a:pPr/>
+            <a:r>
+              <a:t>Zusammenarbeit</a:t>
+            </a:r>
+          </a:p>
+          <a:p>
+            <a:pPr/>
+            <a:r>
+              <a:t>Fragen jederzeit - Unterbrechungen sind erwünscht</a:t>
+            </a:r>
+          </a:p>
+          <a:p>
+            <a:pPr/>
+            <a:r>
+              <a:t>Handy stumm - aber für Code-Recherche gerne nutzen</a:t>
+            </a:r>
+          </a:p>
+          <a:p>
+            <a:pPr/>
+            <a:r>
+              <a:t>Kamera an bei Remote-Teilnahme</a:t>
+            </a:r>
+          </a:p>
+          <a:p>
+            <a:pPr/>
+            <a:r>
+              <a:t>Code teilen - Github Repository für alle</a:t>
+            </a:r>
+          </a:p>
+          <a:p>
+            <a:pPr/>
+            <a:r>
+              <a:t>Feedback geben - täglich kurze Retro</a:t>
             </a:r>
           </a:p>
         </p:txBody>
@@ -6735,7 +6770,7 @@
           <a:lstStyle/>
           <a:p>
             <a:r>
-              <a:t>Workshop-Regeln - Zusammenarbeit</a:t>
+              <a:t>Was ist Software-Architektur?</a:t>
             </a:r>
           </a:p>
         </p:txBody>
@@ -6754,29 +6789,35 @@
         <p:txBody>
           <a:bodyPr/>
           <a:lstStyle/>
-          <a:p>
-            <a:r>
-              <a:t>Fragen jederzeit - Unterbrechungen sind erwünscht</a:t>
-            </a:r>
-          </a:p>
-          <a:p>
-            <a:r>
-              <a:t>Handy stumm - aber für Code-Recherche gerne nutzen</a:t>
-            </a:r>
-          </a:p>
-          <a:p>
-            <a:r>
-              <a:t>Kamera an bei Remote-Teilnahme</a:t>
-            </a:r>
-          </a:p>
-          <a:p>
-            <a:r>
-              <a:t>Code teilen - Github Repository für alle</a:t>
-            </a:r>
-          </a:p>
-          <a:p>
-            <a:r>
-              <a:t>Feedback geben - täglich kurze Retro</a:t>
+          <a:p/>
+          <a:p>
+            <a:pPr/>
+            <a:r>
+              <a:t>Verschiedene Definitionen</a:t>
+            </a:r>
+          </a:p>
+          <a:p>
+            <a:pPr/>
+            <a:r>
+              <a:t>IEEE 1471: "Grundlegende Organisation eines Systems durch Komponenten und deren Beziehungen"</a:t>
+            </a:r>
+          </a:p>
+          <a:p>
+            <a:pPr/>
+            <a:r>
+              <a:t>Martin Fowler: "Architecture is about the important stuff. Whatever that is."</a:t>
+            </a:r>
+          </a:p>
+          <a:p>
+            <a:pPr/>
+            <a:r>
+              <a:t>Grady Booch: "Signifikante Design-Entscheidungen, gemessen an Änderungskosten"</a:t>
+            </a:r>
+          </a:p>
+          <a:p>
+            <a:pPr/>
+            <a:r>
+              <a:t>Simon Brown: "Struktur und Vision für gemeinsames Verständnis"</a:t>
             </a:r>
           </a:p>
         </p:txBody>
@@ -6806,7 +6847,7 @@
             <a:spLocks noGrp="1"/>
           </p:cNvSpPr>
           <p:nvPr>
-            <p:ph type="ctrTitle"/>
+            <p:ph type="title"/>
           </p:nvPr>
         </p:nvSpPr>
         <p:spPr/>
@@ -6815,28 +6856,36 @@
           <a:lstStyle/>
           <a:p>
             <a:r>
-              <a:t>Software-Architektur</a:t>
-            </a:r>
-          </a:p>
-        </p:txBody>
-      </p:sp>
-      <p:sp>
-        <p:nvSpPr>
-          <p:cNvPr id="3" name="Subtitle 2"/>
-          <p:cNvSpPr>
-            <a:spLocks noGrp="1"/>
-          </p:cNvSpPr>
-          <p:nvPr>
-            <p:ph type="subTitle" idx="1"/>
+              <a:t>Arbeitsdefinition für diesen Workshop</a:t>
+            </a:r>
+          </a:p>
+        </p:txBody>
+      </p:sp>
+      <p:sp>
+        <p:nvSpPr>
+          <p:cNvPr id="3" name="Content Placeholder 2"/>
+          <p:cNvSpPr>
+            <a:spLocks noGrp="1"/>
+          </p:cNvSpPr>
+          <p:nvPr>
+            <p:ph idx="1"/>
           </p:nvPr>
         </p:nvSpPr>
         <p:spPr/>
         <p:txBody>
           <a:bodyPr/>
           <a:lstStyle/>
-          <a:p>
-            <a:r>
-              <a:t>Grundlagen und Definition</a:t>
+          <a:p/>
+          <a:p>
+            <a:pPr/>
+            <a:r>
+              <a:t>Unser gemeinsames Verständnis</a:t>
+            </a:r>
+          </a:p>
+          <a:p>
+            <a:pPr/>
+            <a:r>
+              <a:t>&gt; Software-Architektur ist die Kunst, wichtige Designentscheidungen zu treffen, die die Struktur, das Verhalten und die Evolution eines Systems bestimmen - mit dem Ziel, fachliche Anforderungen optimal zu erfüllen.</a:t>
             </a:r>
           </a:p>
         </p:txBody>
@@ -6875,7 +6924,7 @@
           <a:lstStyle/>
           <a:p>
             <a:r>
-              <a:t>Was ist Software-Architektur? - Verschiedene Definitionen</a:t>
+              <a:t>Enterprise-Kontext</a:t>
             </a:r>
           </a:p>
         </p:txBody>
@@ -6894,24 +6943,41 @@
         <p:txBody>
           <a:bodyPr/>
           <a:lstStyle/>
-          <a:p>
-            <a:r>
-              <a:t>IEEE 1471: "Grundlegende Organisation eines Systems durch Komponenten und deren Beziehungen"</a:t>
-            </a:r>
-          </a:p>
-          <a:p>
-            <a:r>
-              <a:t>Martin Fowler: "Architecture is about the important stuff. Whatever that is."</a:t>
-            </a:r>
-          </a:p>
-          <a:p>
-            <a:r>
-              <a:t>Grady Booch: "Signifikante Design-Entscheidungen, gemessen an Änderungskosten"</a:t>
-            </a:r>
-          </a:p>
-          <a:p>
-            <a:r>
-              <a:t>Simon Brown: "Struktur und Vision für gemeinsames Verständnis"</a:t>
+          <a:p/>
+          <a:p>
+            <a:pPr/>
+            <a:r>
+              <a:t>Besonderheiten in großen Unternehmen</a:t>
+            </a:r>
+          </a:p>
+          <a:p>
+            <a:pPr/>
+            <a:r>
+              <a:t>Legacy-Systeme: Jahrzehntealte Systeme, die noch laufen müssen</a:t>
+            </a:r>
+          </a:p>
+          <a:p>
+            <a:pPr/>
+            <a:r>
+              <a:t>Regulatorische Anforderungen: DSGVO, Compliance-Standards</a:t>
+            </a:r>
+          </a:p>
+          <a:p>
+            <a:pPr/>
+            <a:r>
+              <a:t>Hochverfügbarkeit: 99.9%+ Uptime-Anforderungen</a:t>
+            </a:r>
+          </a:p>
+          <a:p>
+            <a:pPr/>
+            <a:r>
+              <a:t>Skalierung: Millionen von Benutzern, große Datenmengen</a:t>
+            </a:r>
+          </a:p>
+          <a:p>
+            <a:pPr/>
+            <a:r>
+              <a:t>Sicherheit: Kritische Geschäftsdaten, Cyber-Security</a:t>
             </a:r>
           </a:p>
         </p:txBody>
@@ -6950,7 +7016,7 @@
           <a:lstStyle/>
           <a:p>
             <a:r>
-              <a:t>Arbeitsdefinition für diesen Workshop - Unser gemeinsames Verständnis</a:t>
+              <a:t>Clean Code Grundlagen</a:t>
             </a:r>
           </a:p>
         </p:txBody>
@@ -6969,9 +7035,41 @@
         <p:txBody>
           <a:bodyPr/>
           <a:lstStyle/>
-          <a:p>
-            <a:r>
-              <a:t>Software-Architektur ist die Kunst, wichtige Designentscheidungen zu treffen, die die Struktur, das Verhalten und die Evolution eines Systems bestimmen - mit dem Ziel, fachliche Anforderungen optimal zu erfüllen.</a:t>
+          <a:p/>
+          <a:p>
+            <a:pPr/>
+            <a:r>
+              <a:t>Was bedeutet "sauber"?</a:t>
+            </a:r>
+          </a:p>
+          <a:p>
+            <a:pPr/>
+            <a:r>
+              <a:t>Lesbarkeit vor Cleverness</a:t>
+            </a:r>
+          </a:p>
+          <a:p>
+            <a:pPr/>
+            <a:r>
+              <a:t>Eindeutige Namen für Funktionen, Variablen, Boolean</a:t>
+            </a:r>
+          </a:p>
+          <a:p>
+            <a:pPr/>
+            <a:r>
+              <a:t>Kurze Funktionen (Eine Funktion = Ein Gedanke)</a:t>
+            </a:r>
+          </a:p>
+          <a:p>
+            <a:pPr/>
+            <a:r>
+              <a:t>Keine Kommentare, die Code erklären</a:t>
+            </a:r>
+          </a:p>
+          <a:p>
+            <a:pPr/>
+            <a:r>
+              <a:t>Konsistenz in Namenskonventionen und Formatierung</a:t>
             </a:r>
           </a:p>
         </p:txBody>
@@ -7010,7 +7108,7 @@
           <a:lstStyle/>
           <a:p>
             <a:r>
-              <a:t>Enterprise-Kontext - Besonderheiten in großen Unternehmen</a:t>
+              <a:t>Software-Lebenszyklus in der Praxis</a:t>
             </a:r>
           </a:p>
         </p:txBody>
@@ -7029,29 +7127,47 @@
         <p:txBody>
           <a:bodyPr/>
           <a:lstStyle/>
-          <a:p>
-            <a:r>
-              <a:t>Legacy-Systeme: Jahrzehntealte Systeme, die noch laufen müssen</a:t>
-            </a:r>
-          </a:p>
-          <a:p>
-            <a:r>
-              <a:t>Regulatorische Anforderungen: DSGVO, Compliance-Standards</a:t>
-            </a:r>
-          </a:p>
-          <a:p>
-            <a:r>
-              <a:t>Hochverfügbarkeit: 99.9%+ Uptime-Anforderungen</a:t>
-            </a:r>
-          </a:p>
-          <a:p>
-            <a:r>
-              <a:t>Skalierung: Millionen von Benutzern, große Datenmengen</a:t>
-            </a:r>
-          </a:p>
-          <a:p>
-            <a:r>
-              <a:t>Sicherheit: Kritische Geschäftsdaten, Cyber-Security</a:t>
+          <a:p/>
+          <a:p>
+            <a:pPr/>
+            <a:r>
+              <a:t>Kostenverteilung</a:t>
+            </a:r>
+          </a:p>
+          <a:p>
+            <a:pPr/>
+            <a:r>
+              <a:t>Entwicklung: 20% der Gesamtkosten</a:t>
+            </a:r>
+          </a:p>
+          <a:p>
+            <a:pPr/>
+            <a:r>
+              <a:t>Wartung: 80% der Gesamtkosten</a:t>
+            </a:r>
+          </a:p>
+          <a:p>
+            <a:pPr/>
+            <a:r>
+              <a:t>Wartbarkeits-Faktoren</a:t>
+            </a:r>
+          </a:p>
+          <a:p>
+            <a:pPr/>
+            <a:r>
+              <a:t>Verständlichkeit: Kann ich verstehen, was der Code macht?</a:t>
+            </a:r>
+          </a:p>
+          <a:p>
+            <a:pPr/>
+            <a:r>
+              <a:t>Änderbarkeit: Kann ich sicher Änderungen vornehmen?</a:t>
+            </a:r>
+          </a:p>
+          <a:p>
+            <a:pPr/>
+            <a:r>
+              <a:t>Testbarkeit: Kann ich das Verhalten überprüfen?</a:t>
             </a:r>
           </a:p>
         </p:txBody>
@@ -7081,7 +7197,7 @@
             <a:spLocks noGrp="1"/>
           </p:cNvSpPr>
           <p:nvPr>
-            <p:ph type="ctrTitle"/>
+            <p:ph type="title"/>
           </p:nvPr>
         </p:nvSpPr>
         <p:spPr/>
@@ -7090,28 +7206,60 @@
           <a:lstStyle/>
           <a:p>
             <a:r>
-              <a:t>Clean Code</a:t>
-            </a:r>
-          </a:p>
-        </p:txBody>
-      </p:sp>
-      <p:sp>
-        <p:nvSpPr>
-          <p:cNvPr id="3" name="Subtitle 2"/>
-          <p:cNvSpPr>
-            <a:spLocks noGrp="1"/>
-          </p:cNvSpPr>
-          <p:nvPr>
-            <p:ph type="subTitle" idx="1"/>
+              <a:t>Technische Schulden</a:t>
+            </a:r>
+          </a:p>
+        </p:txBody>
+      </p:sp>
+      <p:sp>
+        <p:nvSpPr>
+          <p:cNvPr id="3" name="Content Placeholder 2"/>
+          <p:cNvSpPr>
+            <a:spLocks noGrp="1"/>
+          </p:cNvSpPr>
+          <p:nvPr>
+            <p:ph idx="1"/>
           </p:nvPr>
         </p:nvSpPr>
         <p:spPr/>
         <p:txBody>
           <a:bodyPr/>
           <a:lstStyle/>
-          <a:p>
-            <a:r>
-              <a:t>Grundlagen für wartbaren Code</a:t>
+          <a:p/>
+          <a:p>
+            <a:pPr/>
+            <a:r>
+              <a:t>Definition nach Martin Fowler</a:t>
+            </a:r>
+          </a:p>
+          <a:p>
+            <a:pPr/>
+            <a:r>
+              <a:t>&gt; "Technical debt is a metaphor referring to the eventual consequences of poor system design, software architecture or software development within a codebase."</a:t>
+            </a:r>
+          </a:p>
+          <a:p>
+            <a:pPr/>
+            <a:r>
+              <a:t>Arten technischer Schulden</a:t>
+            </a:r>
+          </a:p>
+          <a:p>
+            <a:pPr/>
+            <a:r>
+              <a:t>Bewusste Schulden: "Quick and dirty, aber nächste Woche aufräumen"</a:t>
+            </a:r>
+          </a:p>
+          <a:p>
+            <a:pPr/>
+            <a:r>
+              <a:t>Unbewusste Schulden: Entstehen durch Unwissen (gefährlichste Art)</a:t>
+            </a:r>
+          </a:p>
+          <a:p>
+            <a:pPr/>
+            <a:r>
+              <a:t>Umwelt-Schulden: Änderung der Anforderungen macht Code obsolet</a:t>
             </a:r>
           </a:p>
         </p:txBody>
@@ -7150,7 +7298,7 @@
           <a:lstStyle/>
           <a:p>
             <a:r>
-              <a:t>Clean Code Grundlagen - Was bedeutet "sauber"?</a:t>
+              <a:t>Fachlichkeit vor Technik</a:t>
             </a:r>
           </a:p>
         </p:txBody>
@@ -7169,29 +7317,29 @@
         <p:txBody>
           <a:bodyPr/>
           <a:lstStyle/>
-          <a:p>
-            <a:r>
-              <a:t>Lesbarkeit vor Cleverness</a:t>
-            </a:r>
-          </a:p>
-          <a:p>
-            <a:r>
-              <a:t>Eindeutige Namen für Funktionen, Variablen, Boolean</a:t>
-            </a:r>
-          </a:p>
-          <a:p>
-            <a:r>
-              <a:t>Kurze Funktionen (Eine Funktion = Ein Gedanke)</a:t>
-            </a:r>
-          </a:p>
-          <a:p>
-            <a:r>
-              <a:t>Keine Kommentare, die Code erklären</a:t>
-            </a:r>
-          </a:p>
-          <a:p>
-            <a:r>
-              <a:t>Konsistenz in Namenskonventionen und Formatierung</a:t>
+          <a:p/>
+          <a:p>
+            <a:pPr/>
+            <a:r>
+              <a:t>Das häufigste Anti-Pattern: Technology-First</a:t>
+            </a:r>
+          </a:p>
+          <a:p>
+            <a:pPr/>
+            <a:r>
+              <a:t>"Wir nutzen jetzt Microservices!" - Aber warum?</a:t>
+            </a:r>
+          </a:p>
+          <a:p>
+            <a:pPr/>
+            <a:r>
+              <a:t>"Lass uns auf Kubernetes umsteigen!" - Aber welches Problem löst das?</a:t>
+            </a:r>
+          </a:p>
+          <a:p>
+            <a:pPr/>
+            <a:r>
+              <a:t>"NoSQL ist modern, weg mit der relationalen DB!" - Aber was sind unsere Datenanforderungen?</a:t>
             </a:r>
           </a:p>
         </p:txBody>
@@ -7230,7 +7378,7 @@
           <a:lstStyle/>
           <a:p>
             <a:r>
-              <a:t>Software-Lebenszyklus in der Praxis</a:t>
+              <a:t>Technology-First Beispiele</a:t>
             </a:r>
           </a:p>
         </p:txBody>
@@ -7242,62 +7390,60 @@
             <a:spLocks noGrp="1"/>
           </p:cNvSpPr>
           <p:nvPr>
-            <p:ph idx="1" sz="half"/>
+            <p:ph idx="1"/>
           </p:nvPr>
         </p:nvSpPr>
         <p:spPr/>
         <p:txBody>
           <a:bodyPr/>
           <a:lstStyle/>
-          <a:p>
-            <a:r>
-              <a:t>Kostenverteilung:</a:t>
-            </a:r>
-          </a:p>
-          <a:p>
-            <a:r>
-              <a:t>Entwicklung: 20% der Gesamtkosten</a:t>
-            </a:r>
-          </a:p>
-          <a:p>
-            <a:r>
-              <a:t>Wartung: 80% der Gesamtkosten</a:t>
-            </a:r>
-          </a:p>
-        </p:txBody>
-      </p:sp>
-      <p:sp>
-        <p:nvSpPr>
-          <p:cNvPr id="4" name="Content Placeholder 3"/>
-          <p:cNvSpPr>
-            <a:spLocks noGrp="1"/>
-          </p:cNvSpPr>
-          <p:nvPr>
-            <p:ph idx="2" sz="half"/>
-          </p:nvPr>
-        </p:nvSpPr>
-        <p:spPr/>
-        <p:txBody>
-          <a:bodyPr/>
-          <a:lstStyle/>
-          <a:p>
-            <a:r>
-              <a:t>Wartbarkeits-Faktoren:</a:t>
-            </a:r>
-          </a:p>
-          <a:p>
-            <a:r>
-              <a:t>Verständlichkeit: Kann ich verstehen, was der Code macht?</a:t>
-            </a:r>
-          </a:p>
-          <a:p>
-            <a:r>
-              <a:t>Änderbarkeit: Kann ich sicher Änderungen vornehmen?</a:t>
-            </a:r>
-          </a:p>
-          <a:p>
-            <a:r>
-              <a:t>Testbarkeit: Kann ich das Verhalten überprüfen?</a:t>
+          <a:p/>
+          <a:p>
+            <a:pPr/>
+            <a:r>
+              <a:t>Der Microservices-Hype</a:t>
+            </a:r>
+          </a:p>
+          <a:p>
+            <a:pPr/>
+            <a:r>
+              <a:t>Problem: Monolith funktioniert gut, aber "Microservices sind modern"</a:t>
+            </a:r>
+          </a:p>
+          <a:p>
+            <a:pPr/>
+            <a:r>
+              <a:t>Entscheidung: Monolith in 20+ Services aufteilen</a:t>
+            </a:r>
+          </a:p>
+          <a:p>
+            <a:pPr/>
+            <a:r>
+              <a:t>Ergebnis: 3x höhere Komplexität, Latenz-Probleme, Debugging-Albtraum</a:t>
+            </a:r>
+          </a:p>
+          <a:p>
+            <a:pPr/>
+            <a:r>
+              <a:t>Die NoSQL-Modernisierung</a:t>
+            </a:r>
+          </a:p>
+          <a:p>
+            <a:pPr/>
+            <a:r>
+              <a:t>Problem: Bewährte relationale DB für Finanzdaten</a:t>
+            </a:r>
+          </a:p>
+          <a:p>
+            <a:pPr/>
+            <a:r>
+              <a:t>Entscheidung: Migration auf Document-Database</a:t>
+            </a:r>
+          </a:p>
+          <a:p>
+            <a:pPr/>
+            <a:r>
+              <a:t>Ergebnis: Datenkonsistenz-Probleme, Migration zurück nach 18 Monaten</a:t>
             </a:r>
           </a:p>
         </p:txBody>
@@ -7336,7 +7482,7 @@
           <a:lstStyle/>
           <a:p>
             <a:r>
-              <a:t>Technische Schulden</a:t>
+              <a:t>Domain-Driven Design: Fachlichkeit First</a:t>
             </a:r>
           </a:p>
         </p:txBody>
@@ -7348,57 +7494,36 @@
             <a:spLocks noGrp="1"/>
           </p:cNvSpPr>
           <p:nvPr>
-            <p:ph idx="1" sz="half"/>
+            <p:ph idx="1"/>
           </p:nvPr>
         </p:nvSpPr>
         <p:spPr/>
         <p:txBody>
           <a:bodyPr/>
           <a:lstStyle/>
-          <a:p>
-            <a:r>
-              <a:t>Definition nach Martin Fowler:</a:t>
-            </a:r>
-          </a:p>
-          <a:p>
-            <a:r>
-              <a:t>"Technical debt is a metaphor referring to the eventual consequences of poor system design, software architecture or software development within a codebase."</a:t>
-            </a:r>
-          </a:p>
-        </p:txBody>
-      </p:sp>
-      <p:sp>
-        <p:nvSpPr>
-          <p:cNvPr id="4" name="Content Placeholder 3"/>
-          <p:cNvSpPr>
-            <a:spLocks noGrp="1"/>
-          </p:cNvSpPr>
-          <p:nvPr>
-            <p:ph idx="2" sz="half"/>
-          </p:nvPr>
-        </p:nvSpPr>
-        <p:spPr/>
-        <p:txBody>
-          <a:bodyPr/>
-          <a:lstStyle/>
-          <a:p>
-            <a:r>
-              <a:t>Arten technischer Schulden:</a:t>
-            </a:r>
-          </a:p>
-          <a:p>
-            <a:r>
-              <a:t>Bewusste Schulden: "Quick and dirty, aber nächste Woche aufräumen"</a:t>
-            </a:r>
-          </a:p>
-          <a:p>
-            <a:r>
-              <a:t>Unbewusste Schulden: Entstehen durch Unwissen (gefährlichste Art)</a:t>
-            </a:r>
-          </a:p>
-          <a:p>
-            <a:r>
-              <a:t>Umwelt-Schulden: Änderung der Anforderungen macht Code obsolet</a:t>
+          <a:p/>
+          <a:p>
+            <a:pPr/>
+            <a:r>
+              <a:t>Die richtige Reihenfolge</a:t>
+            </a:r>
+          </a:p>
+          <a:p>
+            <a:pPr/>
+            <a:r>
+              <a:t>1. Fachlichkeit verstehen: Geschäftsproblem, Arbeitsprozesse, Regeln, echte Anforderungen</a:t>
+            </a:r>
+          </a:p>
+          <a:p>
+            <a:pPr/>
+            <a:r>
+              <a:t>2. Fachliche Architektur entwerfen: Domains, Bounded Contexts, fachliche Services, Geschäftslogik-Modellierung</a:t>
+            </a:r>
+          </a:p>
+          <a:p>
+            <a:pPr/>
+            <a:r>
+              <a:t>3. Technologie auswählen: Was unterstützt unser fachliches Modell am besten?</a:t>
             </a:r>
           </a:p>
         </p:txBody>
@@ -7428,7 +7553,7 @@
             <a:spLocks noGrp="1"/>
           </p:cNvSpPr>
           <p:nvPr>
-            <p:ph type="ctrTitle"/>
+            <p:ph type="title"/>
           </p:nvPr>
         </p:nvSpPr>
         <p:spPr/>
@@ -7444,12 +7569,12 @@
       </p:sp>
       <p:sp>
         <p:nvSpPr>
-          <p:cNvPr id="3" name="Subtitle 2"/>
-          <p:cNvSpPr>
-            <a:spLocks noGrp="1"/>
-          </p:cNvSpPr>
-          <p:nvPr>
-            <p:ph type="subTitle" idx="1"/>
+          <p:cNvPr id="3" name="Content Placeholder 2"/>
+          <p:cNvSpPr>
+            <a:spLocks noGrp="1"/>
+          </p:cNvSpPr>
+          <p:nvPr>
+            <p:ph idx="1"/>
           </p:nvPr>
         </p:nvSpPr>
         <p:spPr/>
@@ -7457,6 +7582,36 @@
           <a:bodyPr/>
           <a:lstStyle/>
           <a:p/>
+          <a:p>
+            <a:pPr/>
+            <a:r>
+              <a:t>Was werden wir in den nächsten 4 Blöcken lernen?</a:t>
+            </a:r>
+          </a:p>
+          <a:p>
+            <a:pPr/>
+            <a:r>
+              <a:t>Block 1: Creational Patterns - Flexible Objekterzeugung in Enterprise-Systemen</a:t>
+            </a:r>
+          </a:p>
+          <a:p>
+            <a:pPr/>
+            <a:r>
+              <a:t>Block 2: Structural Patterns - Objektkomposition und Systemintegration</a:t>
+            </a:r>
+          </a:p>
+          <a:p>
+            <a:pPr/>
+            <a:r>
+              <a:t>Block 3: Behavioral Patterns - Verhalten und Kommunikation zwischen Objekten</a:t>
+            </a:r>
+          </a:p>
+          <a:p>
+            <a:pPr/>
+            <a:r>
+              <a:t>Block 4: Advanced Patterns - Komplexe Szenarien und Pattern-Kombinationen</a:t>
+            </a:r>
+          </a:p>
         </p:txBody>
       </p:sp>
     </p:spTree>
@@ -7484,7 +7639,7 @@
             <a:spLocks noGrp="1"/>
           </p:cNvSpPr>
           <p:nvPr>
-            <p:ph type="ctrTitle"/>
+            <p:ph type="title"/>
           </p:nvPr>
         </p:nvSpPr>
         <p:spPr/>
@@ -7493,28 +7648,66 @@
           <a:lstStyle/>
           <a:p>
             <a:r>
-              <a:t>Fachlichkeit vor Technik</a:t>
-            </a:r>
-          </a:p>
-        </p:txBody>
-      </p:sp>
-      <p:sp>
-        <p:nvSpPr>
-          <p:cNvPr id="3" name="Subtitle 2"/>
-          <p:cNvSpPr>
-            <a:spLocks noGrp="1"/>
-          </p:cNvSpPr>
-          <p:nvPr>
-            <p:ph type="subTitle" idx="1"/>
+              <a:t>Die richtige Herangehensweise</a:t>
+            </a:r>
+          </a:p>
+        </p:txBody>
+      </p:sp>
+      <p:sp>
+        <p:nvSpPr>
+          <p:cNvPr id="3" name="Content Placeholder 2"/>
+          <p:cNvSpPr>
+            <a:spLocks noGrp="1"/>
+          </p:cNvSpPr>
+          <p:nvPr>
+            <p:ph idx="1"/>
           </p:nvPr>
         </p:nvSpPr>
         <p:spPr/>
         <p:txBody>
           <a:bodyPr/>
           <a:lstStyle/>
-          <a:p>
-            <a:r>
-              <a:t>Domain-Driven Design</a:t>
+          <a:p/>
+          <a:p>
+            <a:pPr/>
+            <a:r>
+              <a:t>Fragen in der richtigen Reihenfolge</a:t>
+            </a:r>
+          </a:p>
+          <a:p>
+            <a:pPr/>
+            <a:r>
+              <a:t>Phase 1: Fachlichkeit verstehen</a:t>
+            </a:r>
+          </a:p>
+          <a:p>
+            <a:pPr/>
+            <a:r>
+              <a:t>Was soll das System tun? Warum ist das wichtig? Wer sind die Stakeholder?</a:t>
+            </a:r>
+          </a:p>
+          <a:p>
+            <a:pPr/>
+            <a:r>
+              <a:t>Phase 2: Fachliche Lösung entwerfen</a:t>
+            </a:r>
+          </a:p>
+          <a:p>
+            <a:pPr/>
+            <a:r>
+              <a:t>Welche fachlichen Bereiche gibt es? Wo sind die Grenzen? Wie kommunizieren sie?</a:t>
+            </a:r>
+          </a:p>
+          <a:p>
+            <a:pPr/>
+            <a:r>
+              <a:t>Phase 3: Technologie auswählen</a:t>
+            </a:r>
+          </a:p>
+          <a:p>
+            <a:pPr/>
+            <a:r>
+              <a:t>Womit implementieren wir das am besten? Was löst unsere spezifischen Probleme?</a:t>
             </a:r>
           </a:p>
         </p:txBody>
@@ -7553,7 +7746,7 @@
           <a:lstStyle/>
           <a:p>
             <a:r>
-              <a:t>Das häufigste Anti-Pattern: Technology-First</a:t>
+              <a:t>Design Patterns Motivation</a:t>
             </a:r>
           </a:p>
         </p:txBody>
@@ -7572,19 +7765,41 @@
         <p:txBody>
           <a:bodyPr/>
           <a:lstStyle/>
-          <a:p>
-            <a:r>
-              <a:t>"Wir nutzen jetzt Microservices!" - Aber warum?</a:t>
-            </a:r>
-          </a:p>
-          <a:p>
-            <a:r>
-              <a:t>"Lass uns auf Kubernetes umsteigen!" - Aber welches Problem löst das?</a:t>
-            </a:r>
-          </a:p>
-          <a:p>
-            <a:r>
-              <a:t>"NoSQL ist modern, weg mit der relationalen DB!" - Aber was sind unsere Datenanforderungen?</a:t>
+          <a:p/>
+          <a:p>
+            <a:pPr/>
+            <a:r>
+              <a:t>Geschichte: Warum entstanden Design Patterns?</a:t>
+            </a:r>
+          </a:p>
+          <a:p>
+            <a:pPr/>
+            <a:r>
+              <a:t>Christopher Alexander (1977): "A Pattern Language" - Gebäude-Architektur!</a:t>
+            </a:r>
+          </a:p>
+          <a:p>
+            <a:pPr/>
+            <a:r>
+              <a:t>Gang of Four (1994): Übertragung auf Software</a:t>
+            </a:r>
+          </a:p>
+          <a:p>
+            <a:pPr/>
+            <a:r>
+              <a:t>Problem 1: Wiederkehrende Design-Probleme</a:t>
+            </a:r>
+          </a:p>
+          <a:p>
+            <a:pPr/>
+            <a:r>
+              <a:t>Problem 2: Schlechte Kommunikation zwischen Entwicklern</a:t>
+            </a:r>
+          </a:p>
+          <a:p>
+            <a:pPr/>
+            <a:r>
+              <a:t>Problem 3: Fehlende Best Practices</a:t>
             </a:r>
           </a:p>
         </p:txBody>
@@ -7623,7 +7838,7 @@
           <a:lstStyle/>
           <a:p>
             <a:r>
-              <a:t>Technology-First Beispiele</a:t>
+              <a:t>Warum Design Patterns?</a:t>
             </a:r>
           </a:p>
         </p:txBody>
@@ -7635,67 +7850,42 @@
             <a:spLocks noGrp="1"/>
           </p:cNvSpPr>
           <p:nvPr>
-            <p:ph idx="1" sz="half"/>
+            <p:ph idx="1"/>
           </p:nvPr>
         </p:nvSpPr>
         <p:spPr/>
         <p:txBody>
           <a:bodyPr/>
           <a:lstStyle/>
-          <a:p>
-            <a:r>
-              <a:t>Der Microservices-Hype:</a:t>
-            </a:r>
-          </a:p>
-          <a:p>
-            <a:r>
-              <a:t>Problem: Monolith funktioniert gut, aber "Microservices sind modern"</a:t>
-            </a:r>
-          </a:p>
-          <a:p>
-            <a:r>
-              <a:t>Entscheidung: Monolith in 20+ Services aufteilen</a:t>
-            </a:r>
-          </a:p>
-          <a:p>
-            <a:r>
-              <a:t>Ergebnis: 3x höhere Komplexität, Latenz-Probleme, Debugging-Albtraum</a:t>
-            </a:r>
-          </a:p>
-        </p:txBody>
-      </p:sp>
-      <p:sp>
-        <p:nvSpPr>
-          <p:cNvPr id="4" name="Content Placeholder 3"/>
-          <p:cNvSpPr>
-            <a:spLocks noGrp="1"/>
-          </p:cNvSpPr>
-          <p:nvPr>
-            <p:ph idx="2" sz="half"/>
-          </p:nvPr>
-        </p:nvSpPr>
-        <p:spPr/>
-        <p:txBody>
-          <a:bodyPr/>
-          <a:lstStyle/>
-          <a:p>
-            <a:r>
-              <a:t>Die NoSQL-Modernisierung:</a:t>
-            </a:r>
-          </a:p>
-          <a:p>
-            <a:r>
-              <a:t>Problem: Bewährte relationale DB für Finanzdaten</a:t>
-            </a:r>
-          </a:p>
-          <a:p>
-            <a:r>
-              <a:t>Entscheidung: Migration auf Document-Database</a:t>
-            </a:r>
-          </a:p>
-          <a:p>
-            <a:r>
-              <a:t>Ergebnis: Datenkonsistenz-Probleme, Migration zurück nach 18 Monaten</a:t>
+          <a:p/>
+          <a:p>
+            <a:pPr/>
+            <a:r>
+              <a:t>Vier Hauptvorteile</a:t>
+            </a:r>
+          </a:p>
+          <a:p>
+            <a:pPr/>
+            <a:r>
+              <a:t>Bewährte Lösungen nutzen: Anstatt Rad neu erfinden</a:t>
+            </a:r>
+          </a:p>
+          <a:p>
+            <a:pPr/>
+            <a:r>
+              <a:t>Gemeinsame Sprache entwickeln: Vokabular für Teams</a:t>
+            </a:r>
+          </a:p>
+          <a:p>
+            <a:pPr/>
+            <a:r>
+              <a:t>Design-Qualität verbessern: SOLID-Prinzipien kodifiziert</a:t>
+            </a:r>
+          </a:p>
+          <a:p>
+            <a:pPr/>
+            <a:r>
+              <a:t>Wartbarkeit erhöhen: Bekannte Patterns sind verständlicher</a:t>
             </a:r>
           </a:p>
         </p:txBody>
@@ -7734,7 +7924,7 @@
           <a:lstStyle/>
           <a:p>
             <a:r>
-              <a:t>Domain-Driven Design: Fachlichkeit First - Die richtige Reihenfolge</a:t>
+              <a:t>Patterns sind NICHT...</a:t>
             </a:r>
           </a:p>
         </p:txBody>
@@ -7753,19 +7943,59 @@
         <p:txBody>
           <a:bodyPr/>
           <a:lstStyle/>
-          <a:p>
-            <a:r>
-              <a:t>1. Fachlichkeit verstehen: Geschäftsproblem, Arbeitsprozesse, Regeln, echte Anforderungen</a:t>
-            </a:r>
-          </a:p>
-          <a:p>
-            <a:r>
-              <a:t>2. Fachliche Architektur entwerfen: Domains, Bounded Contexts, fachliche Services, Geschäftslogik-Modellierung</a:t>
-            </a:r>
-          </a:p>
-          <a:p>
-            <a:r>
-              <a:t>3. Technologie auswählen: Was unterstützt unser fachliches Modell am besten?</a:t>
+          <a:p/>
+          <a:p>
+            <a:pPr/>
+            <a:r>
+              <a:t>Pattern-Missbrauch vermeiden</a:t>
+            </a:r>
+          </a:p>
+          <a:p>
+            <a:pPr/>
+            <a:r>
+              <a:t>Silberkugeln: Patterns lösen nicht alle Probleme</a:t>
+            </a:r>
+          </a:p>
+          <a:p>
+            <a:pPr/>
+            <a:r>
+              <a:t>Dogmen: Patterns müssen nicht sklavisch befolgt werden</a:t>
+            </a:r>
+          </a:p>
+          <a:p>
+            <a:pPr/>
+            <a:r>
+              <a:t>Komplexität um der Komplexität willen</a:t>
+            </a:r>
+          </a:p>
+          <a:p>
+            <a:pPr/>
+            <a:r>
+              <a:t>Copy-Paste Code: Patterns sind konzeptuelle Lösungen</a:t>
+            </a:r>
+          </a:p>
+          <a:p>
+            <a:pPr/>
+            <a:r>
+              <a:t>Anti-Beispiel aus der Praxis</a:t>
+            </a:r>
+          </a:p>
+          <a:p>
+            <a:pPr/>
+            <a:r>
+              <a:t>Problem: Einfache Konfigurationswerte lesen</a:t>
+            </a:r>
+          </a:p>
+          <a:p>
+            <a:pPr/>
+            <a:r>
+              <a:t>Overengineered: AbstractConfigurationFactoryBuilderStrategyProxy</a:t>
+            </a:r>
+          </a:p>
+          <a:p>
+            <a:pPr/>
+            <a:r>
+              <a:t>Einfach: Properties.load()</a:t>
             </a:r>
           </a:p>
         </p:txBody>
@@ -7804,7 +8034,7 @@
           <a:lstStyle/>
           <a:p>
             <a:r>
-              <a:t>Die richtige Herangehensweise - Fragen in der richtigen Reihenfolge</a:t>
+              <a:t>Refactoring Philosophie</a:t>
             </a:r>
           </a:p>
         </p:txBody>
@@ -7823,19 +8053,47 @@
         <p:txBody>
           <a:bodyPr/>
           <a:lstStyle/>
-          <a:p>
-            <a:r>
-              <a:t>Phase 1: Fachlichkeit verstehen - Was soll das System tun? Warum ist das wichtig? Wer sind die Stakeholder?</a:t>
-            </a:r>
-          </a:p>
-          <a:p>
-            <a:r>
-              <a:t>Phase 2: Fachliche Lösung entwerfen - Welche fachlichen Bereiche gibt es? Wo sind die Grenzen? Wie kommunizieren sie?</a:t>
-            </a:r>
-          </a:p>
-          <a:p>
-            <a:r>
-              <a:t>Phase 3: Technologie auswählen - Womit implementieren wir das am besten? Was löst unsere spezifischen Probleme?</a:t>
+          <a:p/>
+          <a:p>
+            <a:pPr/>
+            <a:r>
+              <a:t>Was ist Refactoring?</a:t>
+            </a:r>
+          </a:p>
+          <a:p>
+            <a:pPr/>
+            <a:r>
+              <a:t>Definition nach Martin Fowler:</a:t>
+            </a:r>
+          </a:p>
+          <a:p>
+            <a:pPr/>
+            <a:r>
+              <a:t>&gt; "Refactoring is the process of changing a software system in such a way that it does not alter the external behavior of the code yet improves its internal structure."</a:t>
+            </a:r>
+          </a:p>
+          <a:p>
+            <a:pPr/>
+            <a:r>
+              <a:t>Schlüsselelemente</a:t>
+            </a:r>
+          </a:p>
+          <a:p>
+            <a:pPr/>
+            <a:r>
+              <a:t>Verhalten bleibt gleich - Funktionalität ändert sich nicht</a:t>
+            </a:r>
+          </a:p>
+          <a:p>
+            <a:pPr/>
+            <a:r>
+              <a:t>Struktur wird besser - Code wird wartbarer</a:t>
+            </a:r>
+          </a:p>
+          <a:p>
+            <a:pPr/>
+            <a:r>
+              <a:t>Kleine Schritte - Viele kleine, sichere Änderungen</a:t>
             </a:r>
           </a:p>
         </p:txBody>
@@ -7865,7 +8123,7 @@
             <a:spLocks noGrp="1"/>
           </p:cNvSpPr>
           <p:nvPr>
-            <p:ph type="ctrTitle"/>
+            <p:ph type="title"/>
           </p:nvPr>
         </p:nvSpPr>
         <p:spPr/>
@@ -7874,28 +8132,72 @@
           <a:lstStyle/>
           <a:p>
             <a:r>
-              <a:t>Design Patterns</a:t>
-            </a:r>
-          </a:p>
-        </p:txBody>
-      </p:sp>
-      <p:sp>
-        <p:nvSpPr>
-          <p:cNvPr id="3" name="Subtitle 2"/>
-          <p:cNvSpPr>
-            <a:spLocks noGrp="1"/>
-          </p:cNvSpPr>
-          <p:nvPr>
-            <p:ph type="subTitle" idx="1"/>
+              <a:t>Die Boy Scout Rule</a:t>
+            </a:r>
+          </a:p>
+        </p:txBody>
+      </p:sp>
+      <p:sp>
+        <p:nvSpPr>
+          <p:cNvPr id="3" name="Content Placeholder 2"/>
+          <p:cNvSpPr>
+            <a:spLocks noGrp="1"/>
+          </p:cNvSpPr>
+          <p:nvPr>
+            <p:ph idx="1"/>
           </p:nvPr>
         </p:nvSpPr>
         <p:spPr/>
         <p:txBody>
           <a:bodyPr/>
           <a:lstStyle/>
-          <a:p>
-            <a:r>
-              <a:t>Motivation und Geschichte</a:t>
+          <a:p/>
+          <a:p>
+            <a:pPr/>
+            <a:r>
+              <a:t>Ursprung und Übertragung</a:t>
+            </a:r>
+          </a:p>
+          <a:p>
+            <a:pPr/>
+            <a:r>
+              <a:t>Boy Scouts of America:</a:t>
+            </a:r>
+          </a:p>
+          <a:p>
+            <a:pPr/>
+            <a:r>
+              <a:t>&gt; "Try and leave this world a little better than you found it."</a:t>
+            </a:r>
+          </a:p>
+          <a:p>
+            <a:pPr/>
+            <a:r>
+              <a:t>Uncle Bob für Software:</a:t>
+            </a:r>
+          </a:p>
+          <a:p>
+            <a:pPr/>
+            <a:r>
+              <a:t>&gt; "Always leave the campground cleaner than you found it."</a:t>
+            </a:r>
+          </a:p>
+          <a:p>
+            <a:pPr/>
+            <a:r>
+              <a:t>Praktische Anwendung</a:t>
+            </a:r>
+          </a:p>
+          <a:p>
+            <a:pPr/>
+            <a:r>
+              <a:t>Bei jedem Code-Touch: Verstehe → Verbessere → Prüfe → Committe</a:t>
+            </a:r>
+          </a:p>
+          <a:p>
+            <a:pPr/>
+            <a:r>
+              <a:t>Konkrete Aktionen: Variable umbenennen, Magic Numbers extrahieren, Long Methods aufteilen</a:t>
             </a:r>
           </a:p>
         </p:txBody>
@@ -7934,7 +8236,7 @@
           <a:lstStyle/>
           <a:p>
             <a:r>
-              <a:t>Design Patterns Motivation - Geschichte: Warum entstanden Design Patterns?</a:t>
+              <a:t>Wann refactoren?</a:t>
             </a:r>
           </a:p>
         </p:txBody>
@@ -7953,29 +8255,53 @@
         <p:txBody>
           <a:bodyPr/>
           <a:lstStyle/>
-          <a:p>
-            <a:r>
-              <a:t>Christopher Alexander (1977): "A Pattern Language" - Gebäude-Architektur!</a:t>
-            </a:r>
-          </a:p>
-          <a:p>
-            <a:r>
-              <a:t>Gang of Four (1994): Übertragung auf Software</a:t>
-            </a:r>
-          </a:p>
-          <a:p>
-            <a:r>
-              <a:t>Problem 1: Wiederkehrende Design-Probleme</a:t>
-            </a:r>
-          </a:p>
-          <a:p>
-            <a:r>
-              <a:t>Problem 2: Schlechte Kommunikation zwischen Entwicklern</a:t>
-            </a:r>
-          </a:p>
-          <a:p>
-            <a:r>
-              <a:t>Problem 3: Fehlende Best Practices</a:t>
+          <a:p/>
+          <a:p>
+            <a:pPr/>
+            <a:r>
+              <a:t>Die "Rule of Three"</a:t>
+            </a:r>
+          </a:p>
+          <a:p>
+            <a:pPr/>
+            <a:r>
+              <a:t>1. Das erste Mal - mache es einfach</a:t>
+            </a:r>
+          </a:p>
+          <a:p>
+            <a:pPr/>
+            <a:r>
+              <a:t>2. Das zweite Mal - ärgere dich über Duplikation, aber mache es trotzdem</a:t>
+            </a:r>
+          </a:p>
+          <a:p>
+            <a:pPr/>
+            <a:r>
+              <a:t>3. Das dritte Mal - refactore!</a:t>
+            </a:r>
+          </a:p>
+          <a:p>
+            <a:pPr/>
+            <a:r>
+              <a:t>Refactoring-Trigger</a:t>
+            </a:r>
+          </a:p>
+          <a:p>
+            <a:pPr/>
+            <a:r>
+              <a:t>Wenn du Code verstehen musst (vor Bug-Fix, vor Feature)</a:t>
+            </a:r>
+          </a:p>
+          <a:p>
+            <a:pPr/>
+            <a:r>
+              <a:t>Wenn du Duplikation siehst (Copy-Paste Code)</a:t>
+            </a:r>
+          </a:p>
+          <a:p>
+            <a:pPr/>
+            <a:r>
+              <a:t>Wenn Code "riecht" (Long Method, Large Class, Long Parameter List)</a:t>
             </a:r>
           </a:p>
         </p:txBody>
@@ -8014,7 +8340,7 @@
           <a:lstStyle/>
           <a:p>
             <a:r>
-              <a:t>Warum Design Patterns? - Vier Hauptvorteile</a:t>
+              <a:t>Refactoring-Sicherheitsmaßnahmen</a:t>
             </a:r>
           </a:p>
         </p:txBody>
@@ -8033,24 +8359,53 @@
         <p:txBody>
           <a:bodyPr/>
           <a:lstStyle/>
-          <a:p>
-            <a:r>
-              <a:t>Bewährte Lösungen nutzen: Anstatt Rad neu erfinden</a:t>
-            </a:r>
-          </a:p>
-          <a:p>
-            <a:r>
-              <a:t>Gemeinsame Sprache entwickeln: Vokabular für Teams</a:t>
-            </a:r>
-          </a:p>
-          <a:p>
-            <a:r>
-              <a:t>Design-Qualität verbessern: SOLID-Prinzipien kodifiziert</a:t>
-            </a:r>
-          </a:p>
-          <a:p>
-            <a:r>
-              <a:t>Wartbarkeit erhöhen: Bekannte Patterns sind verständlicher</a:t>
+          <a:p/>
+          <a:p>
+            <a:pPr/>
+            <a:r>
+              <a:t>Tests zuerst</a:t>
+            </a:r>
+          </a:p>
+          <a:p>
+            <a:pPr/>
+            <a:r>
+              <a:t>Vor Refactoring: Verstehe Verhalten, schreibe Tests, alle Tests grün</a:t>
+            </a:r>
+          </a:p>
+          <a:p>
+            <a:pPr/>
+            <a:r>
+              <a:t>Während Refactoring: Nach jedem Schritt Tests laufen lassen</a:t>
+            </a:r>
+          </a:p>
+          <a:p>
+            <a:pPr/>
+            <a:r>
+              <a:t>Nach Refactoring: Alle Tests noch grün</a:t>
+            </a:r>
+          </a:p>
+          <a:p>
+            <a:pPr/>
+            <a:r>
+              <a:t>Kleine Schritte und IDE-Unterstützung</a:t>
+            </a:r>
+          </a:p>
+          <a:p>
+            <a:pPr/>
+            <a:r>
+              <a:t>Ein Schritt nach dem anderen</a:t>
+            </a:r>
+          </a:p>
+          <a:p>
+            <a:pPr/>
+            <a:r>
+              <a:t>Extract Method, Rename Variable, Move Method</a:t>
+            </a:r>
+          </a:p>
+          <a:p>
+            <a:pPr/>
+            <a:r>
+              <a:t>IDE kann viel automatisch und sicher machen</a:t>
             </a:r>
           </a:p>
         </p:txBody>
@@ -8089,7 +8444,7 @@
           <a:lstStyle/>
           <a:p>
             <a:r>
-              <a:t>Patterns sind NICHT... - Pattern-Missbrauch vermeiden</a:t>
+              <a:t>Refactoring als Weg zu Patterns</a:t>
             </a:r>
           </a:p>
         </p:txBody>
@@ -8101,72 +8456,60 @@
             <a:spLocks noGrp="1"/>
           </p:cNvSpPr>
           <p:nvPr>
-            <p:ph idx="1" sz="half"/>
+            <p:ph idx="1"/>
           </p:nvPr>
         </p:nvSpPr>
         <p:spPr/>
         <p:txBody>
           <a:bodyPr/>
           <a:lstStyle/>
-          <a:p>
-            <a:r>
-              <a:t>Patterns sind NICHT:</a:t>
-            </a:r>
-          </a:p>
-          <a:p>
-            <a:r>
-              <a:t>Silberkugeln: Patterns lösen nicht alle Probleme</a:t>
-            </a:r>
-          </a:p>
-          <a:p>
-            <a:r>
-              <a:t>Dogmen: Patterns müssen nicht sklavisch befolgt werden</a:t>
-            </a:r>
-          </a:p>
-          <a:p>
-            <a:r>
-              <a:t>Komplexität um der Komplexität willen</a:t>
-            </a:r>
-          </a:p>
-          <a:p>
-            <a:r>
-              <a:t>Copy-Paste Code: Patterns sind konzeptuelle Lösungen</a:t>
-            </a:r>
-          </a:p>
-        </p:txBody>
-      </p:sp>
-      <p:sp>
-        <p:nvSpPr>
-          <p:cNvPr id="4" name="Content Placeholder 3"/>
-          <p:cNvSpPr>
-            <a:spLocks noGrp="1"/>
-          </p:cNvSpPr>
-          <p:nvPr>
-            <p:ph idx="2" sz="half"/>
-          </p:nvPr>
-        </p:nvSpPr>
-        <p:spPr/>
-        <p:txBody>
-          <a:bodyPr/>
-          <a:lstStyle/>
-          <a:p>
-            <a:r>
-              <a:t>Anti-Beispiel aus der Praxis:</a:t>
-            </a:r>
-          </a:p>
-          <a:p>
-            <a:r>
-              <a:t>Problem: Einfache Konfigurationswerte lesen</a:t>
-            </a:r>
-          </a:p>
-          <a:p>
-            <a:r>
-              <a:t>Overengineered: AbstractConfigurationFactoryBuilderStrategyProxy</a:t>
-            </a:r>
-          </a:p>
-          <a:p>
-            <a:r>
-              <a:t>Einfach: Properties.load()</a:t>
+          <a:p/>
+          <a:p>
+            <a:pPr/>
+            <a:r>
+              <a:t>Patterns entstehen durch Refactoring</a:t>
+            </a:r>
+          </a:p>
+          <a:p>
+            <a:pPr/>
+            <a:r>
+              <a:t>Typischer Ablauf:</a:t>
+            </a:r>
+          </a:p>
+          <a:p>
+            <a:pPr/>
+            <a:r>
+              <a:t>1. Duplikation entsteht natürlich</a:t>
+            </a:r>
+          </a:p>
+          <a:p>
+            <a:pPr/>
+            <a:r>
+              <a:t>2. Refactoring macht Gemeinsamkeiten sichtbar</a:t>
+            </a:r>
+          </a:p>
+          <a:p>
+            <a:pPr/>
+            <a:r>
+              <a:t>3. Pattern Recognition - "Das ist ein bekanntes Problem"</a:t>
+            </a:r>
+          </a:p>
+          <a:p>
+            <a:pPr/>
+            <a:r>
+              <a:t>4. Pattern Application - Bekannte Lösung anwenden</a:t>
+            </a:r>
+          </a:p>
+          <a:p>
+            <a:pPr/>
+            <a:r>
+              <a:t>Wichtige Erkenntnis</a:t>
+            </a:r>
+          </a:p>
+          <a:p>
+            <a:pPr/>
+            <a:r>
+              <a:t>Patterns werden durch Refactoring eingeführt, nicht von Anfang an geplant!</a:t>
             </a:r>
           </a:p>
         </p:txBody>
@@ -8196,7 +8539,7 @@
             <a:spLocks noGrp="1"/>
           </p:cNvSpPr>
           <p:nvPr>
-            <p:ph type="ctrTitle"/>
+            <p:ph type="title"/>
           </p:nvPr>
         </p:nvSpPr>
         <p:spPr/>
@@ -8205,28 +8548,60 @@
           <a:lstStyle/>
           <a:p>
             <a:r>
-              <a:t>Refactoring Philosophie</a:t>
-            </a:r>
-          </a:p>
-        </p:txBody>
-      </p:sp>
-      <p:sp>
-        <p:nvSpPr>
-          <p:cNvPr id="3" name="Subtitle 2"/>
-          <p:cNvSpPr>
-            <a:spLocks noGrp="1"/>
-          </p:cNvSpPr>
-          <p:nvPr>
-            <p:ph type="subTitle" idx="1"/>
+              <a:t>Workshop-Bereitschaft</a:t>
+            </a:r>
+          </a:p>
+        </p:txBody>
+      </p:sp>
+      <p:sp>
+        <p:nvSpPr>
+          <p:cNvPr id="3" name="Content Placeholder 2"/>
+          <p:cNvSpPr>
+            <a:spLocks noGrp="1"/>
+          </p:cNvSpPr>
+          <p:nvPr>
+            <p:ph idx="1"/>
           </p:nvPr>
         </p:nvSpPr>
         <p:spPr/>
         <p:txBody>
           <a:bodyPr/>
           <a:lstStyle/>
-          <a:p>
-            <a:r>
-              <a:t>Der Weg zu besserer Code-Qualität</a:t>
+          <a:p/>
+          <a:p>
+            <a:pPr/>
+            <a:r>
+              <a:t>Ihr persönliches Lernziel</a:t>
+            </a:r>
+          </a:p>
+          <a:p>
+            <a:pPr/>
+            <a:r>
+              <a:t>Frage an die Teilnehmer:</a:t>
+            </a:r>
+          </a:p>
+          <a:p>
+            <a:pPr/>
+            <a:r>
+              <a:t>&gt; "Was ist Ihr persönliches Lernziel für diese 4 Blöcke?"</a:t>
+            </a:r>
+          </a:p>
+          <a:p>
+            <a:pPr/>
+            <a:r>
+              <a:t>Zielsetzung</a:t>
+            </a:r>
+          </a:p>
+          <a:p>
+            <a:pPr/>
+            <a:r>
+              <a:t>Systematische Anwendung von Design Patterns zur Verbesserung von Code-Qualität, Wartbarkeit und Systemarchitektur in Enterprise-Umgebungen.</a:t>
+            </a:r>
+          </a:p>
+          <a:p>
+            <a:pPr/>
+            <a:r>
+              <a:t>Sind Sie bereit? Dann starten wir mit Block 1: Creational Patterns!</a:t>
             </a:r>
           </a:p>
         </p:txBody>
@@ -8265,7 +8640,7 @@
           <a:lstStyle/>
           <a:p>
             <a:r>
-              <a:t>Was werden wir in den nächsten 4 Blöcken lernen?</a:t>
+              <a:t>Block 1: Creational Patterns</a:t>
             </a:r>
           </a:p>
         </p:txBody>
@@ -8284,636 +8659,41 @@
         <p:txBody>
           <a:bodyPr/>
           <a:lstStyle/>
-          <a:p>
-            <a:r>
-              <a:t>Block 1: Creational Patterns - Flexible Objekterzeugung in Enterprise-Systemen</a:t>
-            </a:r>
-          </a:p>
-          <a:p>
-            <a:r>
-              <a:t>Block 2: Structural Patterns - Objektkomposition und Systemintegration</a:t>
-            </a:r>
-          </a:p>
-          <a:p>
-            <a:r>
-              <a:t>Block 3: Behavioral Patterns - Verhalten und Kommunikation zwischen Objekten</a:t>
-            </a:r>
-          </a:p>
-          <a:p>
-            <a:r>
-              <a:t>Block 4: Advanced Patterns - Komplexe Szenarien und Pattern-Kombinationen</a:t>
-            </a:r>
-          </a:p>
-        </p:txBody>
-      </p:sp>
-    </p:spTree>
-  </p:cSld>
-  <p:clrMapOvr>
-    <a:masterClrMapping/>
-  </p:clrMapOvr>
-</p:sld>
-</file>
-
-<file path=ppt/slides/slide30.xml><?xml version="1.0" encoding="utf-8"?>
-<p:sld xmlns:a="http://schemas.openxmlformats.org/drawingml/2006/main" xmlns:p="http://schemas.openxmlformats.org/presentationml/2006/main" xmlns:r="http://schemas.openxmlformats.org/officeDocument/2006/relationships">
-  <p:cSld>
-    <p:spTree>
-      <p:nvGrpSpPr>
-        <p:cNvPr id="1" name=""/>
-        <p:cNvGrpSpPr/>
-        <p:nvPr/>
-      </p:nvGrpSpPr>
-      <p:grpSpPr/>
-      <p:sp>
-        <p:nvSpPr>
-          <p:cNvPr id="2" name="Title 1"/>
-          <p:cNvSpPr>
-            <a:spLocks noGrp="1"/>
-          </p:cNvSpPr>
-          <p:nvPr>
-            <p:ph type="title"/>
-          </p:nvPr>
-        </p:nvSpPr>
-        <p:spPr/>
-        <p:txBody>
-          <a:bodyPr/>
-          <a:lstStyle/>
-          <a:p>
-            <a:r>
-              <a:t>Was ist Refactoring?</a:t>
-            </a:r>
-          </a:p>
-        </p:txBody>
-      </p:sp>
-      <p:sp>
-        <p:nvSpPr>
-          <p:cNvPr id="3" name="Content Placeholder 2"/>
-          <p:cNvSpPr>
-            <a:spLocks noGrp="1"/>
-          </p:cNvSpPr>
-          <p:nvPr>
-            <p:ph idx="1" sz="half"/>
-          </p:nvPr>
-        </p:nvSpPr>
-        <p:spPr/>
-        <p:txBody>
-          <a:bodyPr/>
-          <a:lstStyle/>
-          <a:p>
-            <a:r>
-              <a:t>Definition nach Martin Fowler:</a:t>
-            </a:r>
-          </a:p>
-          <a:p>
-            <a:r>
-              <a:t>"Refactoring is the process of changing a software system in such a way that it does not alter the external behavior of the code yet improves its internal structure."</a:t>
-            </a:r>
-          </a:p>
-        </p:txBody>
-      </p:sp>
-      <p:sp>
-        <p:nvSpPr>
-          <p:cNvPr id="4" name="Content Placeholder 3"/>
-          <p:cNvSpPr>
-            <a:spLocks noGrp="1"/>
-          </p:cNvSpPr>
-          <p:nvPr>
-            <p:ph idx="2" sz="half"/>
-          </p:nvPr>
-        </p:nvSpPr>
-        <p:spPr/>
-        <p:txBody>
-          <a:bodyPr/>
-          <a:lstStyle/>
-          <a:p>
-            <a:r>
-              <a:t>Schlüsselelemente:</a:t>
-            </a:r>
-          </a:p>
-          <a:p>
-            <a:r>
-              <a:t>Verhalten bleibt gleich - Funktionalität ändert sich nicht</a:t>
-            </a:r>
-          </a:p>
-          <a:p>
-            <a:r>
-              <a:t>Struktur wird besser - Code wird wartbarer</a:t>
-            </a:r>
-          </a:p>
-          <a:p>
-            <a:r>
-              <a:t>Kleine Schritte - Viele kleine, sichere Änderungen</a:t>
-            </a:r>
-          </a:p>
-        </p:txBody>
-      </p:sp>
-    </p:spTree>
-  </p:cSld>
-  <p:clrMapOvr>
-    <a:masterClrMapping/>
-  </p:clrMapOvr>
-</p:sld>
-</file>
-
-<file path=ppt/slides/slide31.xml><?xml version="1.0" encoding="utf-8"?>
-<p:sld xmlns:a="http://schemas.openxmlformats.org/drawingml/2006/main" xmlns:p="http://schemas.openxmlformats.org/presentationml/2006/main" xmlns:r="http://schemas.openxmlformats.org/officeDocument/2006/relationships">
-  <p:cSld>
-    <p:spTree>
-      <p:nvGrpSpPr>
-        <p:cNvPr id="1" name=""/>
-        <p:cNvGrpSpPr/>
-        <p:nvPr/>
-      </p:nvGrpSpPr>
-      <p:grpSpPr/>
-      <p:sp>
-        <p:nvSpPr>
-          <p:cNvPr id="2" name="Title 1"/>
-          <p:cNvSpPr>
-            <a:spLocks noGrp="1"/>
-          </p:cNvSpPr>
-          <p:nvPr>
-            <p:ph type="title"/>
-          </p:nvPr>
-        </p:nvSpPr>
-        <p:spPr/>
-        <p:txBody>
-          <a:bodyPr/>
-          <a:lstStyle/>
-          <a:p>
-            <a:r>
-              <a:t>Die Boy Scout Rule - Ursprung und Übertragung</a:t>
-            </a:r>
-          </a:p>
-        </p:txBody>
-      </p:sp>
-      <p:sp>
-        <p:nvSpPr>
-          <p:cNvPr id="3" name="Content Placeholder 2"/>
-          <p:cNvSpPr>
-            <a:spLocks noGrp="1"/>
-          </p:cNvSpPr>
-          <p:nvPr>
-            <p:ph idx="1" sz="half"/>
-          </p:nvPr>
-        </p:nvSpPr>
-        <p:spPr/>
-        <p:txBody>
-          <a:bodyPr/>
-          <a:lstStyle/>
-          <a:p>
-            <a:r>
-              <a:t>Boy Scouts of America:</a:t>
-            </a:r>
-          </a:p>
-          <a:p>
-            <a:r>
-              <a:t>"Try and leave this world a little better than you found it."</a:t>
-            </a:r>
-          </a:p>
-          <a:p>
-            <a:r>
-              <a:t>Uncle Bob für Software:</a:t>
-            </a:r>
-          </a:p>
-          <a:p>
-            <a:r>
-              <a:t>"Always leave the campground cleaner than you found it."</a:t>
-            </a:r>
-          </a:p>
-        </p:txBody>
-      </p:sp>
-      <p:sp>
-        <p:nvSpPr>
-          <p:cNvPr id="4" name="Content Placeholder 3"/>
-          <p:cNvSpPr>
-            <a:spLocks noGrp="1"/>
-          </p:cNvSpPr>
-          <p:nvPr>
-            <p:ph idx="2" sz="half"/>
-          </p:nvPr>
-        </p:nvSpPr>
-        <p:spPr/>
-        <p:txBody>
-          <a:bodyPr/>
-          <a:lstStyle/>
-          <a:p>
-            <a:r>
-              <a:t>Praktische Anwendung:</a:t>
-            </a:r>
-          </a:p>
-          <a:p>
-            <a:r>
-              <a:t>Bei jedem Code-Touch: Verstehe → Verbessere → Prüfe → Committe</a:t>
-            </a:r>
-          </a:p>
-          <a:p>
-            <a:r>
-              <a:t>Konkrete Aktionen: Variable umbenennen, Magic Numbers extrahieren, Long Methods aufteilen</a:t>
-            </a:r>
-          </a:p>
-        </p:txBody>
-      </p:sp>
-    </p:spTree>
-  </p:cSld>
-  <p:clrMapOvr>
-    <a:masterClrMapping/>
-  </p:clrMapOvr>
-</p:sld>
-</file>
-
-<file path=ppt/slides/slide32.xml><?xml version="1.0" encoding="utf-8"?>
-<p:sld xmlns:a="http://schemas.openxmlformats.org/drawingml/2006/main" xmlns:p="http://schemas.openxmlformats.org/presentationml/2006/main" xmlns:r="http://schemas.openxmlformats.org/officeDocument/2006/relationships">
-  <p:cSld>
-    <p:spTree>
-      <p:nvGrpSpPr>
-        <p:cNvPr id="1" name=""/>
-        <p:cNvGrpSpPr/>
-        <p:nvPr/>
-      </p:nvGrpSpPr>
-      <p:grpSpPr/>
-      <p:sp>
-        <p:nvSpPr>
-          <p:cNvPr id="2" name="Title 1"/>
-          <p:cNvSpPr>
-            <a:spLocks noGrp="1"/>
-          </p:cNvSpPr>
-          <p:nvPr>
-            <p:ph type="title"/>
-          </p:nvPr>
-        </p:nvSpPr>
-        <p:spPr/>
-        <p:txBody>
-          <a:bodyPr/>
-          <a:lstStyle/>
-          <a:p>
-            <a:r>
-              <a:t>Wann refactoren? - Die "Rule of Three"</a:t>
-            </a:r>
-          </a:p>
-        </p:txBody>
-      </p:sp>
-      <p:sp>
-        <p:nvSpPr>
-          <p:cNvPr id="3" name="Content Placeholder 2"/>
-          <p:cNvSpPr>
-            <a:spLocks noGrp="1"/>
-          </p:cNvSpPr>
-          <p:nvPr>
-            <p:ph idx="1" sz="half"/>
-          </p:nvPr>
-        </p:nvSpPr>
-        <p:spPr/>
-        <p:txBody>
-          <a:bodyPr/>
-          <a:lstStyle/>
-          <a:p>
-            <a:r>
-              <a:t>Die "Rule of Three":</a:t>
-            </a:r>
-          </a:p>
-          <a:p>
-            <a:r>
-              <a:t>1. Das erste Mal - mache es einfach</a:t>
-            </a:r>
-          </a:p>
-          <a:p>
-            <a:r>
-              <a:t>2. Das zweite Mal - ärgere dich über Duplikation, aber mache es trotzdem</a:t>
-            </a:r>
-          </a:p>
-          <a:p>
-            <a:r>
-              <a:t>3. Das dritte Mal - refactore!</a:t>
-            </a:r>
-          </a:p>
-        </p:txBody>
-      </p:sp>
-      <p:sp>
-        <p:nvSpPr>
-          <p:cNvPr id="4" name="Content Placeholder 3"/>
-          <p:cNvSpPr>
-            <a:spLocks noGrp="1"/>
-          </p:cNvSpPr>
-          <p:nvPr>
-            <p:ph idx="2" sz="half"/>
-          </p:nvPr>
-        </p:nvSpPr>
-        <p:spPr/>
-        <p:txBody>
-          <a:bodyPr/>
-          <a:lstStyle/>
-          <a:p>
-            <a:r>
-              <a:t>Refactoring-Trigger:</a:t>
-            </a:r>
-          </a:p>
-          <a:p>
-            <a:r>
-              <a:t>Wenn du Code verstehen musst (vor Bug-Fix, vor Feature)</a:t>
-            </a:r>
-          </a:p>
-          <a:p>
-            <a:r>
-              <a:t>Wenn du Duplikation siehst (Copy-Paste Code)</a:t>
-            </a:r>
-          </a:p>
-          <a:p>
-            <a:r>
-              <a:t>Wenn Code "riecht" (Long Method, Large Class, Long Parameter List)</a:t>
-            </a:r>
-          </a:p>
-        </p:txBody>
-      </p:sp>
-    </p:spTree>
-  </p:cSld>
-  <p:clrMapOvr>
-    <a:masterClrMapping/>
-  </p:clrMapOvr>
-</p:sld>
-</file>
-
-<file path=ppt/slides/slide33.xml><?xml version="1.0" encoding="utf-8"?>
-<p:sld xmlns:a="http://schemas.openxmlformats.org/drawingml/2006/main" xmlns:p="http://schemas.openxmlformats.org/presentationml/2006/main" xmlns:r="http://schemas.openxmlformats.org/officeDocument/2006/relationships">
-  <p:cSld>
-    <p:spTree>
-      <p:nvGrpSpPr>
-        <p:cNvPr id="1" name=""/>
-        <p:cNvGrpSpPr/>
-        <p:nvPr/>
-      </p:nvGrpSpPr>
-      <p:grpSpPr/>
-      <p:sp>
-        <p:nvSpPr>
-          <p:cNvPr id="2" name="Title 1"/>
-          <p:cNvSpPr>
-            <a:spLocks noGrp="1"/>
-          </p:cNvSpPr>
-          <p:nvPr>
-            <p:ph type="title"/>
-          </p:nvPr>
-        </p:nvSpPr>
-        <p:spPr/>
-        <p:txBody>
-          <a:bodyPr/>
-          <a:lstStyle/>
-          <a:p>
-            <a:r>
-              <a:t>Refactoring-Sicherheitsmaßnahmen</a:t>
-            </a:r>
-          </a:p>
-        </p:txBody>
-      </p:sp>
-      <p:sp>
-        <p:nvSpPr>
-          <p:cNvPr id="3" name="Content Placeholder 2"/>
-          <p:cNvSpPr>
-            <a:spLocks noGrp="1"/>
-          </p:cNvSpPr>
-          <p:nvPr>
-            <p:ph idx="1" sz="half"/>
-          </p:nvPr>
-        </p:nvSpPr>
-        <p:spPr/>
-        <p:txBody>
-          <a:bodyPr/>
-          <a:lstStyle/>
-          <a:p>
-            <a:r>
-              <a:t>Tests zuerst:</a:t>
-            </a:r>
-          </a:p>
-          <a:p>
-            <a:r>
-              <a:t>Vor Refactoring: Verstehe Verhalten, schreibe Tests, alle Tests grün</a:t>
-            </a:r>
-          </a:p>
-          <a:p>
-            <a:r>
-              <a:t>Während Refactoring: Nach jedem Schritt Tests laufen lassen</a:t>
-            </a:r>
-          </a:p>
-          <a:p>
-            <a:r>
-              <a:t>Nach Refactoring: Alle Tests noch grün</a:t>
-            </a:r>
-          </a:p>
-        </p:txBody>
-      </p:sp>
-      <p:sp>
-        <p:nvSpPr>
-          <p:cNvPr id="4" name="Content Placeholder 3"/>
-          <p:cNvSpPr>
-            <a:spLocks noGrp="1"/>
-          </p:cNvSpPr>
-          <p:nvPr>
-            <p:ph idx="2" sz="half"/>
-          </p:nvPr>
-        </p:nvSpPr>
-        <p:spPr/>
-        <p:txBody>
-          <a:bodyPr/>
-          <a:lstStyle/>
-          <a:p>
-            <a:r>
-              <a:t>Kleine Schritte und IDE-Unterstützung:</a:t>
-            </a:r>
-          </a:p>
-          <a:p>
-            <a:r>
-              <a:t>Ein Schritt nach dem anderen</a:t>
-            </a:r>
-          </a:p>
-          <a:p>
-            <a:r>
-              <a:t>Extract Method, Rename Variable, Move Method</a:t>
-            </a:r>
-          </a:p>
-          <a:p>
-            <a:r>
-              <a:t>IDE kann viel automatisch und sicher machen</a:t>
-            </a:r>
-          </a:p>
-        </p:txBody>
-      </p:sp>
-    </p:spTree>
-  </p:cSld>
-  <p:clrMapOvr>
-    <a:masterClrMapping/>
-  </p:clrMapOvr>
-</p:sld>
-</file>
-
-<file path=ppt/slides/slide34.xml><?xml version="1.0" encoding="utf-8"?>
-<p:sld xmlns:a="http://schemas.openxmlformats.org/drawingml/2006/main" xmlns:p="http://schemas.openxmlformats.org/presentationml/2006/main" xmlns:r="http://schemas.openxmlformats.org/officeDocument/2006/relationships">
-  <p:cSld>
-    <p:spTree>
-      <p:nvGrpSpPr>
-        <p:cNvPr id="1" name=""/>
-        <p:cNvGrpSpPr/>
-        <p:nvPr/>
-      </p:nvGrpSpPr>
-      <p:grpSpPr/>
-      <p:sp>
-        <p:nvSpPr>
-          <p:cNvPr id="2" name="Title 1"/>
-          <p:cNvSpPr>
-            <a:spLocks noGrp="1"/>
-          </p:cNvSpPr>
-          <p:nvPr>
-            <p:ph type="title"/>
-          </p:nvPr>
-        </p:nvSpPr>
-        <p:spPr/>
-        <p:txBody>
-          <a:bodyPr/>
-          <a:lstStyle/>
-          <a:p>
-            <a:r>
-              <a:t>Refactoring als Weg zu Patterns</a:t>
-            </a:r>
-          </a:p>
-        </p:txBody>
-      </p:sp>
-      <p:sp>
-        <p:nvSpPr>
-          <p:cNvPr id="3" name="Content Placeholder 2"/>
-          <p:cNvSpPr>
-            <a:spLocks noGrp="1"/>
-          </p:cNvSpPr>
-          <p:nvPr>
-            <p:ph idx="1" sz="half"/>
-          </p:nvPr>
-        </p:nvSpPr>
-        <p:spPr/>
-        <p:txBody>
-          <a:bodyPr/>
-          <a:lstStyle/>
-          <a:p>
-            <a:r>
-              <a:t>Typischer Ablauf:</a:t>
-            </a:r>
-          </a:p>
-          <a:p>
-            <a:r>
-              <a:t>1. Duplikation entsteht natürlich</a:t>
-            </a:r>
-          </a:p>
-          <a:p>
-            <a:r>
-              <a:t>2. Refactoring macht Gemeinsamkeiten sichtbar</a:t>
-            </a:r>
-          </a:p>
-          <a:p>
-            <a:r>
-              <a:t>3. Pattern Recognition - "Das ist ein bekanntes Problem"</a:t>
-            </a:r>
-          </a:p>
-          <a:p>
-            <a:r>
-              <a:t>4. Pattern Application - Bekannte Lösung anwenden</a:t>
-            </a:r>
-          </a:p>
-        </p:txBody>
-      </p:sp>
-      <p:sp>
-        <p:nvSpPr>
-          <p:cNvPr id="4" name="Content Placeholder 3"/>
-          <p:cNvSpPr>
-            <a:spLocks noGrp="1"/>
-          </p:cNvSpPr>
-          <p:nvPr>
-            <p:ph idx="2" sz="half"/>
-          </p:nvPr>
-        </p:nvSpPr>
-        <p:spPr/>
-        <p:txBody>
-          <a:bodyPr/>
-          <a:lstStyle/>
-          <a:p>
-            <a:r>
-              <a:t>Wichtige Erkenntnis:</a:t>
-            </a:r>
-          </a:p>
-          <a:p>
-            <a:r>
-              <a:t>Patterns werden durch Refactoring eingeführt, nicht von Anfang an geplant!</a:t>
-            </a:r>
-          </a:p>
-        </p:txBody>
-      </p:sp>
-    </p:spTree>
-  </p:cSld>
-  <p:clrMapOvr>
-    <a:masterClrMapping/>
-  </p:clrMapOvr>
-</p:sld>
-</file>
-
-<file path=ppt/slides/slide35.xml><?xml version="1.0" encoding="utf-8"?>
-<p:sld xmlns:a="http://schemas.openxmlformats.org/drawingml/2006/main" xmlns:p="http://schemas.openxmlformats.org/presentationml/2006/main" xmlns:r="http://schemas.openxmlformats.org/officeDocument/2006/relationships">
-  <p:cSld>
-    <p:spTree>
-      <p:nvGrpSpPr>
-        <p:cNvPr id="1" name=""/>
-        <p:cNvGrpSpPr/>
-        <p:nvPr/>
-      </p:nvGrpSpPr>
-      <p:grpSpPr/>
-      <p:sp>
-        <p:nvSpPr>
-          <p:cNvPr id="2" name="Title 1"/>
-          <p:cNvSpPr>
-            <a:spLocks noGrp="1"/>
-          </p:cNvSpPr>
-          <p:nvPr>
-            <p:ph type="title"/>
-          </p:nvPr>
-        </p:nvSpPr>
-        <p:spPr/>
-        <p:txBody>
-          <a:bodyPr/>
-          <a:lstStyle/>
-          <a:p>
-            <a:r>
-              <a:t>Workshop-Bereitschaft - Ihr persönliches Lernziel</a:t>
-            </a:r>
-          </a:p>
-        </p:txBody>
-      </p:sp>
-      <p:sp>
-        <p:nvSpPr>
-          <p:cNvPr id="3" name="Content Placeholder 2"/>
-          <p:cNvSpPr>
-            <a:spLocks noGrp="1"/>
-          </p:cNvSpPr>
-          <p:nvPr>
-            <p:ph idx="1"/>
-          </p:nvPr>
-        </p:nvSpPr>
-        <p:spPr/>
-        <p:txBody>
-          <a:bodyPr/>
-          <a:lstStyle/>
-          <a:p>
-            <a:r>
-              <a:t>Frage an die Teilnehmer:</a:t>
-            </a:r>
-          </a:p>
-          <a:p>
-            <a:r>
-              <a:t>"Was ist Ihr persönliches Lernziel für diese 4 Blöcke?"</a:t>
-            </a:r>
-          </a:p>
           <a:p/>
           <a:p>
-            <a:r>
-              <a:t>Zielsetzung: Systematische Anwendung von Design Patterns zur Verbesserung von Code-Qualität, Wartbarkeit und Systemarchitektur in Enterprise-Umgebungen.</a:t>
-            </a:r>
-          </a:p>
-          <a:p/>
-          <a:p>
-            <a:r>
-              <a:t>Sind Sie bereit? Dann starten wir mit Block 1: Creational Patterns!</a:t>
+            <a:pPr/>
+            <a:r>
+              <a:t>Schwerpunkt: Objekterzeugung</a:t>
+            </a:r>
+          </a:p>
+          <a:p>
+            <a:pPr/>
+            <a:r>
+              <a:t>Factory Method: Objekterzeugung ohne konkrete Klassen</a:t>
+            </a:r>
+          </a:p>
+          <a:p>
+            <a:pPr/>
+            <a:r>
+              <a:t>Abstract Factory: Familien verwandter Objekte</a:t>
+            </a:r>
+          </a:p>
+          <a:p>
+            <a:pPr/>
+            <a:r>
+              <a:t>Builder: Komplexe Objekte Schritt für Schritt aufbauen</a:t>
+            </a:r>
+          </a:p>
+          <a:p>
+            <a:pPr/>
+            <a:r>
+              <a:t>Prototype: Objektklonierung für kostspielige Initialisierung</a:t>
+            </a:r>
+          </a:p>
+          <a:p>
+            <a:pPr/>
+            <a:r>
+              <a:t>Singleton: Eine Instanz für das ganze System</a:t>
             </a:r>
           </a:p>
         </p:txBody>
@@ -8952,7 +8732,7 @@
           <a:lstStyle/>
           <a:p>
             <a:r>
-              <a:t>Block 1: Creational Patterns - Schwerpunkt: Objekterzeugung</a:t>
+              <a:t>Block 2: Structural Patterns</a:t>
             </a:r>
           </a:p>
         </p:txBody>
@@ -8971,29 +8751,35 @@
         <p:txBody>
           <a:bodyPr/>
           <a:lstStyle/>
-          <a:p>
-            <a:r>
-              <a:t>Factory Method: Objekterzeugung ohne konkrete Klassen</a:t>
-            </a:r>
-          </a:p>
-          <a:p>
-            <a:r>
-              <a:t>Abstract Factory: Familien verwandter Objekte</a:t>
-            </a:r>
-          </a:p>
-          <a:p>
-            <a:r>
-              <a:t>Builder: Komplexe Objekte Schritt für Schritt aufbauen</a:t>
-            </a:r>
-          </a:p>
-          <a:p>
-            <a:r>
-              <a:t>Prototype: Objektklonierung für kostspielige Initialisierung</a:t>
-            </a:r>
-          </a:p>
-          <a:p>
-            <a:r>
-              <a:t>Singleton: Eine Instanz für das ganze System</a:t>
+          <a:p/>
+          <a:p>
+            <a:pPr/>
+            <a:r>
+              <a:t>Schwerpunkt: Strukturelle Komposition</a:t>
+            </a:r>
+          </a:p>
+          <a:p>
+            <a:pPr/>
+            <a:r>
+              <a:t>Adapter: Inkompatible Schnittstellen verbinden</a:t>
+            </a:r>
+          </a:p>
+          <a:p>
+            <a:pPr/>
+            <a:r>
+              <a:t>Decorator: Verhalten dynamisch erweitern</a:t>
+            </a:r>
+          </a:p>
+          <a:p>
+            <a:pPr/>
+            <a:r>
+              <a:t>Facade: Komplexe Subsysteme vereinfachen</a:t>
+            </a:r>
+          </a:p>
+          <a:p>
+            <a:pPr/>
+            <a:r>
+              <a:t>Composite: Hierarchische Strukturen behandeln</a:t>
             </a:r>
           </a:p>
         </p:txBody>
@@ -9032,7 +8818,7 @@
           <a:lstStyle/>
           <a:p>
             <a:r>
-              <a:t>Block 2: Structural Patterns - Schwerpunkt: Strukturelle Komposition</a:t>
+              <a:t>Block 3: Behavioral Patterns</a:t>
             </a:r>
           </a:p>
         </p:txBody>
@@ -9051,24 +8837,35 @@
         <p:txBody>
           <a:bodyPr/>
           <a:lstStyle/>
-          <a:p>
-            <a:r>
-              <a:t>Adapter: Inkompatible Schnittstellen verbinden</a:t>
-            </a:r>
-          </a:p>
-          <a:p>
-            <a:r>
-              <a:t>Decorator: Verhalten dynamisch erweitern</a:t>
-            </a:r>
-          </a:p>
-          <a:p>
-            <a:r>
-              <a:t>Facade: Komplexe Subsysteme vereinfachen</a:t>
-            </a:r>
-          </a:p>
-          <a:p>
-            <a:r>
-              <a:t>Composite: Hierarchische Strukturen behandeln</a:t>
+          <a:p/>
+          <a:p>
+            <a:pPr/>
+            <a:r>
+              <a:t>Schwerpunkt: Verhalten und Kommunikation</a:t>
+            </a:r>
+          </a:p>
+          <a:p>
+            <a:pPr/>
+            <a:r>
+              <a:t>Observer: Ereignisse propagieren</a:t>
+            </a:r>
+          </a:p>
+          <a:p>
+            <a:pPr/>
+            <a:r>
+              <a:t>Strategy: Algorithmen austauschbar machen</a:t>
+            </a:r>
+          </a:p>
+          <a:p>
+            <a:pPr/>
+            <a:r>
+              <a:t>Command: Operationen als Objekte</a:t>
+            </a:r>
+          </a:p>
+          <a:p>
+            <a:pPr/>
+            <a:r>
+              <a:t>State: Zustandsabhängiges Verhalten</a:t>
             </a:r>
           </a:p>
         </p:txBody>
@@ -9107,7 +8904,7 @@
           <a:lstStyle/>
           <a:p>
             <a:r>
-              <a:t>Block 3: Behavioral Patterns - Schwerpunkt: Verhalten und Kommunikation</a:t>
+              <a:t>Block 4: Advanced Patterns</a:t>
             </a:r>
           </a:p>
         </p:txBody>
@@ -9126,24 +8923,41 @@
         <p:txBody>
           <a:bodyPr/>
           <a:lstStyle/>
-          <a:p>
-            <a:r>
-              <a:t>Observer: Ereignisse propagieren</a:t>
-            </a:r>
-          </a:p>
-          <a:p>
-            <a:r>
-              <a:t>Strategy: Algorithmen austauschbar machen</a:t>
-            </a:r>
-          </a:p>
-          <a:p>
-            <a:r>
-              <a:t>Command: Operationen als Objekte</a:t>
-            </a:r>
-          </a:p>
-          <a:p>
-            <a:r>
-              <a:t>State: Zustandsabhängiges Verhalten</a:t>
+          <a:p/>
+          <a:p>
+            <a:pPr/>
+            <a:r>
+              <a:t>Schwerpunkt: Komplexe Szenarien</a:t>
+            </a:r>
+          </a:p>
+          <a:p>
+            <a:pPr/>
+            <a:r>
+              <a:t>Template Method: Algorithmus-Skelett mit variablen Teilen</a:t>
+            </a:r>
+          </a:p>
+          <a:p>
+            <a:pPr/>
+            <a:r>
+              <a:t>Visitor: Operationen von Datenstruktur trennen</a:t>
+            </a:r>
+          </a:p>
+          <a:p>
+            <a:pPr/>
+            <a:r>
+              <a:t>Chain of Responsibility: Requests durch Handler-Kette</a:t>
+            </a:r>
+          </a:p>
+          <a:p>
+            <a:pPr/>
+            <a:r>
+              <a:t>Mediator: Komplexe Objekt-Interaktionen koordinieren</a:t>
+            </a:r>
+          </a:p>
+          <a:p>
+            <a:pPr/>
+            <a:r>
+              <a:t>Enterprise Patterns: Repository, Unit of Work, MVC/MVP/MVVM</a:t>
             </a:r>
           </a:p>
         </p:txBody>
@@ -9182,7 +8996,7 @@
           <a:lstStyle/>
           <a:p>
             <a:r>
-              <a:t>Block 4: Advanced Patterns - Schwerpunkt: Komplexe Szenarien</a:t>
+              <a:t>Was werden wir NICHT behandeln?</a:t>
             </a:r>
           </a:p>
         </p:txBody>
@@ -9201,29 +9015,41 @@
         <p:txBody>
           <a:bodyPr/>
           <a:lstStyle/>
-          <a:p>
-            <a:r>
-              <a:t>Template Method: Algorithmus-Skelett mit variablen Teilen</a:t>
-            </a:r>
-          </a:p>
-          <a:p>
-            <a:r>
-              <a:t>Visitor: Operationen von Datenstruktur trennen</a:t>
-            </a:r>
-          </a:p>
-          <a:p>
-            <a:r>
-              <a:t>Chain of Responsibility: Requests durch Handler-Kette</a:t>
-            </a:r>
-          </a:p>
-          <a:p>
-            <a:r>
-              <a:t>Mediator: Komplexe Objekt-Interaktionen koordinieren</a:t>
-            </a:r>
-          </a:p>
-          <a:p>
-            <a:r>
-              <a:t>Enterprise Patterns: Repository, Unit of Work, MVC/MVP/MVVM</a:t>
+          <a:p/>
+          <a:p>
+            <a:pPr/>
+            <a:r>
+              <a:t>Bewusst ausgeklammerte Themen</a:t>
+            </a:r>
+          </a:p>
+          <a:p>
+            <a:pPr/>
+            <a:r>
+              <a:t>Framework-spezifische Patterns (Spring, Hibernate, etc.)</a:t>
+            </a:r>
+          </a:p>
+          <a:p>
+            <a:pPr/>
+            <a:r>
+              <a:t>Architektur-Patterns (Microservices, CQRS, Event Sourcing)</a:t>
+            </a:r>
+          </a:p>
+          <a:p>
+            <a:pPr/>
+            <a:r>
+              <a:t>Concurrency-Patterns (würde eigenen Workshop füllen)</a:t>
+            </a:r>
+          </a:p>
+          <a:p>
+            <a:pPr/>
+            <a:r>
+              <a:t>Specific UI-Frameworks (Angular, React, Vue)</a:t>
+            </a:r>
+          </a:p>
+          <a:p>
+            <a:pPr/>
+            <a:r>
+              <a:t>Cloud-native Patterns (separate Workshop-Serie)</a:t>
             </a:r>
           </a:p>
         </p:txBody>
@@ -9262,7 +9088,7 @@
           <a:lstStyle/>
           <a:p>
             <a:r>
-              <a:t>Was werden wir NICHT behandeln? - Bewusst ausgeklammerte Themen</a:t>
+              <a:t>Lernziele und Kompetenzen</a:t>
             </a:r>
           </a:p>
         </p:txBody>
@@ -9281,29 +9107,41 @@
         <p:txBody>
           <a:bodyPr/>
           <a:lstStyle/>
-          <a:p>
-            <a:r>
-              <a:t>Framework-spezifische Patterns (Spring, Hibernate, etc.)</a:t>
-            </a:r>
-          </a:p>
-          <a:p>
-            <a:r>
-              <a:t>Architektur-Patterns (Microservices, CQRS, Event Sourcing)</a:t>
-            </a:r>
-          </a:p>
-          <a:p>
-            <a:r>
-              <a:t>Concurrency-Patterns (würde eigenen Workshop füllen)</a:t>
-            </a:r>
-          </a:p>
-          <a:p>
-            <a:r>
-              <a:t>Specific UI-Frameworks (Angular, React, Vue)</a:t>
-            </a:r>
-          </a:p>
-          <a:p>
-            <a:r>
-              <a:t>Cloud-native Patterns (separate Workshop-Serie)</a:t>
+          <a:p/>
+          <a:p>
+            <a:pPr/>
+            <a:r>
+              <a:t>Zentrale Problemstellungen</a:t>
+            </a:r>
+          </a:p>
+          <a:p>
+            <a:pPr/>
+            <a:r>
+              <a:t>Legacy-System Integration und Adapter-Patterns</a:t>
+            </a:r>
+          </a:p>
+          <a:p>
+            <a:pPr/>
+            <a:r>
+              <a:t>Flexible Objekterzeugung und Dependency Management</a:t>
+            </a:r>
+          </a:p>
+          <a:p>
+            <a:pPr/>
+            <a:r>
+              <a:t>Algorithmus-Variationen und Strategy-Patterns</a:t>
+            </a:r>
+          </a:p>
+          <a:p>
+            <a:pPr/>
+            <a:r>
+              <a:t>Event-basierte Kommunikation und Observer-Patterns</a:t>
+            </a:r>
+          </a:p>
+          <a:p>
+            <a:pPr/>
+            <a:r>
+              <a:t>Komplexe Objektstrukturen und Composite-Patterns</a:t>
             </a:r>
           </a:p>
         </p:txBody>
@@ -9342,7 +9180,7 @@
           <a:lstStyle/>
           <a:p>
             <a:r>
-              <a:t>Lernziele und Kompetenzen - Zentrale Problemstellungen</a:t>
+              <a:t>Praktische Organisation</a:t>
             </a:r>
           </a:p>
         </p:txBody>
@@ -9361,29 +9199,35 @@
         <p:txBody>
           <a:bodyPr/>
           <a:lstStyle/>
-          <a:p>
-            <a:r>
-              <a:t>Legacy-System Integration und Adapter-Patterns</a:t>
-            </a:r>
-          </a:p>
-          <a:p>
-            <a:r>
-              <a:t>Flexible Objekterzeugung und Dependency Management</a:t>
-            </a:r>
-          </a:p>
-          <a:p>
-            <a:r>
-              <a:t>Algorithmus-Variationen und Strategy-Patterns</a:t>
-            </a:r>
-          </a:p>
-          <a:p>
-            <a:r>
-              <a:t>Event-basierte Kommunikation und Observer-Patterns</a:t>
-            </a:r>
-          </a:p>
-          <a:p>
-            <a:r>
-              <a:t>Komplexe Objektstrukturen und Composite-Patterns</a:t>
+          <a:p/>
+          <a:p>
+            <a:pPr/>
+            <a:r>
+              <a:t>Was Sie mitbringen sollten</a:t>
+            </a:r>
+          </a:p>
+          <a:p>
+            <a:pPr/>
+            <a:r>
+              <a:t>Laptop mit Java 11+ und IDE (IntelliJ/Eclipse)</a:t>
+            </a:r>
+          </a:p>
+          <a:p>
+            <a:pPr/>
+            <a:r>
+              <a:t>Git für Code-Austausch</a:t>
+            </a:r>
+          </a:p>
+          <a:p>
+            <a:pPr/>
+            <a:r>
+              <a:t>Offenheit für neue Perspektiven</a:t>
+            </a:r>
+          </a:p>
+          <a:p>
+            <a:pPr/>
+            <a:r>
+              <a:t>Eigene Code-Beispiele (wenn möglich)</a:t>
             </a:r>
           </a:p>
         </p:txBody>

--- a/presentations/powerpoint/intro-presentation.pptx
+++ b/presentations/powerpoint/intro-presentation.pptx
@@ -4,36 +4,44 @@
   <p:sldMasterIdLst>
     <p:sldMasterId id="2147483661" r:id="rId1"/>
   </p:sldMasterIdLst>
+  <p:notesMasterIdLst>
+    <p:notesMasterId r:id="rId36"/>
+  </p:notesMasterIdLst>
   <p:sldIdLst>
-    <p:sldId id="256" r:id="rId6"/>
-    <p:sldId id="257" r:id="rId7"/>
-    <p:sldId id="258" r:id="rId9"/>
-    <p:sldId id="259" r:id="rId10"/>
-    <p:sldId id="260" r:id="rId11"/>
-    <p:sldId id="261" r:id="rId12"/>
-    <p:sldId id="262" r:id="rId13"/>
-    <p:sldId id="263" r:id="rId14"/>
-    <p:sldId id="264" r:id="rId15"/>
-    <p:sldId id="265" r:id="rId16"/>
-    <p:sldId id="266" r:id="rId17"/>
-    <p:sldId id="267" r:id="rId18"/>
-    <p:sldId id="268" r:id="rId19"/>
-    <p:sldId id="269" r:id="rId20"/>
-    <p:sldId id="270" r:id="rId21"/>
-    <p:sldId id="271" r:id="rId22"/>
-    <p:sldId id="272" r:id="rId23"/>
-    <p:sldId id="273" r:id="rId24"/>
-    <p:sldId id="274" r:id="rId25"/>
-    <p:sldId id="275" r:id="rId26"/>
-    <p:sldId id="276" r:id="rId27"/>
-    <p:sldId id="277" r:id="rId28"/>
-    <p:sldId id="278" r:id="rId29"/>
-    <p:sldId id="279" r:id="rId30"/>
-    <p:sldId id="280" r:id="rId31"/>
-    <p:sldId id="281" r:id="rId32"/>
-    <p:sldId id="282" r:id="rId33"/>
-    <p:sldId id="283" r:id="rId34"/>
-    <p:sldId id="284" r:id="rId35"/>
+    <p:sldId id="256" r:id="rId2"/>
+    <p:sldId id="257" r:id="rId3"/>
+    <p:sldId id="258" r:id="rId4"/>
+    <p:sldId id="259" r:id="rId5"/>
+    <p:sldId id="260" r:id="rId6"/>
+    <p:sldId id="261" r:id="rId7"/>
+    <p:sldId id="262" r:id="rId8"/>
+    <p:sldId id="263" r:id="rId9"/>
+    <p:sldId id="264" r:id="rId10"/>
+    <p:sldId id="265" r:id="rId11"/>
+    <p:sldId id="266" r:id="rId12"/>
+    <p:sldId id="267" r:id="rId13"/>
+    <p:sldId id="268" r:id="rId14"/>
+    <p:sldId id="269" r:id="rId15"/>
+    <p:sldId id="270" r:id="rId16"/>
+    <p:sldId id="271" r:id="rId17"/>
+    <p:sldId id="272" r:id="rId18"/>
+    <p:sldId id="273" r:id="rId19"/>
+    <p:sldId id="274" r:id="rId20"/>
+    <p:sldId id="275" r:id="rId21"/>
+    <p:sldId id="276" r:id="rId22"/>
+    <p:sldId id="277" r:id="rId23"/>
+    <p:sldId id="278" r:id="rId24"/>
+    <p:sldId id="279" r:id="rId25"/>
+    <p:sldId id="280" r:id="rId26"/>
+    <p:sldId id="281" r:id="rId27"/>
+    <p:sldId id="282" r:id="rId28"/>
+    <p:sldId id="283" r:id="rId29"/>
+    <p:sldId id="284" r:id="rId30"/>
+    <p:sldId id="285" r:id="rId31"/>
+    <p:sldId id="286" r:id="rId32"/>
+    <p:sldId id="287" r:id="rId33"/>
+    <p:sldId id="288" r:id="rId34"/>
+    <p:sldId id="289" r:id="rId35"/>
   </p:sldIdLst>
   <p:sldSz cx="12192000" cy="6858000"/>
   <p:notesSz cx="6858000" cy="9144000"/>
@@ -141,7 +149,7 @@
 </file>
 
 <file path=ppt/notesMasters/notesMaster1.xml><?xml version="1.0" encoding="utf-8"?>
-<p:notesMaster xmlns:a="http://schemas.openxmlformats.org/drawingml/2006/main" xmlns:p="http://schemas.openxmlformats.org/presentationml/2006/main" xmlns:r="http://schemas.openxmlformats.org/officeDocument/2006/relationships">
+<p:notesMaster xmlns:a="http://schemas.openxmlformats.org/drawingml/2006/main" xmlns:r="http://schemas.openxmlformats.org/officeDocument/2006/relationships" xmlns:p="http://schemas.openxmlformats.org/presentationml/2006/main">
   <p:cSld>
     <p:bg>
       <p:bgRef idx="1001">
@@ -175,7 +183,7 @@
         <p:spPr>
           <a:xfrm>
             <a:off x="0" y="0"/>
-            <a:ext cx="2971800" cy="457200"/>
+            <a:ext cx="2971800" cy="458788"/>
           </a:xfrm>
           <a:prstGeom prst="rect">
             <a:avLst/>
@@ -206,7 +214,7 @@
         <p:spPr>
           <a:xfrm>
             <a:off x="3884613" y="0"/>
-            <a:ext cx="2971800" cy="457200"/>
+            <a:ext cx="2971800" cy="458788"/>
           </a:xfrm>
           <a:prstGeom prst="rect">
             <a:avLst/>
@@ -220,9 +228,9 @@
             </a:lvl1pPr>
           </a:lstStyle>
           <a:p>
-            <a:fld id="{0F89C1C7-3DCD-1040-A9CF-14679D8B5DDD}" type="datetimeFigureOut">
+            <a:fld id="{0B25EFB6-59D0-F44E-9431-B4EA9247A289}" type="datetimeFigureOut">
               <a:rPr lang="en-US" smtClean="0"/>
-              <a:t>10/17/16</a:t>
+              <a:t>9/10/25</a:t>
             </a:fld>
             <a:endParaRPr lang="en-US"/>
           </a:p>
@@ -240,8 +248,8 @@
         </p:nvSpPr>
         <p:spPr>
           <a:xfrm>
-            <a:off x="1143000" y="685800"/>
-            <a:ext cx="4572000" cy="3429000"/>
+            <a:off x="685800" y="1143000"/>
+            <a:ext cx="5486400" cy="3086100"/>
           </a:xfrm>
           <a:prstGeom prst="rect">
             <a:avLst/>
@@ -273,8 +281,8 @@
         </p:nvSpPr>
         <p:spPr>
           <a:xfrm>
-            <a:off x="685800" y="4343400"/>
-            <a:ext cx="5486400" cy="4114800"/>
+            <a:off x="685800" y="4400550"/>
+            <a:ext cx="5486400" cy="3600450"/>
           </a:xfrm>
           <a:prstGeom prst="rect">
             <a:avLst/>
@@ -286,38 +294,37 @@
           <a:p>
             <a:pPr lvl="0"/>
             <a:r>
-              <a:rPr lang="en-US" smtClean="0"/>
+              <a:rPr lang="en-US"/>
               <a:t>Click to edit Master text styles</a:t>
             </a:r>
           </a:p>
           <a:p>
             <a:pPr lvl="1"/>
             <a:r>
-              <a:rPr lang="en-US" smtClean="0"/>
+              <a:rPr lang="en-US"/>
               <a:t>Second level</a:t>
             </a:r>
           </a:p>
           <a:p>
             <a:pPr lvl="2"/>
             <a:r>
-              <a:rPr lang="en-US" smtClean="0"/>
+              <a:rPr lang="en-US"/>
               <a:t>Third level</a:t>
             </a:r>
           </a:p>
           <a:p>
             <a:pPr lvl="3"/>
             <a:r>
-              <a:rPr lang="en-US" smtClean="0"/>
+              <a:rPr lang="en-US"/>
               <a:t>Fourth level</a:t>
             </a:r>
           </a:p>
           <a:p>
             <a:pPr lvl="4"/>
             <a:r>
-              <a:rPr lang="en-US" smtClean="0"/>
+              <a:rPr lang="en-US"/>
               <a:t>Fifth level</a:t>
             </a:r>
-            <a:endParaRPr lang="en-US"/>
           </a:p>
         </p:txBody>
       </p:sp>
@@ -334,7 +341,7 @@
         <p:spPr>
           <a:xfrm>
             <a:off x="0" y="8685213"/>
-            <a:ext cx="2971800" cy="457200"/>
+            <a:ext cx="2971800" cy="458787"/>
           </a:xfrm>
           <a:prstGeom prst="rect">
             <a:avLst/>
@@ -365,7 +372,7 @@
         <p:spPr>
           <a:xfrm>
             <a:off x="3884613" y="8685213"/>
-            <a:ext cx="2971800" cy="457200"/>
+            <a:ext cx="2971800" cy="458787"/>
           </a:xfrm>
           <a:prstGeom prst="rect">
             <a:avLst/>
@@ -379,7 +386,7 @@
             </a:lvl1pPr>
           </a:lstStyle>
           <a:p>
-            <a:fld id="{BB5E49A5-4136-284D-997B-48E1D791AD67}" type="slidenum">
+            <a:fld id="{10EE916F-578A-054A-98F9-1C97656C0CF4}" type="slidenum">
               <a:rPr lang="en-US" smtClean="0"/>
               <a:t>‹#›</a:t>
             </a:fld>
@@ -390,13 +397,13 @@
     </p:spTree>
     <p:extLst>
       <p:ext uri="{BB962C8B-B14F-4D97-AF65-F5344CB8AC3E}">
-        <p14:creationId xmlns:p14="http://schemas.microsoft.com/office/powerpoint/2010/main" val="2623252185"/>
+        <p14:creationId xmlns:p14="http://schemas.microsoft.com/office/powerpoint/2010/main" val="2317939876"/>
       </p:ext>
     </p:extLst>
   </p:cSld>
   <p:clrMap bg1="lt1" tx1="dk1" bg2="lt2" tx2="dk2" accent1="accent1" accent2="accent2" accent3="accent3" accent4="accent4" accent5="accent5" accent6="accent6" hlink="hlink" folHlink="folHlink"/>
   <p:notesStyle>
-    <a:lvl1pPr marL="0" algn="l" defTabSz="457200" rtl="0" eaLnBrk="1" latinLnBrk="0" hangingPunct="1">
+    <a:lvl1pPr marL="0" algn="l" defTabSz="914400" rtl="0" eaLnBrk="1" latinLnBrk="0" hangingPunct="1">
       <a:defRPr sz="1200" kern="1200">
         <a:solidFill>
           <a:schemeClr val="tx1"/>
@@ -406,7 +413,7 @@
         <a:cs typeface="+mn-cs"/>
       </a:defRPr>
     </a:lvl1pPr>
-    <a:lvl2pPr marL="457200" algn="l" defTabSz="457200" rtl="0" eaLnBrk="1" latinLnBrk="0" hangingPunct="1">
+    <a:lvl2pPr marL="457200" algn="l" defTabSz="914400" rtl="0" eaLnBrk="1" latinLnBrk="0" hangingPunct="1">
       <a:defRPr sz="1200" kern="1200">
         <a:solidFill>
           <a:schemeClr val="tx1"/>
@@ -416,7 +423,7 @@
         <a:cs typeface="+mn-cs"/>
       </a:defRPr>
     </a:lvl2pPr>
-    <a:lvl3pPr marL="914400" algn="l" defTabSz="457200" rtl="0" eaLnBrk="1" latinLnBrk="0" hangingPunct="1">
+    <a:lvl3pPr marL="914400" algn="l" defTabSz="914400" rtl="0" eaLnBrk="1" latinLnBrk="0" hangingPunct="1">
       <a:defRPr sz="1200" kern="1200">
         <a:solidFill>
           <a:schemeClr val="tx1"/>
@@ -426,7 +433,7 @@
         <a:cs typeface="+mn-cs"/>
       </a:defRPr>
     </a:lvl3pPr>
-    <a:lvl4pPr marL="1371600" algn="l" defTabSz="457200" rtl="0" eaLnBrk="1" latinLnBrk="0" hangingPunct="1">
+    <a:lvl4pPr marL="1371600" algn="l" defTabSz="914400" rtl="0" eaLnBrk="1" latinLnBrk="0" hangingPunct="1">
       <a:defRPr sz="1200" kern="1200">
         <a:solidFill>
           <a:schemeClr val="tx1"/>
@@ -436,7 +443,7 @@
         <a:cs typeface="+mn-cs"/>
       </a:defRPr>
     </a:lvl4pPr>
-    <a:lvl5pPr marL="1828800" algn="l" defTabSz="457200" rtl="0" eaLnBrk="1" latinLnBrk="0" hangingPunct="1">
+    <a:lvl5pPr marL="1828800" algn="l" defTabSz="914400" rtl="0" eaLnBrk="1" latinLnBrk="0" hangingPunct="1">
       <a:defRPr sz="1200" kern="1200">
         <a:solidFill>
           <a:schemeClr val="tx1"/>
@@ -446,7 +453,7 @@
         <a:cs typeface="+mn-cs"/>
       </a:defRPr>
     </a:lvl5pPr>
-    <a:lvl6pPr marL="2286000" algn="l" defTabSz="457200" rtl="0" eaLnBrk="1" latinLnBrk="0" hangingPunct="1">
+    <a:lvl6pPr marL="2286000" algn="l" defTabSz="914400" rtl="0" eaLnBrk="1" latinLnBrk="0" hangingPunct="1">
       <a:defRPr sz="1200" kern="1200">
         <a:solidFill>
           <a:schemeClr val="tx1"/>
@@ -456,7 +463,7 @@
         <a:cs typeface="+mn-cs"/>
       </a:defRPr>
     </a:lvl6pPr>
-    <a:lvl7pPr marL="2743200" algn="l" defTabSz="457200" rtl="0" eaLnBrk="1" latinLnBrk="0" hangingPunct="1">
+    <a:lvl7pPr marL="2743200" algn="l" defTabSz="914400" rtl="0" eaLnBrk="1" latinLnBrk="0" hangingPunct="1">
       <a:defRPr sz="1200" kern="1200">
         <a:solidFill>
           <a:schemeClr val="tx1"/>
@@ -466,7 +473,7 @@
         <a:cs typeface="+mn-cs"/>
       </a:defRPr>
     </a:lvl7pPr>
-    <a:lvl8pPr marL="3200400" algn="l" defTabSz="457200" rtl="0" eaLnBrk="1" latinLnBrk="0" hangingPunct="1">
+    <a:lvl8pPr marL="3200400" algn="l" defTabSz="914400" rtl="0" eaLnBrk="1" latinLnBrk="0" hangingPunct="1">
       <a:defRPr sz="1200" kern="1200">
         <a:solidFill>
           <a:schemeClr val="tx1"/>
@@ -476,7 +483,7 @@
         <a:cs typeface="+mn-cs"/>
       </a:defRPr>
     </a:lvl8pPr>
-    <a:lvl9pPr marL="3657600" algn="l" defTabSz="457200" rtl="0" eaLnBrk="1" latinLnBrk="0" hangingPunct="1">
+    <a:lvl9pPr marL="3657600" algn="l" defTabSz="914400" rtl="0" eaLnBrk="1" latinLnBrk="0" hangingPunct="1">
       <a:defRPr sz="1200" kern="1200">
         <a:solidFill>
           <a:schemeClr val="tx1"/>
@@ -491,7 +498,7 @@
 </file>
 
 <file path=ppt/notesSlides/notesSlide1.xml><?xml version="1.0" encoding="utf-8"?>
-<p:notes xmlns:a="http://schemas.openxmlformats.org/drawingml/2006/main" xmlns:p="http://schemas.openxmlformats.org/presentationml/2006/main" xmlns:r="http://schemas.openxmlformats.org/officeDocument/2006/relationships">
+<p:notes xmlns:a="http://schemas.openxmlformats.org/drawingml/2006/main" xmlns:r="http://schemas.openxmlformats.org/officeDocument/2006/relationships" xmlns:p="http://schemas.openxmlformats.org/presentationml/2006/main">
   <p:cSld>
     <p:spTree>
       <p:nvGrpSpPr>
@@ -511,7 +518,7 @@
         <p:nvSpPr>
           <p:cNvPr id="2" name="Slide Image Placeholder 1"/>
           <p:cNvSpPr>
-            <a:spLocks noGrp="1"/>
+            <a:spLocks noGrp="1" noRot="1" noChangeAspect="1"/>
           </p:cNvSpPr>
           <p:nvPr>
             <p:ph type="sldImg" idx="2"/>
@@ -526,7 +533,7 @@
             <a:spLocks noGrp="1"/>
           </p:cNvSpPr>
           <p:nvPr>
-            <p:ph type="body" idx="3" sz="quarter"/>
+            <p:ph type="body" sz="quarter" idx="3"/>
           </p:nvPr>
         </p:nvSpPr>
         <p:spPr/>
@@ -547,7 +554,7 @@
             <a:spLocks noGrp="1"/>
           </p:cNvSpPr>
           <p:nvPr>
-            <p:ph type="sldNum" idx="5" sz="quarter"/>
+            <p:ph type="sldNum" sz="quarter" idx="5"/>
           </p:nvPr>
         </p:nvSpPr>
         <p:spPr/>
@@ -561,7 +568,7 @@
 </file>
 
 <file path=ppt/notesSlides/notesSlide10.xml><?xml version="1.0" encoding="utf-8"?>
-<p:notes xmlns:a="http://schemas.openxmlformats.org/drawingml/2006/main" xmlns:p="http://schemas.openxmlformats.org/presentationml/2006/main" xmlns:r="http://schemas.openxmlformats.org/officeDocument/2006/relationships">
+<p:notes xmlns:a="http://schemas.openxmlformats.org/drawingml/2006/main" xmlns:r="http://schemas.openxmlformats.org/officeDocument/2006/relationships" xmlns:p="http://schemas.openxmlformats.org/presentationml/2006/main">
   <p:cSld>
     <p:spTree>
       <p:nvGrpSpPr>
@@ -581,7 +588,7 @@
         <p:nvSpPr>
           <p:cNvPr id="2" name="Slide Image Placeholder 1"/>
           <p:cNvSpPr>
-            <a:spLocks noGrp="1"/>
+            <a:spLocks noGrp="1" noRot="1" noChangeAspect="1"/>
           </p:cNvSpPr>
           <p:nvPr>
             <p:ph type="sldImg" idx="2"/>
@@ -596,7 +603,7 @@
             <a:spLocks noGrp="1"/>
           </p:cNvSpPr>
           <p:nvPr>
-            <p:ph type="body" idx="3" sz="quarter"/>
+            <p:ph type="body" sz="quarter" idx="3"/>
           </p:nvPr>
         </p:nvSpPr>
         <p:spPr/>
@@ -605,7 +612,7 @@
           <a:lstStyle/>
           <a:p>
             <a:r>
-              <a:t>Diese Definitionen zeigen verschiedene Perspektiven auf Software-Architektur. Gemeinsame Erkenntnisse: Struktur (Organisation der Software), Entscheidungen (wichtige Design-Entscheidungen), Beziehungen (Zusammenhänge), Kosten (spätere Änderbarkeit), Kommunikation (Vermittlung des Designs).</a:t>
+              <a:t>Diese Definition betont sowohl technische Aspekte (Struktur, Verhalten) als auch fachliche Ziele. Architektur ist nicht nur Technik - sie muss Geschäftsziele verstehen und unterstützen.</a:t>
             </a:r>
           </a:p>
         </p:txBody>
@@ -617,7 +624,7 @@
             <a:spLocks noGrp="1"/>
           </p:cNvSpPr>
           <p:nvPr>
-            <p:ph type="sldNum" idx="5" sz="quarter"/>
+            <p:ph type="sldNum" sz="quarter" idx="5"/>
           </p:nvPr>
         </p:nvSpPr>
         <p:spPr/>
@@ -631,7 +638,7 @@
 </file>
 
 <file path=ppt/notesSlides/notesSlide11.xml><?xml version="1.0" encoding="utf-8"?>
-<p:notes xmlns:a="http://schemas.openxmlformats.org/drawingml/2006/main" xmlns:p="http://schemas.openxmlformats.org/presentationml/2006/main" xmlns:r="http://schemas.openxmlformats.org/officeDocument/2006/relationships">
+<p:notes xmlns:a="http://schemas.openxmlformats.org/drawingml/2006/main" xmlns:r="http://schemas.openxmlformats.org/officeDocument/2006/relationships" xmlns:p="http://schemas.openxmlformats.org/presentationml/2006/main">
   <p:cSld>
     <p:spTree>
       <p:nvGrpSpPr>
@@ -651,7 +658,7 @@
         <p:nvSpPr>
           <p:cNvPr id="2" name="Slide Image Placeholder 1"/>
           <p:cNvSpPr>
-            <a:spLocks noGrp="1"/>
+            <a:spLocks noGrp="1" noRot="1" noChangeAspect="1"/>
           </p:cNvSpPr>
           <p:nvPr>
             <p:ph type="sldImg" idx="2"/>
@@ -666,7 +673,7 @@
             <a:spLocks noGrp="1"/>
           </p:cNvSpPr>
           <p:nvPr>
-            <p:ph type="body" idx="3" sz="quarter"/>
+            <p:ph type="body" sz="quarter" idx="3"/>
           </p:nvPr>
         </p:nvSpPr>
         <p:spPr/>
@@ -675,7 +682,7 @@
           <a:lstStyle/>
           <a:p>
             <a:r>
-              <a:t>Diese Definition betont sowohl technische Aspekte (Struktur, Verhalten) als auch fachliche Ziele. Architektur ist nicht nur Technik - sie muss Geschäftsziele verstehen und unterstützen.</a:t>
+              <a:t>Enterprise-Herausforderungen: Modernisierung bei laufendem Betrieb, Compliance und Governance, Performance bei hoher Last, Kostenoptimierung bei gleichzeitig hoher Qualität. Integration von Dutzenden von Systemen.</a:t>
             </a:r>
           </a:p>
         </p:txBody>
@@ -687,7 +694,7 @@
             <a:spLocks noGrp="1"/>
           </p:cNvSpPr>
           <p:nvPr>
-            <p:ph type="sldNum" idx="5" sz="quarter"/>
+            <p:ph type="sldNum" sz="quarter" idx="5"/>
           </p:nvPr>
         </p:nvSpPr>
         <p:spPr/>
@@ -701,7 +708,7 @@
 </file>
 
 <file path=ppt/notesSlides/notesSlide12.xml><?xml version="1.0" encoding="utf-8"?>
-<p:notes xmlns:a="http://schemas.openxmlformats.org/drawingml/2006/main" xmlns:p="http://schemas.openxmlformats.org/presentationml/2006/main" xmlns:r="http://schemas.openxmlformats.org/officeDocument/2006/relationships">
+<p:notes xmlns:a="http://schemas.openxmlformats.org/drawingml/2006/main" xmlns:r="http://schemas.openxmlformats.org/officeDocument/2006/relationships" xmlns:p="http://schemas.openxmlformats.org/presentationml/2006/main">
   <p:cSld>
     <p:spTree>
       <p:nvGrpSpPr>
@@ -721,7 +728,7 @@
         <p:nvSpPr>
           <p:cNvPr id="2" name="Slide Image Placeholder 1"/>
           <p:cNvSpPr>
-            <a:spLocks noGrp="1"/>
+            <a:spLocks noGrp="1" noRot="1" noChangeAspect="1"/>
           </p:cNvSpPr>
           <p:nvPr>
             <p:ph type="sldImg" idx="2"/>
@@ -736,7 +743,7 @@
             <a:spLocks noGrp="1"/>
           </p:cNvSpPr>
           <p:nvPr>
-            <p:ph type="body" idx="3" sz="quarter"/>
+            <p:ph type="body" sz="quarter" idx="3"/>
           </p:nvPr>
         </p:nvSpPr>
         <p:spPr/>
@@ -745,7 +752,7 @@
           <a:lstStyle/>
           <a:p>
             <a:r>
-              <a:t>Enterprise-Herausforderungen: Modernisierung bei laufendem Betrieb, Compliance und Governance, Performance bei hoher Last, Kostenoptimierung bei gleichzeitig hoher Qualität. Integration von Dutzenden von Systemen.</a:t>
+              <a:t>Clean Code Definition nach Robert C. Martin: "Code that has been taken care of." 80% der Zeit wird Code gelesen, nur 20% geschrieben. Wartbarkeit ist wichtiger als Cleverness.</a:t>
             </a:r>
           </a:p>
         </p:txBody>
@@ -757,7 +764,7 @@
             <a:spLocks noGrp="1"/>
           </p:cNvSpPr>
           <p:nvPr>
-            <p:ph type="sldNum" idx="5" sz="quarter"/>
+            <p:ph type="sldNum" sz="quarter" idx="5"/>
           </p:nvPr>
         </p:nvSpPr>
         <p:spPr/>
@@ -771,7 +778,7 @@
 </file>
 
 <file path=ppt/notesSlides/notesSlide13.xml><?xml version="1.0" encoding="utf-8"?>
-<p:notes xmlns:a="http://schemas.openxmlformats.org/drawingml/2006/main" xmlns:p="http://schemas.openxmlformats.org/presentationml/2006/main" xmlns:r="http://schemas.openxmlformats.org/officeDocument/2006/relationships">
+<p:notes xmlns:a="http://schemas.openxmlformats.org/drawingml/2006/main" xmlns:r="http://schemas.openxmlformats.org/officeDocument/2006/relationships" xmlns:p="http://schemas.openxmlformats.org/presentationml/2006/main">
   <p:cSld>
     <p:spTree>
       <p:nvGrpSpPr>
@@ -791,7 +798,7 @@
         <p:nvSpPr>
           <p:cNvPr id="2" name="Slide Image Placeholder 1"/>
           <p:cNvSpPr>
-            <a:spLocks noGrp="1"/>
+            <a:spLocks noGrp="1" noRot="1" noChangeAspect="1"/>
           </p:cNvSpPr>
           <p:nvPr>
             <p:ph type="sldImg" idx="2"/>
@@ -806,7 +813,7 @@
             <a:spLocks noGrp="1"/>
           </p:cNvSpPr>
           <p:nvPr>
-            <p:ph type="body" idx="3" sz="quarter"/>
+            <p:ph type="body" sz="quarter" idx="3"/>
           </p:nvPr>
         </p:nvSpPr>
         <p:spPr/>
@@ -815,7 +822,7 @@
           <a:lstStyle/>
           <a:p>
             <a:r>
-              <a:t>Clean Code Definition nach Robert C. Martin: "Code that has been taken care of." 80% der Zeit wird Code gelesen, nur 20% geschrieben. Wartbarkeit ist wichtiger als Cleverness.</a:t>
+              <a:t>Legacy-Systeme mit Millionen Zeilen undokumentiertem Code verursachen hohe Wartungskosten, weil jede kleine Änderung Wochen dauert und risikoreich ist. Clean Code ist eine Investition in die Zukunft.</a:t>
             </a:r>
           </a:p>
         </p:txBody>
@@ -827,7 +834,7 @@
             <a:spLocks noGrp="1"/>
           </p:cNvSpPr>
           <p:nvPr>
-            <p:ph type="sldNum" idx="5" sz="quarter"/>
+            <p:ph type="sldNum" sz="quarter" idx="5"/>
           </p:nvPr>
         </p:nvSpPr>
         <p:spPr/>
@@ -841,7 +848,7 @@
 </file>
 
 <file path=ppt/notesSlides/notesSlide14.xml><?xml version="1.0" encoding="utf-8"?>
-<p:notes xmlns:a="http://schemas.openxmlformats.org/drawingml/2006/main" xmlns:p="http://schemas.openxmlformats.org/presentationml/2006/main" xmlns:r="http://schemas.openxmlformats.org/officeDocument/2006/relationships">
+<p:notes xmlns:a="http://schemas.openxmlformats.org/drawingml/2006/main" xmlns:r="http://schemas.openxmlformats.org/officeDocument/2006/relationships" xmlns:p="http://schemas.openxmlformats.org/presentationml/2006/main">
   <p:cSld>
     <p:spTree>
       <p:nvGrpSpPr>
@@ -861,7 +868,7 @@
         <p:nvSpPr>
           <p:cNvPr id="2" name="Slide Image Placeholder 1"/>
           <p:cNvSpPr>
-            <a:spLocks noGrp="1"/>
+            <a:spLocks noGrp="1" noRot="1" noChangeAspect="1"/>
           </p:cNvSpPr>
           <p:nvPr>
             <p:ph type="sldImg" idx="2"/>
@@ -876,7 +883,7 @@
             <a:spLocks noGrp="1"/>
           </p:cNvSpPr>
           <p:nvPr>
-            <p:ph type="body" idx="3" sz="quarter"/>
+            <p:ph type="body" sz="quarter" idx="3"/>
           </p:nvPr>
         </p:nvSpPr>
         <p:spPr/>
@@ -885,7 +892,7 @@
           <a:lstStyle/>
           <a:p>
             <a:r>
-              <a:t>Legacy-Systeme mit Millionen Zeilen undokumentiertem Code verursachen hohe Wartungskosten, weil jede kleine Änderung Wochen dauert und risikoreich ist. Clean Code ist eine Investition in die Zukunft.</a:t>
+              <a:t>Praktische Auswirkungen: Zinsen (jede Änderung dauert länger), Hauptsumme (Aufwand für Refactoring), Insolvenz (System nicht mehr wartbar). Schulden-Management: Sichtbar machen, priorisieren, kontinuierlich abbauen.</a:t>
             </a:r>
           </a:p>
         </p:txBody>
@@ -897,7 +904,7 @@
             <a:spLocks noGrp="1"/>
           </p:cNvSpPr>
           <p:nvPr>
-            <p:ph type="sldNum" idx="5" sz="quarter"/>
+            <p:ph type="sldNum" sz="quarter" idx="5"/>
           </p:nvPr>
         </p:nvSpPr>
         <p:spPr/>
@@ -911,7 +918,7 @@
 </file>
 
 <file path=ppt/notesSlides/notesSlide15.xml><?xml version="1.0" encoding="utf-8"?>
-<p:notes xmlns:a="http://schemas.openxmlformats.org/drawingml/2006/main" xmlns:p="http://schemas.openxmlformats.org/presentationml/2006/main" xmlns:r="http://schemas.openxmlformats.org/officeDocument/2006/relationships">
+<p:notes xmlns:a="http://schemas.openxmlformats.org/drawingml/2006/main" xmlns:r="http://schemas.openxmlformats.org/officeDocument/2006/relationships" xmlns:p="http://schemas.openxmlformats.org/presentationml/2006/main">
   <p:cSld>
     <p:spTree>
       <p:nvGrpSpPr>
@@ -931,7 +938,7 @@
         <p:nvSpPr>
           <p:cNvPr id="2" name="Slide Image Placeholder 1"/>
           <p:cNvSpPr>
-            <a:spLocks noGrp="1"/>
+            <a:spLocks noGrp="1" noRot="1" noChangeAspect="1"/>
           </p:cNvSpPr>
           <p:nvPr>
             <p:ph type="sldImg" idx="2"/>
@@ -946,7 +953,7 @@
             <a:spLocks noGrp="1"/>
           </p:cNvSpPr>
           <p:nvPr>
-            <p:ph type="body" idx="3" sz="quarter"/>
+            <p:ph type="body" sz="quarter" idx="3"/>
           </p:nvPr>
         </p:nvSpPr>
         <p:spPr/>
@@ -955,7 +962,7 @@
           <a:lstStyle/>
           <a:p>
             <a:r>
-              <a:t>Praktische Auswirkungen: Zinsen (jede Änderung dauert länger), Hauptsumme (Aufwand für Refactoring), Insolvenz (System nicht mehr wartbar). Schulden-Management: Sichtbar machen, priorisieren, kontinuierlich abbauen.</a:t>
+              <a:t>Technology-First Symptome: Hype-Driven Development, Solution looking for a problem, Architecture Astronauts, Over-Engineering. Warum passiert das? Techniker denken technisch, Marketing macht Technologie sexy, CV-Driven Development, Komplexität wirkt professionell.</a:t>
             </a:r>
           </a:p>
         </p:txBody>
@@ -967,7 +974,7 @@
             <a:spLocks noGrp="1"/>
           </p:cNvSpPr>
           <p:nvPr>
-            <p:ph type="sldNum" idx="5" sz="quarter"/>
+            <p:ph type="sldNum" sz="quarter" idx="5"/>
           </p:nvPr>
         </p:nvSpPr>
         <p:spPr/>
@@ -981,7 +988,7 @@
 </file>
 
 <file path=ppt/notesSlides/notesSlide16.xml><?xml version="1.0" encoding="utf-8"?>
-<p:notes xmlns:a="http://schemas.openxmlformats.org/drawingml/2006/main" xmlns:p="http://schemas.openxmlformats.org/presentationml/2006/main" xmlns:r="http://schemas.openxmlformats.org/officeDocument/2006/relationships">
+<p:notes xmlns:a="http://schemas.openxmlformats.org/drawingml/2006/main" xmlns:r="http://schemas.openxmlformats.org/officeDocument/2006/relationships" xmlns:p="http://schemas.openxmlformats.org/presentationml/2006/main">
   <p:cSld>
     <p:spTree>
       <p:nvGrpSpPr>
@@ -1001,7 +1008,7 @@
         <p:nvSpPr>
           <p:cNvPr id="2" name="Slide Image Placeholder 1"/>
           <p:cNvSpPr>
-            <a:spLocks noGrp="1"/>
+            <a:spLocks noGrp="1" noRot="1" noChangeAspect="1"/>
           </p:cNvSpPr>
           <p:nvPr>
             <p:ph type="sldImg" idx="2"/>
@@ -1016,7 +1023,7 @@
             <a:spLocks noGrp="1"/>
           </p:cNvSpPr>
           <p:nvPr>
-            <p:ph type="body" idx="3" sz="quarter"/>
+            <p:ph type="body" sz="quarter" idx="3"/>
           </p:nvPr>
         </p:nvSpPr>
         <p:spPr/>
@@ -1025,7 +1032,7 @@
           <a:lstStyle/>
           <a:p>
             <a:r>
-              <a:t>Technology-First Symptome: Hype-Driven Development, Solution looking for a problem, Architecture Astronauts, Over-Engineering. Warum passiert das? Techniker denken technisch, Marketing macht Technologie sexy, CV-Driven Development, Komplexität wirkt professionell.</a:t>
+              <a:t>Das Grundproblem: Es gab KEIN fachliches Problem, das diese Technologien gelöst hätten. Finanzdaten sind RELATIONAL - NoSQL passte nicht zur Fachlichkeit.</a:t>
             </a:r>
           </a:p>
         </p:txBody>
@@ -1037,7 +1044,7 @@
             <a:spLocks noGrp="1"/>
           </p:cNvSpPr>
           <p:nvPr>
-            <p:ph type="sldNum" idx="5" sz="quarter"/>
+            <p:ph type="sldNum" sz="quarter" idx="5"/>
           </p:nvPr>
         </p:nvSpPr>
         <p:spPr/>
@@ -1051,7 +1058,7 @@
 </file>
 
 <file path=ppt/notesSlides/notesSlide17.xml><?xml version="1.0" encoding="utf-8"?>
-<p:notes xmlns:a="http://schemas.openxmlformats.org/drawingml/2006/main" xmlns:p="http://schemas.openxmlformats.org/presentationml/2006/main" xmlns:r="http://schemas.openxmlformats.org/officeDocument/2006/relationships">
+<p:notes xmlns:a="http://schemas.openxmlformats.org/drawingml/2006/main" xmlns:r="http://schemas.openxmlformats.org/officeDocument/2006/relationships" xmlns:p="http://schemas.openxmlformats.org/presentationml/2006/main">
   <p:cSld>
     <p:spTree>
       <p:nvGrpSpPr>
@@ -1071,7 +1078,7 @@
         <p:nvSpPr>
           <p:cNvPr id="2" name="Slide Image Placeholder 1"/>
           <p:cNvSpPr>
-            <a:spLocks noGrp="1"/>
+            <a:spLocks noGrp="1" noRot="1" noChangeAspect="1"/>
           </p:cNvSpPr>
           <p:nvPr>
             <p:ph type="sldImg" idx="2"/>
@@ -1086,7 +1093,7 @@
             <a:spLocks noGrp="1"/>
           </p:cNvSpPr>
           <p:nvPr>
-            <p:ph type="body" idx="3" sz="quarter"/>
+            <p:ph type="body" sz="quarter" idx="3"/>
           </p:nvPr>
         </p:nvSpPr>
         <p:spPr/>
@@ -1095,7 +1102,7 @@
           <a:lstStyle/>
           <a:p>
             <a:r>
-              <a:t>Das Grundproblem: Es gab KEIN fachliches Problem, das diese Technologien gelöst hätten. Finanzdaten sind RELATIONAL - NoSQL passte nicht zur Fachlichkeit.</a:t>
+              <a:t>DDD-Grundgedanke nach Eric Evans: "The heart of software is its ability to solve domain-related problems for its user. All other concerns should be subordinated." Technology-First führt zu Over-Engineering und unpassenden Lösungen.</a:t>
             </a:r>
           </a:p>
         </p:txBody>
@@ -1107,7 +1114,7 @@
             <a:spLocks noGrp="1"/>
           </p:cNvSpPr>
           <p:nvPr>
-            <p:ph type="sldNum" idx="5" sz="quarter"/>
+            <p:ph type="sldNum" sz="quarter" idx="5"/>
           </p:nvPr>
         </p:nvSpPr>
         <p:spPr/>
@@ -1121,7 +1128,7 @@
 </file>
 
 <file path=ppt/notesSlides/notesSlide18.xml><?xml version="1.0" encoding="utf-8"?>
-<p:notes xmlns:a="http://schemas.openxmlformats.org/drawingml/2006/main" xmlns:p="http://schemas.openxmlformats.org/presentationml/2006/main" xmlns:r="http://schemas.openxmlformats.org/officeDocument/2006/relationships">
+<p:notes xmlns:a="http://schemas.openxmlformats.org/drawingml/2006/main" xmlns:r="http://schemas.openxmlformats.org/officeDocument/2006/relationships" xmlns:p="http://schemas.openxmlformats.org/presentationml/2006/main">
   <p:cSld>
     <p:spTree>
       <p:nvGrpSpPr>
@@ -1141,7 +1148,7 @@
         <p:nvSpPr>
           <p:cNvPr id="2" name="Slide Image Placeholder 1"/>
           <p:cNvSpPr>
-            <a:spLocks noGrp="1"/>
+            <a:spLocks noGrp="1" noRot="1" noChangeAspect="1"/>
           </p:cNvSpPr>
           <p:nvPr>
             <p:ph type="sldImg" idx="2"/>
@@ -1156,7 +1163,7 @@
             <a:spLocks noGrp="1"/>
           </p:cNvSpPr>
           <p:nvPr>
-            <p:ph type="body" idx="3" sz="quarter"/>
+            <p:ph type="body" sz="quarter" idx="3"/>
           </p:nvPr>
         </p:nvSpPr>
         <p:spPr/>
@@ -1165,7 +1172,7 @@
           <a:lstStyle/>
           <a:p>
             <a:r>
-              <a:t>DDD-Grundgedanke nach Eric Evans: "The heart of software is its ability to solve domain-related problems for its user. All other concerns should be subordinated." Technology-First führt zu Over-Engineering und unpassenden Lösungen.</a:t>
+              <a:t>Warnsignale für Technology-First: "Das ist modern/trendy", "Das macht Netflix auch", "Das steht in meinem Lebenslauf gut". Die richtigen Fragen: "Welches fachliche Problem löst das?", "Was sind unsere spezifischen Anforderungen?"</a:t>
             </a:r>
           </a:p>
         </p:txBody>
@@ -1177,7 +1184,7 @@
             <a:spLocks noGrp="1"/>
           </p:cNvSpPr>
           <p:nvPr>
-            <p:ph type="sldNum" idx="5" sz="quarter"/>
+            <p:ph type="sldNum" sz="quarter" idx="5"/>
           </p:nvPr>
         </p:nvSpPr>
         <p:spPr/>
@@ -1191,7 +1198,7 @@
 </file>
 
 <file path=ppt/notesSlides/notesSlide19.xml><?xml version="1.0" encoding="utf-8"?>
-<p:notes xmlns:a="http://schemas.openxmlformats.org/drawingml/2006/main" xmlns:p="http://schemas.openxmlformats.org/presentationml/2006/main" xmlns:r="http://schemas.openxmlformats.org/officeDocument/2006/relationships">
+<p:notes xmlns:a="http://schemas.openxmlformats.org/drawingml/2006/main" xmlns:r="http://schemas.openxmlformats.org/officeDocument/2006/relationships" xmlns:p="http://schemas.openxmlformats.org/presentationml/2006/main">
   <p:cSld>
     <p:spTree>
       <p:nvGrpSpPr>
@@ -1211,7 +1218,7 @@
         <p:nvSpPr>
           <p:cNvPr id="2" name="Slide Image Placeholder 1"/>
           <p:cNvSpPr>
-            <a:spLocks noGrp="1"/>
+            <a:spLocks noGrp="1" noRot="1" noChangeAspect="1"/>
           </p:cNvSpPr>
           <p:nvPr>
             <p:ph type="sldImg" idx="2"/>
@@ -1226,7 +1233,7 @@
             <a:spLocks noGrp="1"/>
           </p:cNvSpPr>
           <p:nvPr>
-            <p:ph type="body" idx="3" sz="quarter"/>
+            <p:ph type="body" sz="quarter" idx="3"/>
           </p:nvPr>
         </p:nvSpPr>
         <p:spPr/>
@@ -1235,7 +1242,7 @@
           <a:lstStyle/>
           <a:p>
             <a:r>
-              <a:t>Warnsignale für Technology-First: "Das ist modern/trendy", "Das macht Netflix auch", "Das steht in meinem Lebenslauf gut". Die richtigen Fragen: "Welches fachliche Problem löst das?", "Was sind unsere spezifischen Anforderungen?"</a:t>
+              <a:t>Alexanders Erkenntnis: "Each pattern describes a problem which occurs over and over again, and then describes the core of the solution." GoF erkannten: Erfahrene Entwickler nutzen bewährte Lösungen, wiederkehrende Probleme haben wiederkehrende Lösungen.</a:t>
             </a:r>
           </a:p>
         </p:txBody>
@@ -1247,7 +1254,7 @@
             <a:spLocks noGrp="1"/>
           </p:cNvSpPr>
           <p:nvPr>
-            <p:ph type="sldNum" idx="5" sz="quarter"/>
+            <p:ph type="sldNum" sz="quarter" idx="5"/>
           </p:nvPr>
         </p:nvSpPr>
         <p:spPr/>
@@ -1261,7 +1268,7 @@
 </file>
 
 <file path=ppt/notesSlides/notesSlide2.xml><?xml version="1.0" encoding="utf-8"?>
-<p:notes xmlns:a="http://schemas.openxmlformats.org/drawingml/2006/main" xmlns:p="http://schemas.openxmlformats.org/presentationml/2006/main" xmlns:r="http://schemas.openxmlformats.org/officeDocument/2006/relationships">
+<p:notes xmlns:a="http://schemas.openxmlformats.org/drawingml/2006/main" xmlns:r="http://schemas.openxmlformats.org/officeDocument/2006/relationships" xmlns:p="http://schemas.openxmlformats.org/presentationml/2006/main">
   <p:cSld>
     <p:spTree>
       <p:nvGrpSpPr>
@@ -1281,7 +1288,7 @@
         <p:nvSpPr>
           <p:cNvPr id="2" name="Slide Image Placeholder 1"/>
           <p:cNvSpPr>
-            <a:spLocks noGrp="1"/>
+            <a:spLocks noGrp="1" noRot="1" noChangeAspect="1"/>
           </p:cNvSpPr>
           <p:nvPr>
             <p:ph type="sldImg" idx="2"/>
@@ -1296,7 +1303,7 @@
             <a:spLocks noGrp="1"/>
           </p:cNvSpPr>
           <p:nvPr>
-            <p:ph type="body" idx="3" sz="quarter"/>
+            <p:ph type="body" sz="quarter" idx="3"/>
           </p:nvPr>
         </p:nvSpPr>
         <p:spPr/>
@@ -1317,7 +1324,7 @@
             <a:spLocks noGrp="1"/>
           </p:cNvSpPr>
           <p:nvPr>
-            <p:ph type="sldNum" idx="5" sz="quarter"/>
+            <p:ph type="sldNum" sz="quarter" idx="5"/>
           </p:nvPr>
         </p:nvSpPr>
         <p:spPr/>
@@ -1331,7 +1338,7 @@
 </file>
 
 <file path=ppt/notesSlides/notesSlide20.xml><?xml version="1.0" encoding="utf-8"?>
-<p:notes xmlns:a="http://schemas.openxmlformats.org/drawingml/2006/main" xmlns:p="http://schemas.openxmlformats.org/presentationml/2006/main" xmlns:r="http://schemas.openxmlformats.org/officeDocument/2006/relationships">
+<p:notes xmlns:a="http://schemas.openxmlformats.org/drawingml/2006/main" xmlns:r="http://schemas.openxmlformats.org/officeDocument/2006/relationships" xmlns:p="http://schemas.openxmlformats.org/presentationml/2006/main">
   <p:cSld>
     <p:spTree>
       <p:nvGrpSpPr>
@@ -1351,7 +1358,7 @@
         <p:nvSpPr>
           <p:cNvPr id="2" name="Slide Image Placeholder 1"/>
           <p:cNvSpPr>
-            <a:spLocks noGrp="1"/>
+            <a:spLocks noGrp="1" noRot="1" noChangeAspect="1"/>
           </p:cNvSpPr>
           <p:nvPr>
             <p:ph type="sldImg" idx="2"/>
@@ -1366,7 +1373,7 @@
             <a:spLocks noGrp="1"/>
           </p:cNvSpPr>
           <p:nvPr>
-            <p:ph type="body" idx="3" sz="quarter"/>
+            <p:ph type="body" sz="quarter" idx="3"/>
           </p:nvPr>
         </p:nvSpPr>
         <p:spPr/>
@@ -1375,7 +1382,7 @@
           <a:lstStyle/>
           <a:p>
             <a:r>
-              <a:t>Alexanders Erkenntnis: "Each pattern describes a problem which occurs over and over again, and then describes the core of the solution." GoF erkannten: Erfahrene Entwickler nutzen bewährte Lösungen, wiederkehrende Probleme haben wiederkehrende Lösungen.</a:t>
+              <a:t>Kommunikationsverbesserung: Vorher: "Wir brauchen eine Klasse, die andere Klassen erzeugt..." Nachher: "Wir nutzen Factory Pattern". Team-Kommunikation wird effizienter, neue Teammitglieder verstehen Design schneller.</a:t>
             </a:r>
           </a:p>
         </p:txBody>
@@ -1387,7 +1394,7 @@
             <a:spLocks noGrp="1"/>
           </p:cNvSpPr>
           <p:nvPr>
-            <p:ph type="sldNum" idx="5" sz="quarter"/>
+            <p:ph type="sldNum" sz="quarter" idx="5"/>
           </p:nvPr>
         </p:nvSpPr>
         <p:spPr/>
@@ -1401,7 +1408,7 @@
 </file>
 
 <file path=ppt/notesSlides/notesSlide21.xml><?xml version="1.0" encoding="utf-8"?>
-<p:notes xmlns:a="http://schemas.openxmlformats.org/drawingml/2006/main" xmlns:p="http://schemas.openxmlformats.org/presentationml/2006/main" xmlns:r="http://schemas.openxmlformats.org/officeDocument/2006/relationships">
+<p:notes xmlns:a="http://schemas.openxmlformats.org/drawingml/2006/main" xmlns:r="http://schemas.openxmlformats.org/officeDocument/2006/relationships" xmlns:p="http://schemas.openxmlformats.org/presentationml/2006/main">
   <p:cSld>
     <p:spTree>
       <p:nvGrpSpPr>
@@ -1421,7 +1428,7 @@
         <p:nvSpPr>
           <p:cNvPr id="2" name="Slide Image Placeholder 1"/>
           <p:cNvSpPr>
-            <a:spLocks noGrp="1"/>
+            <a:spLocks noGrp="1" noRot="1" noChangeAspect="1"/>
           </p:cNvSpPr>
           <p:nvPr>
             <p:ph type="sldImg" idx="2"/>
@@ -1436,7 +1443,7 @@
             <a:spLocks noGrp="1"/>
           </p:cNvSpPr>
           <p:nvPr>
-            <p:ph type="body" idx="3" sz="quarter"/>
+            <p:ph type="body" sz="quarter" idx="3"/>
           </p:nvPr>
         </p:nvSpPr>
         <p:spPr/>
@@ -1445,7 +1452,7 @@
           <a:lstStyle/>
           <a:p>
             <a:r>
-              <a:t>Kommunikationsverbesserung: Vorher: "Wir brauchen eine Klasse, die andere Klassen erzeugt..." Nachher: "Wir nutzen Factory Pattern". Team-Kommunikation wird effizienter, neue Teammitglieder verstehen Design schneller.</a:t>
+              <a:t>Golden Hammer vermeiden: "Ich habe einen Hammer, alles sieht aus wie ein Nagel". Pattern Overload: 20 Patterns für 5 Klassen. Wichtige Fragen: Haben wir wirklich das Problem? Ist es komplex genug für ein Pattern?</a:t>
             </a:r>
           </a:p>
         </p:txBody>
@@ -1457,7 +1464,7 @@
             <a:spLocks noGrp="1"/>
           </p:cNvSpPr>
           <p:nvPr>
-            <p:ph type="sldNum" idx="5" sz="quarter"/>
+            <p:ph type="sldNum" sz="quarter" idx="5"/>
           </p:nvPr>
         </p:nvSpPr>
         <p:spPr/>
@@ -1471,7 +1478,7 @@
 </file>
 
 <file path=ppt/notesSlides/notesSlide22.xml><?xml version="1.0" encoding="utf-8"?>
-<p:notes xmlns:a="http://schemas.openxmlformats.org/drawingml/2006/main" xmlns:p="http://schemas.openxmlformats.org/presentationml/2006/main" xmlns:r="http://schemas.openxmlformats.org/officeDocument/2006/relationships">
+<p:notes xmlns:a="http://schemas.openxmlformats.org/drawingml/2006/main" xmlns:r="http://schemas.openxmlformats.org/officeDocument/2006/relationships" xmlns:p="http://schemas.openxmlformats.org/presentationml/2006/main">
   <p:cSld>
     <p:spTree>
       <p:nvGrpSpPr>
@@ -1491,7 +1498,7 @@
         <p:nvSpPr>
           <p:cNvPr id="2" name="Slide Image Placeholder 1"/>
           <p:cNvSpPr>
-            <a:spLocks noGrp="1"/>
+            <a:spLocks noGrp="1" noRot="1" noChangeAspect="1"/>
           </p:cNvSpPr>
           <p:nvPr>
             <p:ph type="sldImg" idx="2"/>
@@ -1506,7 +1513,7 @@
             <a:spLocks noGrp="1"/>
           </p:cNvSpPr>
           <p:nvPr>
-            <p:ph type="body" idx="3" sz="quarter"/>
+            <p:ph type="body" sz="quarter" idx="3"/>
           </p:nvPr>
         </p:nvSpPr>
         <p:spPr/>
@@ -1515,7 +1522,7 @@
           <a:lstStyle/>
           <a:p>
             <a:r>
-              <a:t>Golden Hammer vermeiden: "Ich habe einen Hammer, alles sieht aus wie ein Nagel". Pattern Overload: 20 Patterns für 5 Klassen. Wichtige Fragen: Haben wir wirklich das Problem? Ist es komplex genug für ein Pattern?</a:t>
+              <a:t>Was Refactoring NICHT ist: Bugfixes, neue Features, Performance-Optimierung, Rewrite. Refactoring ist kontinuierlich, nicht ein einmaliges Event.</a:t>
             </a:r>
           </a:p>
         </p:txBody>
@@ -1527,7 +1534,7 @@
             <a:spLocks noGrp="1"/>
           </p:cNvSpPr>
           <p:nvPr>
-            <p:ph type="sldNum" idx="5" sz="quarter"/>
+            <p:ph type="sldNum" sz="quarter" idx="5"/>
           </p:nvPr>
         </p:nvSpPr>
         <p:spPr/>
@@ -1541,7 +1548,7 @@
 </file>
 
 <file path=ppt/notesSlides/notesSlide23.xml><?xml version="1.0" encoding="utf-8"?>
-<p:notes xmlns:a="http://schemas.openxmlformats.org/drawingml/2006/main" xmlns:p="http://schemas.openxmlformats.org/presentationml/2006/main" xmlns:r="http://schemas.openxmlformats.org/officeDocument/2006/relationships">
+<p:notes xmlns:a="http://schemas.openxmlformats.org/drawingml/2006/main" xmlns:r="http://schemas.openxmlformats.org/officeDocument/2006/relationships" xmlns:p="http://schemas.openxmlformats.org/presentationml/2006/main">
   <p:cSld>
     <p:spTree>
       <p:nvGrpSpPr>
@@ -1561,7 +1568,7 @@
         <p:nvSpPr>
           <p:cNvPr id="2" name="Slide Image Placeholder 1"/>
           <p:cNvSpPr>
-            <a:spLocks noGrp="1"/>
+            <a:spLocks noGrp="1" noRot="1" noChangeAspect="1"/>
           </p:cNvSpPr>
           <p:nvPr>
             <p:ph type="sldImg" idx="2"/>
@@ -1576,7 +1583,7 @@
             <a:spLocks noGrp="1"/>
           </p:cNvSpPr>
           <p:nvPr>
-            <p:ph type="body" idx="3" sz="quarter"/>
+            <p:ph type="body" sz="quarter" idx="3"/>
           </p:nvPr>
         </p:nvSpPr>
         <p:spPr/>
@@ -1585,7 +1592,7 @@
           <a:lstStyle/>
           <a:p>
             <a:r>
-              <a:t>Was Refactoring NICHT ist: Bugfixes, neue Features, Performance-Optimierung, Rewrite. Refactoring ist kontinuierlich, nicht ein einmaliges Event.</a:t>
+              <a:t>Boy Scout Aktionen: temp → elapsedTimeInDays, 7 → DAYS_PER_WEEK, Duplicate Code extrahieren, Unused Code entfernen, Kommentare durch self-documenting code ersetzen.</a:t>
             </a:r>
           </a:p>
         </p:txBody>
@@ -1597,7 +1604,7 @@
             <a:spLocks noGrp="1"/>
           </p:cNvSpPr>
           <p:nvPr>
-            <p:ph type="sldNum" idx="5" sz="quarter"/>
+            <p:ph type="sldNum" sz="quarter" idx="5"/>
           </p:nvPr>
         </p:nvSpPr>
         <p:spPr/>
@@ -1611,7 +1618,7 @@
 </file>
 
 <file path=ppt/notesSlides/notesSlide24.xml><?xml version="1.0" encoding="utf-8"?>
-<p:notes xmlns:a="http://schemas.openxmlformats.org/drawingml/2006/main" xmlns:p="http://schemas.openxmlformats.org/presentationml/2006/main" xmlns:r="http://schemas.openxmlformats.org/officeDocument/2006/relationships">
+<p:notes xmlns:a="http://schemas.openxmlformats.org/drawingml/2006/main" xmlns:r="http://schemas.openxmlformats.org/officeDocument/2006/relationships" xmlns:p="http://schemas.openxmlformats.org/presentationml/2006/main">
   <p:cSld>
     <p:spTree>
       <p:nvGrpSpPr>
@@ -1631,7 +1638,7 @@
         <p:nvSpPr>
           <p:cNvPr id="2" name="Slide Image Placeholder 1"/>
           <p:cNvSpPr>
-            <a:spLocks noGrp="1"/>
+            <a:spLocks noGrp="1" noRot="1" noChangeAspect="1"/>
           </p:cNvSpPr>
           <p:nvPr>
             <p:ph type="sldImg" idx="2"/>
@@ -1646,7 +1653,7 @@
             <a:spLocks noGrp="1"/>
           </p:cNvSpPr>
           <p:nvPr>
-            <p:ph type="body" idx="3" sz="quarter"/>
+            <p:ph type="body" sz="quarter" idx="3"/>
           </p:nvPr>
         </p:nvSpPr>
         <p:spPr/>
@@ -1655,7 +1662,7 @@
           <a:lstStyle/>
           <a:p>
             <a:r>
-              <a:t>Boy Scout Aktionen: temp → elapsedTimeInDays, 7 → DAYS_PER_WEEK, Duplicate Code extrahieren, Unused Code entfernen, Kommentare durch self-documenting code ersetzen.</a:t>
+              <a:t>Gute Refactoring-Zeitpunkte: Sprint Planning, Bug-Fixing mit Boy Scout Rule, Code Reviews, Technische Stories. "Make the change easy, then make the easy change."</a:t>
             </a:r>
           </a:p>
         </p:txBody>
@@ -1667,7 +1674,7 @@
             <a:spLocks noGrp="1"/>
           </p:cNvSpPr>
           <p:nvPr>
-            <p:ph type="sldNum" idx="5" sz="quarter"/>
+            <p:ph type="sldNum" sz="quarter" idx="5"/>
           </p:nvPr>
         </p:nvSpPr>
         <p:spPr/>
@@ -1681,7 +1688,7 @@
 </file>
 
 <file path=ppt/notesSlides/notesSlide25.xml><?xml version="1.0" encoding="utf-8"?>
-<p:notes xmlns:a="http://schemas.openxmlformats.org/drawingml/2006/main" xmlns:p="http://schemas.openxmlformats.org/presentationml/2006/main" xmlns:r="http://schemas.openxmlformats.org/officeDocument/2006/relationships">
+<p:notes xmlns:a="http://schemas.openxmlformats.org/drawingml/2006/main" xmlns:r="http://schemas.openxmlformats.org/officeDocument/2006/relationships" xmlns:p="http://schemas.openxmlformats.org/presentationml/2006/main">
   <p:cSld>
     <p:spTree>
       <p:nvGrpSpPr>
@@ -1701,7 +1708,7 @@
         <p:nvSpPr>
           <p:cNvPr id="2" name="Slide Image Placeholder 1"/>
           <p:cNvSpPr>
-            <a:spLocks noGrp="1"/>
+            <a:spLocks noGrp="1" noRot="1" noChangeAspect="1"/>
           </p:cNvSpPr>
           <p:nvPr>
             <p:ph type="sldImg" idx="2"/>
@@ -1716,7 +1723,7 @@
             <a:spLocks noGrp="1"/>
           </p:cNvSpPr>
           <p:nvPr>
-            <p:ph type="body" idx="3" sz="quarter"/>
+            <p:ph type="body" sz="quarter" idx="3"/>
           </p:nvPr>
         </p:nvSpPr>
         <p:spPr/>
@@ -1725,7 +1732,7 @@
           <a:lstStyle/>
           <a:p>
             <a:r>
-              <a:t>Gute Refactoring-Zeitpunkte: Sprint Planning, Bug-Fixing mit Boy Scout Rule, Code Reviews, Technische Stories. "Make the change easy, then make the easy change."</a:t>
+              <a:t>Häufige Refactoring-Patterns: Extract Method (Long Method aufteilen), Replace Magic Number with Named Constant. Enterprise-Kontext: Legacy Systems extra vorsichtig, Live Systems graduelle Änderungen.</a:t>
             </a:r>
           </a:p>
         </p:txBody>
@@ -1737,7 +1744,7 @@
             <a:spLocks noGrp="1"/>
           </p:cNvSpPr>
           <p:nvPr>
-            <p:ph type="sldNum" idx="5" sz="quarter"/>
+            <p:ph type="sldNum" sz="quarter" idx="5"/>
           </p:nvPr>
         </p:nvSpPr>
         <p:spPr/>
@@ -1751,7 +1758,7 @@
 </file>
 
 <file path=ppt/notesSlides/notesSlide26.xml><?xml version="1.0" encoding="utf-8"?>
-<p:notes xmlns:a="http://schemas.openxmlformats.org/drawingml/2006/main" xmlns:p="http://schemas.openxmlformats.org/presentationml/2006/main" xmlns:r="http://schemas.openxmlformats.org/officeDocument/2006/relationships">
+<p:notes xmlns:a="http://schemas.openxmlformats.org/drawingml/2006/main" xmlns:r="http://schemas.openxmlformats.org/officeDocument/2006/relationships" xmlns:p="http://schemas.openxmlformats.org/presentationml/2006/main">
   <p:cSld>
     <p:spTree>
       <p:nvGrpSpPr>
@@ -1771,7 +1778,7 @@
         <p:nvSpPr>
           <p:cNvPr id="2" name="Slide Image Placeholder 1"/>
           <p:cNvSpPr>
-            <a:spLocks noGrp="1"/>
+            <a:spLocks noGrp="1" noRot="1" noChangeAspect="1"/>
           </p:cNvSpPr>
           <p:nvPr>
             <p:ph type="sldImg" idx="2"/>
@@ -1786,7 +1793,7 @@
             <a:spLocks noGrp="1"/>
           </p:cNvSpPr>
           <p:nvPr>
-            <p:ph type="body" idx="3" sz="quarter"/>
+            <p:ph type="body" sz="quarter" idx="3"/>
           </p:nvPr>
         </p:nvSpPr>
         <p:spPr/>
@@ -1795,7 +1802,7 @@
           <a:lstStyle/>
           <a:p>
             <a:r>
-              <a:t>Häufige Refactoring-Patterns: Extract Method (Long Method aufteilen), Replace Magic Number with Named Constant. Enterprise-Kontext: Legacy Systems extra vorsichtig, Live Systems graduelle Änderungen.</a:t>
+              <a:t>Beispiel Strategy Pattern: Ein if-else → zweites if-else → Duplikation reduzieren → drittes ähnliches Pattern → "Das ist Strategy Pattern!" → Refactoring zu Strategy Pattern. Tests sind essenziell für sicheres Refactoring.</a:t>
             </a:r>
           </a:p>
         </p:txBody>
@@ -1807,7 +1814,7 @@
             <a:spLocks noGrp="1"/>
           </p:cNvSpPr>
           <p:nvPr>
-            <p:ph type="sldNum" idx="5" sz="quarter"/>
+            <p:ph type="sldNum" sz="quarter" idx="5"/>
           </p:nvPr>
         </p:nvSpPr>
         <p:spPr/>
@@ -1820,8 +1827,8 @@
 </p:notes>
 </file>
 
-<file path=ppt/notesSlides/notesSlide27.xml><?xml version="1.0" encoding="utf-8"?>
-<p:notes xmlns:a="http://schemas.openxmlformats.org/drawingml/2006/main" xmlns:p="http://schemas.openxmlformats.org/presentationml/2006/main" xmlns:r="http://schemas.openxmlformats.org/officeDocument/2006/relationships">
+<file path=ppt/notesSlides/notesSlide3.xml><?xml version="1.0" encoding="utf-8"?>
+<p:notes xmlns:a="http://schemas.openxmlformats.org/drawingml/2006/main" xmlns:r="http://schemas.openxmlformats.org/officeDocument/2006/relationships" xmlns:p="http://schemas.openxmlformats.org/presentationml/2006/main">
   <p:cSld>
     <p:spTree>
       <p:nvGrpSpPr>
@@ -1841,7 +1848,7 @@
         <p:nvSpPr>
           <p:cNvPr id="2" name="Slide Image Placeholder 1"/>
           <p:cNvSpPr>
-            <a:spLocks noGrp="1"/>
+            <a:spLocks noGrp="1" noRot="1" noChangeAspect="1"/>
           </p:cNvSpPr>
           <p:nvPr>
             <p:ph type="sldImg" idx="2"/>
@@ -1856,7 +1863,7 @@
             <a:spLocks noGrp="1"/>
           </p:cNvSpPr>
           <p:nvPr>
-            <p:ph type="body" idx="3" sz="quarter"/>
+            <p:ph type="body" sz="quarter" idx="3"/>
           </p:nvPr>
         </p:nvSpPr>
         <p:spPr/>
@@ -1865,7 +1872,7 @@
           <a:lstStyle/>
           <a:p>
             <a:r>
-              <a:t>Beispiel Strategy Pattern: Ein if-else → zweites if-else → Duplikation reduzieren → drittes ähnliches Pattern → "Das ist Strategy Pattern!" → Refactoring zu Strategy Pattern. Tests sind essenziell für sicheres Refactoring.</a:t>
+              <a:t>Praktische Anwendungsfälle: Legacy-System Integration, Service-Erweiterungen, API-Vereinfachung und hierarchische Strukturen. Lernziele: Legacy-Integration meistern, flexible Erweiterungen implementieren, Komplexität kapseln, Hierarchien elegant modellieren.</a:t>
             </a:r>
           </a:p>
         </p:txBody>
@@ -1877,7 +1884,7 @@
             <a:spLocks noGrp="1"/>
           </p:cNvSpPr>
           <p:nvPr>
-            <p:ph type="sldNum" idx="5" sz="quarter"/>
+            <p:ph type="sldNum" sz="quarter" idx="5"/>
           </p:nvPr>
         </p:nvSpPr>
         <p:spPr/>
@@ -1890,8 +1897,8 @@
 </p:notes>
 </file>
 
-<file path=ppt/notesSlides/notesSlide28.xml><?xml version="1.0" encoding="utf-8"?>
-<p:notes xmlns:a="http://schemas.openxmlformats.org/drawingml/2006/main" xmlns:p="http://schemas.openxmlformats.org/presentationml/2006/main" xmlns:r="http://schemas.openxmlformats.org/officeDocument/2006/relationships">
+<file path=ppt/notesSlides/notesSlide4.xml><?xml version="1.0" encoding="utf-8"?>
+<p:notes xmlns:a="http://schemas.openxmlformats.org/drawingml/2006/main" xmlns:r="http://schemas.openxmlformats.org/officeDocument/2006/relationships" xmlns:p="http://schemas.openxmlformats.org/presentationml/2006/main">
   <p:cSld>
     <p:spTree>
       <p:nvGrpSpPr>
@@ -1911,7 +1918,7 @@
         <p:nvSpPr>
           <p:cNvPr id="2" name="Slide Image Placeholder 1"/>
           <p:cNvSpPr>
-            <a:spLocks noGrp="1"/>
+            <a:spLocks noGrp="1" noRot="1" noChangeAspect="1"/>
           </p:cNvSpPr>
           <p:nvPr>
             <p:ph type="sldImg" idx="2"/>
@@ -1926,7 +1933,7 @@
             <a:spLocks noGrp="1"/>
           </p:cNvSpPr>
           <p:nvPr>
-            <p:ph type="body" idx="3" sz="quarter"/>
+            <p:ph type="body" sz="quarter" idx="3"/>
           </p:nvPr>
         </p:nvSpPr>
         <p:spPr/>
@@ -1935,7 +1942,7 @@
           <a:lstStyle/>
           <a:p>
             <a:r>
-              <a:t>Lassen Sie jeden Teilnehmer sein Ziel formulieren - wir kommen am Ende darauf zurück! Mit diesem Refactoring-Mindset sind wir bereit - wir wissen jetzt, dass wir Patterns durch evolutionäre Verbesserung entdecken.</a:t>
+              <a:t>Praktische Anwendungsfälle: Event-Systeme, Algorithmus-Varianten, API-Operations und Workflow-States. Lernziele: Lose Kopplung durch Events, Algorithmen flexibel gestalten, Undo/Redo implementieren, State Machines beherrschen.</a:t>
             </a:r>
           </a:p>
         </p:txBody>
@@ -1947,7 +1954,7 @@
             <a:spLocks noGrp="1"/>
           </p:cNvSpPr>
           <p:nvPr>
-            <p:ph type="sldNum" idx="5" sz="quarter"/>
+            <p:ph type="sldNum" sz="quarter" idx="5"/>
           </p:nvPr>
         </p:nvSpPr>
         <p:spPr/>
@@ -1960,8 +1967,8 @@
 </p:notes>
 </file>
 
-<file path=ppt/notesSlides/notesSlide3.xml><?xml version="1.0" encoding="utf-8"?>
-<p:notes xmlns:a="http://schemas.openxmlformats.org/drawingml/2006/main" xmlns:p="http://schemas.openxmlformats.org/presentationml/2006/main" xmlns:r="http://schemas.openxmlformats.org/officeDocument/2006/relationships">
+<file path=ppt/notesSlides/notesSlide5.xml><?xml version="1.0" encoding="utf-8"?>
+<p:notes xmlns:a="http://schemas.openxmlformats.org/drawingml/2006/main" xmlns:r="http://schemas.openxmlformats.org/officeDocument/2006/relationships" xmlns:p="http://schemas.openxmlformats.org/presentationml/2006/main">
   <p:cSld>
     <p:spTree>
       <p:nvGrpSpPr>
@@ -1981,7 +1988,7 @@
         <p:nvSpPr>
           <p:cNvPr id="2" name="Slide Image Placeholder 1"/>
           <p:cNvSpPr>
-            <a:spLocks noGrp="1"/>
+            <a:spLocks noGrp="1" noRot="1" noChangeAspect="1"/>
           </p:cNvSpPr>
           <p:nvPr>
             <p:ph type="sldImg" idx="2"/>
@@ -1996,7 +2003,7 @@
             <a:spLocks noGrp="1"/>
           </p:cNvSpPr>
           <p:nvPr>
-            <p:ph type="body" idx="3" sz="quarter"/>
+            <p:ph type="body" sz="quarter" idx="3"/>
           </p:nvPr>
         </p:nvSpPr>
         <p:spPr/>
@@ -2005,7 +2012,7 @@
           <a:lstStyle/>
           <a:p>
             <a:r>
-              <a:t>Praktische Anwendungsfälle: Legacy-System Integration, Service-Erweiterungen, API-Vereinfachung und hierarchische Strukturen. Lernziele: Legacy-Integration meistern, flexible Erweiterungen implementieren, Komplexität kapseln, Hierarchien elegant modellieren.</a:t>
+              <a:t>Lernziele: Enterprise-Architektur implementieren, Datenzugriff professionell abstrahieren, UI-Logik sauber trennen, komplexe Workflows koordinieren. Diese Patterns sind essentiell für skalierbare Enterprise-Anwendungen.</a:t>
             </a:r>
           </a:p>
         </p:txBody>
@@ -2017,7 +2024,7 @@
             <a:spLocks noGrp="1"/>
           </p:cNvSpPr>
           <p:nvPr>
-            <p:ph type="sldNum" idx="5" sz="quarter"/>
+            <p:ph type="sldNum" sz="quarter" idx="5"/>
           </p:nvPr>
         </p:nvSpPr>
         <p:spPr/>
@@ -2030,8 +2037,8 @@
 </p:notes>
 </file>
 
-<file path=ppt/notesSlides/notesSlide4.xml><?xml version="1.0" encoding="utf-8"?>
-<p:notes xmlns:a="http://schemas.openxmlformats.org/drawingml/2006/main" xmlns:p="http://schemas.openxmlformats.org/presentationml/2006/main" xmlns:r="http://schemas.openxmlformats.org/officeDocument/2006/relationships">
+<file path=ppt/notesSlides/notesSlide6.xml><?xml version="1.0" encoding="utf-8"?>
+<p:notes xmlns:a="http://schemas.openxmlformats.org/drawingml/2006/main" xmlns:r="http://schemas.openxmlformats.org/officeDocument/2006/relationships" xmlns:p="http://schemas.openxmlformats.org/presentationml/2006/main">
   <p:cSld>
     <p:spTree>
       <p:nvGrpSpPr>
@@ -2051,7 +2058,7 @@
         <p:nvSpPr>
           <p:cNvPr id="2" name="Slide Image Placeholder 1"/>
           <p:cNvSpPr>
-            <a:spLocks noGrp="1"/>
+            <a:spLocks noGrp="1" noRot="1" noChangeAspect="1"/>
           </p:cNvSpPr>
           <p:nvPr>
             <p:ph type="sldImg" idx="2"/>
@@ -2066,7 +2073,7 @@
             <a:spLocks noGrp="1"/>
           </p:cNvSpPr>
           <p:nvPr>
-            <p:ph type="body" idx="3" sz="quarter"/>
+            <p:ph type="body" sz="quarter" idx="3"/>
           </p:nvPr>
         </p:nvSpPr>
         <p:spPr/>
@@ -2075,7 +2082,7 @@
           <a:lstStyle/>
           <a:p>
             <a:r>
-              <a:t>Praktische Anwendungsfälle: Event-Systeme, Algorithmus-Varianten, API-Operations und Workflow-States. Lernziele: Lose Kopplung durch Events, Algorithmen flexibel gestalten, Undo/Redo implementieren, State Machines beherrschen.</a:t>
+              <a:t>Grund für diese Beschränkung: GoF Patterns sind zeitlos und fundamental, Prinzipien gelten für alle Technologien, lieber wenige Patterns richtig verstehen, jeden Tag praktische Übungen. Fokus behalten und Übertragbarkeit sicherstellen.</a:t>
             </a:r>
           </a:p>
         </p:txBody>
@@ -2087,7 +2094,7 @@
             <a:spLocks noGrp="1"/>
           </p:cNvSpPr>
           <p:nvPr>
-            <p:ph type="sldNum" idx="5" sz="quarter"/>
+            <p:ph type="sldNum" sz="quarter" idx="5"/>
           </p:nvPr>
         </p:nvSpPr>
         <p:spPr/>
@@ -2100,8 +2107,8 @@
 </p:notes>
 </file>
 
-<file path=ppt/notesSlides/notesSlide5.xml><?xml version="1.0" encoding="utf-8"?>
-<p:notes xmlns:a="http://schemas.openxmlformats.org/drawingml/2006/main" xmlns:p="http://schemas.openxmlformats.org/presentationml/2006/main" xmlns:r="http://schemas.openxmlformats.org/officeDocument/2006/relationships">
+<file path=ppt/notesSlides/notesSlide7.xml><?xml version="1.0" encoding="utf-8"?>
+<p:notes xmlns:a="http://schemas.openxmlformats.org/drawingml/2006/main" xmlns:r="http://schemas.openxmlformats.org/officeDocument/2006/relationships" xmlns:p="http://schemas.openxmlformats.org/presentationml/2006/main">
   <p:cSld>
     <p:spTree>
       <p:nvGrpSpPr>
@@ -2121,7 +2128,7 @@
         <p:nvSpPr>
           <p:cNvPr id="2" name="Slide Image Placeholder 1"/>
           <p:cNvSpPr>
-            <a:spLocks noGrp="1"/>
+            <a:spLocks noGrp="1" noRot="1" noChangeAspect="1"/>
           </p:cNvSpPr>
           <p:nvPr>
             <p:ph type="sldImg" idx="2"/>
@@ -2136,7 +2143,7 @@
             <a:spLocks noGrp="1"/>
           </p:cNvSpPr>
           <p:nvPr>
-            <p:ph type="body" idx="3" sz="quarter"/>
+            <p:ph type="body" sz="quarter" idx="3"/>
           </p:nvPr>
         </p:nvSpPr>
         <p:spPr/>
@@ -2145,7 +2152,7 @@
           <a:lstStyle/>
           <a:p>
             <a:r>
-              <a:t>Lernziele: Enterprise-Architektur implementieren, Datenzugriff professionell abstrahieren, UI-Logik sauber trennen, komplexe Workflows koordinieren. Diese Patterns sind essentiell für skalierbare Enterprise-Anwendungen.</a:t>
+              <a:t>Nach dem Workshop können Sie GoF-Patterns in konkreten Problemkontexten anwenden, pattern-basierte Refactoring-Strategien entwickeln, Architektur-Entscheidungen mit Patterns begründen, Clean Code Prinzipien mit Pattern-Design verbinden.</a:t>
             </a:r>
           </a:p>
         </p:txBody>
@@ -2157,7 +2164,7 @@
             <a:spLocks noGrp="1"/>
           </p:cNvSpPr>
           <p:nvPr>
-            <p:ph type="sldNum" idx="5" sz="quarter"/>
+            <p:ph type="sldNum" sz="quarter" idx="5"/>
           </p:nvPr>
         </p:nvSpPr>
         <p:spPr/>
@@ -2170,8 +2177,8 @@
 </p:notes>
 </file>
 
-<file path=ppt/notesSlides/notesSlide6.xml><?xml version="1.0" encoding="utf-8"?>
-<p:notes xmlns:a="http://schemas.openxmlformats.org/drawingml/2006/main" xmlns:p="http://schemas.openxmlformats.org/presentationml/2006/main" xmlns:r="http://schemas.openxmlformats.org/officeDocument/2006/relationships">
+<file path=ppt/notesSlides/notesSlide8.xml><?xml version="1.0" encoding="utf-8"?>
+<p:notes xmlns:a="http://schemas.openxmlformats.org/drawingml/2006/main" xmlns:r="http://schemas.openxmlformats.org/officeDocument/2006/relationships" xmlns:p="http://schemas.openxmlformats.org/presentationml/2006/main">
   <p:cSld>
     <p:spTree>
       <p:nvGrpSpPr>
@@ -2191,7 +2198,7 @@
         <p:nvSpPr>
           <p:cNvPr id="2" name="Slide Image Placeholder 1"/>
           <p:cNvSpPr>
-            <a:spLocks noGrp="1"/>
+            <a:spLocks noGrp="1" noRot="1" noChangeAspect="1"/>
           </p:cNvSpPr>
           <p:nvPr>
             <p:ph type="sldImg" idx="2"/>
@@ -2206,7 +2213,7 @@
             <a:spLocks noGrp="1"/>
           </p:cNvSpPr>
           <p:nvPr>
-            <p:ph type="body" idx="3" sz="quarter"/>
+            <p:ph type="body" sz="quarter" idx="3"/>
           </p:nvPr>
         </p:nvSpPr>
         <p:spPr/>
@@ -2215,7 +2222,7 @@
           <a:lstStyle/>
           <a:p>
             <a:r>
-              <a:t>Grund für diese Beschränkung: GoF Patterns sind zeitlos und fundamental, Prinzipien gelten für alle Technologien, lieber wenige Patterns richtig verstehen, jeden Tag praktische Übungen. Fokus behalten und Übertragbarkeit sicherstellen.</a:t>
+              <a:t>Diese Regeln fördern aktive Teilnahme und effektiven Wissensaustausch. Der Workshop lebt von Interaktion und praktischen Diskussionen.</a:t>
             </a:r>
           </a:p>
         </p:txBody>
@@ -2227,7 +2234,7 @@
             <a:spLocks noGrp="1"/>
           </p:cNvSpPr>
           <p:nvPr>
-            <p:ph type="sldNum" idx="5" sz="quarter"/>
+            <p:ph type="sldNum" sz="quarter" idx="5"/>
           </p:nvPr>
         </p:nvSpPr>
         <p:spPr/>
@@ -2240,8 +2247,8 @@
 </p:notes>
 </file>
 
-<file path=ppt/notesSlides/notesSlide7.xml><?xml version="1.0" encoding="utf-8"?>
-<p:notes xmlns:a="http://schemas.openxmlformats.org/drawingml/2006/main" xmlns:p="http://schemas.openxmlformats.org/presentationml/2006/main" xmlns:r="http://schemas.openxmlformats.org/officeDocument/2006/relationships">
+<file path=ppt/notesSlides/notesSlide9.xml><?xml version="1.0" encoding="utf-8"?>
+<p:notes xmlns:a="http://schemas.openxmlformats.org/drawingml/2006/main" xmlns:r="http://schemas.openxmlformats.org/officeDocument/2006/relationships" xmlns:p="http://schemas.openxmlformats.org/presentationml/2006/main">
   <p:cSld>
     <p:spTree>
       <p:nvGrpSpPr>
@@ -2261,7 +2268,7 @@
         <p:nvSpPr>
           <p:cNvPr id="2" name="Slide Image Placeholder 1"/>
           <p:cNvSpPr>
-            <a:spLocks noGrp="1"/>
+            <a:spLocks noGrp="1" noRot="1" noChangeAspect="1"/>
           </p:cNvSpPr>
           <p:nvPr>
             <p:ph type="sldImg" idx="2"/>
@@ -2276,7 +2283,7 @@
             <a:spLocks noGrp="1"/>
           </p:cNvSpPr>
           <p:nvPr>
-            <p:ph type="body" idx="3" sz="quarter"/>
+            <p:ph type="body" sz="quarter" idx="3"/>
           </p:nvPr>
         </p:nvSpPr>
         <p:spPr/>
@@ -2285,7 +2292,7 @@
           <a:lstStyle/>
           <a:p>
             <a:r>
-              <a:t>Nach dem Workshop können Sie GoF-Patterns in konkreten Problemkontexten anwenden, pattern-basierte Refactoring-Strategien entwickeln, Architektur-Entscheidungen mit Patterns begründen, Clean Code Prinzipien mit Pattern-Design verbinden.</a:t>
+              <a:t>Diese Definitionen zeigen verschiedene Perspektiven auf Software-Architektur. Gemeinsame Erkenntnisse: Struktur (Organisation der Software), Entscheidungen (wichtige Design-Entscheidungen), Beziehungen (Zusammenhänge), Kosten (spätere Änderbarkeit), Kommunikation (Vermittlung des Designs).</a:t>
             </a:r>
           </a:p>
         </p:txBody>
@@ -2297,147 +2304,7 @@
             <a:spLocks noGrp="1"/>
           </p:cNvSpPr>
           <p:nvPr>
-            <p:ph type="sldNum" idx="5" sz="quarter"/>
-          </p:nvPr>
-        </p:nvSpPr>
-        <p:spPr/>
-      </p:sp>
-    </p:spTree>
-  </p:cSld>
-  <p:clrMapOvr>
-    <a:masterClrMapping/>
-  </p:clrMapOvr>
-</p:notes>
-</file>
-
-<file path=ppt/notesSlides/notesSlide8.xml><?xml version="1.0" encoding="utf-8"?>
-<p:notes xmlns:a="http://schemas.openxmlformats.org/drawingml/2006/main" xmlns:p="http://schemas.openxmlformats.org/presentationml/2006/main" xmlns:r="http://schemas.openxmlformats.org/officeDocument/2006/relationships">
-  <p:cSld>
-    <p:spTree>
-      <p:nvGrpSpPr>
-        <p:cNvPr id="1" name=""/>
-        <p:cNvGrpSpPr/>
-        <p:nvPr/>
-      </p:nvGrpSpPr>
-      <p:grpSpPr>
-        <a:xfrm>
-          <a:off x="0" y="0"/>
-          <a:ext cx="0" cy="0"/>
-          <a:chOff x="0" y="0"/>
-          <a:chExt cx="0" cy="0"/>
-        </a:xfrm>
-      </p:grpSpPr>
-      <p:sp>
-        <p:nvSpPr>
-          <p:cNvPr id="2" name="Slide Image Placeholder 1"/>
-          <p:cNvSpPr>
-            <a:spLocks noGrp="1"/>
-          </p:cNvSpPr>
-          <p:nvPr>
-            <p:ph type="sldImg" idx="2"/>
-          </p:nvPr>
-        </p:nvSpPr>
-        <p:spPr/>
-      </p:sp>
-      <p:sp>
-        <p:nvSpPr>
-          <p:cNvPr id="3" name="Notes Placeholder 2"/>
-          <p:cNvSpPr>
-            <a:spLocks noGrp="1"/>
-          </p:cNvSpPr>
-          <p:nvPr>
-            <p:ph type="body" idx="3" sz="quarter"/>
-          </p:nvPr>
-        </p:nvSpPr>
-        <p:spPr/>
-        <p:txBody>
-          <a:bodyPr/>
-          <a:lstStyle/>
-          <a:p>
-            <a:r>
-              <a:t>Was wir bereitstellen: Vollständige Code-Beispiele für alle Patterns, Enterprise-typische Use Cases, Refactoring-Challenges, Pattern-Spickzettel als Nachschlagewerk.</a:t>
-            </a:r>
-          </a:p>
-        </p:txBody>
-      </p:sp>
-      <p:sp>
-        <p:nvSpPr>
-          <p:cNvPr id="4" name="Slide Number Placeholder 3"/>
-          <p:cNvSpPr>
-            <a:spLocks noGrp="1"/>
-          </p:cNvSpPr>
-          <p:nvPr>
-            <p:ph type="sldNum" idx="5" sz="quarter"/>
-          </p:nvPr>
-        </p:nvSpPr>
-        <p:spPr/>
-      </p:sp>
-    </p:spTree>
-  </p:cSld>
-  <p:clrMapOvr>
-    <a:masterClrMapping/>
-  </p:clrMapOvr>
-</p:notes>
-</file>
-
-<file path=ppt/notesSlides/notesSlide9.xml><?xml version="1.0" encoding="utf-8"?>
-<p:notes xmlns:a="http://schemas.openxmlformats.org/drawingml/2006/main" xmlns:p="http://schemas.openxmlformats.org/presentationml/2006/main" xmlns:r="http://schemas.openxmlformats.org/officeDocument/2006/relationships">
-  <p:cSld>
-    <p:spTree>
-      <p:nvGrpSpPr>
-        <p:cNvPr id="1" name=""/>
-        <p:cNvGrpSpPr/>
-        <p:nvPr/>
-      </p:nvGrpSpPr>
-      <p:grpSpPr>
-        <a:xfrm>
-          <a:off x="0" y="0"/>
-          <a:ext cx="0" cy="0"/>
-          <a:chOff x="0" y="0"/>
-          <a:chExt cx="0" cy="0"/>
-        </a:xfrm>
-      </p:grpSpPr>
-      <p:sp>
-        <p:nvSpPr>
-          <p:cNvPr id="2" name="Slide Image Placeholder 1"/>
-          <p:cNvSpPr>
-            <a:spLocks noGrp="1"/>
-          </p:cNvSpPr>
-          <p:nvPr>
-            <p:ph type="sldImg" idx="2"/>
-          </p:nvPr>
-        </p:nvSpPr>
-        <p:spPr/>
-      </p:sp>
-      <p:sp>
-        <p:nvSpPr>
-          <p:cNvPr id="3" name="Notes Placeholder 2"/>
-          <p:cNvSpPr>
-            <a:spLocks noGrp="1"/>
-          </p:cNvSpPr>
-          <p:nvPr>
-            <p:ph type="body" idx="3" sz="quarter"/>
-          </p:nvPr>
-        </p:nvSpPr>
-        <p:spPr/>
-        <p:txBody>
-          <a:bodyPr/>
-          <a:lstStyle/>
-          <a:p>
-            <a:r>
-              <a:t>Diese Regeln fördern aktive Teilnahme und effektiven Wissensaustausch. Der Workshop lebt von Interaktion und praktischen Diskussionen.</a:t>
-            </a:r>
-          </a:p>
-        </p:txBody>
-      </p:sp>
-      <p:sp>
-        <p:nvSpPr>
-          <p:cNvPr id="4" name="Slide Number Placeholder 3"/>
-          <p:cNvSpPr>
-            <a:spLocks noGrp="1"/>
-          </p:cNvSpPr>
-          <p:nvPr>
-            <p:ph type="sldNum" idx="5" sz="quarter"/>
+            <p:ph type="sldNum" sz="quarter" idx="5"/>
           </p:nvPr>
         </p:nvSpPr>
         <p:spPr/>
@@ -6593,7 +6460,7 @@
 </file>
 
 <file path=ppt/slides/slide1.xml><?xml version="1.0" encoding="utf-8"?>
-<p:sld xmlns:a="http://schemas.openxmlformats.org/drawingml/2006/main" xmlns:p="http://schemas.openxmlformats.org/presentationml/2006/main" xmlns:r="http://schemas.openxmlformats.org/officeDocument/2006/relationships">
+<p:sld xmlns:a="http://schemas.openxmlformats.org/drawingml/2006/main" xmlns:r="http://schemas.openxmlformats.org/officeDocument/2006/relationships" xmlns:p="http://schemas.openxmlformats.org/presentationml/2006/main">
   <p:cSld>
     <p:spTree>
       <p:nvGrpSpPr>
@@ -6601,7 +6468,14 @@
         <p:cNvGrpSpPr/>
         <p:nvPr/>
       </p:nvGrpSpPr>
-      <p:grpSpPr/>
+      <p:grpSpPr>
+        <a:xfrm>
+          <a:off x="0" y="0"/>
+          <a:ext cx="0" cy="0"/>
+          <a:chOff x="0" y="0"/>
+          <a:chExt cx="0" cy="0"/>
+        </a:xfrm>
+      </p:grpSpPr>
       <p:sp>
         <p:nvSpPr>
           <p:cNvPr id="2" name="Title 1"/>
@@ -6618,7 +6492,7 @@
           <a:lstStyle/>
           <a:p>
             <a:r>
-              <a:t>Design Patterns Workshop - Einführungsblock</a:t>
+              <a:t>Design Patterns Workshop</a:t>
             </a:r>
           </a:p>
         </p:txBody>
@@ -6639,7 +6513,7 @@
           <a:lstStyle/>
           <a:p>
             <a:r>
-              <a:t>Design Patterns Workshop</a:t>
+              <a:t>Einführungsblock</a:t>
             </a:r>
           </a:p>
         </p:txBody>
@@ -6653,7 +6527,7 @@
 </file>
 
 <file path=ppt/slides/slide10.xml><?xml version="1.0" encoding="utf-8"?>
-<p:sld xmlns:a="http://schemas.openxmlformats.org/drawingml/2006/main" xmlns:p="http://schemas.openxmlformats.org/presentationml/2006/main" xmlns:r="http://schemas.openxmlformats.org/officeDocument/2006/relationships">
+<p:sld xmlns:a="http://schemas.openxmlformats.org/drawingml/2006/main" xmlns:r="http://schemas.openxmlformats.org/officeDocument/2006/relationships" xmlns:p="http://schemas.openxmlformats.org/presentationml/2006/main">
   <p:cSld>
     <p:spTree>
       <p:nvGrpSpPr>
@@ -6661,7 +6535,14 @@
         <p:cNvGrpSpPr/>
         <p:nvPr/>
       </p:nvGrpSpPr>
-      <p:grpSpPr/>
+      <p:grpSpPr>
+        <a:xfrm>
+          <a:off x="0" y="0"/>
+          <a:ext cx="0" cy="0"/>
+          <a:chOff x="0" y="0"/>
+          <a:chExt cx="0" cy="0"/>
+        </a:xfrm>
+      </p:grpSpPr>
       <p:sp>
         <p:nvSpPr>
           <p:cNvPr id="2" name="Title 1"/>
@@ -6678,7 +6559,7 @@
           <a:lstStyle/>
           <a:p>
             <a:r>
-              <a:t>Workshop-Regeln</a:t>
+              <a:t>Praktische Organisation</a:t>
             </a:r>
           </a:p>
         </p:txBody>
@@ -6690,48 +6571,77 @@
             <a:spLocks noGrp="1"/>
           </p:cNvSpPr>
           <p:nvPr>
-            <p:ph idx="1"/>
+            <p:ph sz="half" idx="1"/>
           </p:nvPr>
         </p:nvSpPr>
         <p:spPr/>
         <p:txBody>
           <a:bodyPr/>
           <a:lstStyle/>
-          <a:p/>
-          <a:p>
-            <a:pPr/>
-            <a:r>
-              <a:t>Zusammenarbeit</a:t>
-            </a:r>
-          </a:p>
-          <a:p>
-            <a:pPr/>
-            <a:r>
-              <a:t>Fragen jederzeit - Unterbrechungen sind erwünscht</a:t>
-            </a:r>
-          </a:p>
-          <a:p>
-            <a:pPr/>
-            <a:r>
-              <a:t>Handy stumm - aber für Code-Recherche gerne nutzen</a:t>
-            </a:r>
-          </a:p>
-          <a:p>
-            <a:pPr/>
-            <a:r>
-              <a:t>Kamera an bei Remote-Teilnahme</a:t>
-            </a:r>
-          </a:p>
-          <a:p>
-            <a:pPr/>
-            <a:r>
-              <a:t>Code teilen - Github Repository für alle</a:t>
-            </a:r>
-          </a:p>
-          <a:p>
-            <a:pPr/>
-            <a:r>
-              <a:t>Feedback geben - täglich kurze Retro</a:t>
+          <a:p>
+            <a:r>
+              <a:t>Was Sie mitbringen sollten:</a:t>
+            </a:r>
+          </a:p>
+          <a:p>
+            <a:r>
+              <a:t>Laptop mit Java 11+ und IDE (IntelliJ/Eclipse)</a:t>
+            </a:r>
+          </a:p>
+          <a:p>
+            <a:r>
+              <a:t>Git für Code-Austausch</a:t>
+            </a:r>
+          </a:p>
+          <a:p>
+            <a:r>
+              <a:t>Offenheit für neue Perspektiven</a:t>
+            </a:r>
+          </a:p>
+          <a:p>
+            <a:r>
+              <a:t>Eigene Code-Beispiele (wenn möglich)</a:t>
+            </a:r>
+          </a:p>
+        </p:txBody>
+      </p:sp>
+      <p:sp>
+        <p:nvSpPr>
+          <p:cNvPr id="4" name="Content Placeholder 3"/>
+          <p:cNvSpPr>
+            <a:spLocks noGrp="1"/>
+          </p:cNvSpPr>
+          <p:nvPr>
+            <p:ph sz="half" idx="2"/>
+          </p:nvPr>
+        </p:nvSpPr>
+        <p:spPr/>
+        <p:txBody>
+          <a:bodyPr/>
+          <a:lstStyle/>
+          <a:p>
+            <a:r>
+              <a:t>Was wir bereitstellen:</a:t>
+            </a:r>
+          </a:p>
+          <a:p>
+            <a:r>
+              <a:t>Vollständige Code-Beispiele für alle Patterns</a:t>
+            </a:r>
+          </a:p>
+          <a:p>
+            <a:r>
+              <a:t>Enterprise-typische Use Cases</a:t>
+            </a:r>
+          </a:p>
+          <a:p>
+            <a:r>
+              <a:t>Refactoring-Challenges</a:t>
+            </a:r>
+          </a:p>
+          <a:p>
+            <a:r>
+              <a:t>Pattern-Spickzettel als Nachschlagewerk</a:t>
             </a:r>
           </a:p>
         </p:txBody>
@@ -6745,7 +6655,7 @@
 </file>
 
 <file path=ppt/slides/slide11.xml><?xml version="1.0" encoding="utf-8"?>
-<p:sld xmlns:a="http://schemas.openxmlformats.org/drawingml/2006/main" xmlns:p="http://schemas.openxmlformats.org/presentationml/2006/main" xmlns:r="http://schemas.openxmlformats.org/officeDocument/2006/relationships">
+<p:sld xmlns:a="http://schemas.openxmlformats.org/drawingml/2006/main" xmlns:r="http://schemas.openxmlformats.org/officeDocument/2006/relationships" xmlns:p="http://schemas.openxmlformats.org/presentationml/2006/main">
   <p:cSld>
     <p:spTree>
       <p:nvGrpSpPr>
@@ -6753,7 +6663,14 @@
         <p:cNvGrpSpPr/>
         <p:nvPr/>
       </p:nvGrpSpPr>
-      <p:grpSpPr/>
+      <p:grpSpPr>
+        <a:xfrm>
+          <a:off x="0" y="0"/>
+          <a:ext cx="0" cy="0"/>
+          <a:chOff x="0" y="0"/>
+          <a:chExt cx="0" cy="0"/>
+        </a:xfrm>
+      </p:grpSpPr>
       <p:sp>
         <p:nvSpPr>
           <p:cNvPr id="2" name="Title 1"/>
@@ -6770,7 +6687,7 @@
           <a:lstStyle/>
           <a:p>
             <a:r>
-              <a:t>Was ist Software-Architektur?</a:t>
+              <a:t>Workshop-Regeln - Zusammenarbeit</a:t>
             </a:r>
           </a:p>
         </p:txBody>
@@ -6789,35 +6706,29 @@
         <p:txBody>
           <a:bodyPr/>
           <a:lstStyle/>
-          <a:p/>
-          <a:p>
-            <a:pPr/>
-            <a:r>
-              <a:t>Verschiedene Definitionen</a:t>
-            </a:r>
-          </a:p>
-          <a:p>
-            <a:pPr/>
-            <a:r>
-              <a:t>IEEE 1471: "Grundlegende Organisation eines Systems durch Komponenten und deren Beziehungen"</a:t>
-            </a:r>
-          </a:p>
-          <a:p>
-            <a:pPr/>
-            <a:r>
-              <a:t>Martin Fowler: "Architecture is about the important stuff. Whatever that is."</a:t>
-            </a:r>
-          </a:p>
-          <a:p>
-            <a:pPr/>
-            <a:r>
-              <a:t>Grady Booch: "Signifikante Design-Entscheidungen, gemessen an Änderungskosten"</a:t>
-            </a:r>
-          </a:p>
-          <a:p>
-            <a:pPr/>
-            <a:r>
-              <a:t>Simon Brown: "Struktur und Vision für gemeinsames Verständnis"</a:t>
+          <a:p>
+            <a:r>
+              <a:t>Fragen jederzeit - Unterbrechungen sind erwünscht</a:t>
+            </a:r>
+          </a:p>
+          <a:p>
+            <a:r>
+              <a:t>Handy stumm - aber für Code-Recherche gerne nutzen</a:t>
+            </a:r>
+          </a:p>
+          <a:p>
+            <a:r>
+              <a:t>Kamera an bei Remote-Teilnahme</a:t>
+            </a:r>
+          </a:p>
+          <a:p>
+            <a:r>
+              <a:t>Code teilen - Github Repository für alle</a:t>
+            </a:r>
+          </a:p>
+          <a:p>
+            <a:r>
+              <a:t>Feedback geben - täglich kurze Retro</a:t>
             </a:r>
           </a:p>
         </p:txBody>
@@ -6831,7 +6742,7 @@
 </file>
 
 <file path=ppt/slides/slide12.xml><?xml version="1.0" encoding="utf-8"?>
-<p:sld xmlns:a="http://schemas.openxmlformats.org/drawingml/2006/main" xmlns:p="http://schemas.openxmlformats.org/presentationml/2006/main" xmlns:r="http://schemas.openxmlformats.org/officeDocument/2006/relationships">
+<p:sld xmlns:a="http://schemas.openxmlformats.org/drawingml/2006/main" xmlns:r="http://schemas.openxmlformats.org/officeDocument/2006/relationships" xmlns:p="http://schemas.openxmlformats.org/presentationml/2006/main">
   <p:cSld>
     <p:spTree>
       <p:nvGrpSpPr>
@@ -6839,7 +6750,14 @@
         <p:cNvGrpSpPr/>
         <p:nvPr/>
       </p:nvGrpSpPr>
-      <p:grpSpPr/>
+      <p:grpSpPr>
+        <a:xfrm>
+          <a:off x="0" y="0"/>
+          <a:ext cx="0" cy="0"/>
+          <a:chOff x="0" y="0"/>
+          <a:chExt cx="0" cy="0"/>
+        </a:xfrm>
+      </p:grpSpPr>
       <p:sp>
         <p:nvSpPr>
           <p:cNvPr id="2" name="Title 1"/>
@@ -6847,7 +6765,7 @@
             <a:spLocks noGrp="1"/>
           </p:cNvSpPr>
           <p:nvPr>
-            <p:ph type="title"/>
+            <p:ph type="ctrTitle"/>
           </p:nvPr>
         </p:nvSpPr>
         <p:spPr/>
@@ -6856,36 +6774,28 @@
           <a:lstStyle/>
           <a:p>
             <a:r>
-              <a:t>Arbeitsdefinition für diesen Workshop</a:t>
-            </a:r>
-          </a:p>
-        </p:txBody>
-      </p:sp>
-      <p:sp>
-        <p:nvSpPr>
-          <p:cNvPr id="3" name="Content Placeholder 2"/>
-          <p:cNvSpPr>
-            <a:spLocks noGrp="1"/>
-          </p:cNvSpPr>
-          <p:nvPr>
-            <p:ph idx="1"/>
+              <a:t>Software-Architektur</a:t>
+            </a:r>
+          </a:p>
+        </p:txBody>
+      </p:sp>
+      <p:sp>
+        <p:nvSpPr>
+          <p:cNvPr id="3" name="Subtitle 2"/>
+          <p:cNvSpPr>
+            <a:spLocks noGrp="1"/>
+          </p:cNvSpPr>
+          <p:nvPr>
+            <p:ph type="subTitle" idx="1"/>
           </p:nvPr>
         </p:nvSpPr>
         <p:spPr/>
         <p:txBody>
           <a:bodyPr/>
           <a:lstStyle/>
-          <a:p/>
-          <a:p>
-            <a:pPr/>
-            <a:r>
-              <a:t>Unser gemeinsames Verständnis</a:t>
-            </a:r>
-          </a:p>
-          <a:p>
-            <a:pPr/>
-            <a:r>
-              <a:t>&gt; Software-Architektur ist die Kunst, wichtige Designentscheidungen zu treffen, die die Struktur, das Verhalten und die Evolution eines Systems bestimmen - mit dem Ziel, fachliche Anforderungen optimal zu erfüllen.</a:t>
+          <a:p>
+            <a:r>
+              <a:t>Grundlagen und Definition</a:t>
             </a:r>
           </a:p>
         </p:txBody>
@@ -6899,7 +6809,7 @@
 </file>
 
 <file path=ppt/slides/slide13.xml><?xml version="1.0" encoding="utf-8"?>
-<p:sld xmlns:a="http://schemas.openxmlformats.org/drawingml/2006/main" xmlns:p="http://schemas.openxmlformats.org/presentationml/2006/main" xmlns:r="http://schemas.openxmlformats.org/officeDocument/2006/relationships">
+<p:sld xmlns:a="http://schemas.openxmlformats.org/drawingml/2006/main" xmlns:r="http://schemas.openxmlformats.org/officeDocument/2006/relationships" xmlns:p="http://schemas.openxmlformats.org/presentationml/2006/main">
   <p:cSld>
     <p:spTree>
       <p:nvGrpSpPr>
@@ -6907,7 +6817,14 @@
         <p:cNvGrpSpPr/>
         <p:nvPr/>
       </p:nvGrpSpPr>
-      <p:grpSpPr/>
+      <p:grpSpPr>
+        <a:xfrm>
+          <a:off x="0" y="0"/>
+          <a:ext cx="0" cy="0"/>
+          <a:chOff x="0" y="0"/>
+          <a:chExt cx="0" cy="0"/>
+        </a:xfrm>
+      </p:grpSpPr>
       <p:sp>
         <p:nvSpPr>
           <p:cNvPr id="2" name="Title 1"/>
@@ -6924,7 +6841,7 @@
           <a:lstStyle/>
           <a:p>
             <a:r>
-              <a:t>Enterprise-Kontext</a:t>
+              <a:t>Was ist Software-Architektur? - Verschiedene Definitionen</a:t>
             </a:r>
           </a:p>
         </p:txBody>
@@ -6943,41 +6860,24 @@
         <p:txBody>
           <a:bodyPr/>
           <a:lstStyle/>
-          <a:p/>
-          <a:p>
-            <a:pPr/>
-            <a:r>
-              <a:t>Besonderheiten in großen Unternehmen</a:t>
-            </a:r>
-          </a:p>
-          <a:p>
-            <a:pPr/>
-            <a:r>
-              <a:t>Legacy-Systeme: Jahrzehntealte Systeme, die noch laufen müssen</a:t>
-            </a:r>
-          </a:p>
-          <a:p>
-            <a:pPr/>
-            <a:r>
-              <a:t>Regulatorische Anforderungen: DSGVO, Compliance-Standards</a:t>
-            </a:r>
-          </a:p>
-          <a:p>
-            <a:pPr/>
-            <a:r>
-              <a:t>Hochverfügbarkeit: 99.9%+ Uptime-Anforderungen</a:t>
-            </a:r>
-          </a:p>
-          <a:p>
-            <a:pPr/>
-            <a:r>
-              <a:t>Skalierung: Millionen von Benutzern, große Datenmengen</a:t>
-            </a:r>
-          </a:p>
-          <a:p>
-            <a:pPr/>
-            <a:r>
-              <a:t>Sicherheit: Kritische Geschäftsdaten, Cyber-Security</a:t>
+          <a:p>
+            <a:r>
+              <a:t>IEEE 1471: "Grundlegende Organisation eines Systems durch Komponenten und deren Beziehungen"</a:t>
+            </a:r>
+          </a:p>
+          <a:p>
+            <a:r>
+              <a:t>Martin Fowler: "Architecture is about the important stuff. Whatever that is."</a:t>
+            </a:r>
+          </a:p>
+          <a:p>
+            <a:r>
+              <a:t>Grady Booch: "Signifikante Design-Entscheidungen, gemessen an Änderungskosten"</a:t>
+            </a:r>
+          </a:p>
+          <a:p>
+            <a:r>
+              <a:t>Simon Brown: "Struktur und Vision für gemeinsames Verständnis"</a:t>
             </a:r>
           </a:p>
         </p:txBody>
@@ -6991,7 +6891,7 @@
 </file>
 
 <file path=ppt/slides/slide14.xml><?xml version="1.0" encoding="utf-8"?>
-<p:sld xmlns:a="http://schemas.openxmlformats.org/drawingml/2006/main" xmlns:p="http://schemas.openxmlformats.org/presentationml/2006/main" xmlns:r="http://schemas.openxmlformats.org/officeDocument/2006/relationships">
+<p:sld xmlns:a="http://schemas.openxmlformats.org/drawingml/2006/main" xmlns:r="http://schemas.openxmlformats.org/officeDocument/2006/relationships" xmlns:p="http://schemas.openxmlformats.org/presentationml/2006/main">
   <p:cSld>
     <p:spTree>
       <p:nvGrpSpPr>
@@ -6999,7 +6899,14 @@
         <p:cNvGrpSpPr/>
         <p:nvPr/>
       </p:nvGrpSpPr>
-      <p:grpSpPr/>
+      <p:grpSpPr>
+        <a:xfrm>
+          <a:off x="0" y="0"/>
+          <a:ext cx="0" cy="0"/>
+          <a:chOff x="0" y="0"/>
+          <a:chExt cx="0" cy="0"/>
+        </a:xfrm>
+      </p:grpSpPr>
       <p:sp>
         <p:nvSpPr>
           <p:cNvPr id="2" name="Title 1"/>
@@ -7016,7 +6923,7 @@
           <a:lstStyle/>
           <a:p>
             <a:r>
-              <a:t>Clean Code Grundlagen</a:t>
+              <a:t>Arbeitsdefinition für diesen Workshop - Unser gemeinsames Verständnis</a:t>
             </a:r>
           </a:p>
         </p:txBody>
@@ -7035,41 +6942,9 @@
         <p:txBody>
           <a:bodyPr/>
           <a:lstStyle/>
-          <a:p/>
-          <a:p>
-            <a:pPr/>
-            <a:r>
-              <a:t>Was bedeutet "sauber"?</a:t>
-            </a:r>
-          </a:p>
-          <a:p>
-            <a:pPr/>
-            <a:r>
-              <a:t>Lesbarkeit vor Cleverness</a:t>
-            </a:r>
-          </a:p>
-          <a:p>
-            <a:pPr/>
-            <a:r>
-              <a:t>Eindeutige Namen für Funktionen, Variablen, Boolean</a:t>
-            </a:r>
-          </a:p>
-          <a:p>
-            <a:pPr/>
-            <a:r>
-              <a:t>Kurze Funktionen (Eine Funktion = Ein Gedanke)</a:t>
-            </a:r>
-          </a:p>
-          <a:p>
-            <a:pPr/>
-            <a:r>
-              <a:t>Keine Kommentare, die Code erklären</a:t>
-            </a:r>
-          </a:p>
-          <a:p>
-            <a:pPr/>
-            <a:r>
-              <a:t>Konsistenz in Namenskonventionen und Formatierung</a:t>
+          <a:p>
+            <a:r>
+              <a:t>Software-Architektur ist die Kunst, wichtige Designentscheidungen zu treffen, die die Struktur, das Verhalten und die Evolution eines Systems bestimmen - mit dem Ziel, fachliche Anforderungen optimal zu erfüllen.</a:t>
             </a:r>
           </a:p>
         </p:txBody>
@@ -7083,7 +6958,7 @@
 </file>
 
 <file path=ppt/slides/slide15.xml><?xml version="1.0" encoding="utf-8"?>
-<p:sld xmlns:a="http://schemas.openxmlformats.org/drawingml/2006/main" xmlns:p="http://schemas.openxmlformats.org/presentationml/2006/main" xmlns:r="http://schemas.openxmlformats.org/officeDocument/2006/relationships">
+<p:sld xmlns:a="http://schemas.openxmlformats.org/drawingml/2006/main" xmlns:r="http://schemas.openxmlformats.org/officeDocument/2006/relationships" xmlns:p="http://schemas.openxmlformats.org/presentationml/2006/main">
   <p:cSld>
     <p:spTree>
       <p:nvGrpSpPr>
@@ -7091,7 +6966,14 @@
         <p:cNvGrpSpPr/>
         <p:nvPr/>
       </p:nvGrpSpPr>
-      <p:grpSpPr/>
+      <p:grpSpPr>
+        <a:xfrm>
+          <a:off x="0" y="0"/>
+          <a:ext cx="0" cy="0"/>
+          <a:chOff x="0" y="0"/>
+          <a:chExt cx="0" cy="0"/>
+        </a:xfrm>
+      </p:grpSpPr>
       <p:sp>
         <p:nvSpPr>
           <p:cNvPr id="2" name="Title 1"/>
@@ -7108,7 +6990,7 @@
           <a:lstStyle/>
           <a:p>
             <a:r>
-              <a:t>Software-Lebenszyklus in der Praxis</a:t>
+              <a:t>Enterprise-Kontext - Besonderheiten in großen Unternehmen</a:t>
             </a:r>
           </a:p>
         </p:txBody>
@@ -7127,47 +7009,29 @@
         <p:txBody>
           <a:bodyPr/>
           <a:lstStyle/>
-          <a:p/>
-          <a:p>
-            <a:pPr/>
-            <a:r>
-              <a:t>Kostenverteilung</a:t>
-            </a:r>
-          </a:p>
-          <a:p>
-            <a:pPr/>
-            <a:r>
-              <a:t>Entwicklung: 20% der Gesamtkosten</a:t>
-            </a:r>
-          </a:p>
-          <a:p>
-            <a:pPr/>
-            <a:r>
-              <a:t>Wartung: 80% der Gesamtkosten</a:t>
-            </a:r>
-          </a:p>
-          <a:p>
-            <a:pPr/>
-            <a:r>
-              <a:t>Wartbarkeits-Faktoren</a:t>
-            </a:r>
-          </a:p>
-          <a:p>
-            <a:pPr/>
-            <a:r>
-              <a:t>Verständlichkeit: Kann ich verstehen, was der Code macht?</a:t>
-            </a:r>
-          </a:p>
-          <a:p>
-            <a:pPr/>
-            <a:r>
-              <a:t>Änderbarkeit: Kann ich sicher Änderungen vornehmen?</a:t>
-            </a:r>
-          </a:p>
-          <a:p>
-            <a:pPr/>
-            <a:r>
-              <a:t>Testbarkeit: Kann ich das Verhalten überprüfen?</a:t>
+          <a:p>
+            <a:r>
+              <a:t>Legacy-Systeme: Jahrzehntealte Systeme, die noch laufen müssen</a:t>
+            </a:r>
+          </a:p>
+          <a:p>
+            <a:r>
+              <a:t>Regulatorische Anforderungen: DSGVO, Compliance-Standards</a:t>
+            </a:r>
+          </a:p>
+          <a:p>
+            <a:r>
+              <a:t>Hochverfügbarkeit: 99.9%+ Uptime-Anforderungen</a:t>
+            </a:r>
+          </a:p>
+          <a:p>
+            <a:r>
+              <a:t>Skalierung: Millionen von Benutzern, große Datenmengen</a:t>
+            </a:r>
+          </a:p>
+          <a:p>
+            <a:r>
+              <a:t>Sicherheit: Kritische Geschäftsdaten, Cyber-Security</a:t>
             </a:r>
           </a:p>
         </p:txBody>
@@ -7181,7 +7045,7 @@
 </file>
 
 <file path=ppt/slides/slide16.xml><?xml version="1.0" encoding="utf-8"?>
-<p:sld xmlns:a="http://schemas.openxmlformats.org/drawingml/2006/main" xmlns:p="http://schemas.openxmlformats.org/presentationml/2006/main" xmlns:r="http://schemas.openxmlformats.org/officeDocument/2006/relationships">
+<p:sld xmlns:a="http://schemas.openxmlformats.org/drawingml/2006/main" xmlns:r="http://schemas.openxmlformats.org/officeDocument/2006/relationships" xmlns:p="http://schemas.openxmlformats.org/presentationml/2006/main">
   <p:cSld>
     <p:spTree>
       <p:nvGrpSpPr>
@@ -7189,7 +7053,14 @@
         <p:cNvGrpSpPr/>
         <p:nvPr/>
       </p:nvGrpSpPr>
-      <p:grpSpPr/>
+      <p:grpSpPr>
+        <a:xfrm>
+          <a:off x="0" y="0"/>
+          <a:ext cx="0" cy="0"/>
+          <a:chOff x="0" y="0"/>
+          <a:chExt cx="0" cy="0"/>
+        </a:xfrm>
+      </p:grpSpPr>
       <p:sp>
         <p:nvSpPr>
           <p:cNvPr id="2" name="Title 1"/>
@@ -7197,7 +7068,7 @@
             <a:spLocks noGrp="1"/>
           </p:cNvSpPr>
           <p:nvPr>
-            <p:ph type="title"/>
+            <p:ph type="ctrTitle"/>
           </p:nvPr>
         </p:nvSpPr>
         <p:spPr/>
@@ -7206,60 +7077,28 @@
           <a:lstStyle/>
           <a:p>
             <a:r>
-              <a:t>Technische Schulden</a:t>
-            </a:r>
-          </a:p>
-        </p:txBody>
-      </p:sp>
-      <p:sp>
-        <p:nvSpPr>
-          <p:cNvPr id="3" name="Content Placeholder 2"/>
-          <p:cNvSpPr>
-            <a:spLocks noGrp="1"/>
-          </p:cNvSpPr>
-          <p:nvPr>
-            <p:ph idx="1"/>
+              <a:t>Clean Code</a:t>
+            </a:r>
+          </a:p>
+        </p:txBody>
+      </p:sp>
+      <p:sp>
+        <p:nvSpPr>
+          <p:cNvPr id="3" name="Subtitle 2"/>
+          <p:cNvSpPr>
+            <a:spLocks noGrp="1"/>
+          </p:cNvSpPr>
+          <p:nvPr>
+            <p:ph type="subTitle" idx="1"/>
           </p:nvPr>
         </p:nvSpPr>
         <p:spPr/>
         <p:txBody>
           <a:bodyPr/>
           <a:lstStyle/>
-          <a:p/>
-          <a:p>
-            <a:pPr/>
-            <a:r>
-              <a:t>Definition nach Martin Fowler</a:t>
-            </a:r>
-          </a:p>
-          <a:p>
-            <a:pPr/>
-            <a:r>
-              <a:t>&gt; "Technical debt is a metaphor referring to the eventual consequences of poor system design, software architecture or software development within a codebase."</a:t>
-            </a:r>
-          </a:p>
-          <a:p>
-            <a:pPr/>
-            <a:r>
-              <a:t>Arten technischer Schulden</a:t>
-            </a:r>
-          </a:p>
-          <a:p>
-            <a:pPr/>
-            <a:r>
-              <a:t>Bewusste Schulden: "Quick and dirty, aber nächste Woche aufräumen"</a:t>
-            </a:r>
-          </a:p>
-          <a:p>
-            <a:pPr/>
-            <a:r>
-              <a:t>Unbewusste Schulden: Entstehen durch Unwissen (gefährlichste Art)</a:t>
-            </a:r>
-          </a:p>
-          <a:p>
-            <a:pPr/>
-            <a:r>
-              <a:t>Umwelt-Schulden: Änderung der Anforderungen macht Code obsolet</a:t>
+          <a:p>
+            <a:r>
+              <a:t>Grundlagen für wartbaren Code</a:t>
             </a:r>
           </a:p>
         </p:txBody>
@@ -7273,7 +7112,7 @@
 </file>
 
 <file path=ppt/slides/slide17.xml><?xml version="1.0" encoding="utf-8"?>
-<p:sld xmlns:a="http://schemas.openxmlformats.org/drawingml/2006/main" xmlns:p="http://schemas.openxmlformats.org/presentationml/2006/main" xmlns:r="http://schemas.openxmlformats.org/officeDocument/2006/relationships">
+<p:sld xmlns:a="http://schemas.openxmlformats.org/drawingml/2006/main" xmlns:r="http://schemas.openxmlformats.org/officeDocument/2006/relationships" xmlns:p="http://schemas.openxmlformats.org/presentationml/2006/main">
   <p:cSld>
     <p:spTree>
       <p:nvGrpSpPr>
@@ -7281,7 +7120,14 @@
         <p:cNvGrpSpPr/>
         <p:nvPr/>
       </p:nvGrpSpPr>
-      <p:grpSpPr/>
+      <p:grpSpPr>
+        <a:xfrm>
+          <a:off x="0" y="0"/>
+          <a:ext cx="0" cy="0"/>
+          <a:chOff x="0" y="0"/>
+          <a:chExt cx="0" cy="0"/>
+        </a:xfrm>
+      </p:grpSpPr>
       <p:sp>
         <p:nvSpPr>
           <p:cNvPr id="2" name="Title 1"/>
@@ -7298,7 +7144,7 @@
           <a:lstStyle/>
           <a:p>
             <a:r>
-              <a:t>Fachlichkeit vor Technik</a:t>
+              <a:t>Clean Code Grundlagen - Was bedeutet "sauber"?</a:t>
             </a:r>
           </a:p>
         </p:txBody>
@@ -7317,29 +7163,29 @@
         <p:txBody>
           <a:bodyPr/>
           <a:lstStyle/>
-          <a:p/>
-          <a:p>
-            <a:pPr/>
-            <a:r>
-              <a:t>Das häufigste Anti-Pattern: Technology-First</a:t>
-            </a:r>
-          </a:p>
-          <a:p>
-            <a:pPr/>
-            <a:r>
-              <a:t>"Wir nutzen jetzt Microservices!" - Aber warum?</a:t>
-            </a:r>
-          </a:p>
-          <a:p>
-            <a:pPr/>
-            <a:r>
-              <a:t>"Lass uns auf Kubernetes umsteigen!" - Aber welches Problem löst das?</a:t>
-            </a:r>
-          </a:p>
-          <a:p>
-            <a:pPr/>
-            <a:r>
-              <a:t>"NoSQL ist modern, weg mit der relationalen DB!" - Aber was sind unsere Datenanforderungen?</a:t>
+          <a:p>
+            <a:r>
+              <a:t>Lesbarkeit vor Cleverness</a:t>
+            </a:r>
+          </a:p>
+          <a:p>
+            <a:r>
+              <a:t>Eindeutige Namen für Funktionen, Variablen, Boolean</a:t>
+            </a:r>
+          </a:p>
+          <a:p>
+            <a:r>
+              <a:t>Kurze Funktionen (Eine Funktion = Ein Gedanke)</a:t>
+            </a:r>
+          </a:p>
+          <a:p>
+            <a:r>
+              <a:t>Keine Kommentare, die Code erklären</a:t>
+            </a:r>
+          </a:p>
+          <a:p>
+            <a:r>
+              <a:t>Konsistenz in Namenskonventionen und Formatierung</a:t>
             </a:r>
           </a:p>
         </p:txBody>
@@ -7353,7 +7199,7 @@
 </file>
 
 <file path=ppt/slides/slide18.xml><?xml version="1.0" encoding="utf-8"?>
-<p:sld xmlns:a="http://schemas.openxmlformats.org/drawingml/2006/main" xmlns:p="http://schemas.openxmlformats.org/presentationml/2006/main" xmlns:r="http://schemas.openxmlformats.org/officeDocument/2006/relationships">
+<p:sld xmlns:a="http://schemas.openxmlformats.org/drawingml/2006/main" xmlns:r="http://schemas.openxmlformats.org/officeDocument/2006/relationships" xmlns:p="http://schemas.openxmlformats.org/presentationml/2006/main">
   <p:cSld>
     <p:spTree>
       <p:nvGrpSpPr>
@@ -7361,7 +7207,14 @@
         <p:cNvGrpSpPr/>
         <p:nvPr/>
       </p:nvGrpSpPr>
-      <p:grpSpPr/>
+      <p:grpSpPr>
+        <a:xfrm>
+          <a:off x="0" y="0"/>
+          <a:ext cx="0" cy="0"/>
+          <a:chOff x="0" y="0"/>
+          <a:chExt cx="0" cy="0"/>
+        </a:xfrm>
+      </p:grpSpPr>
       <p:sp>
         <p:nvSpPr>
           <p:cNvPr id="2" name="Title 1"/>
@@ -7378,7 +7231,7 @@
           <a:lstStyle/>
           <a:p>
             <a:r>
-              <a:t>Technology-First Beispiele</a:t>
+              <a:t>Software-Lebenszyklus in der Praxis</a:t>
             </a:r>
           </a:p>
         </p:txBody>
@@ -7390,60 +7243,62 @@
             <a:spLocks noGrp="1"/>
           </p:cNvSpPr>
           <p:nvPr>
-            <p:ph idx="1"/>
+            <p:ph sz="half" idx="1"/>
           </p:nvPr>
         </p:nvSpPr>
         <p:spPr/>
         <p:txBody>
           <a:bodyPr/>
           <a:lstStyle/>
-          <a:p/>
-          <a:p>
-            <a:pPr/>
-            <a:r>
-              <a:t>Der Microservices-Hype</a:t>
-            </a:r>
-          </a:p>
-          <a:p>
-            <a:pPr/>
-            <a:r>
-              <a:t>Problem: Monolith funktioniert gut, aber "Microservices sind modern"</a:t>
-            </a:r>
-          </a:p>
-          <a:p>
-            <a:pPr/>
-            <a:r>
-              <a:t>Entscheidung: Monolith in 20+ Services aufteilen</a:t>
-            </a:r>
-          </a:p>
-          <a:p>
-            <a:pPr/>
-            <a:r>
-              <a:t>Ergebnis: 3x höhere Komplexität, Latenz-Probleme, Debugging-Albtraum</a:t>
-            </a:r>
-          </a:p>
-          <a:p>
-            <a:pPr/>
-            <a:r>
-              <a:t>Die NoSQL-Modernisierung</a:t>
-            </a:r>
-          </a:p>
-          <a:p>
-            <a:pPr/>
-            <a:r>
-              <a:t>Problem: Bewährte relationale DB für Finanzdaten</a:t>
-            </a:r>
-          </a:p>
-          <a:p>
-            <a:pPr/>
-            <a:r>
-              <a:t>Entscheidung: Migration auf Document-Database</a:t>
-            </a:r>
-          </a:p>
-          <a:p>
-            <a:pPr/>
-            <a:r>
-              <a:t>Ergebnis: Datenkonsistenz-Probleme, Migration zurück nach 18 Monaten</a:t>
+          <a:p>
+            <a:r>
+              <a:t>Kostenverteilung:</a:t>
+            </a:r>
+          </a:p>
+          <a:p>
+            <a:r>
+              <a:t>Entwicklung: 20% der Gesamtkosten</a:t>
+            </a:r>
+          </a:p>
+          <a:p>
+            <a:r>
+              <a:t>Wartung: 80% der Gesamtkosten</a:t>
+            </a:r>
+          </a:p>
+        </p:txBody>
+      </p:sp>
+      <p:sp>
+        <p:nvSpPr>
+          <p:cNvPr id="4" name="Content Placeholder 3"/>
+          <p:cNvSpPr>
+            <a:spLocks noGrp="1"/>
+          </p:cNvSpPr>
+          <p:nvPr>
+            <p:ph sz="half" idx="2"/>
+          </p:nvPr>
+        </p:nvSpPr>
+        <p:spPr/>
+        <p:txBody>
+          <a:bodyPr/>
+          <a:lstStyle/>
+          <a:p>
+            <a:r>
+              <a:t>Wartbarkeits-Faktoren:</a:t>
+            </a:r>
+          </a:p>
+          <a:p>
+            <a:r>
+              <a:t>Verständlichkeit: Kann ich verstehen, was der Code macht?</a:t>
+            </a:r>
+          </a:p>
+          <a:p>
+            <a:r>
+              <a:t>Änderbarkeit: Kann ich sicher Änderungen vornehmen?</a:t>
+            </a:r>
+          </a:p>
+          <a:p>
+            <a:r>
+              <a:t>Testbarkeit: Kann ich das Verhalten überprüfen?</a:t>
             </a:r>
           </a:p>
         </p:txBody>
@@ -7457,7 +7312,7 @@
 </file>
 
 <file path=ppt/slides/slide19.xml><?xml version="1.0" encoding="utf-8"?>
-<p:sld xmlns:a="http://schemas.openxmlformats.org/drawingml/2006/main" xmlns:p="http://schemas.openxmlformats.org/presentationml/2006/main" xmlns:r="http://schemas.openxmlformats.org/officeDocument/2006/relationships">
+<p:sld xmlns:a="http://schemas.openxmlformats.org/drawingml/2006/main" xmlns:r="http://schemas.openxmlformats.org/officeDocument/2006/relationships" xmlns:p="http://schemas.openxmlformats.org/presentationml/2006/main">
   <p:cSld>
     <p:spTree>
       <p:nvGrpSpPr>
@@ -7465,7 +7320,14 @@
         <p:cNvGrpSpPr/>
         <p:nvPr/>
       </p:nvGrpSpPr>
-      <p:grpSpPr/>
+      <p:grpSpPr>
+        <a:xfrm>
+          <a:off x="0" y="0"/>
+          <a:ext cx="0" cy="0"/>
+          <a:chOff x="0" y="0"/>
+          <a:chExt cx="0" cy="0"/>
+        </a:xfrm>
+      </p:grpSpPr>
       <p:sp>
         <p:nvSpPr>
           <p:cNvPr id="2" name="Title 1"/>
@@ -7482,7 +7344,7 @@
           <a:lstStyle/>
           <a:p>
             <a:r>
-              <a:t>Domain-Driven Design: Fachlichkeit First</a:t>
+              <a:t>Technische Schulden</a:t>
             </a:r>
           </a:p>
         </p:txBody>
@@ -7494,36 +7356,57 @@
             <a:spLocks noGrp="1"/>
           </p:cNvSpPr>
           <p:nvPr>
-            <p:ph idx="1"/>
+            <p:ph sz="half" idx="1"/>
           </p:nvPr>
         </p:nvSpPr>
         <p:spPr/>
         <p:txBody>
           <a:bodyPr/>
           <a:lstStyle/>
-          <a:p/>
-          <a:p>
-            <a:pPr/>
-            <a:r>
-              <a:t>Die richtige Reihenfolge</a:t>
-            </a:r>
-          </a:p>
-          <a:p>
-            <a:pPr/>
-            <a:r>
-              <a:t>1. Fachlichkeit verstehen: Geschäftsproblem, Arbeitsprozesse, Regeln, echte Anforderungen</a:t>
-            </a:r>
-          </a:p>
-          <a:p>
-            <a:pPr/>
-            <a:r>
-              <a:t>2. Fachliche Architektur entwerfen: Domains, Bounded Contexts, fachliche Services, Geschäftslogik-Modellierung</a:t>
-            </a:r>
-          </a:p>
-          <a:p>
-            <a:pPr/>
-            <a:r>
-              <a:t>3. Technologie auswählen: Was unterstützt unser fachliches Modell am besten?</a:t>
+          <a:p>
+            <a:r>
+              <a:t>Definition nach Martin Fowler:</a:t>
+            </a:r>
+          </a:p>
+          <a:p>
+            <a:r>
+              <a:t>"Technical debt is a metaphor referring to the eventual consequences of poor system design, software architecture or software development within a codebase."</a:t>
+            </a:r>
+          </a:p>
+        </p:txBody>
+      </p:sp>
+      <p:sp>
+        <p:nvSpPr>
+          <p:cNvPr id="4" name="Content Placeholder 3"/>
+          <p:cNvSpPr>
+            <a:spLocks noGrp="1"/>
+          </p:cNvSpPr>
+          <p:nvPr>
+            <p:ph sz="half" idx="2"/>
+          </p:nvPr>
+        </p:nvSpPr>
+        <p:spPr/>
+        <p:txBody>
+          <a:bodyPr/>
+          <a:lstStyle/>
+          <a:p>
+            <a:r>
+              <a:t>Arten technischer Schulden:</a:t>
+            </a:r>
+          </a:p>
+          <a:p>
+            <a:r>
+              <a:t>Bewusste Schulden: "Quick and dirty, aber nächste Woche aufräumen"</a:t>
+            </a:r>
+          </a:p>
+          <a:p>
+            <a:r>
+              <a:t>Unbewusste Schulden: Entstehen durch Unwissen (gefährlichste Art)</a:t>
+            </a:r>
+          </a:p>
+          <a:p>
+            <a:r>
+              <a:t>Umwelt-Schulden: Änderung der Anforderungen macht Code obsolet</a:t>
             </a:r>
           </a:p>
         </p:txBody>
@@ -7537,7 +7420,7 @@
 </file>
 
 <file path=ppt/slides/slide2.xml><?xml version="1.0" encoding="utf-8"?>
-<p:sld xmlns:a="http://schemas.openxmlformats.org/drawingml/2006/main" xmlns:p="http://schemas.openxmlformats.org/presentationml/2006/main" xmlns:r="http://schemas.openxmlformats.org/officeDocument/2006/relationships">
+<p:sld xmlns:a="http://schemas.openxmlformats.org/drawingml/2006/main" xmlns:r="http://schemas.openxmlformats.org/officeDocument/2006/relationships" xmlns:p="http://schemas.openxmlformats.org/presentationml/2006/main">
   <p:cSld>
     <p:spTree>
       <p:nvGrpSpPr>
@@ -7545,7 +7428,14 @@
         <p:cNvGrpSpPr/>
         <p:nvPr/>
       </p:nvGrpSpPr>
-      <p:grpSpPr/>
+      <p:grpSpPr>
+        <a:xfrm>
+          <a:off x="0" y="0"/>
+          <a:ext cx="0" cy="0"/>
+          <a:chOff x="0" y="0"/>
+          <a:chExt cx="0" cy="0"/>
+        </a:xfrm>
+      </p:grpSpPr>
       <p:sp>
         <p:nvSpPr>
           <p:cNvPr id="2" name="Title 1"/>
@@ -7553,7 +7443,7 @@
             <a:spLocks noGrp="1"/>
           </p:cNvSpPr>
           <p:nvPr>
-            <p:ph type="title"/>
+            <p:ph type="ctrTitle"/>
           </p:nvPr>
         </p:nvSpPr>
         <p:spPr/>
@@ -7569,48 +7459,20 @@
       </p:sp>
       <p:sp>
         <p:nvSpPr>
-          <p:cNvPr id="3" name="Content Placeholder 2"/>
-          <p:cNvSpPr>
-            <a:spLocks noGrp="1"/>
-          </p:cNvSpPr>
-          <p:nvPr>
-            <p:ph idx="1"/>
+          <p:cNvPr id="3" name="Subtitle 2"/>
+          <p:cNvSpPr>
+            <a:spLocks noGrp="1"/>
+          </p:cNvSpPr>
+          <p:nvPr>
+            <p:ph type="subTitle" idx="1"/>
           </p:nvPr>
         </p:nvSpPr>
         <p:spPr/>
         <p:txBody>
           <a:bodyPr/>
           <a:lstStyle/>
-          <a:p/>
-          <a:p>
-            <a:pPr/>
-            <a:r>
-              <a:t>Was werden wir in den nächsten 4 Blöcken lernen?</a:t>
-            </a:r>
-          </a:p>
-          <a:p>
-            <a:pPr/>
-            <a:r>
-              <a:t>Block 1: Creational Patterns - Flexible Objekterzeugung in Enterprise-Systemen</a:t>
-            </a:r>
-          </a:p>
-          <a:p>
-            <a:pPr/>
-            <a:r>
-              <a:t>Block 2: Structural Patterns - Objektkomposition und Systemintegration</a:t>
-            </a:r>
-          </a:p>
-          <a:p>
-            <a:pPr/>
-            <a:r>
-              <a:t>Block 3: Behavioral Patterns - Verhalten und Kommunikation zwischen Objekten</a:t>
-            </a:r>
-          </a:p>
-          <a:p>
-            <a:pPr/>
-            <a:r>
-              <a:t>Block 4: Advanced Patterns - Komplexe Szenarien und Pattern-Kombinationen</a:t>
-            </a:r>
+          <a:p>
+            <a:endParaRPr/>
           </a:p>
         </p:txBody>
       </p:sp>
@@ -7623,7 +7485,7 @@
 </file>
 
 <file path=ppt/slides/slide20.xml><?xml version="1.0" encoding="utf-8"?>
-<p:sld xmlns:a="http://schemas.openxmlformats.org/drawingml/2006/main" xmlns:p="http://schemas.openxmlformats.org/presentationml/2006/main" xmlns:r="http://schemas.openxmlformats.org/officeDocument/2006/relationships">
+<p:sld xmlns:a="http://schemas.openxmlformats.org/drawingml/2006/main" xmlns:r="http://schemas.openxmlformats.org/officeDocument/2006/relationships" xmlns:p="http://schemas.openxmlformats.org/presentationml/2006/main">
   <p:cSld>
     <p:spTree>
       <p:nvGrpSpPr>
@@ -7631,7 +7493,14 @@
         <p:cNvGrpSpPr/>
         <p:nvPr/>
       </p:nvGrpSpPr>
-      <p:grpSpPr/>
+      <p:grpSpPr>
+        <a:xfrm>
+          <a:off x="0" y="0"/>
+          <a:ext cx="0" cy="0"/>
+          <a:chOff x="0" y="0"/>
+          <a:chExt cx="0" cy="0"/>
+        </a:xfrm>
+      </p:grpSpPr>
       <p:sp>
         <p:nvSpPr>
           <p:cNvPr id="2" name="Title 1"/>
@@ -7639,7 +7508,7 @@
             <a:spLocks noGrp="1"/>
           </p:cNvSpPr>
           <p:nvPr>
-            <p:ph type="title"/>
+            <p:ph type="ctrTitle"/>
           </p:nvPr>
         </p:nvSpPr>
         <p:spPr/>
@@ -7648,66 +7517,28 @@
           <a:lstStyle/>
           <a:p>
             <a:r>
-              <a:t>Die richtige Herangehensweise</a:t>
-            </a:r>
-          </a:p>
-        </p:txBody>
-      </p:sp>
-      <p:sp>
-        <p:nvSpPr>
-          <p:cNvPr id="3" name="Content Placeholder 2"/>
-          <p:cNvSpPr>
-            <a:spLocks noGrp="1"/>
-          </p:cNvSpPr>
-          <p:nvPr>
-            <p:ph idx="1"/>
+              <a:t>Fachlichkeit vor Technik</a:t>
+            </a:r>
+          </a:p>
+        </p:txBody>
+      </p:sp>
+      <p:sp>
+        <p:nvSpPr>
+          <p:cNvPr id="3" name="Subtitle 2"/>
+          <p:cNvSpPr>
+            <a:spLocks noGrp="1"/>
+          </p:cNvSpPr>
+          <p:nvPr>
+            <p:ph type="subTitle" idx="1"/>
           </p:nvPr>
         </p:nvSpPr>
         <p:spPr/>
         <p:txBody>
           <a:bodyPr/>
           <a:lstStyle/>
-          <a:p/>
-          <a:p>
-            <a:pPr/>
-            <a:r>
-              <a:t>Fragen in der richtigen Reihenfolge</a:t>
-            </a:r>
-          </a:p>
-          <a:p>
-            <a:pPr/>
-            <a:r>
-              <a:t>Phase 1: Fachlichkeit verstehen</a:t>
-            </a:r>
-          </a:p>
-          <a:p>
-            <a:pPr/>
-            <a:r>
-              <a:t>Was soll das System tun? Warum ist das wichtig? Wer sind die Stakeholder?</a:t>
-            </a:r>
-          </a:p>
-          <a:p>
-            <a:pPr/>
-            <a:r>
-              <a:t>Phase 2: Fachliche Lösung entwerfen</a:t>
-            </a:r>
-          </a:p>
-          <a:p>
-            <a:pPr/>
-            <a:r>
-              <a:t>Welche fachlichen Bereiche gibt es? Wo sind die Grenzen? Wie kommunizieren sie?</a:t>
-            </a:r>
-          </a:p>
-          <a:p>
-            <a:pPr/>
-            <a:r>
-              <a:t>Phase 3: Technologie auswählen</a:t>
-            </a:r>
-          </a:p>
-          <a:p>
-            <a:pPr/>
-            <a:r>
-              <a:t>Womit implementieren wir das am besten? Was löst unsere spezifischen Probleme?</a:t>
+          <a:p>
+            <a:r>
+              <a:t>Domain-Driven Design</a:t>
             </a:r>
           </a:p>
         </p:txBody>
@@ -7721,7 +7552,7 @@
 </file>
 
 <file path=ppt/slides/slide21.xml><?xml version="1.0" encoding="utf-8"?>
-<p:sld xmlns:a="http://schemas.openxmlformats.org/drawingml/2006/main" xmlns:p="http://schemas.openxmlformats.org/presentationml/2006/main" xmlns:r="http://schemas.openxmlformats.org/officeDocument/2006/relationships">
+<p:sld xmlns:a="http://schemas.openxmlformats.org/drawingml/2006/main" xmlns:r="http://schemas.openxmlformats.org/officeDocument/2006/relationships" xmlns:p="http://schemas.openxmlformats.org/presentationml/2006/main">
   <p:cSld>
     <p:spTree>
       <p:nvGrpSpPr>
@@ -7729,7 +7560,14 @@
         <p:cNvGrpSpPr/>
         <p:nvPr/>
       </p:nvGrpSpPr>
-      <p:grpSpPr/>
+      <p:grpSpPr>
+        <a:xfrm>
+          <a:off x="0" y="0"/>
+          <a:ext cx="0" cy="0"/>
+          <a:chOff x="0" y="0"/>
+          <a:chExt cx="0" cy="0"/>
+        </a:xfrm>
+      </p:grpSpPr>
       <p:sp>
         <p:nvSpPr>
           <p:cNvPr id="2" name="Title 1"/>
@@ -7746,7 +7584,7 @@
           <a:lstStyle/>
           <a:p>
             <a:r>
-              <a:t>Design Patterns Motivation</a:t>
+              <a:t>Das häufigste Anti-Pattern: Technology-First</a:t>
             </a:r>
           </a:p>
         </p:txBody>
@@ -7765,41 +7603,19 @@
         <p:txBody>
           <a:bodyPr/>
           <a:lstStyle/>
-          <a:p/>
-          <a:p>
-            <a:pPr/>
-            <a:r>
-              <a:t>Geschichte: Warum entstanden Design Patterns?</a:t>
-            </a:r>
-          </a:p>
-          <a:p>
-            <a:pPr/>
-            <a:r>
-              <a:t>Christopher Alexander (1977): "A Pattern Language" - Gebäude-Architektur!</a:t>
-            </a:r>
-          </a:p>
-          <a:p>
-            <a:pPr/>
-            <a:r>
-              <a:t>Gang of Four (1994): Übertragung auf Software</a:t>
-            </a:r>
-          </a:p>
-          <a:p>
-            <a:pPr/>
-            <a:r>
-              <a:t>Problem 1: Wiederkehrende Design-Probleme</a:t>
-            </a:r>
-          </a:p>
-          <a:p>
-            <a:pPr/>
-            <a:r>
-              <a:t>Problem 2: Schlechte Kommunikation zwischen Entwicklern</a:t>
-            </a:r>
-          </a:p>
-          <a:p>
-            <a:pPr/>
-            <a:r>
-              <a:t>Problem 3: Fehlende Best Practices</a:t>
+          <a:p>
+            <a:r>
+              <a:t>"Wir nutzen jetzt Microservices!" - Aber warum?</a:t>
+            </a:r>
+          </a:p>
+          <a:p>
+            <a:r>
+              <a:t>"Lass uns auf Kubernetes umsteigen!" - Aber welches Problem löst das?</a:t>
+            </a:r>
+          </a:p>
+          <a:p>
+            <a:r>
+              <a:t>"NoSQL ist modern, weg mit der relationalen DB!" - Aber was sind unsere Datenanforderungen?</a:t>
             </a:r>
           </a:p>
         </p:txBody>
@@ -7813,7 +7629,7 @@
 </file>
 
 <file path=ppt/slides/slide22.xml><?xml version="1.0" encoding="utf-8"?>
-<p:sld xmlns:a="http://schemas.openxmlformats.org/drawingml/2006/main" xmlns:p="http://schemas.openxmlformats.org/presentationml/2006/main" xmlns:r="http://schemas.openxmlformats.org/officeDocument/2006/relationships">
+<p:sld xmlns:a="http://schemas.openxmlformats.org/drawingml/2006/main" xmlns:r="http://schemas.openxmlformats.org/officeDocument/2006/relationships" xmlns:p="http://schemas.openxmlformats.org/presentationml/2006/main">
   <p:cSld>
     <p:spTree>
       <p:nvGrpSpPr>
@@ -7821,7 +7637,14 @@
         <p:cNvGrpSpPr/>
         <p:nvPr/>
       </p:nvGrpSpPr>
-      <p:grpSpPr/>
+      <p:grpSpPr>
+        <a:xfrm>
+          <a:off x="0" y="0"/>
+          <a:ext cx="0" cy="0"/>
+          <a:chOff x="0" y="0"/>
+          <a:chExt cx="0" cy="0"/>
+        </a:xfrm>
+      </p:grpSpPr>
       <p:sp>
         <p:nvSpPr>
           <p:cNvPr id="2" name="Title 1"/>
@@ -7838,7 +7661,7 @@
           <a:lstStyle/>
           <a:p>
             <a:r>
-              <a:t>Warum Design Patterns?</a:t>
+              <a:t>Technology-First Beispiele</a:t>
             </a:r>
           </a:p>
         </p:txBody>
@@ -7850,42 +7673,67 @@
             <a:spLocks noGrp="1"/>
           </p:cNvSpPr>
           <p:nvPr>
-            <p:ph idx="1"/>
+            <p:ph sz="half" idx="1"/>
           </p:nvPr>
         </p:nvSpPr>
         <p:spPr/>
         <p:txBody>
           <a:bodyPr/>
           <a:lstStyle/>
-          <a:p/>
-          <a:p>
-            <a:pPr/>
-            <a:r>
-              <a:t>Vier Hauptvorteile</a:t>
-            </a:r>
-          </a:p>
-          <a:p>
-            <a:pPr/>
-            <a:r>
-              <a:t>Bewährte Lösungen nutzen: Anstatt Rad neu erfinden</a:t>
-            </a:r>
-          </a:p>
-          <a:p>
-            <a:pPr/>
-            <a:r>
-              <a:t>Gemeinsame Sprache entwickeln: Vokabular für Teams</a:t>
-            </a:r>
-          </a:p>
-          <a:p>
-            <a:pPr/>
-            <a:r>
-              <a:t>Design-Qualität verbessern: SOLID-Prinzipien kodifiziert</a:t>
-            </a:r>
-          </a:p>
-          <a:p>
-            <a:pPr/>
-            <a:r>
-              <a:t>Wartbarkeit erhöhen: Bekannte Patterns sind verständlicher</a:t>
+          <a:p>
+            <a:r>
+              <a:t>Der Microservices-Hype:</a:t>
+            </a:r>
+          </a:p>
+          <a:p>
+            <a:r>
+              <a:t>Problem: Monolith funktioniert gut, aber "Microservices sind modern"</a:t>
+            </a:r>
+          </a:p>
+          <a:p>
+            <a:r>
+              <a:t>Entscheidung: Monolith in 20+ Services aufteilen</a:t>
+            </a:r>
+          </a:p>
+          <a:p>
+            <a:r>
+              <a:t>Ergebnis: 3x höhere Komplexität, Latenz-Probleme, Debugging-Albtraum</a:t>
+            </a:r>
+          </a:p>
+        </p:txBody>
+      </p:sp>
+      <p:sp>
+        <p:nvSpPr>
+          <p:cNvPr id="4" name="Content Placeholder 3"/>
+          <p:cNvSpPr>
+            <a:spLocks noGrp="1"/>
+          </p:cNvSpPr>
+          <p:nvPr>
+            <p:ph sz="half" idx="2"/>
+          </p:nvPr>
+        </p:nvSpPr>
+        <p:spPr/>
+        <p:txBody>
+          <a:bodyPr/>
+          <a:lstStyle/>
+          <a:p>
+            <a:r>
+              <a:t>Die NoSQL-Modernisierung:</a:t>
+            </a:r>
+          </a:p>
+          <a:p>
+            <a:r>
+              <a:t>Problem: Bewährte relationale DB für Finanzdaten</a:t>
+            </a:r>
+          </a:p>
+          <a:p>
+            <a:r>
+              <a:t>Entscheidung: Migration auf Document-Database</a:t>
+            </a:r>
+          </a:p>
+          <a:p>
+            <a:r>
+              <a:t>Ergebnis: Datenkonsistenz-Probleme, Migration zurück nach 18 Monaten</a:t>
             </a:r>
           </a:p>
         </p:txBody>
@@ -7899,7 +7747,7 @@
 </file>
 
 <file path=ppt/slides/slide23.xml><?xml version="1.0" encoding="utf-8"?>
-<p:sld xmlns:a="http://schemas.openxmlformats.org/drawingml/2006/main" xmlns:p="http://schemas.openxmlformats.org/presentationml/2006/main" xmlns:r="http://schemas.openxmlformats.org/officeDocument/2006/relationships">
+<p:sld xmlns:a="http://schemas.openxmlformats.org/drawingml/2006/main" xmlns:r="http://schemas.openxmlformats.org/officeDocument/2006/relationships" xmlns:p="http://schemas.openxmlformats.org/presentationml/2006/main">
   <p:cSld>
     <p:spTree>
       <p:nvGrpSpPr>
@@ -7907,7 +7755,14 @@
         <p:cNvGrpSpPr/>
         <p:nvPr/>
       </p:nvGrpSpPr>
-      <p:grpSpPr/>
+      <p:grpSpPr>
+        <a:xfrm>
+          <a:off x="0" y="0"/>
+          <a:ext cx="0" cy="0"/>
+          <a:chOff x="0" y="0"/>
+          <a:chExt cx="0" cy="0"/>
+        </a:xfrm>
+      </p:grpSpPr>
       <p:sp>
         <p:nvSpPr>
           <p:cNvPr id="2" name="Title 1"/>
@@ -7924,7 +7779,7 @@
           <a:lstStyle/>
           <a:p>
             <a:r>
-              <a:t>Patterns sind NICHT...</a:t>
+              <a:t>Domain-Driven Design: Fachlichkeit First - Die richtige Reihenfolge</a:t>
             </a:r>
           </a:p>
         </p:txBody>
@@ -7943,59 +7798,19 @@
         <p:txBody>
           <a:bodyPr/>
           <a:lstStyle/>
-          <a:p/>
-          <a:p>
-            <a:pPr/>
-            <a:r>
-              <a:t>Pattern-Missbrauch vermeiden</a:t>
-            </a:r>
-          </a:p>
-          <a:p>
-            <a:pPr/>
-            <a:r>
-              <a:t>Silberkugeln: Patterns lösen nicht alle Probleme</a:t>
-            </a:r>
-          </a:p>
-          <a:p>
-            <a:pPr/>
-            <a:r>
-              <a:t>Dogmen: Patterns müssen nicht sklavisch befolgt werden</a:t>
-            </a:r>
-          </a:p>
-          <a:p>
-            <a:pPr/>
-            <a:r>
-              <a:t>Komplexität um der Komplexität willen</a:t>
-            </a:r>
-          </a:p>
-          <a:p>
-            <a:pPr/>
-            <a:r>
-              <a:t>Copy-Paste Code: Patterns sind konzeptuelle Lösungen</a:t>
-            </a:r>
-          </a:p>
-          <a:p>
-            <a:pPr/>
-            <a:r>
-              <a:t>Anti-Beispiel aus der Praxis</a:t>
-            </a:r>
-          </a:p>
-          <a:p>
-            <a:pPr/>
-            <a:r>
-              <a:t>Problem: Einfache Konfigurationswerte lesen</a:t>
-            </a:r>
-          </a:p>
-          <a:p>
-            <a:pPr/>
-            <a:r>
-              <a:t>Overengineered: AbstractConfigurationFactoryBuilderStrategyProxy</a:t>
-            </a:r>
-          </a:p>
-          <a:p>
-            <a:pPr/>
-            <a:r>
-              <a:t>Einfach: Properties.load()</a:t>
+          <a:p>
+            <a:r>
+              <a:t>1. Fachlichkeit verstehen: Geschäftsproblem, Arbeitsprozesse, Regeln, echte Anforderungen</a:t>
+            </a:r>
+          </a:p>
+          <a:p>
+            <a:r>
+              <a:t>2. Fachliche Architektur entwerfen: Domains, Bounded Contexts, fachliche Services, Geschäftslogik-Modellierung</a:t>
+            </a:r>
+          </a:p>
+          <a:p>
+            <a:r>
+              <a:t>3. Technologie auswählen: Was unterstützt unser fachliches Modell am besten?</a:t>
             </a:r>
           </a:p>
         </p:txBody>
@@ -8009,7 +7824,7 @@
 </file>
 
 <file path=ppt/slides/slide24.xml><?xml version="1.0" encoding="utf-8"?>
-<p:sld xmlns:a="http://schemas.openxmlformats.org/drawingml/2006/main" xmlns:p="http://schemas.openxmlformats.org/presentationml/2006/main" xmlns:r="http://schemas.openxmlformats.org/officeDocument/2006/relationships">
+<p:sld xmlns:a="http://schemas.openxmlformats.org/drawingml/2006/main" xmlns:r="http://schemas.openxmlformats.org/officeDocument/2006/relationships" xmlns:p="http://schemas.openxmlformats.org/presentationml/2006/main">
   <p:cSld>
     <p:spTree>
       <p:nvGrpSpPr>
@@ -8017,7 +7832,14 @@
         <p:cNvGrpSpPr/>
         <p:nvPr/>
       </p:nvGrpSpPr>
-      <p:grpSpPr/>
+      <p:grpSpPr>
+        <a:xfrm>
+          <a:off x="0" y="0"/>
+          <a:ext cx="0" cy="0"/>
+          <a:chOff x="0" y="0"/>
+          <a:chExt cx="0" cy="0"/>
+        </a:xfrm>
+      </p:grpSpPr>
       <p:sp>
         <p:nvSpPr>
           <p:cNvPr id="2" name="Title 1"/>
@@ -8034,7 +7856,7 @@
           <a:lstStyle/>
           <a:p>
             <a:r>
-              <a:t>Refactoring Philosophie</a:t>
+              <a:t>Die richtige Herangehensweise - Fragen in der richtigen Reihenfolge</a:t>
             </a:r>
           </a:p>
         </p:txBody>
@@ -8053,47 +7875,19 @@
         <p:txBody>
           <a:bodyPr/>
           <a:lstStyle/>
-          <a:p/>
-          <a:p>
-            <a:pPr/>
-            <a:r>
-              <a:t>Was ist Refactoring?</a:t>
-            </a:r>
-          </a:p>
-          <a:p>
-            <a:pPr/>
-            <a:r>
-              <a:t>Definition nach Martin Fowler:</a:t>
-            </a:r>
-          </a:p>
-          <a:p>
-            <a:pPr/>
-            <a:r>
-              <a:t>&gt; "Refactoring is the process of changing a software system in such a way that it does not alter the external behavior of the code yet improves its internal structure."</a:t>
-            </a:r>
-          </a:p>
-          <a:p>
-            <a:pPr/>
-            <a:r>
-              <a:t>Schlüsselelemente</a:t>
-            </a:r>
-          </a:p>
-          <a:p>
-            <a:pPr/>
-            <a:r>
-              <a:t>Verhalten bleibt gleich - Funktionalität ändert sich nicht</a:t>
-            </a:r>
-          </a:p>
-          <a:p>
-            <a:pPr/>
-            <a:r>
-              <a:t>Struktur wird besser - Code wird wartbarer</a:t>
-            </a:r>
-          </a:p>
-          <a:p>
-            <a:pPr/>
-            <a:r>
-              <a:t>Kleine Schritte - Viele kleine, sichere Änderungen</a:t>
+          <a:p>
+            <a:r>
+              <a:t>Phase 1: Fachlichkeit verstehen - Was soll das System tun? Warum ist das wichtig? Wer sind die Stakeholder?</a:t>
+            </a:r>
+          </a:p>
+          <a:p>
+            <a:r>
+              <a:t>Phase 2: Fachliche Lösung entwerfen - Welche fachlichen Bereiche gibt es? Wo sind die Grenzen? Wie kommunizieren sie?</a:t>
+            </a:r>
+          </a:p>
+          <a:p>
+            <a:r>
+              <a:t>Phase 3: Technologie auswählen - Womit implementieren wir das am besten? Was löst unsere spezifischen Probleme?</a:t>
             </a:r>
           </a:p>
         </p:txBody>
@@ -8107,7 +7901,7 @@
 </file>
 
 <file path=ppt/slides/slide25.xml><?xml version="1.0" encoding="utf-8"?>
-<p:sld xmlns:a="http://schemas.openxmlformats.org/drawingml/2006/main" xmlns:p="http://schemas.openxmlformats.org/presentationml/2006/main" xmlns:r="http://schemas.openxmlformats.org/officeDocument/2006/relationships">
+<p:sld xmlns:a="http://schemas.openxmlformats.org/drawingml/2006/main" xmlns:r="http://schemas.openxmlformats.org/officeDocument/2006/relationships" xmlns:p="http://schemas.openxmlformats.org/presentationml/2006/main">
   <p:cSld>
     <p:spTree>
       <p:nvGrpSpPr>
@@ -8115,7 +7909,14 @@
         <p:cNvGrpSpPr/>
         <p:nvPr/>
       </p:nvGrpSpPr>
-      <p:grpSpPr/>
+      <p:grpSpPr>
+        <a:xfrm>
+          <a:off x="0" y="0"/>
+          <a:ext cx="0" cy="0"/>
+          <a:chOff x="0" y="0"/>
+          <a:chExt cx="0" cy="0"/>
+        </a:xfrm>
+      </p:grpSpPr>
       <p:sp>
         <p:nvSpPr>
           <p:cNvPr id="2" name="Title 1"/>
@@ -8123,7 +7924,7 @@
             <a:spLocks noGrp="1"/>
           </p:cNvSpPr>
           <p:nvPr>
-            <p:ph type="title"/>
+            <p:ph type="ctrTitle"/>
           </p:nvPr>
         </p:nvSpPr>
         <p:spPr/>
@@ -8132,72 +7933,28 @@
           <a:lstStyle/>
           <a:p>
             <a:r>
-              <a:t>Die Boy Scout Rule</a:t>
-            </a:r>
-          </a:p>
-        </p:txBody>
-      </p:sp>
-      <p:sp>
-        <p:nvSpPr>
-          <p:cNvPr id="3" name="Content Placeholder 2"/>
-          <p:cNvSpPr>
-            <a:spLocks noGrp="1"/>
-          </p:cNvSpPr>
-          <p:nvPr>
-            <p:ph idx="1"/>
+              <a:t>Design Patterns</a:t>
+            </a:r>
+          </a:p>
+        </p:txBody>
+      </p:sp>
+      <p:sp>
+        <p:nvSpPr>
+          <p:cNvPr id="3" name="Subtitle 2"/>
+          <p:cNvSpPr>
+            <a:spLocks noGrp="1"/>
+          </p:cNvSpPr>
+          <p:nvPr>
+            <p:ph type="subTitle" idx="1"/>
           </p:nvPr>
         </p:nvSpPr>
         <p:spPr/>
         <p:txBody>
           <a:bodyPr/>
           <a:lstStyle/>
-          <a:p/>
-          <a:p>
-            <a:pPr/>
-            <a:r>
-              <a:t>Ursprung und Übertragung</a:t>
-            </a:r>
-          </a:p>
-          <a:p>
-            <a:pPr/>
-            <a:r>
-              <a:t>Boy Scouts of America:</a:t>
-            </a:r>
-          </a:p>
-          <a:p>
-            <a:pPr/>
-            <a:r>
-              <a:t>&gt; "Try and leave this world a little better than you found it."</a:t>
-            </a:r>
-          </a:p>
-          <a:p>
-            <a:pPr/>
-            <a:r>
-              <a:t>Uncle Bob für Software:</a:t>
-            </a:r>
-          </a:p>
-          <a:p>
-            <a:pPr/>
-            <a:r>
-              <a:t>&gt; "Always leave the campground cleaner than you found it."</a:t>
-            </a:r>
-          </a:p>
-          <a:p>
-            <a:pPr/>
-            <a:r>
-              <a:t>Praktische Anwendung</a:t>
-            </a:r>
-          </a:p>
-          <a:p>
-            <a:pPr/>
-            <a:r>
-              <a:t>Bei jedem Code-Touch: Verstehe → Verbessere → Prüfe → Committe</a:t>
-            </a:r>
-          </a:p>
-          <a:p>
-            <a:pPr/>
-            <a:r>
-              <a:t>Konkrete Aktionen: Variable umbenennen, Magic Numbers extrahieren, Long Methods aufteilen</a:t>
+          <a:p>
+            <a:r>
+              <a:t>Motivation und Geschichte</a:t>
             </a:r>
           </a:p>
         </p:txBody>
@@ -8211,7 +7968,7 @@
 </file>
 
 <file path=ppt/slides/slide26.xml><?xml version="1.0" encoding="utf-8"?>
-<p:sld xmlns:a="http://schemas.openxmlformats.org/drawingml/2006/main" xmlns:p="http://schemas.openxmlformats.org/presentationml/2006/main" xmlns:r="http://schemas.openxmlformats.org/officeDocument/2006/relationships">
+<p:sld xmlns:a="http://schemas.openxmlformats.org/drawingml/2006/main" xmlns:r="http://schemas.openxmlformats.org/officeDocument/2006/relationships" xmlns:p="http://schemas.openxmlformats.org/presentationml/2006/main">
   <p:cSld>
     <p:spTree>
       <p:nvGrpSpPr>
@@ -8219,7 +7976,14 @@
         <p:cNvGrpSpPr/>
         <p:nvPr/>
       </p:nvGrpSpPr>
-      <p:grpSpPr/>
+      <p:grpSpPr>
+        <a:xfrm>
+          <a:off x="0" y="0"/>
+          <a:ext cx="0" cy="0"/>
+          <a:chOff x="0" y="0"/>
+          <a:chExt cx="0" cy="0"/>
+        </a:xfrm>
+      </p:grpSpPr>
       <p:sp>
         <p:nvSpPr>
           <p:cNvPr id="2" name="Title 1"/>
@@ -8236,7 +8000,7 @@
           <a:lstStyle/>
           <a:p>
             <a:r>
-              <a:t>Wann refactoren?</a:t>
+              <a:t>Design Patterns Motivation - Geschichte: Warum entstanden Design Patterns?</a:t>
             </a:r>
           </a:p>
         </p:txBody>
@@ -8255,53 +8019,105 @@
         <p:txBody>
           <a:bodyPr/>
           <a:lstStyle/>
-          <a:p/>
-          <a:p>
-            <a:pPr/>
-            <a:r>
-              <a:t>Die "Rule of Three"</a:t>
-            </a:r>
-          </a:p>
-          <a:p>
-            <a:pPr/>
-            <a:r>
-              <a:t>1. Das erste Mal - mache es einfach</a:t>
-            </a:r>
-          </a:p>
-          <a:p>
-            <a:pPr/>
-            <a:r>
-              <a:t>2. Das zweite Mal - ärgere dich über Duplikation, aber mache es trotzdem</a:t>
-            </a:r>
-          </a:p>
-          <a:p>
-            <a:pPr/>
-            <a:r>
-              <a:t>3. Das dritte Mal - refactore!</a:t>
-            </a:r>
-          </a:p>
-          <a:p>
-            <a:pPr/>
-            <a:r>
-              <a:t>Refactoring-Trigger</a:t>
-            </a:r>
-          </a:p>
-          <a:p>
-            <a:pPr/>
-            <a:r>
-              <a:t>Wenn du Code verstehen musst (vor Bug-Fix, vor Feature)</a:t>
-            </a:r>
-          </a:p>
-          <a:p>
-            <a:pPr/>
-            <a:r>
-              <a:t>Wenn du Duplikation siehst (Copy-Paste Code)</a:t>
-            </a:r>
-          </a:p>
-          <a:p>
-            <a:pPr/>
-            <a:r>
-              <a:t>Wenn Code "riecht" (Long Method, Large Class, Long Parameter List)</a:t>
+          <a:p>
+            <a:pPr marL="0" indent="0">
+              <a:buNone/>
+            </a:pPr>
+            <a:r>
+              <a:rPr b="1" dirty="0"/>
+              <a:t>Christopher Alexander (1977): "A Pattern Language" - </a:t>
+            </a:r>
+            <a:r>
+              <a:rPr b="1" dirty="0" err="1"/>
+              <a:t>Gebäude</a:t>
+            </a:r>
+            <a:r>
+              <a:rPr b="1" dirty="0"/>
+              <a:t>-Architektur!</a:t>
+            </a:r>
+          </a:p>
+          <a:p>
+            <a:endParaRPr lang="en-US" dirty="0"/>
+          </a:p>
+          <a:p>
+            <a:pPr marL="0" indent="0">
+              <a:buNone/>
+            </a:pPr>
+            <a:r>
+              <a:rPr b="1" dirty="0"/>
+              <a:t>Gang of Four (1994): </a:t>
+            </a:r>
+            <a:r>
+              <a:rPr b="1" dirty="0" err="1"/>
+              <a:t>Übertragung</a:t>
+            </a:r>
+            <a:r>
+              <a:rPr b="1" dirty="0"/>
+              <a:t> auf Software</a:t>
+            </a:r>
+            <a:r>
+              <a:rPr lang="en-US" b="1" dirty="0"/>
+              <a:t>:</a:t>
+            </a:r>
+          </a:p>
+          <a:p>
+            <a:r>
+              <a:rPr dirty="0"/>
+              <a:t>Problem 1: </a:t>
+            </a:r>
+            <a:r>
+              <a:rPr dirty="0" err="1"/>
+              <a:t>Wiederkehrende</a:t>
+            </a:r>
+            <a:r>
+              <a:rPr dirty="0"/>
+              <a:t> Design-</a:t>
+            </a:r>
+            <a:r>
+              <a:rPr dirty="0" err="1"/>
+              <a:t>Probleme</a:t>
+            </a:r>
+            <a:endParaRPr dirty="0"/>
+          </a:p>
+          <a:p>
+            <a:r>
+              <a:rPr dirty="0"/>
+              <a:t>Problem 2: Schlechte </a:t>
+            </a:r>
+            <a:r>
+              <a:rPr dirty="0" err="1"/>
+              <a:t>Kommunikation</a:t>
+            </a:r>
+            <a:r>
+              <a:rPr dirty="0"/>
+              <a:t> </a:t>
+            </a:r>
+            <a:r>
+              <a:rPr dirty="0" err="1"/>
+              <a:t>zwischen</a:t>
+            </a:r>
+            <a:r>
+              <a:rPr dirty="0"/>
+              <a:t> </a:t>
+            </a:r>
+            <a:r>
+              <a:rPr dirty="0" err="1"/>
+              <a:t>Entwicklern</a:t>
+            </a:r>
+            <a:endParaRPr dirty="0"/>
+          </a:p>
+          <a:p>
+            <a:r>
+              <a:rPr dirty="0"/>
+              <a:t>Problem 3: </a:t>
+            </a:r>
+            <a:r>
+              <a:rPr dirty="0" err="1"/>
+              <a:t>Fehlende</a:t>
+            </a:r>
+            <a:r>
+              <a:rPr dirty="0"/>
+              <a:t> Best Practices</a:t>
             </a:r>
           </a:p>
         </p:txBody>
@@ -8311,11 +8127,237 @@
   <p:clrMapOvr>
     <a:masterClrMapping/>
   </p:clrMapOvr>
+  <p:timing>
+    <p:tnLst>
+      <p:par>
+        <p:cTn id="1" dur="indefinite" restart="never" nodeType="tmRoot">
+          <p:childTnLst>
+            <p:seq concurrent="1" nextAc="seek">
+              <p:cTn id="2" dur="indefinite" nodeType="mainSeq">
+                <p:childTnLst>
+                  <p:par>
+                    <p:cTn id="3" fill="hold">
+                      <p:stCondLst>
+                        <p:cond delay="indefinite"/>
+                      </p:stCondLst>
+                      <p:childTnLst>
+                        <p:par>
+                          <p:cTn id="4" fill="hold">
+                            <p:stCondLst>
+                              <p:cond delay="0"/>
+                            </p:stCondLst>
+                            <p:childTnLst>
+                              <p:par>
+                                <p:cTn id="5" presetID="1" presetClass="entr" presetSubtype="0" fill="hold" nodeType="clickEffect">
+                                  <p:stCondLst>
+                                    <p:cond delay="0"/>
+                                  </p:stCondLst>
+                                  <p:childTnLst>
+                                    <p:set>
+                                      <p:cBhvr>
+                                        <p:cTn id="6" dur="1" fill="hold">
+                                          <p:stCondLst>
+                                            <p:cond delay="0"/>
+                                          </p:stCondLst>
+                                        </p:cTn>
+                                        <p:tgtEl>
+                                          <p:spTgt spid="3">
+                                            <p:txEl>
+                                              <p:pRg st="2" end="2"/>
+                                            </p:txEl>
+                                          </p:spTgt>
+                                        </p:tgtEl>
+                                        <p:attrNameLst>
+                                          <p:attrName>style.visibility</p:attrName>
+                                        </p:attrNameLst>
+                                      </p:cBhvr>
+                                      <p:to>
+                                        <p:strVal val="visible"/>
+                                      </p:to>
+                                    </p:set>
+                                  </p:childTnLst>
+                                </p:cTn>
+                              </p:par>
+                            </p:childTnLst>
+                          </p:cTn>
+                        </p:par>
+                      </p:childTnLst>
+                    </p:cTn>
+                  </p:par>
+                  <p:par>
+                    <p:cTn id="7" fill="hold">
+                      <p:stCondLst>
+                        <p:cond delay="indefinite"/>
+                      </p:stCondLst>
+                      <p:childTnLst>
+                        <p:par>
+                          <p:cTn id="8" fill="hold">
+                            <p:stCondLst>
+                              <p:cond delay="0"/>
+                            </p:stCondLst>
+                            <p:childTnLst>
+                              <p:par>
+                                <p:cTn id="9" presetID="1" presetClass="entr" presetSubtype="0" fill="hold" nodeType="clickEffect">
+                                  <p:stCondLst>
+                                    <p:cond delay="0"/>
+                                  </p:stCondLst>
+                                  <p:childTnLst>
+                                    <p:set>
+                                      <p:cBhvr>
+                                        <p:cTn id="10" dur="1" fill="hold">
+                                          <p:stCondLst>
+                                            <p:cond delay="0"/>
+                                          </p:stCondLst>
+                                        </p:cTn>
+                                        <p:tgtEl>
+                                          <p:spTgt spid="3">
+                                            <p:txEl>
+                                              <p:pRg st="3" end="3"/>
+                                            </p:txEl>
+                                          </p:spTgt>
+                                        </p:tgtEl>
+                                        <p:attrNameLst>
+                                          <p:attrName>style.visibility</p:attrName>
+                                        </p:attrNameLst>
+                                      </p:cBhvr>
+                                      <p:to>
+                                        <p:strVal val="visible"/>
+                                      </p:to>
+                                    </p:set>
+                                  </p:childTnLst>
+                                </p:cTn>
+                              </p:par>
+                            </p:childTnLst>
+                          </p:cTn>
+                        </p:par>
+                      </p:childTnLst>
+                    </p:cTn>
+                  </p:par>
+                  <p:par>
+                    <p:cTn id="11" fill="hold">
+                      <p:stCondLst>
+                        <p:cond delay="indefinite"/>
+                      </p:stCondLst>
+                      <p:childTnLst>
+                        <p:par>
+                          <p:cTn id="12" fill="hold">
+                            <p:stCondLst>
+                              <p:cond delay="0"/>
+                            </p:stCondLst>
+                            <p:childTnLst>
+                              <p:par>
+                                <p:cTn id="13" presetID="1" presetClass="entr" presetSubtype="0" fill="hold" nodeType="clickEffect">
+                                  <p:stCondLst>
+                                    <p:cond delay="0"/>
+                                  </p:stCondLst>
+                                  <p:childTnLst>
+                                    <p:set>
+                                      <p:cBhvr>
+                                        <p:cTn id="14" dur="1" fill="hold">
+                                          <p:stCondLst>
+                                            <p:cond delay="0"/>
+                                          </p:stCondLst>
+                                        </p:cTn>
+                                        <p:tgtEl>
+                                          <p:spTgt spid="3">
+                                            <p:txEl>
+                                              <p:pRg st="4" end="4"/>
+                                            </p:txEl>
+                                          </p:spTgt>
+                                        </p:tgtEl>
+                                        <p:attrNameLst>
+                                          <p:attrName>style.visibility</p:attrName>
+                                        </p:attrNameLst>
+                                      </p:cBhvr>
+                                      <p:to>
+                                        <p:strVal val="visible"/>
+                                      </p:to>
+                                    </p:set>
+                                  </p:childTnLst>
+                                </p:cTn>
+                              </p:par>
+                            </p:childTnLst>
+                          </p:cTn>
+                        </p:par>
+                      </p:childTnLst>
+                    </p:cTn>
+                  </p:par>
+                  <p:par>
+                    <p:cTn id="15" fill="hold">
+                      <p:stCondLst>
+                        <p:cond delay="indefinite"/>
+                      </p:stCondLst>
+                      <p:childTnLst>
+                        <p:par>
+                          <p:cTn id="16" fill="hold">
+                            <p:stCondLst>
+                              <p:cond delay="0"/>
+                            </p:stCondLst>
+                            <p:childTnLst>
+                              <p:par>
+                                <p:cTn id="17" presetID="1" presetClass="entr" presetSubtype="0" fill="hold" nodeType="clickEffect">
+                                  <p:stCondLst>
+                                    <p:cond delay="0"/>
+                                  </p:stCondLst>
+                                  <p:childTnLst>
+                                    <p:set>
+                                      <p:cBhvr>
+                                        <p:cTn id="18" dur="1" fill="hold">
+                                          <p:stCondLst>
+                                            <p:cond delay="0"/>
+                                          </p:stCondLst>
+                                        </p:cTn>
+                                        <p:tgtEl>
+                                          <p:spTgt spid="3">
+                                            <p:txEl>
+                                              <p:pRg st="5" end="5"/>
+                                            </p:txEl>
+                                          </p:spTgt>
+                                        </p:tgtEl>
+                                        <p:attrNameLst>
+                                          <p:attrName>style.visibility</p:attrName>
+                                        </p:attrNameLst>
+                                      </p:cBhvr>
+                                      <p:to>
+                                        <p:strVal val="visible"/>
+                                      </p:to>
+                                    </p:set>
+                                  </p:childTnLst>
+                                </p:cTn>
+                              </p:par>
+                            </p:childTnLst>
+                          </p:cTn>
+                        </p:par>
+                      </p:childTnLst>
+                    </p:cTn>
+                  </p:par>
+                </p:childTnLst>
+              </p:cTn>
+              <p:prevCondLst>
+                <p:cond evt="onPrev" delay="0">
+                  <p:tgtEl>
+                    <p:sldTgt/>
+                  </p:tgtEl>
+                </p:cond>
+              </p:prevCondLst>
+              <p:nextCondLst>
+                <p:cond evt="onNext" delay="0">
+                  <p:tgtEl>
+                    <p:sldTgt/>
+                  </p:tgtEl>
+                </p:cond>
+              </p:nextCondLst>
+            </p:seq>
+          </p:childTnLst>
+        </p:cTn>
+      </p:par>
+    </p:tnLst>
+  </p:timing>
 </p:sld>
 </file>
 
 <file path=ppt/slides/slide27.xml><?xml version="1.0" encoding="utf-8"?>
-<p:sld xmlns:a="http://schemas.openxmlformats.org/drawingml/2006/main" xmlns:p="http://schemas.openxmlformats.org/presentationml/2006/main" xmlns:r="http://schemas.openxmlformats.org/officeDocument/2006/relationships">
+<p:sld xmlns:a="http://schemas.openxmlformats.org/drawingml/2006/main" xmlns:r="http://schemas.openxmlformats.org/officeDocument/2006/relationships" xmlns:p="http://schemas.openxmlformats.org/presentationml/2006/main">
   <p:cSld>
     <p:spTree>
       <p:nvGrpSpPr>
@@ -8323,7 +8365,14 @@
         <p:cNvGrpSpPr/>
         <p:nvPr/>
       </p:nvGrpSpPr>
-      <p:grpSpPr/>
+      <p:grpSpPr>
+        <a:xfrm>
+          <a:off x="0" y="0"/>
+          <a:ext cx="0" cy="0"/>
+          <a:chOff x="0" y="0"/>
+          <a:chExt cx="0" cy="0"/>
+        </a:xfrm>
+      </p:grpSpPr>
       <p:sp>
         <p:nvSpPr>
           <p:cNvPr id="2" name="Title 1"/>
@@ -8340,7 +8389,7 @@
           <a:lstStyle/>
           <a:p>
             <a:r>
-              <a:t>Refactoring-Sicherheitsmaßnahmen</a:t>
+              <a:t>Warum Design Patterns? - Vier Hauptvorteile</a:t>
             </a:r>
           </a:p>
         </p:txBody>
@@ -8359,54 +8408,172 @@
         <p:txBody>
           <a:bodyPr/>
           <a:lstStyle/>
-          <a:p/>
-          <a:p>
-            <a:pPr/>
-            <a:r>
-              <a:t>Tests zuerst</a:t>
-            </a:r>
-          </a:p>
-          <a:p>
-            <a:pPr/>
-            <a:r>
-              <a:t>Vor Refactoring: Verstehe Verhalten, schreibe Tests, alle Tests grün</a:t>
-            </a:r>
-          </a:p>
-          <a:p>
-            <a:pPr/>
-            <a:r>
-              <a:t>Während Refactoring: Nach jedem Schritt Tests laufen lassen</a:t>
-            </a:r>
-          </a:p>
-          <a:p>
-            <a:pPr/>
-            <a:r>
-              <a:t>Nach Refactoring: Alle Tests noch grün</a:t>
-            </a:r>
-          </a:p>
-          <a:p>
-            <a:pPr/>
-            <a:r>
-              <a:t>Kleine Schritte und IDE-Unterstützung</a:t>
-            </a:r>
-          </a:p>
-          <a:p>
-            <a:pPr/>
-            <a:r>
-              <a:t>Ein Schritt nach dem anderen</a:t>
-            </a:r>
-          </a:p>
-          <a:p>
-            <a:pPr/>
-            <a:r>
-              <a:t>Extract Method, Rename Variable, Move Method</a:t>
-            </a:r>
-          </a:p>
-          <a:p>
-            <a:pPr/>
-            <a:r>
-              <a:t>IDE kann viel automatisch und sicher machen</a:t>
-            </a:r>
+          <a:p>
+            <a:pPr>
+              <a:lnSpc>
+                <a:spcPct val="150000"/>
+              </a:lnSpc>
+            </a:pPr>
+            <a:r>
+              <a:rPr dirty="0" err="1"/>
+              <a:t>Bewährte</a:t>
+            </a:r>
+            <a:r>
+              <a:rPr dirty="0"/>
+              <a:t> </a:t>
+            </a:r>
+            <a:r>
+              <a:rPr dirty="0" err="1"/>
+              <a:t>Lösungen</a:t>
+            </a:r>
+            <a:r>
+              <a:rPr dirty="0"/>
+              <a:t> </a:t>
+            </a:r>
+            <a:r>
+              <a:rPr dirty="0" err="1"/>
+              <a:t>nutzen</a:t>
+            </a:r>
+            <a:r>
+              <a:rPr dirty="0"/>
+              <a:t>: </a:t>
+            </a:r>
+            <a:r>
+              <a:rPr dirty="0" err="1"/>
+              <a:t>Anstatt</a:t>
+            </a:r>
+            <a:r>
+              <a:rPr dirty="0"/>
+              <a:t> Rad neu </a:t>
+            </a:r>
+            <a:r>
+              <a:rPr dirty="0" err="1"/>
+              <a:t>erfinden</a:t>
+            </a:r>
+            <a:endParaRPr dirty="0"/>
+          </a:p>
+          <a:p>
+            <a:pPr>
+              <a:lnSpc>
+                <a:spcPct val="150000"/>
+              </a:lnSpc>
+            </a:pPr>
+            <a:r>
+              <a:rPr dirty="0" err="1"/>
+              <a:t>Gemeinsame</a:t>
+            </a:r>
+            <a:r>
+              <a:rPr dirty="0"/>
+              <a:t> </a:t>
+            </a:r>
+            <a:r>
+              <a:rPr dirty="0" err="1"/>
+              <a:t>Sprache</a:t>
+            </a:r>
+            <a:r>
+              <a:rPr dirty="0"/>
+              <a:t> </a:t>
+            </a:r>
+            <a:r>
+              <a:rPr dirty="0" err="1"/>
+              <a:t>entwickeln</a:t>
+            </a:r>
+            <a:r>
+              <a:rPr dirty="0"/>
+              <a:t>: </a:t>
+            </a:r>
+            <a:r>
+              <a:rPr dirty="0" err="1"/>
+              <a:t>Vokabular</a:t>
+            </a:r>
+            <a:r>
+              <a:rPr dirty="0"/>
+              <a:t> für Teams</a:t>
+            </a:r>
+          </a:p>
+          <a:p>
+            <a:pPr>
+              <a:lnSpc>
+                <a:spcPct val="150000"/>
+              </a:lnSpc>
+            </a:pPr>
+            <a:r>
+              <a:rPr dirty="0"/>
+              <a:t>Design-</a:t>
+            </a:r>
+            <a:r>
+              <a:rPr dirty="0" err="1"/>
+              <a:t>Qualität</a:t>
+            </a:r>
+            <a:r>
+              <a:rPr dirty="0"/>
+              <a:t> </a:t>
+            </a:r>
+            <a:r>
+              <a:rPr dirty="0" err="1"/>
+              <a:t>verbessern</a:t>
+            </a:r>
+            <a:r>
+              <a:rPr dirty="0"/>
+              <a:t>: SOLID-</a:t>
+            </a:r>
+            <a:r>
+              <a:rPr dirty="0" err="1"/>
+              <a:t>Prinzipien</a:t>
+            </a:r>
+            <a:r>
+              <a:rPr dirty="0"/>
+              <a:t> </a:t>
+            </a:r>
+            <a:r>
+              <a:rPr dirty="0" err="1"/>
+              <a:t>kodifiziert</a:t>
+            </a:r>
+            <a:endParaRPr dirty="0"/>
+          </a:p>
+          <a:p>
+            <a:pPr>
+              <a:lnSpc>
+                <a:spcPct val="150000"/>
+              </a:lnSpc>
+            </a:pPr>
+            <a:r>
+              <a:rPr dirty="0" err="1"/>
+              <a:t>Wartbarkeit</a:t>
+            </a:r>
+            <a:r>
+              <a:rPr dirty="0"/>
+              <a:t> </a:t>
+            </a:r>
+            <a:r>
+              <a:rPr dirty="0" err="1"/>
+              <a:t>erhöhen</a:t>
+            </a:r>
+            <a:r>
+              <a:rPr dirty="0"/>
+              <a:t>: </a:t>
+            </a:r>
+            <a:r>
+              <a:rPr dirty="0" err="1"/>
+              <a:t>Bekannte</a:t>
+            </a:r>
+            <a:r>
+              <a:rPr dirty="0"/>
+              <a:t> Patterns </a:t>
+            </a:r>
+            <a:r>
+              <a:rPr dirty="0" err="1"/>
+              <a:t>sind</a:t>
+            </a:r>
+            <a:r>
+              <a:rPr dirty="0"/>
+              <a:t> </a:t>
+            </a:r>
+            <a:r>
+              <a:rPr dirty="0" err="1"/>
+              <a:t>verständlicher</a:t>
+            </a:r>
+            <a:endParaRPr dirty="0"/>
           </a:p>
         </p:txBody>
       </p:sp>
@@ -8415,11 +8582,237 @@
   <p:clrMapOvr>
     <a:masterClrMapping/>
   </p:clrMapOvr>
+  <p:timing>
+    <p:tnLst>
+      <p:par>
+        <p:cTn id="1" dur="indefinite" restart="never" nodeType="tmRoot">
+          <p:childTnLst>
+            <p:seq concurrent="1" nextAc="seek">
+              <p:cTn id="2" dur="indefinite" nodeType="mainSeq">
+                <p:childTnLst>
+                  <p:par>
+                    <p:cTn id="3" fill="hold">
+                      <p:stCondLst>
+                        <p:cond delay="indefinite"/>
+                      </p:stCondLst>
+                      <p:childTnLst>
+                        <p:par>
+                          <p:cTn id="4" fill="hold">
+                            <p:stCondLst>
+                              <p:cond delay="0"/>
+                            </p:stCondLst>
+                            <p:childTnLst>
+                              <p:par>
+                                <p:cTn id="5" presetID="1" presetClass="entr" presetSubtype="0" fill="hold" nodeType="clickEffect">
+                                  <p:stCondLst>
+                                    <p:cond delay="0"/>
+                                  </p:stCondLst>
+                                  <p:childTnLst>
+                                    <p:set>
+                                      <p:cBhvr>
+                                        <p:cTn id="6" dur="1" fill="hold">
+                                          <p:stCondLst>
+                                            <p:cond delay="0"/>
+                                          </p:stCondLst>
+                                        </p:cTn>
+                                        <p:tgtEl>
+                                          <p:spTgt spid="3">
+                                            <p:txEl>
+                                              <p:pRg st="0" end="0"/>
+                                            </p:txEl>
+                                          </p:spTgt>
+                                        </p:tgtEl>
+                                        <p:attrNameLst>
+                                          <p:attrName>style.visibility</p:attrName>
+                                        </p:attrNameLst>
+                                      </p:cBhvr>
+                                      <p:to>
+                                        <p:strVal val="visible"/>
+                                      </p:to>
+                                    </p:set>
+                                  </p:childTnLst>
+                                </p:cTn>
+                              </p:par>
+                            </p:childTnLst>
+                          </p:cTn>
+                        </p:par>
+                      </p:childTnLst>
+                    </p:cTn>
+                  </p:par>
+                  <p:par>
+                    <p:cTn id="7" fill="hold">
+                      <p:stCondLst>
+                        <p:cond delay="indefinite"/>
+                      </p:stCondLst>
+                      <p:childTnLst>
+                        <p:par>
+                          <p:cTn id="8" fill="hold">
+                            <p:stCondLst>
+                              <p:cond delay="0"/>
+                            </p:stCondLst>
+                            <p:childTnLst>
+                              <p:par>
+                                <p:cTn id="9" presetID="1" presetClass="entr" presetSubtype="0" fill="hold" nodeType="clickEffect">
+                                  <p:stCondLst>
+                                    <p:cond delay="0"/>
+                                  </p:stCondLst>
+                                  <p:childTnLst>
+                                    <p:set>
+                                      <p:cBhvr>
+                                        <p:cTn id="10" dur="1" fill="hold">
+                                          <p:stCondLst>
+                                            <p:cond delay="0"/>
+                                          </p:stCondLst>
+                                        </p:cTn>
+                                        <p:tgtEl>
+                                          <p:spTgt spid="3">
+                                            <p:txEl>
+                                              <p:pRg st="1" end="1"/>
+                                            </p:txEl>
+                                          </p:spTgt>
+                                        </p:tgtEl>
+                                        <p:attrNameLst>
+                                          <p:attrName>style.visibility</p:attrName>
+                                        </p:attrNameLst>
+                                      </p:cBhvr>
+                                      <p:to>
+                                        <p:strVal val="visible"/>
+                                      </p:to>
+                                    </p:set>
+                                  </p:childTnLst>
+                                </p:cTn>
+                              </p:par>
+                            </p:childTnLst>
+                          </p:cTn>
+                        </p:par>
+                      </p:childTnLst>
+                    </p:cTn>
+                  </p:par>
+                  <p:par>
+                    <p:cTn id="11" fill="hold">
+                      <p:stCondLst>
+                        <p:cond delay="indefinite"/>
+                      </p:stCondLst>
+                      <p:childTnLst>
+                        <p:par>
+                          <p:cTn id="12" fill="hold">
+                            <p:stCondLst>
+                              <p:cond delay="0"/>
+                            </p:stCondLst>
+                            <p:childTnLst>
+                              <p:par>
+                                <p:cTn id="13" presetID="1" presetClass="entr" presetSubtype="0" fill="hold" nodeType="clickEffect">
+                                  <p:stCondLst>
+                                    <p:cond delay="0"/>
+                                  </p:stCondLst>
+                                  <p:childTnLst>
+                                    <p:set>
+                                      <p:cBhvr>
+                                        <p:cTn id="14" dur="1" fill="hold">
+                                          <p:stCondLst>
+                                            <p:cond delay="0"/>
+                                          </p:stCondLst>
+                                        </p:cTn>
+                                        <p:tgtEl>
+                                          <p:spTgt spid="3">
+                                            <p:txEl>
+                                              <p:pRg st="2" end="2"/>
+                                            </p:txEl>
+                                          </p:spTgt>
+                                        </p:tgtEl>
+                                        <p:attrNameLst>
+                                          <p:attrName>style.visibility</p:attrName>
+                                        </p:attrNameLst>
+                                      </p:cBhvr>
+                                      <p:to>
+                                        <p:strVal val="visible"/>
+                                      </p:to>
+                                    </p:set>
+                                  </p:childTnLst>
+                                </p:cTn>
+                              </p:par>
+                            </p:childTnLst>
+                          </p:cTn>
+                        </p:par>
+                      </p:childTnLst>
+                    </p:cTn>
+                  </p:par>
+                  <p:par>
+                    <p:cTn id="15" fill="hold">
+                      <p:stCondLst>
+                        <p:cond delay="indefinite"/>
+                      </p:stCondLst>
+                      <p:childTnLst>
+                        <p:par>
+                          <p:cTn id="16" fill="hold">
+                            <p:stCondLst>
+                              <p:cond delay="0"/>
+                            </p:stCondLst>
+                            <p:childTnLst>
+                              <p:par>
+                                <p:cTn id="17" presetID="1" presetClass="entr" presetSubtype="0" fill="hold" nodeType="clickEffect">
+                                  <p:stCondLst>
+                                    <p:cond delay="0"/>
+                                  </p:stCondLst>
+                                  <p:childTnLst>
+                                    <p:set>
+                                      <p:cBhvr>
+                                        <p:cTn id="18" dur="1" fill="hold">
+                                          <p:stCondLst>
+                                            <p:cond delay="0"/>
+                                          </p:stCondLst>
+                                        </p:cTn>
+                                        <p:tgtEl>
+                                          <p:spTgt spid="3">
+                                            <p:txEl>
+                                              <p:pRg st="3" end="3"/>
+                                            </p:txEl>
+                                          </p:spTgt>
+                                        </p:tgtEl>
+                                        <p:attrNameLst>
+                                          <p:attrName>style.visibility</p:attrName>
+                                        </p:attrNameLst>
+                                      </p:cBhvr>
+                                      <p:to>
+                                        <p:strVal val="visible"/>
+                                      </p:to>
+                                    </p:set>
+                                  </p:childTnLst>
+                                </p:cTn>
+                              </p:par>
+                            </p:childTnLst>
+                          </p:cTn>
+                        </p:par>
+                      </p:childTnLst>
+                    </p:cTn>
+                  </p:par>
+                </p:childTnLst>
+              </p:cTn>
+              <p:prevCondLst>
+                <p:cond evt="onPrev" delay="0">
+                  <p:tgtEl>
+                    <p:sldTgt/>
+                  </p:tgtEl>
+                </p:cond>
+              </p:prevCondLst>
+              <p:nextCondLst>
+                <p:cond evt="onNext" delay="0">
+                  <p:tgtEl>
+                    <p:sldTgt/>
+                  </p:tgtEl>
+                </p:cond>
+              </p:nextCondLst>
+            </p:seq>
+          </p:childTnLst>
+        </p:cTn>
+      </p:par>
+    </p:tnLst>
+  </p:timing>
 </p:sld>
 </file>
 
 <file path=ppt/slides/slide28.xml><?xml version="1.0" encoding="utf-8"?>
-<p:sld xmlns:a="http://schemas.openxmlformats.org/drawingml/2006/main" xmlns:p="http://schemas.openxmlformats.org/presentationml/2006/main" xmlns:r="http://schemas.openxmlformats.org/officeDocument/2006/relationships">
+<p:sld xmlns:a="http://schemas.openxmlformats.org/drawingml/2006/main" xmlns:r="http://schemas.openxmlformats.org/officeDocument/2006/relationships" xmlns:p="http://schemas.openxmlformats.org/presentationml/2006/main">
   <p:cSld>
     <p:spTree>
       <p:nvGrpSpPr>
@@ -8427,7 +8820,14 @@
         <p:cNvGrpSpPr/>
         <p:nvPr/>
       </p:nvGrpSpPr>
-      <p:grpSpPr/>
+      <p:grpSpPr>
+        <a:xfrm>
+          <a:off x="0" y="0"/>
+          <a:ext cx="0" cy="0"/>
+          <a:chOff x="0" y="0"/>
+          <a:chExt cx="0" cy="0"/>
+        </a:xfrm>
+      </p:grpSpPr>
       <p:sp>
         <p:nvSpPr>
           <p:cNvPr id="2" name="Title 1"/>
@@ -8444,7 +8844,7 @@
           <a:lstStyle/>
           <a:p>
             <a:r>
-              <a:t>Refactoring als Weg zu Patterns</a:t>
+              <a:t>Patterns sind NICHT... - Pattern-Missbrauch vermeiden</a:t>
             </a:r>
           </a:p>
         </p:txBody>
@@ -8456,60 +8856,294 @@
             <a:spLocks noGrp="1"/>
           </p:cNvSpPr>
           <p:nvPr>
-            <p:ph idx="1"/>
-          </p:nvPr>
-        </p:nvSpPr>
-        <p:spPr/>
-        <p:txBody>
-          <a:bodyPr/>
+            <p:ph sz="half" idx="1"/>
+          </p:nvPr>
+        </p:nvSpPr>
+        <p:spPr/>
+        <p:txBody>
+          <a:bodyPr>
+            <a:normAutofit fontScale="92500"/>
+          </a:bodyPr>
           <a:lstStyle/>
-          <a:p/>
-          <a:p>
-            <a:pPr/>
-            <a:r>
-              <a:t>Patterns entstehen durch Refactoring</a:t>
-            </a:r>
-          </a:p>
-          <a:p>
-            <a:pPr/>
-            <a:r>
-              <a:t>Typischer Ablauf:</a:t>
-            </a:r>
-          </a:p>
-          <a:p>
-            <a:pPr/>
-            <a:r>
-              <a:t>1. Duplikation entsteht natürlich</a:t>
-            </a:r>
-          </a:p>
-          <a:p>
-            <a:pPr/>
-            <a:r>
-              <a:t>2. Refactoring macht Gemeinsamkeiten sichtbar</a:t>
-            </a:r>
-          </a:p>
-          <a:p>
-            <a:pPr/>
-            <a:r>
-              <a:t>3. Pattern Recognition - "Das ist ein bekanntes Problem"</a:t>
-            </a:r>
-          </a:p>
-          <a:p>
-            <a:pPr/>
-            <a:r>
-              <a:t>4. Pattern Application - Bekannte Lösung anwenden</a:t>
-            </a:r>
-          </a:p>
-          <a:p>
-            <a:pPr/>
-            <a:r>
-              <a:t>Wichtige Erkenntnis</a:t>
-            </a:r>
-          </a:p>
-          <a:p>
-            <a:pPr/>
-            <a:r>
-              <a:t>Patterns werden durch Refactoring eingeführt, nicht von Anfang an geplant!</a:t>
+          <a:p>
+            <a:pPr marL="0" indent="0">
+              <a:lnSpc>
+                <a:spcPct val="150000"/>
+              </a:lnSpc>
+              <a:buNone/>
+            </a:pPr>
+            <a:r>
+              <a:rPr b="1" dirty="0"/>
+              <a:t>Patterns </a:t>
+            </a:r>
+            <a:r>
+              <a:rPr b="1" dirty="0" err="1"/>
+              <a:t>sind</a:t>
+            </a:r>
+            <a:r>
+              <a:rPr b="1" dirty="0"/>
+              <a:t> NICHT:</a:t>
+            </a:r>
+          </a:p>
+          <a:p>
+            <a:pPr>
+              <a:lnSpc>
+                <a:spcPct val="150000"/>
+              </a:lnSpc>
+            </a:pPr>
+            <a:r>
+              <a:rPr dirty="0" err="1"/>
+              <a:t>Silberkugeln</a:t>
+            </a:r>
+            <a:r>
+              <a:rPr dirty="0"/>
+              <a:t>: Patterns </a:t>
+            </a:r>
+            <a:r>
+              <a:rPr dirty="0" err="1"/>
+              <a:t>lösen</a:t>
+            </a:r>
+            <a:r>
+              <a:rPr dirty="0"/>
+              <a:t> </a:t>
+            </a:r>
+            <a:r>
+              <a:rPr dirty="0" err="1"/>
+              <a:t>nicht</a:t>
+            </a:r>
+            <a:r>
+              <a:rPr dirty="0"/>
+              <a:t> alle </a:t>
+            </a:r>
+            <a:r>
+              <a:rPr dirty="0" err="1"/>
+              <a:t>Probleme</a:t>
+            </a:r>
+            <a:endParaRPr dirty="0"/>
+          </a:p>
+          <a:p>
+            <a:pPr>
+              <a:lnSpc>
+                <a:spcPct val="150000"/>
+              </a:lnSpc>
+            </a:pPr>
+            <a:r>
+              <a:rPr dirty="0"/>
+              <a:t>Dogmen: Patterns </a:t>
+            </a:r>
+            <a:r>
+              <a:rPr dirty="0" err="1"/>
+              <a:t>müssen</a:t>
+            </a:r>
+            <a:r>
+              <a:rPr dirty="0"/>
+              <a:t> </a:t>
+            </a:r>
+            <a:r>
+              <a:rPr dirty="0" err="1"/>
+              <a:t>nicht</a:t>
+            </a:r>
+            <a:r>
+              <a:rPr dirty="0"/>
+              <a:t> </a:t>
+            </a:r>
+            <a:r>
+              <a:rPr dirty="0" err="1"/>
+              <a:t>sklavisch</a:t>
+            </a:r>
+            <a:r>
+              <a:rPr dirty="0"/>
+              <a:t> </a:t>
+            </a:r>
+            <a:r>
+              <a:rPr dirty="0" err="1"/>
+              <a:t>befolgt</a:t>
+            </a:r>
+            <a:r>
+              <a:rPr dirty="0"/>
+              <a:t> </a:t>
+            </a:r>
+            <a:r>
+              <a:rPr dirty="0" err="1"/>
+              <a:t>werden</a:t>
+            </a:r>
+            <a:endParaRPr dirty="0"/>
+          </a:p>
+          <a:p>
+            <a:pPr>
+              <a:lnSpc>
+                <a:spcPct val="150000"/>
+              </a:lnSpc>
+            </a:pPr>
+            <a:r>
+              <a:rPr dirty="0" err="1"/>
+              <a:t>Komplexität</a:t>
+            </a:r>
+            <a:r>
+              <a:rPr dirty="0"/>
+              <a:t> um der </a:t>
+            </a:r>
+            <a:r>
+              <a:rPr dirty="0" err="1"/>
+              <a:t>Komplexität</a:t>
+            </a:r>
+            <a:r>
+              <a:rPr dirty="0"/>
+              <a:t> </a:t>
+            </a:r>
+            <a:r>
+              <a:rPr dirty="0" err="1"/>
+              <a:t>willen</a:t>
+            </a:r>
+            <a:endParaRPr dirty="0"/>
+          </a:p>
+          <a:p>
+            <a:pPr>
+              <a:lnSpc>
+                <a:spcPct val="150000"/>
+              </a:lnSpc>
+            </a:pPr>
+            <a:r>
+              <a:rPr dirty="0"/>
+              <a:t>Copy-Paste Code: Patterns </a:t>
+            </a:r>
+            <a:r>
+              <a:rPr dirty="0" err="1"/>
+              <a:t>sind</a:t>
+            </a:r>
+            <a:r>
+              <a:rPr dirty="0"/>
+              <a:t> </a:t>
+            </a:r>
+            <a:r>
+              <a:rPr dirty="0" err="1"/>
+              <a:t>konzeptuelle</a:t>
+            </a:r>
+            <a:r>
+              <a:rPr dirty="0"/>
+              <a:t> </a:t>
+            </a:r>
+            <a:r>
+              <a:rPr dirty="0" err="1"/>
+              <a:t>Lösungen</a:t>
+            </a:r>
+            <a:endParaRPr dirty="0"/>
+          </a:p>
+        </p:txBody>
+      </p:sp>
+      <p:sp>
+        <p:nvSpPr>
+          <p:cNvPr id="4" name="Content Placeholder 3"/>
+          <p:cNvSpPr>
+            <a:spLocks noGrp="1"/>
+          </p:cNvSpPr>
+          <p:nvPr>
+            <p:ph sz="half" idx="2"/>
+          </p:nvPr>
+        </p:nvSpPr>
+        <p:spPr/>
+        <p:txBody>
+          <a:bodyPr>
+            <a:normAutofit fontScale="92500"/>
+          </a:bodyPr>
+          <a:lstStyle/>
+          <a:p>
+            <a:pPr marL="0" indent="0">
+              <a:lnSpc>
+                <a:spcPct val="150000"/>
+              </a:lnSpc>
+              <a:buNone/>
+            </a:pPr>
+            <a:r>
+              <a:rPr b="1" dirty="0"/>
+              <a:t>Anti-</a:t>
+            </a:r>
+            <a:r>
+              <a:rPr b="1" dirty="0" err="1"/>
+              <a:t>Beispiel</a:t>
+            </a:r>
+            <a:r>
+              <a:rPr b="1" dirty="0"/>
+              <a:t> </a:t>
+            </a:r>
+            <a:r>
+              <a:rPr b="1" dirty="0" err="1"/>
+              <a:t>aus</a:t>
+            </a:r>
+            <a:r>
+              <a:rPr b="1" dirty="0"/>
+              <a:t> der Praxis:</a:t>
+            </a:r>
+          </a:p>
+          <a:p>
+            <a:pPr>
+              <a:lnSpc>
+                <a:spcPct val="150000"/>
+              </a:lnSpc>
+            </a:pPr>
+            <a:r>
+              <a:rPr dirty="0"/>
+              <a:t>Problem: </a:t>
+            </a:r>
+            <a:r>
+              <a:rPr dirty="0" err="1"/>
+              <a:t>Einfache</a:t>
+            </a:r>
+            <a:r>
+              <a:rPr dirty="0"/>
+              <a:t> </a:t>
+            </a:r>
+            <a:r>
+              <a:rPr dirty="0" err="1"/>
+              <a:t>Konfigurationswerte</a:t>
+            </a:r>
+            <a:r>
+              <a:rPr dirty="0"/>
+              <a:t> </a:t>
+            </a:r>
+            <a:r>
+              <a:rPr dirty="0" err="1"/>
+              <a:t>lesen</a:t>
+            </a:r>
+            <a:endParaRPr dirty="0"/>
+          </a:p>
+          <a:p>
+            <a:pPr>
+              <a:lnSpc>
+                <a:spcPct val="150000"/>
+              </a:lnSpc>
+            </a:pPr>
+            <a:r>
+              <a:rPr dirty="0"/>
+              <a:t>Overengineered: </a:t>
+            </a:r>
+            <a:r>
+              <a:rPr dirty="0" err="1"/>
+              <a:t>AbstractConfigurationFactoryBuilderStrategyProxy</a:t>
+            </a:r>
+            <a:endParaRPr dirty="0"/>
+          </a:p>
+          <a:p>
+            <a:pPr>
+              <a:lnSpc>
+                <a:spcPct val="150000"/>
+              </a:lnSpc>
+            </a:pPr>
+            <a:r>
+              <a:rPr dirty="0" err="1"/>
+              <a:t>Einfach</a:t>
+            </a:r>
+            <a:r>
+              <a:rPr dirty="0"/>
+              <a:t>: </a:t>
+            </a:r>
+            <a:r>
+              <a:rPr dirty="0" err="1"/>
+              <a:t>Properties.load</a:t>
+            </a:r>
+            <a:r>
+              <a:rPr dirty="0"/>
+              <a:t>()</a:t>
             </a:r>
           </a:p>
         </p:txBody>
@@ -8519,11 +9153,433 @@
   <p:clrMapOvr>
     <a:masterClrMapping/>
   </p:clrMapOvr>
+  <p:timing>
+    <p:tnLst>
+      <p:par>
+        <p:cTn id="1" dur="indefinite" restart="never" nodeType="tmRoot">
+          <p:childTnLst>
+            <p:seq concurrent="1" nextAc="seek">
+              <p:cTn id="2" dur="indefinite" nodeType="mainSeq">
+                <p:childTnLst>
+                  <p:par>
+                    <p:cTn id="3" fill="hold">
+                      <p:stCondLst>
+                        <p:cond delay="indefinite"/>
+                      </p:stCondLst>
+                      <p:childTnLst>
+                        <p:par>
+                          <p:cTn id="4" fill="hold">
+                            <p:stCondLst>
+                              <p:cond delay="0"/>
+                            </p:stCondLst>
+                            <p:childTnLst>
+                              <p:par>
+                                <p:cTn id="5" presetID="1" presetClass="entr" presetSubtype="0" fill="hold" nodeType="clickEffect">
+                                  <p:stCondLst>
+                                    <p:cond delay="0"/>
+                                  </p:stCondLst>
+                                  <p:childTnLst>
+                                    <p:set>
+                                      <p:cBhvr>
+                                        <p:cTn id="6" dur="1" fill="hold">
+                                          <p:stCondLst>
+                                            <p:cond delay="0"/>
+                                          </p:stCondLst>
+                                        </p:cTn>
+                                        <p:tgtEl>
+                                          <p:spTgt spid="3">
+                                            <p:txEl>
+                                              <p:pRg st="1" end="1"/>
+                                            </p:txEl>
+                                          </p:spTgt>
+                                        </p:tgtEl>
+                                        <p:attrNameLst>
+                                          <p:attrName>style.visibility</p:attrName>
+                                        </p:attrNameLst>
+                                      </p:cBhvr>
+                                      <p:to>
+                                        <p:strVal val="visible"/>
+                                      </p:to>
+                                    </p:set>
+                                  </p:childTnLst>
+                                </p:cTn>
+                              </p:par>
+                            </p:childTnLst>
+                          </p:cTn>
+                        </p:par>
+                      </p:childTnLst>
+                    </p:cTn>
+                  </p:par>
+                  <p:par>
+                    <p:cTn id="7" fill="hold">
+                      <p:stCondLst>
+                        <p:cond delay="indefinite"/>
+                      </p:stCondLst>
+                      <p:childTnLst>
+                        <p:par>
+                          <p:cTn id="8" fill="hold">
+                            <p:stCondLst>
+                              <p:cond delay="0"/>
+                            </p:stCondLst>
+                            <p:childTnLst>
+                              <p:par>
+                                <p:cTn id="9" presetID="1" presetClass="entr" presetSubtype="0" fill="hold" nodeType="clickEffect">
+                                  <p:stCondLst>
+                                    <p:cond delay="0"/>
+                                  </p:stCondLst>
+                                  <p:childTnLst>
+                                    <p:set>
+                                      <p:cBhvr>
+                                        <p:cTn id="10" dur="1" fill="hold">
+                                          <p:stCondLst>
+                                            <p:cond delay="0"/>
+                                          </p:stCondLst>
+                                        </p:cTn>
+                                        <p:tgtEl>
+                                          <p:spTgt spid="3">
+                                            <p:txEl>
+                                              <p:pRg st="2" end="2"/>
+                                            </p:txEl>
+                                          </p:spTgt>
+                                        </p:tgtEl>
+                                        <p:attrNameLst>
+                                          <p:attrName>style.visibility</p:attrName>
+                                        </p:attrNameLst>
+                                      </p:cBhvr>
+                                      <p:to>
+                                        <p:strVal val="visible"/>
+                                      </p:to>
+                                    </p:set>
+                                  </p:childTnLst>
+                                </p:cTn>
+                              </p:par>
+                            </p:childTnLst>
+                          </p:cTn>
+                        </p:par>
+                      </p:childTnLst>
+                    </p:cTn>
+                  </p:par>
+                  <p:par>
+                    <p:cTn id="11" fill="hold">
+                      <p:stCondLst>
+                        <p:cond delay="indefinite"/>
+                      </p:stCondLst>
+                      <p:childTnLst>
+                        <p:par>
+                          <p:cTn id="12" fill="hold">
+                            <p:stCondLst>
+                              <p:cond delay="0"/>
+                            </p:stCondLst>
+                            <p:childTnLst>
+                              <p:par>
+                                <p:cTn id="13" presetID="1" presetClass="entr" presetSubtype="0" fill="hold" nodeType="clickEffect">
+                                  <p:stCondLst>
+                                    <p:cond delay="0"/>
+                                  </p:stCondLst>
+                                  <p:childTnLst>
+                                    <p:set>
+                                      <p:cBhvr>
+                                        <p:cTn id="14" dur="1" fill="hold">
+                                          <p:stCondLst>
+                                            <p:cond delay="0"/>
+                                          </p:stCondLst>
+                                        </p:cTn>
+                                        <p:tgtEl>
+                                          <p:spTgt spid="3">
+                                            <p:txEl>
+                                              <p:pRg st="3" end="3"/>
+                                            </p:txEl>
+                                          </p:spTgt>
+                                        </p:tgtEl>
+                                        <p:attrNameLst>
+                                          <p:attrName>style.visibility</p:attrName>
+                                        </p:attrNameLst>
+                                      </p:cBhvr>
+                                      <p:to>
+                                        <p:strVal val="visible"/>
+                                      </p:to>
+                                    </p:set>
+                                  </p:childTnLst>
+                                </p:cTn>
+                              </p:par>
+                            </p:childTnLst>
+                          </p:cTn>
+                        </p:par>
+                      </p:childTnLst>
+                    </p:cTn>
+                  </p:par>
+                  <p:par>
+                    <p:cTn id="15" fill="hold">
+                      <p:stCondLst>
+                        <p:cond delay="indefinite"/>
+                      </p:stCondLst>
+                      <p:childTnLst>
+                        <p:par>
+                          <p:cTn id="16" fill="hold">
+                            <p:stCondLst>
+                              <p:cond delay="0"/>
+                            </p:stCondLst>
+                            <p:childTnLst>
+                              <p:par>
+                                <p:cTn id="17" presetID="1" presetClass="entr" presetSubtype="0" fill="hold" nodeType="clickEffect">
+                                  <p:stCondLst>
+                                    <p:cond delay="0"/>
+                                  </p:stCondLst>
+                                  <p:childTnLst>
+                                    <p:set>
+                                      <p:cBhvr>
+                                        <p:cTn id="18" dur="1" fill="hold">
+                                          <p:stCondLst>
+                                            <p:cond delay="0"/>
+                                          </p:stCondLst>
+                                        </p:cTn>
+                                        <p:tgtEl>
+                                          <p:spTgt spid="3">
+                                            <p:txEl>
+                                              <p:pRg st="4" end="4"/>
+                                            </p:txEl>
+                                          </p:spTgt>
+                                        </p:tgtEl>
+                                        <p:attrNameLst>
+                                          <p:attrName>style.visibility</p:attrName>
+                                        </p:attrNameLst>
+                                      </p:cBhvr>
+                                      <p:to>
+                                        <p:strVal val="visible"/>
+                                      </p:to>
+                                    </p:set>
+                                  </p:childTnLst>
+                                </p:cTn>
+                              </p:par>
+                            </p:childTnLst>
+                          </p:cTn>
+                        </p:par>
+                      </p:childTnLst>
+                    </p:cTn>
+                  </p:par>
+                  <p:par>
+                    <p:cTn id="19" fill="hold">
+                      <p:stCondLst>
+                        <p:cond delay="indefinite"/>
+                      </p:stCondLst>
+                      <p:childTnLst>
+                        <p:par>
+                          <p:cTn id="20" fill="hold">
+                            <p:stCondLst>
+                              <p:cond delay="0"/>
+                            </p:stCondLst>
+                            <p:childTnLst>
+                              <p:par>
+                                <p:cTn id="21" presetID="1" presetClass="entr" presetSubtype="0" fill="hold" nodeType="clickEffect">
+                                  <p:stCondLst>
+                                    <p:cond delay="0"/>
+                                  </p:stCondLst>
+                                  <p:childTnLst>
+                                    <p:set>
+                                      <p:cBhvr>
+                                        <p:cTn id="22" dur="1" fill="hold">
+                                          <p:stCondLst>
+                                            <p:cond delay="0"/>
+                                          </p:stCondLst>
+                                        </p:cTn>
+                                        <p:tgtEl>
+                                          <p:spTgt spid="4">
+                                            <p:txEl>
+                                              <p:pRg st="0" end="0"/>
+                                            </p:txEl>
+                                          </p:spTgt>
+                                        </p:tgtEl>
+                                        <p:attrNameLst>
+                                          <p:attrName>style.visibility</p:attrName>
+                                        </p:attrNameLst>
+                                      </p:cBhvr>
+                                      <p:to>
+                                        <p:strVal val="visible"/>
+                                      </p:to>
+                                    </p:set>
+                                  </p:childTnLst>
+                                </p:cTn>
+                              </p:par>
+                            </p:childTnLst>
+                          </p:cTn>
+                        </p:par>
+                      </p:childTnLst>
+                    </p:cTn>
+                  </p:par>
+                  <p:par>
+                    <p:cTn id="23" fill="hold">
+                      <p:stCondLst>
+                        <p:cond delay="indefinite"/>
+                      </p:stCondLst>
+                      <p:childTnLst>
+                        <p:par>
+                          <p:cTn id="24" fill="hold">
+                            <p:stCondLst>
+                              <p:cond delay="0"/>
+                            </p:stCondLst>
+                            <p:childTnLst>
+                              <p:par>
+                                <p:cTn id="25" presetID="1" presetClass="entr" presetSubtype="0" fill="hold" nodeType="clickEffect">
+                                  <p:stCondLst>
+                                    <p:cond delay="0"/>
+                                  </p:stCondLst>
+                                  <p:childTnLst>
+                                    <p:set>
+                                      <p:cBhvr>
+                                        <p:cTn id="26" dur="1" fill="hold">
+                                          <p:stCondLst>
+                                            <p:cond delay="0"/>
+                                          </p:stCondLst>
+                                        </p:cTn>
+                                        <p:tgtEl>
+                                          <p:spTgt spid="4">
+                                            <p:txEl>
+                                              <p:pRg st="1" end="1"/>
+                                            </p:txEl>
+                                          </p:spTgt>
+                                        </p:tgtEl>
+                                        <p:attrNameLst>
+                                          <p:attrName>style.visibility</p:attrName>
+                                        </p:attrNameLst>
+                                      </p:cBhvr>
+                                      <p:to>
+                                        <p:strVal val="visible"/>
+                                      </p:to>
+                                    </p:set>
+                                  </p:childTnLst>
+                                </p:cTn>
+                              </p:par>
+                            </p:childTnLst>
+                          </p:cTn>
+                        </p:par>
+                      </p:childTnLst>
+                    </p:cTn>
+                  </p:par>
+                  <p:par>
+                    <p:cTn id="27" fill="hold">
+                      <p:stCondLst>
+                        <p:cond delay="indefinite"/>
+                      </p:stCondLst>
+                      <p:childTnLst>
+                        <p:par>
+                          <p:cTn id="28" fill="hold">
+                            <p:stCondLst>
+                              <p:cond delay="0"/>
+                            </p:stCondLst>
+                            <p:childTnLst>
+                              <p:par>
+                                <p:cTn id="29" presetID="1" presetClass="entr" presetSubtype="0" fill="hold" nodeType="clickEffect">
+                                  <p:stCondLst>
+                                    <p:cond delay="0"/>
+                                  </p:stCondLst>
+                                  <p:childTnLst>
+                                    <p:set>
+                                      <p:cBhvr>
+                                        <p:cTn id="30" dur="1" fill="hold">
+                                          <p:stCondLst>
+                                            <p:cond delay="0"/>
+                                          </p:stCondLst>
+                                        </p:cTn>
+                                        <p:tgtEl>
+                                          <p:spTgt spid="4">
+                                            <p:txEl>
+                                              <p:pRg st="2" end="2"/>
+                                            </p:txEl>
+                                          </p:spTgt>
+                                        </p:tgtEl>
+                                        <p:attrNameLst>
+                                          <p:attrName>style.visibility</p:attrName>
+                                        </p:attrNameLst>
+                                      </p:cBhvr>
+                                      <p:to>
+                                        <p:strVal val="visible"/>
+                                      </p:to>
+                                    </p:set>
+                                  </p:childTnLst>
+                                </p:cTn>
+                              </p:par>
+                            </p:childTnLst>
+                          </p:cTn>
+                        </p:par>
+                      </p:childTnLst>
+                    </p:cTn>
+                  </p:par>
+                  <p:par>
+                    <p:cTn id="31" fill="hold">
+                      <p:stCondLst>
+                        <p:cond delay="indefinite"/>
+                      </p:stCondLst>
+                      <p:childTnLst>
+                        <p:par>
+                          <p:cTn id="32" fill="hold">
+                            <p:stCondLst>
+                              <p:cond delay="0"/>
+                            </p:stCondLst>
+                            <p:childTnLst>
+                              <p:par>
+                                <p:cTn id="33" presetID="1" presetClass="entr" presetSubtype="0" fill="hold" nodeType="clickEffect">
+                                  <p:stCondLst>
+                                    <p:cond delay="0"/>
+                                  </p:stCondLst>
+                                  <p:childTnLst>
+                                    <p:set>
+                                      <p:cBhvr>
+                                        <p:cTn id="34" dur="1" fill="hold">
+                                          <p:stCondLst>
+                                            <p:cond delay="0"/>
+                                          </p:stCondLst>
+                                        </p:cTn>
+                                        <p:tgtEl>
+                                          <p:spTgt spid="4">
+                                            <p:txEl>
+                                              <p:pRg st="3" end="3"/>
+                                            </p:txEl>
+                                          </p:spTgt>
+                                        </p:tgtEl>
+                                        <p:attrNameLst>
+                                          <p:attrName>style.visibility</p:attrName>
+                                        </p:attrNameLst>
+                                      </p:cBhvr>
+                                      <p:to>
+                                        <p:strVal val="visible"/>
+                                      </p:to>
+                                    </p:set>
+                                  </p:childTnLst>
+                                </p:cTn>
+                              </p:par>
+                            </p:childTnLst>
+                          </p:cTn>
+                        </p:par>
+                      </p:childTnLst>
+                    </p:cTn>
+                  </p:par>
+                </p:childTnLst>
+              </p:cTn>
+              <p:prevCondLst>
+                <p:cond evt="onPrev" delay="0">
+                  <p:tgtEl>
+                    <p:sldTgt/>
+                  </p:tgtEl>
+                </p:cond>
+              </p:prevCondLst>
+              <p:nextCondLst>
+                <p:cond evt="onNext" delay="0">
+                  <p:tgtEl>
+                    <p:sldTgt/>
+                  </p:tgtEl>
+                </p:cond>
+              </p:nextCondLst>
+            </p:seq>
+          </p:childTnLst>
+        </p:cTn>
+      </p:par>
+    </p:tnLst>
+  </p:timing>
 </p:sld>
 </file>
 
 <file path=ppt/slides/slide29.xml><?xml version="1.0" encoding="utf-8"?>
-<p:sld xmlns:a="http://schemas.openxmlformats.org/drawingml/2006/main" xmlns:p="http://schemas.openxmlformats.org/presentationml/2006/main" xmlns:r="http://schemas.openxmlformats.org/officeDocument/2006/relationships">
+<p:sld xmlns:a="http://schemas.openxmlformats.org/drawingml/2006/main" xmlns:r="http://schemas.openxmlformats.org/officeDocument/2006/relationships" xmlns:p="http://schemas.openxmlformats.org/presentationml/2006/main">
   <p:cSld>
     <p:spTree>
       <p:nvGrpSpPr>
@@ -8531,7 +9587,14 @@
         <p:cNvGrpSpPr/>
         <p:nvPr/>
       </p:nvGrpSpPr>
-      <p:grpSpPr/>
+      <p:grpSpPr>
+        <a:xfrm>
+          <a:off x="0" y="0"/>
+          <a:ext cx="0" cy="0"/>
+          <a:chOff x="0" y="0"/>
+          <a:chExt cx="0" cy="0"/>
+        </a:xfrm>
+      </p:grpSpPr>
       <p:sp>
         <p:nvSpPr>
           <p:cNvPr id="2" name="Title 1"/>
@@ -8539,7 +9602,7 @@
             <a:spLocks noGrp="1"/>
           </p:cNvSpPr>
           <p:nvPr>
-            <p:ph type="title"/>
+            <p:ph type="ctrTitle"/>
           </p:nvPr>
         </p:nvSpPr>
         <p:spPr/>
@@ -8548,60 +9611,28 @@
           <a:lstStyle/>
           <a:p>
             <a:r>
-              <a:t>Workshop-Bereitschaft</a:t>
-            </a:r>
-          </a:p>
-        </p:txBody>
-      </p:sp>
-      <p:sp>
-        <p:nvSpPr>
-          <p:cNvPr id="3" name="Content Placeholder 2"/>
-          <p:cNvSpPr>
-            <a:spLocks noGrp="1"/>
-          </p:cNvSpPr>
-          <p:nvPr>
-            <p:ph idx="1"/>
+              <a:t>Refactoring Philosophie</a:t>
+            </a:r>
+          </a:p>
+        </p:txBody>
+      </p:sp>
+      <p:sp>
+        <p:nvSpPr>
+          <p:cNvPr id="3" name="Subtitle 2"/>
+          <p:cNvSpPr>
+            <a:spLocks noGrp="1"/>
+          </p:cNvSpPr>
+          <p:nvPr>
+            <p:ph type="subTitle" idx="1"/>
           </p:nvPr>
         </p:nvSpPr>
         <p:spPr/>
         <p:txBody>
           <a:bodyPr/>
           <a:lstStyle/>
-          <a:p/>
-          <a:p>
-            <a:pPr/>
-            <a:r>
-              <a:t>Ihr persönliches Lernziel</a:t>
-            </a:r>
-          </a:p>
-          <a:p>
-            <a:pPr/>
-            <a:r>
-              <a:t>Frage an die Teilnehmer:</a:t>
-            </a:r>
-          </a:p>
-          <a:p>
-            <a:pPr/>
-            <a:r>
-              <a:t>&gt; "Was ist Ihr persönliches Lernziel für diese 4 Blöcke?"</a:t>
-            </a:r>
-          </a:p>
-          <a:p>
-            <a:pPr/>
-            <a:r>
-              <a:t>Zielsetzung</a:t>
-            </a:r>
-          </a:p>
-          <a:p>
-            <a:pPr/>
-            <a:r>
-              <a:t>Systematische Anwendung von Design Patterns zur Verbesserung von Code-Qualität, Wartbarkeit und Systemarchitektur in Enterprise-Umgebungen.</a:t>
-            </a:r>
-          </a:p>
-          <a:p>
-            <a:pPr/>
-            <a:r>
-              <a:t>Sind Sie bereit? Dann starten wir mit Block 1: Creational Patterns!</a:t>
+          <a:p>
+            <a:r>
+              <a:t>Der Weg zu besserer Code-Qualität</a:t>
             </a:r>
           </a:p>
         </p:txBody>
@@ -8615,7 +9646,7 @@
 </file>
 
 <file path=ppt/slides/slide3.xml><?xml version="1.0" encoding="utf-8"?>
-<p:sld xmlns:a="http://schemas.openxmlformats.org/drawingml/2006/main" xmlns:p="http://schemas.openxmlformats.org/presentationml/2006/main" xmlns:r="http://schemas.openxmlformats.org/officeDocument/2006/relationships">
+<p:sld xmlns:a="http://schemas.openxmlformats.org/drawingml/2006/main" xmlns:r="http://schemas.openxmlformats.org/officeDocument/2006/relationships" xmlns:p="http://schemas.openxmlformats.org/presentationml/2006/main">
   <p:cSld>
     <p:spTree>
       <p:nvGrpSpPr>
@@ -8623,7 +9654,14 @@
         <p:cNvGrpSpPr/>
         <p:nvPr/>
       </p:nvGrpSpPr>
-      <p:grpSpPr/>
+      <p:grpSpPr>
+        <a:xfrm>
+          <a:off x="0" y="0"/>
+          <a:ext cx="0" cy="0"/>
+          <a:chOff x="0" y="0"/>
+          <a:chExt cx="0" cy="0"/>
+        </a:xfrm>
+      </p:grpSpPr>
       <p:sp>
         <p:nvSpPr>
           <p:cNvPr id="2" name="Title 1"/>
@@ -8640,7 +9678,7 @@
           <a:lstStyle/>
           <a:p>
             <a:r>
-              <a:t>Block 1: Creational Patterns</a:t>
+              <a:t>Was werden wir in den nächsten 4 Blöcken lernen?</a:t>
             </a:r>
           </a:p>
         </p:txBody>
@@ -8659,41 +9697,24 @@
         <p:txBody>
           <a:bodyPr/>
           <a:lstStyle/>
-          <a:p/>
-          <a:p>
-            <a:pPr/>
-            <a:r>
-              <a:t>Schwerpunkt: Objekterzeugung</a:t>
-            </a:r>
-          </a:p>
-          <a:p>
-            <a:pPr/>
-            <a:r>
-              <a:t>Factory Method: Objekterzeugung ohne konkrete Klassen</a:t>
-            </a:r>
-          </a:p>
-          <a:p>
-            <a:pPr/>
-            <a:r>
-              <a:t>Abstract Factory: Familien verwandter Objekte</a:t>
-            </a:r>
-          </a:p>
-          <a:p>
-            <a:pPr/>
-            <a:r>
-              <a:t>Builder: Komplexe Objekte Schritt für Schritt aufbauen</a:t>
-            </a:r>
-          </a:p>
-          <a:p>
-            <a:pPr/>
-            <a:r>
-              <a:t>Prototype: Objektklonierung für kostspielige Initialisierung</a:t>
-            </a:r>
-          </a:p>
-          <a:p>
-            <a:pPr/>
-            <a:r>
-              <a:t>Singleton: Eine Instanz für das ganze System</a:t>
+          <a:p>
+            <a:r>
+              <a:t>Block 1: Creational Patterns - Flexible Objekterzeugung in Enterprise-Systemen</a:t>
+            </a:r>
+          </a:p>
+          <a:p>
+            <a:r>
+              <a:t>Block 2: Structural Patterns - Objektkomposition und Systemintegration</a:t>
+            </a:r>
+          </a:p>
+          <a:p>
+            <a:r>
+              <a:t>Block 3: Behavioral Patterns - Verhalten und Kommunikation zwischen Objekten</a:t>
+            </a:r>
+          </a:p>
+          <a:p>
+            <a:r>
+              <a:t>Block 4: Advanced Patterns - Komplexe Szenarien und Pattern-Kombinationen</a:t>
             </a:r>
           </a:p>
         </p:txBody>
@@ -8706,8 +9727,8 @@
 </p:sld>
 </file>
 
-<file path=ppt/slides/slide4.xml><?xml version="1.0" encoding="utf-8"?>
-<p:sld xmlns:a="http://schemas.openxmlformats.org/drawingml/2006/main" xmlns:p="http://schemas.openxmlformats.org/presentationml/2006/main" xmlns:r="http://schemas.openxmlformats.org/officeDocument/2006/relationships">
+<file path=ppt/slides/slide30.xml><?xml version="1.0" encoding="utf-8"?>
+<p:sld xmlns:a="http://schemas.openxmlformats.org/drawingml/2006/main" xmlns:r="http://schemas.openxmlformats.org/officeDocument/2006/relationships" xmlns:p="http://schemas.openxmlformats.org/presentationml/2006/main">
   <p:cSld>
     <p:spTree>
       <p:nvGrpSpPr>
@@ -8715,7 +9736,14 @@
         <p:cNvGrpSpPr/>
         <p:nvPr/>
       </p:nvGrpSpPr>
-      <p:grpSpPr/>
+      <p:grpSpPr>
+        <a:xfrm>
+          <a:off x="0" y="0"/>
+          <a:ext cx="0" cy="0"/>
+          <a:chOff x="0" y="0"/>
+          <a:chExt cx="0" cy="0"/>
+        </a:xfrm>
+      </p:grpSpPr>
       <p:sp>
         <p:nvSpPr>
           <p:cNvPr id="2" name="Title 1"/>
@@ -8732,7 +9760,7 @@
           <a:lstStyle/>
           <a:p>
             <a:r>
-              <a:t>Block 2: Structural Patterns</a:t>
+              <a:t>Was ist Refactoring?</a:t>
             </a:r>
           </a:p>
         </p:txBody>
@@ -8744,42 +9772,3037 @@
             <a:spLocks noGrp="1"/>
           </p:cNvSpPr>
           <p:nvPr>
-            <p:ph idx="1"/>
+            <p:ph sz="half" idx="1"/>
           </p:nvPr>
         </p:nvSpPr>
         <p:spPr/>
         <p:txBody>
           <a:bodyPr/>
           <a:lstStyle/>
-          <a:p/>
-          <a:p>
-            <a:pPr/>
-            <a:r>
-              <a:t>Schwerpunkt: Strukturelle Komposition</a:t>
-            </a:r>
-          </a:p>
-          <a:p>
-            <a:pPr/>
-            <a:r>
-              <a:t>Adapter: Inkompatible Schnittstellen verbinden</a:t>
-            </a:r>
-          </a:p>
-          <a:p>
-            <a:pPr/>
-            <a:r>
-              <a:t>Decorator: Verhalten dynamisch erweitern</a:t>
-            </a:r>
-          </a:p>
-          <a:p>
-            <a:pPr/>
-            <a:r>
-              <a:t>Facade: Komplexe Subsysteme vereinfachen</a:t>
-            </a:r>
-          </a:p>
-          <a:p>
-            <a:pPr/>
-            <a:r>
-              <a:t>Composite: Hierarchische Strukturen behandeln</a:t>
+          <a:p>
+            <a:pPr marL="0" indent="0">
+              <a:lnSpc>
+                <a:spcPct val="150000"/>
+              </a:lnSpc>
+              <a:buNone/>
+            </a:pPr>
+            <a:r>
+              <a:rPr b="1" dirty="0"/>
+              <a:t>Definition </a:t>
+            </a:r>
+            <a:r>
+              <a:rPr b="1" dirty="0" err="1"/>
+              <a:t>nach</a:t>
+            </a:r>
+            <a:r>
+              <a:rPr b="1" dirty="0"/>
+              <a:t> Martin Fowler:</a:t>
+            </a:r>
+          </a:p>
+          <a:p>
+            <a:pPr marL="0" indent="0">
+              <a:lnSpc>
+                <a:spcPct val="150000"/>
+              </a:lnSpc>
+              <a:buNone/>
+            </a:pPr>
+            <a:r>
+              <a:rPr i="1" dirty="0"/>
+              <a:t>"Refactoring is the process of changing a software system in such a way that it does not alter the external behavior of the code yet improves its internal structure."</a:t>
+            </a:r>
+          </a:p>
+        </p:txBody>
+      </p:sp>
+      <p:sp>
+        <p:nvSpPr>
+          <p:cNvPr id="4" name="Content Placeholder 3"/>
+          <p:cNvSpPr>
+            <a:spLocks noGrp="1"/>
+          </p:cNvSpPr>
+          <p:nvPr>
+            <p:ph sz="half" idx="2"/>
+          </p:nvPr>
+        </p:nvSpPr>
+        <p:spPr/>
+        <p:txBody>
+          <a:bodyPr/>
+          <a:lstStyle/>
+          <a:p>
+            <a:pPr marL="0" indent="0">
+              <a:lnSpc>
+                <a:spcPct val="150000"/>
+              </a:lnSpc>
+              <a:buNone/>
+            </a:pPr>
+            <a:r>
+              <a:rPr b="1" dirty="0" err="1"/>
+              <a:t>Schlüsselelemente</a:t>
+            </a:r>
+            <a:r>
+              <a:rPr b="1" dirty="0"/>
+              <a:t>:</a:t>
+            </a:r>
+          </a:p>
+          <a:p>
+            <a:pPr>
+              <a:lnSpc>
+                <a:spcPct val="150000"/>
+              </a:lnSpc>
+            </a:pPr>
+            <a:r>
+              <a:rPr dirty="0" err="1"/>
+              <a:t>Verhalten</a:t>
+            </a:r>
+            <a:r>
+              <a:rPr dirty="0"/>
+              <a:t> </a:t>
+            </a:r>
+            <a:r>
+              <a:rPr dirty="0" err="1"/>
+              <a:t>bleibt</a:t>
+            </a:r>
+            <a:r>
+              <a:rPr dirty="0"/>
+              <a:t> </a:t>
+            </a:r>
+            <a:r>
+              <a:rPr dirty="0" err="1"/>
+              <a:t>gleich</a:t>
+            </a:r>
+            <a:r>
+              <a:rPr dirty="0"/>
+              <a:t> - </a:t>
+            </a:r>
+            <a:r>
+              <a:rPr dirty="0" err="1"/>
+              <a:t>Funktionalität</a:t>
+            </a:r>
+            <a:r>
+              <a:rPr dirty="0"/>
+              <a:t> </a:t>
+            </a:r>
+            <a:r>
+              <a:rPr dirty="0" err="1"/>
+              <a:t>ändert</a:t>
+            </a:r>
+            <a:r>
+              <a:rPr dirty="0"/>
+              <a:t> </a:t>
+            </a:r>
+            <a:r>
+              <a:rPr dirty="0" err="1"/>
+              <a:t>sich</a:t>
+            </a:r>
+            <a:r>
+              <a:rPr dirty="0"/>
+              <a:t> </a:t>
+            </a:r>
+            <a:r>
+              <a:rPr dirty="0" err="1"/>
+              <a:t>nicht</a:t>
+            </a:r>
+            <a:endParaRPr dirty="0"/>
+          </a:p>
+          <a:p>
+            <a:pPr>
+              <a:lnSpc>
+                <a:spcPct val="150000"/>
+              </a:lnSpc>
+            </a:pPr>
+            <a:r>
+              <a:rPr dirty="0" err="1"/>
+              <a:t>Struktur</a:t>
+            </a:r>
+            <a:r>
+              <a:rPr dirty="0"/>
+              <a:t> </a:t>
+            </a:r>
+            <a:r>
+              <a:rPr dirty="0" err="1"/>
+              <a:t>wird</a:t>
+            </a:r>
+            <a:r>
+              <a:rPr dirty="0"/>
+              <a:t> </a:t>
+            </a:r>
+            <a:r>
+              <a:rPr dirty="0" err="1"/>
+              <a:t>besser</a:t>
+            </a:r>
+            <a:r>
+              <a:rPr dirty="0"/>
+              <a:t> - Code </a:t>
+            </a:r>
+            <a:r>
+              <a:rPr dirty="0" err="1"/>
+              <a:t>wird</a:t>
+            </a:r>
+            <a:r>
+              <a:rPr dirty="0"/>
+              <a:t> </a:t>
+            </a:r>
+            <a:r>
+              <a:rPr dirty="0" err="1"/>
+              <a:t>wartbarer</a:t>
+            </a:r>
+            <a:endParaRPr dirty="0"/>
+          </a:p>
+          <a:p>
+            <a:pPr>
+              <a:lnSpc>
+                <a:spcPct val="150000"/>
+              </a:lnSpc>
+            </a:pPr>
+            <a:r>
+              <a:rPr dirty="0"/>
+              <a:t>Kleine </a:t>
+            </a:r>
+            <a:r>
+              <a:rPr dirty="0" err="1"/>
+              <a:t>Schritte</a:t>
+            </a:r>
+            <a:r>
+              <a:rPr dirty="0"/>
+              <a:t> - Viele </a:t>
+            </a:r>
+            <a:r>
+              <a:rPr dirty="0" err="1"/>
+              <a:t>kleine</a:t>
+            </a:r>
+            <a:r>
+              <a:rPr dirty="0"/>
+              <a:t>, </a:t>
+            </a:r>
+            <a:r>
+              <a:rPr dirty="0" err="1"/>
+              <a:t>sichere</a:t>
+            </a:r>
+            <a:r>
+              <a:rPr dirty="0"/>
+              <a:t> </a:t>
+            </a:r>
+            <a:r>
+              <a:rPr dirty="0" err="1"/>
+              <a:t>Änderungen</a:t>
+            </a:r>
+            <a:endParaRPr dirty="0"/>
+          </a:p>
+        </p:txBody>
+      </p:sp>
+    </p:spTree>
+  </p:cSld>
+  <p:clrMapOvr>
+    <a:masterClrMapping/>
+  </p:clrMapOvr>
+  <p:timing>
+    <p:tnLst>
+      <p:par>
+        <p:cTn id="1" dur="indefinite" restart="never" nodeType="tmRoot">
+          <p:childTnLst>
+            <p:seq concurrent="1" nextAc="seek">
+              <p:cTn id="2" dur="indefinite" nodeType="mainSeq">
+                <p:childTnLst>
+                  <p:par>
+                    <p:cTn id="3" fill="hold">
+                      <p:stCondLst>
+                        <p:cond delay="indefinite"/>
+                      </p:stCondLst>
+                      <p:childTnLst>
+                        <p:par>
+                          <p:cTn id="4" fill="hold">
+                            <p:stCondLst>
+                              <p:cond delay="0"/>
+                            </p:stCondLst>
+                            <p:childTnLst>
+                              <p:par>
+                                <p:cTn id="5" presetID="1" presetClass="entr" presetSubtype="0" fill="hold" nodeType="clickEffect">
+                                  <p:stCondLst>
+                                    <p:cond delay="0"/>
+                                  </p:stCondLst>
+                                  <p:childTnLst>
+                                    <p:set>
+                                      <p:cBhvr>
+                                        <p:cTn id="6" dur="1" fill="hold">
+                                          <p:stCondLst>
+                                            <p:cond delay="0"/>
+                                          </p:stCondLst>
+                                        </p:cTn>
+                                        <p:tgtEl>
+                                          <p:spTgt spid="3">
+                                            <p:txEl>
+                                              <p:pRg st="1" end="1"/>
+                                            </p:txEl>
+                                          </p:spTgt>
+                                        </p:tgtEl>
+                                        <p:attrNameLst>
+                                          <p:attrName>style.visibility</p:attrName>
+                                        </p:attrNameLst>
+                                      </p:cBhvr>
+                                      <p:to>
+                                        <p:strVal val="visible"/>
+                                      </p:to>
+                                    </p:set>
+                                  </p:childTnLst>
+                                </p:cTn>
+                              </p:par>
+                            </p:childTnLst>
+                          </p:cTn>
+                        </p:par>
+                      </p:childTnLst>
+                    </p:cTn>
+                  </p:par>
+                  <p:par>
+                    <p:cTn id="7" fill="hold">
+                      <p:stCondLst>
+                        <p:cond delay="indefinite"/>
+                      </p:stCondLst>
+                      <p:childTnLst>
+                        <p:par>
+                          <p:cTn id="8" fill="hold">
+                            <p:stCondLst>
+                              <p:cond delay="0"/>
+                            </p:stCondLst>
+                            <p:childTnLst>
+                              <p:par>
+                                <p:cTn id="9" presetID="1" presetClass="entr" presetSubtype="0" fill="hold" nodeType="clickEffect">
+                                  <p:stCondLst>
+                                    <p:cond delay="0"/>
+                                  </p:stCondLst>
+                                  <p:childTnLst>
+                                    <p:set>
+                                      <p:cBhvr>
+                                        <p:cTn id="10" dur="1" fill="hold">
+                                          <p:stCondLst>
+                                            <p:cond delay="0"/>
+                                          </p:stCondLst>
+                                        </p:cTn>
+                                        <p:tgtEl>
+                                          <p:spTgt spid="4">
+                                            <p:txEl>
+                                              <p:pRg st="0" end="0"/>
+                                            </p:txEl>
+                                          </p:spTgt>
+                                        </p:tgtEl>
+                                        <p:attrNameLst>
+                                          <p:attrName>style.visibility</p:attrName>
+                                        </p:attrNameLst>
+                                      </p:cBhvr>
+                                      <p:to>
+                                        <p:strVal val="visible"/>
+                                      </p:to>
+                                    </p:set>
+                                  </p:childTnLst>
+                                </p:cTn>
+                              </p:par>
+                              <p:par>
+                                <p:cTn id="11" presetID="1" presetClass="entr" presetSubtype="0" fill="hold" nodeType="withEffect">
+                                  <p:stCondLst>
+                                    <p:cond delay="0"/>
+                                  </p:stCondLst>
+                                  <p:childTnLst>
+                                    <p:set>
+                                      <p:cBhvr>
+                                        <p:cTn id="12" dur="1" fill="hold">
+                                          <p:stCondLst>
+                                            <p:cond delay="0"/>
+                                          </p:stCondLst>
+                                        </p:cTn>
+                                        <p:tgtEl>
+                                          <p:spTgt spid="4">
+                                            <p:txEl>
+                                              <p:pRg st="1" end="1"/>
+                                            </p:txEl>
+                                          </p:spTgt>
+                                        </p:tgtEl>
+                                        <p:attrNameLst>
+                                          <p:attrName>style.visibility</p:attrName>
+                                        </p:attrNameLst>
+                                      </p:cBhvr>
+                                      <p:to>
+                                        <p:strVal val="visible"/>
+                                      </p:to>
+                                    </p:set>
+                                  </p:childTnLst>
+                                </p:cTn>
+                              </p:par>
+                            </p:childTnLst>
+                          </p:cTn>
+                        </p:par>
+                      </p:childTnLst>
+                    </p:cTn>
+                  </p:par>
+                  <p:par>
+                    <p:cTn id="13" fill="hold">
+                      <p:stCondLst>
+                        <p:cond delay="indefinite"/>
+                      </p:stCondLst>
+                      <p:childTnLst>
+                        <p:par>
+                          <p:cTn id="14" fill="hold">
+                            <p:stCondLst>
+                              <p:cond delay="0"/>
+                            </p:stCondLst>
+                            <p:childTnLst>
+                              <p:par>
+                                <p:cTn id="15" presetID="1" presetClass="entr" presetSubtype="0" fill="hold" nodeType="clickEffect">
+                                  <p:stCondLst>
+                                    <p:cond delay="0"/>
+                                  </p:stCondLst>
+                                  <p:childTnLst>
+                                    <p:set>
+                                      <p:cBhvr>
+                                        <p:cTn id="16" dur="1" fill="hold">
+                                          <p:stCondLst>
+                                            <p:cond delay="0"/>
+                                          </p:stCondLst>
+                                        </p:cTn>
+                                        <p:tgtEl>
+                                          <p:spTgt spid="4">
+                                            <p:txEl>
+                                              <p:pRg st="2" end="2"/>
+                                            </p:txEl>
+                                          </p:spTgt>
+                                        </p:tgtEl>
+                                        <p:attrNameLst>
+                                          <p:attrName>style.visibility</p:attrName>
+                                        </p:attrNameLst>
+                                      </p:cBhvr>
+                                      <p:to>
+                                        <p:strVal val="visible"/>
+                                      </p:to>
+                                    </p:set>
+                                  </p:childTnLst>
+                                </p:cTn>
+                              </p:par>
+                            </p:childTnLst>
+                          </p:cTn>
+                        </p:par>
+                      </p:childTnLst>
+                    </p:cTn>
+                  </p:par>
+                  <p:par>
+                    <p:cTn id="17" fill="hold">
+                      <p:stCondLst>
+                        <p:cond delay="indefinite"/>
+                      </p:stCondLst>
+                      <p:childTnLst>
+                        <p:par>
+                          <p:cTn id="18" fill="hold">
+                            <p:stCondLst>
+                              <p:cond delay="0"/>
+                            </p:stCondLst>
+                            <p:childTnLst>
+                              <p:par>
+                                <p:cTn id="19" presetID="1" presetClass="entr" presetSubtype="0" fill="hold" nodeType="clickEffect">
+                                  <p:stCondLst>
+                                    <p:cond delay="0"/>
+                                  </p:stCondLst>
+                                  <p:childTnLst>
+                                    <p:set>
+                                      <p:cBhvr>
+                                        <p:cTn id="20" dur="1" fill="hold">
+                                          <p:stCondLst>
+                                            <p:cond delay="0"/>
+                                          </p:stCondLst>
+                                        </p:cTn>
+                                        <p:tgtEl>
+                                          <p:spTgt spid="4">
+                                            <p:txEl>
+                                              <p:pRg st="3" end="3"/>
+                                            </p:txEl>
+                                          </p:spTgt>
+                                        </p:tgtEl>
+                                        <p:attrNameLst>
+                                          <p:attrName>style.visibility</p:attrName>
+                                        </p:attrNameLst>
+                                      </p:cBhvr>
+                                      <p:to>
+                                        <p:strVal val="visible"/>
+                                      </p:to>
+                                    </p:set>
+                                  </p:childTnLst>
+                                </p:cTn>
+                              </p:par>
+                            </p:childTnLst>
+                          </p:cTn>
+                        </p:par>
+                      </p:childTnLst>
+                    </p:cTn>
+                  </p:par>
+                </p:childTnLst>
+              </p:cTn>
+              <p:prevCondLst>
+                <p:cond evt="onPrev" delay="0">
+                  <p:tgtEl>
+                    <p:sldTgt/>
+                  </p:tgtEl>
+                </p:cond>
+              </p:prevCondLst>
+              <p:nextCondLst>
+                <p:cond evt="onNext" delay="0">
+                  <p:tgtEl>
+                    <p:sldTgt/>
+                  </p:tgtEl>
+                </p:cond>
+              </p:nextCondLst>
+            </p:seq>
+          </p:childTnLst>
+        </p:cTn>
+      </p:par>
+    </p:tnLst>
+  </p:timing>
+</p:sld>
+</file>
+
+<file path=ppt/slides/slide31.xml><?xml version="1.0" encoding="utf-8"?>
+<p:sld xmlns:a="http://schemas.openxmlformats.org/drawingml/2006/main" xmlns:r="http://schemas.openxmlformats.org/officeDocument/2006/relationships" xmlns:p="http://schemas.openxmlformats.org/presentationml/2006/main">
+  <p:cSld>
+    <p:spTree>
+      <p:nvGrpSpPr>
+        <p:cNvPr id="1" name=""/>
+        <p:cNvGrpSpPr/>
+        <p:nvPr/>
+      </p:nvGrpSpPr>
+      <p:grpSpPr>
+        <a:xfrm>
+          <a:off x="0" y="0"/>
+          <a:ext cx="0" cy="0"/>
+          <a:chOff x="0" y="0"/>
+          <a:chExt cx="0" cy="0"/>
+        </a:xfrm>
+      </p:grpSpPr>
+      <p:sp>
+        <p:nvSpPr>
+          <p:cNvPr id="2" name="Title 1"/>
+          <p:cNvSpPr>
+            <a:spLocks noGrp="1"/>
+          </p:cNvSpPr>
+          <p:nvPr>
+            <p:ph type="title"/>
+          </p:nvPr>
+        </p:nvSpPr>
+        <p:spPr/>
+        <p:txBody>
+          <a:bodyPr/>
+          <a:lstStyle/>
+          <a:p>
+            <a:r>
+              <a:t>Die Boy Scout Rule - Ursprung und Übertragung</a:t>
+            </a:r>
+          </a:p>
+        </p:txBody>
+      </p:sp>
+      <p:sp>
+        <p:nvSpPr>
+          <p:cNvPr id="3" name="Content Placeholder 2"/>
+          <p:cNvSpPr>
+            <a:spLocks noGrp="1"/>
+          </p:cNvSpPr>
+          <p:nvPr>
+            <p:ph sz="half" idx="1"/>
+          </p:nvPr>
+        </p:nvSpPr>
+        <p:spPr/>
+        <p:txBody>
+          <a:bodyPr/>
+          <a:lstStyle/>
+          <a:p>
+            <a:pPr marL="0" indent="0">
+              <a:lnSpc>
+                <a:spcPct val="150000"/>
+              </a:lnSpc>
+              <a:buNone/>
+            </a:pPr>
+            <a:r>
+              <a:rPr b="1" dirty="0"/>
+              <a:t>Boy Scouts of America:</a:t>
+            </a:r>
+          </a:p>
+          <a:p>
+            <a:pPr>
+              <a:lnSpc>
+                <a:spcPct val="150000"/>
+              </a:lnSpc>
+            </a:pPr>
+            <a:r>
+              <a:rPr dirty="0"/>
+              <a:t>"Try and leave this world a little better than you found it."</a:t>
+            </a:r>
+          </a:p>
+          <a:p>
+            <a:pPr marL="0" indent="0">
+              <a:lnSpc>
+                <a:spcPct val="150000"/>
+              </a:lnSpc>
+              <a:buNone/>
+            </a:pPr>
+            <a:endParaRPr lang="en-US" dirty="0"/>
+          </a:p>
+          <a:p>
+            <a:pPr marL="0" indent="0">
+              <a:lnSpc>
+                <a:spcPct val="150000"/>
+              </a:lnSpc>
+              <a:buNone/>
+            </a:pPr>
+            <a:r>
+              <a:rPr b="1" dirty="0"/>
+              <a:t>Uncle Bob für Software:</a:t>
+            </a:r>
+          </a:p>
+          <a:p>
+            <a:pPr>
+              <a:lnSpc>
+                <a:spcPct val="150000"/>
+              </a:lnSpc>
+            </a:pPr>
+            <a:r>
+              <a:rPr dirty="0"/>
+              <a:t>"Always leave the campground cleaner than you found it."</a:t>
+            </a:r>
+          </a:p>
+        </p:txBody>
+      </p:sp>
+      <p:sp>
+        <p:nvSpPr>
+          <p:cNvPr id="4" name="Content Placeholder 3"/>
+          <p:cNvSpPr>
+            <a:spLocks noGrp="1"/>
+          </p:cNvSpPr>
+          <p:nvPr>
+            <p:ph sz="half" idx="2"/>
+          </p:nvPr>
+        </p:nvSpPr>
+        <p:spPr/>
+        <p:txBody>
+          <a:bodyPr/>
+          <a:lstStyle/>
+          <a:p>
+            <a:pPr marL="0" indent="0">
+              <a:lnSpc>
+                <a:spcPct val="150000"/>
+              </a:lnSpc>
+              <a:buNone/>
+            </a:pPr>
+            <a:r>
+              <a:rPr b="1" dirty="0" err="1"/>
+              <a:t>Praktische</a:t>
+            </a:r>
+            <a:r>
+              <a:rPr b="1" dirty="0"/>
+              <a:t> </a:t>
+            </a:r>
+            <a:r>
+              <a:rPr b="1" dirty="0" err="1"/>
+              <a:t>Anwendung</a:t>
+            </a:r>
+            <a:r>
+              <a:rPr b="1" dirty="0"/>
+              <a:t>:</a:t>
+            </a:r>
+          </a:p>
+          <a:p>
+            <a:pPr>
+              <a:lnSpc>
+                <a:spcPct val="150000"/>
+              </a:lnSpc>
+            </a:pPr>
+            <a:r>
+              <a:rPr dirty="0"/>
+              <a:t>Bei </a:t>
+            </a:r>
+            <a:r>
+              <a:rPr dirty="0" err="1"/>
+              <a:t>jedem</a:t>
+            </a:r>
+            <a:r>
+              <a:rPr dirty="0"/>
+              <a:t> Code-Touch: </a:t>
+            </a:r>
+            <a:r>
+              <a:rPr dirty="0" err="1"/>
+              <a:t>Verstehe</a:t>
+            </a:r>
+            <a:r>
+              <a:rPr dirty="0"/>
+              <a:t> → </a:t>
+            </a:r>
+            <a:r>
+              <a:rPr dirty="0" err="1"/>
+              <a:t>Verbessere</a:t>
+            </a:r>
+            <a:r>
+              <a:rPr dirty="0"/>
+              <a:t> → </a:t>
+            </a:r>
+            <a:r>
+              <a:rPr dirty="0" err="1"/>
+              <a:t>Prüfe</a:t>
+            </a:r>
+            <a:r>
+              <a:rPr dirty="0"/>
+              <a:t> → </a:t>
+            </a:r>
+            <a:r>
+              <a:rPr dirty="0" err="1"/>
+              <a:t>Committe</a:t>
+            </a:r>
+            <a:endParaRPr dirty="0"/>
+          </a:p>
+          <a:p>
+            <a:pPr>
+              <a:lnSpc>
+                <a:spcPct val="150000"/>
+              </a:lnSpc>
+            </a:pPr>
+            <a:r>
+              <a:rPr dirty="0" err="1"/>
+              <a:t>Konkrete</a:t>
+            </a:r>
+            <a:r>
+              <a:rPr dirty="0"/>
+              <a:t> </a:t>
+            </a:r>
+            <a:r>
+              <a:rPr dirty="0" err="1"/>
+              <a:t>Aktionen</a:t>
+            </a:r>
+            <a:r>
+              <a:rPr dirty="0"/>
+              <a:t>: Variable </a:t>
+            </a:r>
+            <a:r>
+              <a:rPr dirty="0" err="1"/>
+              <a:t>umbenennen</a:t>
+            </a:r>
+            <a:r>
+              <a:rPr dirty="0"/>
+              <a:t>, Magic Numbers </a:t>
+            </a:r>
+            <a:r>
+              <a:rPr dirty="0" err="1"/>
+              <a:t>extrahieren</a:t>
+            </a:r>
+            <a:r>
+              <a:rPr dirty="0"/>
+              <a:t>, Long Methods </a:t>
+            </a:r>
+            <a:r>
+              <a:rPr dirty="0" err="1"/>
+              <a:t>aufteilen</a:t>
+            </a:r>
+            <a:endParaRPr dirty="0"/>
+          </a:p>
+        </p:txBody>
+      </p:sp>
+    </p:spTree>
+  </p:cSld>
+  <p:clrMapOvr>
+    <a:masterClrMapping/>
+  </p:clrMapOvr>
+  <p:timing>
+    <p:tnLst>
+      <p:par>
+        <p:cTn id="1" dur="indefinite" restart="never" nodeType="tmRoot">
+          <p:childTnLst>
+            <p:seq concurrent="1" nextAc="seek">
+              <p:cTn id="2" dur="indefinite" nodeType="mainSeq">
+                <p:childTnLst>
+                  <p:par>
+                    <p:cTn id="3" fill="hold">
+                      <p:stCondLst>
+                        <p:cond delay="indefinite"/>
+                      </p:stCondLst>
+                      <p:childTnLst>
+                        <p:par>
+                          <p:cTn id="4" fill="hold">
+                            <p:stCondLst>
+                              <p:cond delay="0"/>
+                            </p:stCondLst>
+                            <p:childTnLst>
+                              <p:par>
+                                <p:cTn id="5" presetID="1" presetClass="entr" presetSubtype="0" fill="hold" nodeType="clickEffect">
+                                  <p:stCondLst>
+                                    <p:cond delay="0"/>
+                                  </p:stCondLst>
+                                  <p:childTnLst>
+                                    <p:set>
+                                      <p:cBhvr>
+                                        <p:cTn id="6" dur="1" fill="hold">
+                                          <p:stCondLst>
+                                            <p:cond delay="0"/>
+                                          </p:stCondLst>
+                                        </p:cTn>
+                                        <p:tgtEl>
+                                          <p:spTgt spid="3">
+                                            <p:txEl>
+                                              <p:pRg st="1" end="1"/>
+                                            </p:txEl>
+                                          </p:spTgt>
+                                        </p:tgtEl>
+                                        <p:attrNameLst>
+                                          <p:attrName>style.visibility</p:attrName>
+                                        </p:attrNameLst>
+                                      </p:cBhvr>
+                                      <p:to>
+                                        <p:strVal val="visible"/>
+                                      </p:to>
+                                    </p:set>
+                                  </p:childTnLst>
+                                </p:cTn>
+                              </p:par>
+                            </p:childTnLst>
+                          </p:cTn>
+                        </p:par>
+                      </p:childTnLst>
+                    </p:cTn>
+                  </p:par>
+                  <p:par>
+                    <p:cTn id="7" fill="hold">
+                      <p:stCondLst>
+                        <p:cond delay="indefinite"/>
+                      </p:stCondLst>
+                      <p:childTnLst>
+                        <p:par>
+                          <p:cTn id="8" fill="hold">
+                            <p:stCondLst>
+                              <p:cond delay="0"/>
+                            </p:stCondLst>
+                            <p:childTnLst>
+                              <p:par>
+                                <p:cTn id="9" presetID="1" presetClass="entr" presetSubtype="0" fill="hold" nodeType="clickEffect">
+                                  <p:stCondLst>
+                                    <p:cond delay="0"/>
+                                  </p:stCondLst>
+                                  <p:childTnLst>
+                                    <p:set>
+                                      <p:cBhvr>
+                                        <p:cTn id="10" dur="1" fill="hold">
+                                          <p:stCondLst>
+                                            <p:cond delay="0"/>
+                                          </p:stCondLst>
+                                        </p:cTn>
+                                        <p:tgtEl>
+                                          <p:spTgt spid="3">
+                                            <p:txEl>
+                                              <p:pRg st="3" end="3"/>
+                                            </p:txEl>
+                                          </p:spTgt>
+                                        </p:tgtEl>
+                                        <p:attrNameLst>
+                                          <p:attrName>style.visibility</p:attrName>
+                                        </p:attrNameLst>
+                                      </p:cBhvr>
+                                      <p:to>
+                                        <p:strVal val="visible"/>
+                                      </p:to>
+                                    </p:set>
+                                  </p:childTnLst>
+                                </p:cTn>
+                              </p:par>
+                              <p:par>
+                                <p:cTn id="11" presetID="1" presetClass="entr" presetSubtype="0" fill="hold" nodeType="withEffect">
+                                  <p:stCondLst>
+                                    <p:cond delay="0"/>
+                                  </p:stCondLst>
+                                  <p:childTnLst>
+                                    <p:set>
+                                      <p:cBhvr>
+                                        <p:cTn id="12" dur="1" fill="hold">
+                                          <p:stCondLst>
+                                            <p:cond delay="0"/>
+                                          </p:stCondLst>
+                                        </p:cTn>
+                                        <p:tgtEl>
+                                          <p:spTgt spid="3">
+                                            <p:txEl>
+                                              <p:pRg st="4" end="4"/>
+                                            </p:txEl>
+                                          </p:spTgt>
+                                        </p:tgtEl>
+                                        <p:attrNameLst>
+                                          <p:attrName>style.visibility</p:attrName>
+                                        </p:attrNameLst>
+                                      </p:cBhvr>
+                                      <p:to>
+                                        <p:strVal val="visible"/>
+                                      </p:to>
+                                    </p:set>
+                                  </p:childTnLst>
+                                </p:cTn>
+                              </p:par>
+                            </p:childTnLst>
+                          </p:cTn>
+                        </p:par>
+                      </p:childTnLst>
+                    </p:cTn>
+                  </p:par>
+                  <p:par>
+                    <p:cTn id="13" fill="hold">
+                      <p:stCondLst>
+                        <p:cond delay="indefinite"/>
+                      </p:stCondLst>
+                      <p:childTnLst>
+                        <p:par>
+                          <p:cTn id="14" fill="hold">
+                            <p:stCondLst>
+                              <p:cond delay="0"/>
+                            </p:stCondLst>
+                            <p:childTnLst>
+                              <p:par>
+                                <p:cTn id="15" presetID="1" presetClass="entr" presetSubtype="0" fill="hold" nodeType="clickEffect">
+                                  <p:stCondLst>
+                                    <p:cond delay="0"/>
+                                  </p:stCondLst>
+                                  <p:childTnLst>
+                                    <p:set>
+                                      <p:cBhvr>
+                                        <p:cTn id="16" dur="1" fill="hold">
+                                          <p:stCondLst>
+                                            <p:cond delay="0"/>
+                                          </p:stCondLst>
+                                        </p:cTn>
+                                        <p:tgtEl>
+                                          <p:spTgt spid="4">
+                                            <p:txEl>
+                                              <p:pRg st="0" end="0"/>
+                                            </p:txEl>
+                                          </p:spTgt>
+                                        </p:tgtEl>
+                                        <p:attrNameLst>
+                                          <p:attrName>style.visibility</p:attrName>
+                                        </p:attrNameLst>
+                                      </p:cBhvr>
+                                      <p:to>
+                                        <p:strVal val="visible"/>
+                                      </p:to>
+                                    </p:set>
+                                  </p:childTnLst>
+                                </p:cTn>
+                              </p:par>
+                            </p:childTnLst>
+                          </p:cTn>
+                        </p:par>
+                      </p:childTnLst>
+                    </p:cTn>
+                  </p:par>
+                  <p:par>
+                    <p:cTn id="17" fill="hold">
+                      <p:stCondLst>
+                        <p:cond delay="indefinite"/>
+                      </p:stCondLst>
+                      <p:childTnLst>
+                        <p:par>
+                          <p:cTn id="18" fill="hold">
+                            <p:stCondLst>
+                              <p:cond delay="0"/>
+                            </p:stCondLst>
+                            <p:childTnLst>
+                              <p:par>
+                                <p:cTn id="19" presetID="1" presetClass="entr" presetSubtype="0" fill="hold" nodeType="clickEffect">
+                                  <p:stCondLst>
+                                    <p:cond delay="0"/>
+                                  </p:stCondLst>
+                                  <p:childTnLst>
+                                    <p:set>
+                                      <p:cBhvr>
+                                        <p:cTn id="20" dur="1" fill="hold">
+                                          <p:stCondLst>
+                                            <p:cond delay="0"/>
+                                          </p:stCondLst>
+                                        </p:cTn>
+                                        <p:tgtEl>
+                                          <p:spTgt spid="4">
+                                            <p:txEl>
+                                              <p:pRg st="1" end="1"/>
+                                            </p:txEl>
+                                          </p:spTgt>
+                                        </p:tgtEl>
+                                        <p:attrNameLst>
+                                          <p:attrName>style.visibility</p:attrName>
+                                        </p:attrNameLst>
+                                      </p:cBhvr>
+                                      <p:to>
+                                        <p:strVal val="visible"/>
+                                      </p:to>
+                                    </p:set>
+                                  </p:childTnLst>
+                                </p:cTn>
+                              </p:par>
+                            </p:childTnLst>
+                          </p:cTn>
+                        </p:par>
+                      </p:childTnLst>
+                    </p:cTn>
+                  </p:par>
+                  <p:par>
+                    <p:cTn id="21" fill="hold">
+                      <p:stCondLst>
+                        <p:cond delay="indefinite"/>
+                      </p:stCondLst>
+                      <p:childTnLst>
+                        <p:par>
+                          <p:cTn id="22" fill="hold">
+                            <p:stCondLst>
+                              <p:cond delay="0"/>
+                            </p:stCondLst>
+                            <p:childTnLst>
+                              <p:par>
+                                <p:cTn id="23" presetID="1" presetClass="entr" presetSubtype="0" fill="hold" nodeType="clickEffect">
+                                  <p:stCondLst>
+                                    <p:cond delay="0"/>
+                                  </p:stCondLst>
+                                  <p:childTnLst>
+                                    <p:set>
+                                      <p:cBhvr>
+                                        <p:cTn id="24" dur="1" fill="hold">
+                                          <p:stCondLst>
+                                            <p:cond delay="0"/>
+                                          </p:stCondLst>
+                                        </p:cTn>
+                                        <p:tgtEl>
+                                          <p:spTgt spid="4">
+                                            <p:txEl>
+                                              <p:pRg st="2" end="2"/>
+                                            </p:txEl>
+                                          </p:spTgt>
+                                        </p:tgtEl>
+                                        <p:attrNameLst>
+                                          <p:attrName>style.visibility</p:attrName>
+                                        </p:attrNameLst>
+                                      </p:cBhvr>
+                                      <p:to>
+                                        <p:strVal val="visible"/>
+                                      </p:to>
+                                    </p:set>
+                                  </p:childTnLst>
+                                </p:cTn>
+                              </p:par>
+                            </p:childTnLst>
+                          </p:cTn>
+                        </p:par>
+                      </p:childTnLst>
+                    </p:cTn>
+                  </p:par>
+                </p:childTnLst>
+              </p:cTn>
+              <p:prevCondLst>
+                <p:cond evt="onPrev" delay="0">
+                  <p:tgtEl>
+                    <p:sldTgt/>
+                  </p:tgtEl>
+                </p:cond>
+              </p:prevCondLst>
+              <p:nextCondLst>
+                <p:cond evt="onNext" delay="0">
+                  <p:tgtEl>
+                    <p:sldTgt/>
+                  </p:tgtEl>
+                </p:cond>
+              </p:nextCondLst>
+            </p:seq>
+          </p:childTnLst>
+        </p:cTn>
+      </p:par>
+    </p:tnLst>
+  </p:timing>
+</p:sld>
+</file>
+
+<file path=ppt/slides/slide32.xml><?xml version="1.0" encoding="utf-8"?>
+<p:sld xmlns:a="http://schemas.openxmlformats.org/drawingml/2006/main" xmlns:r="http://schemas.openxmlformats.org/officeDocument/2006/relationships" xmlns:p="http://schemas.openxmlformats.org/presentationml/2006/main">
+  <p:cSld>
+    <p:spTree>
+      <p:nvGrpSpPr>
+        <p:cNvPr id="1" name=""/>
+        <p:cNvGrpSpPr/>
+        <p:nvPr/>
+      </p:nvGrpSpPr>
+      <p:grpSpPr>
+        <a:xfrm>
+          <a:off x="0" y="0"/>
+          <a:ext cx="0" cy="0"/>
+          <a:chOff x="0" y="0"/>
+          <a:chExt cx="0" cy="0"/>
+        </a:xfrm>
+      </p:grpSpPr>
+      <p:sp>
+        <p:nvSpPr>
+          <p:cNvPr id="2" name="Title 1"/>
+          <p:cNvSpPr>
+            <a:spLocks noGrp="1"/>
+          </p:cNvSpPr>
+          <p:nvPr>
+            <p:ph type="title"/>
+          </p:nvPr>
+        </p:nvSpPr>
+        <p:spPr/>
+        <p:txBody>
+          <a:bodyPr/>
+          <a:lstStyle/>
+          <a:p>
+            <a:r>
+              <a:t>Wann refactoren? - Die "Rule of Three"</a:t>
+            </a:r>
+          </a:p>
+        </p:txBody>
+      </p:sp>
+      <p:sp>
+        <p:nvSpPr>
+          <p:cNvPr id="3" name="Content Placeholder 2"/>
+          <p:cNvSpPr>
+            <a:spLocks noGrp="1"/>
+          </p:cNvSpPr>
+          <p:nvPr>
+            <p:ph sz="half" idx="1"/>
+          </p:nvPr>
+        </p:nvSpPr>
+        <p:spPr/>
+        <p:txBody>
+          <a:bodyPr/>
+          <a:lstStyle/>
+          <a:p>
+            <a:pPr marL="0" indent="0">
+              <a:lnSpc>
+                <a:spcPct val="150000"/>
+              </a:lnSpc>
+              <a:buNone/>
+            </a:pPr>
+            <a:r>
+              <a:rPr b="1" dirty="0"/>
+              <a:t>Die "Rule of Three":</a:t>
+            </a:r>
+          </a:p>
+          <a:p>
+            <a:pPr marL="0" indent="0">
+              <a:lnSpc>
+                <a:spcPct val="150000"/>
+              </a:lnSpc>
+              <a:buNone/>
+            </a:pPr>
+            <a:r>
+              <a:rPr dirty="0"/>
+              <a:t>1. Das </a:t>
+            </a:r>
+            <a:r>
+              <a:rPr dirty="0" err="1"/>
+              <a:t>erste</a:t>
+            </a:r>
+            <a:r>
+              <a:rPr dirty="0"/>
+              <a:t> Mal - </a:t>
+            </a:r>
+            <a:r>
+              <a:rPr dirty="0" err="1"/>
+              <a:t>mache</a:t>
+            </a:r>
+            <a:r>
+              <a:rPr dirty="0"/>
+              <a:t> es </a:t>
+            </a:r>
+            <a:r>
+              <a:rPr dirty="0" err="1"/>
+              <a:t>einfach</a:t>
+            </a:r>
+            <a:endParaRPr dirty="0"/>
+          </a:p>
+          <a:p>
+            <a:pPr marL="0" indent="0">
+              <a:lnSpc>
+                <a:spcPct val="150000"/>
+              </a:lnSpc>
+              <a:buNone/>
+            </a:pPr>
+            <a:r>
+              <a:rPr dirty="0"/>
+              <a:t>2. Das </a:t>
+            </a:r>
+            <a:r>
+              <a:rPr dirty="0" err="1"/>
+              <a:t>zweite</a:t>
+            </a:r>
+            <a:r>
+              <a:rPr dirty="0"/>
+              <a:t> Mal - </a:t>
+            </a:r>
+            <a:r>
+              <a:rPr dirty="0" err="1"/>
+              <a:t>ärgere</a:t>
+            </a:r>
+            <a:r>
+              <a:rPr dirty="0"/>
+              <a:t> dich </a:t>
+            </a:r>
+            <a:r>
+              <a:rPr dirty="0" err="1"/>
+              <a:t>über</a:t>
+            </a:r>
+            <a:r>
+              <a:rPr dirty="0"/>
+              <a:t> </a:t>
+            </a:r>
+            <a:r>
+              <a:rPr dirty="0" err="1"/>
+              <a:t>Duplikation</a:t>
+            </a:r>
+            <a:r>
+              <a:rPr dirty="0"/>
+              <a:t>, </a:t>
+            </a:r>
+            <a:r>
+              <a:rPr dirty="0" err="1"/>
+              <a:t>aber</a:t>
+            </a:r>
+            <a:r>
+              <a:rPr dirty="0"/>
+              <a:t> </a:t>
+            </a:r>
+            <a:r>
+              <a:rPr dirty="0" err="1"/>
+              <a:t>mache</a:t>
+            </a:r>
+            <a:r>
+              <a:rPr dirty="0"/>
+              <a:t> es </a:t>
+            </a:r>
+            <a:r>
+              <a:rPr dirty="0" err="1"/>
+              <a:t>trotzdem</a:t>
+            </a:r>
+            <a:endParaRPr dirty="0"/>
+          </a:p>
+          <a:p>
+            <a:pPr marL="0" indent="0">
+              <a:lnSpc>
+                <a:spcPct val="150000"/>
+              </a:lnSpc>
+              <a:buNone/>
+            </a:pPr>
+            <a:r>
+              <a:rPr dirty="0"/>
+              <a:t>3. Das </a:t>
+            </a:r>
+            <a:r>
+              <a:rPr dirty="0" err="1"/>
+              <a:t>dritte</a:t>
+            </a:r>
+            <a:r>
+              <a:rPr dirty="0"/>
+              <a:t> Mal - </a:t>
+            </a:r>
+            <a:r>
+              <a:rPr dirty="0" err="1"/>
+              <a:t>refactore</a:t>
+            </a:r>
+            <a:r>
+              <a:rPr dirty="0"/>
+              <a:t>!</a:t>
+            </a:r>
+          </a:p>
+        </p:txBody>
+      </p:sp>
+      <p:sp>
+        <p:nvSpPr>
+          <p:cNvPr id="4" name="Content Placeholder 3"/>
+          <p:cNvSpPr>
+            <a:spLocks noGrp="1"/>
+          </p:cNvSpPr>
+          <p:nvPr>
+            <p:ph sz="half" idx="2"/>
+          </p:nvPr>
+        </p:nvSpPr>
+        <p:spPr/>
+        <p:txBody>
+          <a:bodyPr/>
+          <a:lstStyle/>
+          <a:p>
+            <a:pPr marL="0" indent="0">
+              <a:lnSpc>
+                <a:spcPct val="150000"/>
+              </a:lnSpc>
+              <a:buNone/>
+            </a:pPr>
+            <a:r>
+              <a:rPr b="1" dirty="0"/>
+              <a:t>Refactoring-Trigger:</a:t>
+            </a:r>
+          </a:p>
+          <a:p>
+            <a:pPr>
+              <a:lnSpc>
+                <a:spcPct val="150000"/>
+              </a:lnSpc>
+            </a:pPr>
+            <a:r>
+              <a:rPr dirty="0"/>
+              <a:t>Wenn du Code verstehen </a:t>
+            </a:r>
+            <a:r>
+              <a:rPr dirty="0" err="1"/>
+              <a:t>musst</a:t>
+            </a:r>
+            <a:endParaRPr dirty="0"/>
+          </a:p>
+          <a:p>
+            <a:pPr>
+              <a:lnSpc>
+                <a:spcPct val="150000"/>
+              </a:lnSpc>
+            </a:pPr>
+            <a:r>
+              <a:rPr dirty="0"/>
+              <a:t>Wenn du </a:t>
+            </a:r>
+            <a:r>
+              <a:rPr dirty="0" err="1"/>
+              <a:t>Duplikation</a:t>
+            </a:r>
+            <a:r>
+              <a:rPr dirty="0"/>
+              <a:t> </a:t>
+            </a:r>
+            <a:r>
+              <a:rPr dirty="0" err="1"/>
+              <a:t>siehst</a:t>
+            </a:r>
+            <a:r>
+              <a:rPr lang="en-US" dirty="0"/>
+              <a:t> (Copy-Paste Code)</a:t>
+            </a:r>
+            <a:endParaRPr dirty="0"/>
+          </a:p>
+          <a:p>
+            <a:pPr>
+              <a:lnSpc>
+                <a:spcPct val="150000"/>
+              </a:lnSpc>
+            </a:pPr>
+            <a:r>
+              <a:rPr dirty="0"/>
+              <a:t>Wenn Code "</a:t>
+            </a:r>
+            <a:r>
+              <a:rPr dirty="0" err="1"/>
+              <a:t>riecht</a:t>
+            </a:r>
+            <a:r>
+              <a:rPr dirty="0"/>
+              <a:t>" (Long Method, Large Class, Long Parameter List)</a:t>
+            </a:r>
+          </a:p>
+        </p:txBody>
+      </p:sp>
+    </p:spTree>
+  </p:cSld>
+  <p:clrMapOvr>
+    <a:masterClrMapping/>
+  </p:clrMapOvr>
+  <p:timing>
+    <p:tnLst>
+      <p:par>
+        <p:cTn id="1" dur="indefinite" restart="never" nodeType="tmRoot">
+          <p:childTnLst>
+            <p:seq concurrent="1" nextAc="seek">
+              <p:cTn id="2" dur="indefinite" nodeType="mainSeq">
+                <p:childTnLst>
+                  <p:par>
+                    <p:cTn id="3" fill="hold">
+                      <p:stCondLst>
+                        <p:cond delay="indefinite"/>
+                      </p:stCondLst>
+                      <p:childTnLst>
+                        <p:par>
+                          <p:cTn id="4" fill="hold">
+                            <p:stCondLst>
+                              <p:cond delay="0"/>
+                            </p:stCondLst>
+                            <p:childTnLst>
+                              <p:par>
+                                <p:cTn id="5" presetID="1" presetClass="entr" presetSubtype="0" fill="hold" nodeType="clickEffect">
+                                  <p:stCondLst>
+                                    <p:cond delay="0"/>
+                                  </p:stCondLst>
+                                  <p:childTnLst>
+                                    <p:set>
+                                      <p:cBhvr>
+                                        <p:cTn id="6" dur="1" fill="hold">
+                                          <p:stCondLst>
+                                            <p:cond delay="0"/>
+                                          </p:stCondLst>
+                                        </p:cTn>
+                                        <p:tgtEl>
+                                          <p:spTgt spid="3">
+                                            <p:txEl>
+                                              <p:pRg st="1" end="1"/>
+                                            </p:txEl>
+                                          </p:spTgt>
+                                        </p:tgtEl>
+                                        <p:attrNameLst>
+                                          <p:attrName>style.visibility</p:attrName>
+                                        </p:attrNameLst>
+                                      </p:cBhvr>
+                                      <p:to>
+                                        <p:strVal val="visible"/>
+                                      </p:to>
+                                    </p:set>
+                                  </p:childTnLst>
+                                </p:cTn>
+                              </p:par>
+                            </p:childTnLst>
+                          </p:cTn>
+                        </p:par>
+                      </p:childTnLst>
+                    </p:cTn>
+                  </p:par>
+                  <p:par>
+                    <p:cTn id="7" fill="hold">
+                      <p:stCondLst>
+                        <p:cond delay="indefinite"/>
+                      </p:stCondLst>
+                      <p:childTnLst>
+                        <p:par>
+                          <p:cTn id="8" fill="hold">
+                            <p:stCondLst>
+                              <p:cond delay="0"/>
+                            </p:stCondLst>
+                            <p:childTnLst>
+                              <p:par>
+                                <p:cTn id="9" presetID="1" presetClass="entr" presetSubtype="0" fill="hold" nodeType="clickEffect">
+                                  <p:stCondLst>
+                                    <p:cond delay="0"/>
+                                  </p:stCondLst>
+                                  <p:childTnLst>
+                                    <p:set>
+                                      <p:cBhvr>
+                                        <p:cTn id="10" dur="1" fill="hold">
+                                          <p:stCondLst>
+                                            <p:cond delay="0"/>
+                                          </p:stCondLst>
+                                        </p:cTn>
+                                        <p:tgtEl>
+                                          <p:spTgt spid="3">
+                                            <p:txEl>
+                                              <p:pRg st="2" end="2"/>
+                                            </p:txEl>
+                                          </p:spTgt>
+                                        </p:tgtEl>
+                                        <p:attrNameLst>
+                                          <p:attrName>style.visibility</p:attrName>
+                                        </p:attrNameLst>
+                                      </p:cBhvr>
+                                      <p:to>
+                                        <p:strVal val="visible"/>
+                                      </p:to>
+                                    </p:set>
+                                  </p:childTnLst>
+                                </p:cTn>
+                              </p:par>
+                            </p:childTnLst>
+                          </p:cTn>
+                        </p:par>
+                      </p:childTnLst>
+                    </p:cTn>
+                  </p:par>
+                  <p:par>
+                    <p:cTn id="11" fill="hold">
+                      <p:stCondLst>
+                        <p:cond delay="indefinite"/>
+                      </p:stCondLst>
+                      <p:childTnLst>
+                        <p:par>
+                          <p:cTn id="12" fill="hold">
+                            <p:stCondLst>
+                              <p:cond delay="0"/>
+                            </p:stCondLst>
+                            <p:childTnLst>
+                              <p:par>
+                                <p:cTn id="13" presetID="1" presetClass="entr" presetSubtype="0" fill="hold" nodeType="clickEffect">
+                                  <p:stCondLst>
+                                    <p:cond delay="0"/>
+                                  </p:stCondLst>
+                                  <p:childTnLst>
+                                    <p:set>
+                                      <p:cBhvr>
+                                        <p:cTn id="14" dur="1" fill="hold">
+                                          <p:stCondLst>
+                                            <p:cond delay="0"/>
+                                          </p:stCondLst>
+                                        </p:cTn>
+                                        <p:tgtEl>
+                                          <p:spTgt spid="3">
+                                            <p:txEl>
+                                              <p:pRg st="3" end="3"/>
+                                            </p:txEl>
+                                          </p:spTgt>
+                                        </p:tgtEl>
+                                        <p:attrNameLst>
+                                          <p:attrName>style.visibility</p:attrName>
+                                        </p:attrNameLst>
+                                      </p:cBhvr>
+                                      <p:to>
+                                        <p:strVal val="visible"/>
+                                      </p:to>
+                                    </p:set>
+                                  </p:childTnLst>
+                                </p:cTn>
+                              </p:par>
+                            </p:childTnLst>
+                          </p:cTn>
+                        </p:par>
+                      </p:childTnLst>
+                    </p:cTn>
+                  </p:par>
+                  <p:par>
+                    <p:cTn id="15" fill="hold">
+                      <p:stCondLst>
+                        <p:cond delay="indefinite"/>
+                      </p:stCondLst>
+                      <p:childTnLst>
+                        <p:par>
+                          <p:cTn id="16" fill="hold">
+                            <p:stCondLst>
+                              <p:cond delay="0"/>
+                            </p:stCondLst>
+                            <p:childTnLst>
+                              <p:par>
+                                <p:cTn id="17" presetID="1" presetClass="entr" presetSubtype="0" fill="hold" nodeType="clickEffect">
+                                  <p:stCondLst>
+                                    <p:cond delay="0"/>
+                                  </p:stCondLst>
+                                  <p:childTnLst>
+                                    <p:set>
+                                      <p:cBhvr>
+                                        <p:cTn id="18" dur="1" fill="hold">
+                                          <p:stCondLst>
+                                            <p:cond delay="0"/>
+                                          </p:stCondLst>
+                                        </p:cTn>
+                                        <p:tgtEl>
+                                          <p:spTgt spid="4">
+                                            <p:txEl>
+                                              <p:pRg st="0" end="0"/>
+                                            </p:txEl>
+                                          </p:spTgt>
+                                        </p:tgtEl>
+                                        <p:attrNameLst>
+                                          <p:attrName>style.visibility</p:attrName>
+                                        </p:attrNameLst>
+                                      </p:cBhvr>
+                                      <p:to>
+                                        <p:strVal val="visible"/>
+                                      </p:to>
+                                    </p:set>
+                                  </p:childTnLst>
+                                </p:cTn>
+                              </p:par>
+                            </p:childTnLst>
+                          </p:cTn>
+                        </p:par>
+                      </p:childTnLst>
+                    </p:cTn>
+                  </p:par>
+                  <p:par>
+                    <p:cTn id="19" fill="hold">
+                      <p:stCondLst>
+                        <p:cond delay="indefinite"/>
+                      </p:stCondLst>
+                      <p:childTnLst>
+                        <p:par>
+                          <p:cTn id="20" fill="hold">
+                            <p:stCondLst>
+                              <p:cond delay="0"/>
+                            </p:stCondLst>
+                            <p:childTnLst>
+                              <p:par>
+                                <p:cTn id="21" presetID="1" presetClass="entr" presetSubtype="0" fill="hold" nodeType="clickEffect">
+                                  <p:stCondLst>
+                                    <p:cond delay="0"/>
+                                  </p:stCondLst>
+                                  <p:childTnLst>
+                                    <p:set>
+                                      <p:cBhvr>
+                                        <p:cTn id="22" dur="1" fill="hold">
+                                          <p:stCondLst>
+                                            <p:cond delay="0"/>
+                                          </p:stCondLst>
+                                        </p:cTn>
+                                        <p:tgtEl>
+                                          <p:spTgt spid="4">
+                                            <p:txEl>
+                                              <p:pRg st="1" end="1"/>
+                                            </p:txEl>
+                                          </p:spTgt>
+                                        </p:tgtEl>
+                                        <p:attrNameLst>
+                                          <p:attrName>style.visibility</p:attrName>
+                                        </p:attrNameLst>
+                                      </p:cBhvr>
+                                      <p:to>
+                                        <p:strVal val="visible"/>
+                                      </p:to>
+                                    </p:set>
+                                  </p:childTnLst>
+                                </p:cTn>
+                              </p:par>
+                            </p:childTnLst>
+                          </p:cTn>
+                        </p:par>
+                      </p:childTnLst>
+                    </p:cTn>
+                  </p:par>
+                  <p:par>
+                    <p:cTn id="23" fill="hold">
+                      <p:stCondLst>
+                        <p:cond delay="indefinite"/>
+                      </p:stCondLst>
+                      <p:childTnLst>
+                        <p:par>
+                          <p:cTn id="24" fill="hold">
+                            <p:stCondLst>
+                              <p:cond delay="0"/>
+                            </p:stCondLst>
+                            <p:childTnLst>
+                              <p:par>
+                                <p:cTn id="25" presetID="1" presetClass="entr" presetSubtype="0" fill="hold" nodeType="clickEffect">
+                                  <p:stCondLst>
+                                    <p:cond delay="0"/>
+                                  </p:stCondLst>
+                                  <p:childTnLst>
+                                    <p:set>
+                                      <p:cBhvr>
+                                        <p:cTn id="26" dur="1" fill="hold">
+                                          <p:stCondLst>
+                                            <p:cond delay="0"/>
+                                          </p:stCondLst>
+                                        </p:cTn>
+                                        <p:tgtEl>
+                                          <p:spTgt spid="4">
+                                            <p:txEl>
+                                              <p:pRg st="2" end="2"/>
+                                            </p:txEl>
+                                          </p:spTgt>
+                                        </p:tgtEl>
+                                        <p:attrNameLst>
+                                          <p:attrName>style.visibility</p:attrName>
+                                        </p:attrNameLst>
+                                      </p:cBhvr>
+                                      <p:to>
+                                        <p:strVal val="visible"/>
+                                      </p:to>
+                                    </p:set>
+                                  </p:childTnLst>
+                                </p:cTn>
+                              </p:par>
+                            </p:childTnLst>
+                          </p:cTn>
+                        </p:par>
+                      </p:childTnLst>
+                    </p:cTn>
+                  </p:par>
+                  <p:par>
+                    <p:cTn id="27" fill="hold">
+                      <p:stCondLst>
+                        <p:cond delay="indefinite"/>
+                      </p:stCondLst>
+                      <p:childTnLst>
+                        <p:par>
+                          <p:cTn id="28" fill="hold">
+                            <p:stCondLst>
+                              <p:cond delay="0"/>
+                            </p:stCondLst>
+                            <p:childTnLst>
+                              <p:par>
+                                <p:cTn id="29" presetID="1" presetClass="entr" presetSubtype="0" fill="hold" nodeType="clickEffect">
+                                  <p:stCondLst>
+                                    <p:cond delay="0"/>
+                                  </p:stCondLst>
+                                  <p:childTnLst>
+                                    <p:set>
+                                      <p:cBhvr>
+                                        <p:cTn id="30" dur="1" fill="hold">
+                                          <p:stCondLst>
+                                            <p:cond delay="0"/>
+                                          </p:stCondLst>
+                                        </p:cTn>
+                                        <p:tgtEl>
+                                          <p:spTgt spid="4">
+                                            <p:txEl>
+                                              <p:pRg st="3" end="3"/>
+                                            </p:txEl>
+                                          </p:spTgt>
+                                        </p:tgtEl>
+                                        <p:attrNameLst>
+                                          <p:attrName>style.visibility</p:attrName>
+                                        </p:attrNameLst>
+                                      </p:cBhvr>
+                                      <p:to>
+                                        <p:strVal val="visible"/>
+                                      </p:to>
+                                    </p:set>
+                                  </p:childTnLst>
+                                </p:cTn>
+                              </p:par>
+                            </p:childTnLst>
+                          </p:cTn>
+                        </p:par>
+                      </p:childTnLst>
+                    </p:cTn>
+                  </p:par>
+                </p:childTnLst>
+              </p:cTn>
+              <p:prevCondLst>
+                <p:cond evt="onPrev" delay="0">
+                  <p:tgtEl>
+                    <p:sldTgt/>
+                  </p:tgtEl>
+                </p:cond>
+              </p:prevCondLst>
+              <p:nextCondLst>
+                <p:cond evt="onNext" delay="0">
+                  <p:tgtEl>
+                    <p:sldTgt/>
+                  </p:tgtEl>
+                </p:cond>
+              </p:nextCondLst>
+            </p:seq>
+          </p:childTnLst>
+        </p:cTn>
+      </p:par>
+    </p:tnLst>
+  </p:timing>
+</p:sld>
+</file>
+
+<file path=ppt/slides/slide33.xml><?xml version="1.0" encoding="utf-8"?>
+<p:sld xmlns:a="http://schemas.openxmlformats.org/drawingml/2006/main" xmlns:r="http://schemas.openxmlformats.org/officeDocument/2006/relationships" xmlns:p="http://schemas.openxmlformats.org/presentationml/2006/main">
+  <p:cSld>
+    <p:spTree>
+      <p:nvGrpSpPr>
+        <p:cNvPr id="1" name=""/>
+        <p:cNvGrpSpPr/>
+        <p:nvPr/>
+      </p:nvGrpSpPr>
+      <p:grpSpPr>
+        <a:xfrm>
+          <a:off x="0" y="0"/>
+          <a:ext cx="0" cy="0"/>
+          <a:chOff x="0" y="0"/>
+          <a:chExt cx="0" cy="0"/>
+        </a:xfrm>
+      </p:grpSpPr>
+      <p:sp>
+        <p:nvSpPr>
+          <p:cNvPr id="2" name="Title 1"/>
+          <p:cNvSpPr>
+            <a:spLocks noGrp="1"/>
+          </p:cNvSpPr>
+          <p:nvPr>
+            <p:ph type="title"/>
+          </p:nvPr>
+        </p:nvSpPr>
+        <p:spPr/>
+        <p:txBody>
+          <a:bodyPr/>
+          <a:lstStyle/>
+          <a:p>
+            <a:r>
+              <a:t>Refactoring-Sicherheitsmaßnahmen</a:t>
+            </a:r>
+          </a:p>
+        </p:txBody>
+      </p:sp>
+      <p:sp>
+        <p:nvSpPr>
+          <p:cNvPr id="3" name="Content Placeholder 2"/>
+          <p:cNvSpPr>
+            <a:spLocks noGrp="1"/>
+          </p:cNvSpPr>
+          <p:nvPr>
+            <p:ph sz="half" idx="1"/>
+          </p:nvPr>
+        </p:nvSpPr>
+        <p:spPr/>
+        <p:txBody>
+          <a:bodyPr/>
+          <a:lstStyle/>
+          <a:p>
+            <a:pPr marL="0" indent="0">
+              <a:lnSpc>
+                <a:spcPct val="150000"/>
+              </a:lnSpc>
+              <a:buNone/>
+            </a:pPr>
+            <a:r>
+              <a:rPr b="1" dirty="0"/>
+              <a:t>Tests </a:t>
+            </a:r>
+            <a:r>
+              <a:rPr b="1" dirty="0" err="1"/>
+              <a:t>zuerst</a:t>
+            </a:r>
+            <a:r>
+              <a:rPr b="1" dirty="0"/>
+              <a:t>:</a:t>
+            </a:r>
+          </a:p>
+          <a:p>
+            <a:pPr>
+              <a:lnSpc>
+                <a:spcPct val="150000"/>
+              </a:lnSpc>
+            </a:pPr>
+            <a:r>
+              <a:rPr dirty="0"/>
+              <a:t>Vor Refactoring: </a:t>
+            </a:r>
+            <a:r>
+              <a:rPr dirty="0" err="1"/>
+              <a:t>Verstehe</a:t>
+            </a:r>
+            <a:r>
+              <a:rPr dirty="0"/>
+              <a:t> </a:t>
+            </a:r>
+            <a:r>
+              <a:rPr dirty="0" err="1"/>
+              <a:t>Verhalten</a:t>
+            </a:r>
+            <a:r>
+              <a:rPr dirty="0"/>
+              <a:t>, </a:t>
+            </a:r>
+            <a:r>
+              <a:rPr dirty="0" err="1"/>
+              <a:t>schreibe</a:t>
+            </a:r>
+            <a:r>
+              <a:rPr dirty="0"/>
+              <a:t> Tests, alle Tests </a:t>
+            </a:r>
+            <a:r>
+              <a:rPr dirty="0" err="1"/>
+              <a:t>grün</a:t>
+            </a:r>
+            <a:endParaRPr dirty="0"/>
+          </a:p>
+          <a:p>
+            <a:pPr>
+              <a:lnSpc>
+                <a:spcPct val="150000"/>
+              </a:lnSpc>
+            </a:pPr>
+            <a:r>
+              <a:rPr dirty="0" err="1"/>
+              <a:t>Während</a:t>
+            </a:r>
+            <a:r>
+              <a:rPr dirty="0"/>
+              <a:t> Refactoring: Nach </a:t>
+            </a:r>
+            <a:r>
+              <a:rPr dirty="0" err="1"/>
+              <a:t>jedem</a:t>
+            </a:r>
+            <a:r>
+              <a:rPr dirty="0"/>
+              <a:t> Schritt Tests </a:t>
+            </a:r>
+            <a:r>
+              <a:rPr dirty="0" err="1"/>
+              <a:t>laufen</a:t>
+            </a:r>
+            <a:r>
+              <a:rPr dirty="0"/>
+              <a:t> </a:t>
+            </a:r>
+            <a:r>
+              <a:rPr dirty="0" err="1"/>
+              <a:t>lassen</a:t>
+            </a:r>
+            <a:endParaRPr dirty="0"/>
+          </a:p>
+          <a:p>
+            <a:pPr>
+              <a:lnSpc>
+                <a:spcPct val="150000"/>
+              </a:lnSpc>
+            </a:pPr>
+            <a:r>
+              <a:rPr dirty="0"/>
+              <a:t>Nach Refactoring: Alle Tests </a:t>
+            </a:r>
+            <a:r>
+              <a:rPr dirty="0" err="1"/>
+              <a:t>noch</a:t>
+            </a:r>
+            <a:r>
+              <a:rPr dirty="0"/>
+              <a:t> </a:t>
+            </a:r>
+            <a:r>
+              <a:rPr dirty="0" err="1"/>
+              <a:t>grün</a:t>
+            </a:r>
+            <a:endParaRPr dirty="0"/>
+          </a:p>
+        </p:txBody>
+      </p:sp>
+      <p:sp>
+        <p:nvSpPr>
+          <p:cNvPr id="4" name="Content Placeholder 3"/>
+          <p:cNvSpPr>
+            <a:spLocks noGrp="1"/>
+          </p:cNvSpPr>
+          <p:nvPr>
+            <p:ph sz="half" idx="2"/>
+          </p:nvPr>
+        </p:nvSpPr>
+        <p:spPr/>
+        <p:txBody>
+          <a:bodyPr/>
+          <a:lstStyle/>
+          <a:p>
+            <a:pPr marL="0" indent="0">
+              <a:lnSpc>
+                <a:spcPct val="150000"/>
+              </a:lnSpc>
+              <a:buNone/>
+            </a:pPr>
+            <a:r>
+              <a:rPr b="1" dirty="0"/>
+              <a:t>Kleine </a:t>
+            </a:r>
+            <a:r>
+              <a:rPr b="1" dirty="0" err="1"/>
+              <a:t>Schritte</a:t>
+            </a:r>
+            <a:r>
+              <a:rPr b="1" dirty="0"/>
+              <a:t> und IDE-</a:t>
+            </a:r>
+            <a:r>
+              <a:rPr b="1" dirty="0" err="1"/>
+              <a:t>Unterstützung</a:t>
+            </a:r>
+            <a:r>
+              <a:rPr b="1" dirty="0"/>
+              <a:t>:</a:t>
+            </a:r>
+          </a:p>
+          <a:p>
+            <a:pPr>
+              <a:lnSpc>
+                <a:spcPct val="150000"/>
+              </a:lnSpc>
+            </a:pPr>
+            <a:r>
+              <a:rPr dirty="0"/>
+              <a:t>Ein Schritt </a:t>
+            </a:r>
+            <a:r>
+              <a:rPr dirty="0" err="1"/>
+              <a:t>nach</a:t>
+            </a:r>
+            <a:r>
+              <a:rPr dirty="0"/>
+              <a:t> dem </a:t>
+            </a:r>
+            <a:r>
+              <a:rPr dirty="0" err="1"/>
+              <a:t>anderen</a:t>
+            </a:r>
+            <a:endParaRPr dirty="0"/>
+          </a:p>
+          <a:p>
+            <a:pPr>
+              <a:lnSpc>
+                <a:spcPct val="150000"/>
+              </a:lnSpc>
+            </a:pPr>
+            <a:r>
+              <a:rPr dirty="0"/>
+              <a:t>Extract Method, Rename Variable, Move Method</a:t>
+            </a:r>
+          </a:p>
+          <a:p>
+            <a:pPr>
+              <a:lnSpc>
+                <a:spcPct val="150000"/>
+              </a:lnSpc>
+            </a:pPr>
+            <a:r>
+              <a:rPr dirty="0"/>
+              <a:t>IDE </a:t>
+            </a:r>
+            <a:r>
+              <a:rPr dirty="0" err="1"/>
+              <a:t>kann</a:t>
+            </a:r>
+            <a:r>
+              <a:rPr dirty="0"/>
+              <a:t> </a:t>
+            </a:r>
+            <a:r>
+              <a:rPr dirty="0" err="1"/>
+              <a:t>viel</a:t>
+            </a:r>
+            <a:r>
+              <a:rPr dirty="0"/>
+              <a:t> </a:t>
+            </a:r>
+            <a:r>
+              <a:rPr dirty="0" err="1"/>
+              <a:t>automatisch</a:t>
+            </a:r>
+            <a:r>
+              <a:rPr dirty="0"/>
+              <a:t> und </a:t>
+            </a:r>
+            <a:r>
+              <a:rPr dirty="0" err="1"/>
+              <a:t>sicher</a:t>
+            </a:r>
+            <a:r>
+              <a:rPr dirty="0"/>
+              <a:t> </a:t>
+            </a:r>
+            <a:r>
+              <a:rPr dirty="0" err="1"/>
+              <a:t>machen</a:t>
+            </a:r>
+            <a:endParaRPr dirty="0"/>
+          </a:p>
+        </p:txBody>
+      </p:sp>
+    </p:spTree>
+  </p:cSld>
+  <p:clrMapOvr>
+    <a:masterClrMapping/>
+  </p:clrMapOvr>
+  <p:timing>
+    <p:tnLst>
+      <p:par>
+        <p:cTn id="1" dur="indefinite" restart="never" nodeType="tmRoot">
+          <p:childTnLst>
+            <p:seq concurrent="1" nextAc="seek">
+              <p:cTn id="2" dur="indefinite" nodeType="mainSeq">
+                <p:childTnLst>
+                  <p:par>
+                    <p:cTn id="3" fill="hold">
+                      <p:stCondLst>
+                        <p:cond delay="indefinite"/>
+                      </p:stCondLst>
+                      <p:childTnLst>
+                        <p:par>
+                          <p:cTn id="4" fill="hold">
+                            <p:stCondLst>
+                              <p:cond delay="0"/>
+                            </p:stCondLst>
+                            <p:childTnLst>
+                              <p:par>
+                                <p:cTn id="5" presetID="1" presetClass="entr" presetSubtype="0" fill="hold" nodeType="clickEffect">
+                                  <p:stCondLst>
+                                    <p:cond delay="0"/>
+                                  </p:stCondLst>
+                                  <p:childTnLst>
+                                    <p:set>
+                                      <p:cBhvr>
+                                        <p:cTn id="6" dur="1" fill="hold">
+                                          <p:stCondLst>
+                                            <p:cond delay="0"/>
+                                          </p:stCondLst>
+                                        </p:cTn>
+                                        <p:tgtEl>
+                                          <p:spTgt spid="3">
+                                            <p:txEl>
+                                              <p:pRg st="1" end="1"/>
+                                            </p:txEl>
+                                          </p:spTgt>
+                                        </p:tgtEl>
+                                        <p:attrNameLst>
+                                          <p:attrName>style.visibility</p:attrName>
+                                        </p:attrNameLst>
+                                      </p:cBhvr>
+                                      <p:to>
+                                        <p:strVal val="visible"/>
+                                      </p:to>
+                                    </p:set>
+                                  </p:childTnLst>
+                                </p:cTn>
+                              </p:par>
+                            </p:childTnLst>
+                          </p:cTn>
+                        </p:par>
+                      </p:childTnLst>
+                    </p:cTn>
+                  </p:par>
+                  <p:par>
+                    <p:cTn id="7" fill="hold">
+                      <p:stCondLst>
+                        <p:cond delay="indefinite"/>
+                      </p:stCondLst>
+                      <p:childTnLst>
+                        <p:par>
+                          <p:cTn id="8" fill="hold">
+                            <p:stCondLst>
+                              <p:cond delay="0"/>
+                            </p:stCondLst>
+                            <p:childTnLst>
+                              <p:par>
+                                <p:cTn id="9" presetID="1" presetClass="entr" presetSubtype="0" fill="hold" nodeType="clickEffect">
+                                  <p:stCondLst>
+                                    <p:cond delay="0"/>
+                                  </p:stCondLst>
+                                  <p:childTnLst>
+                                    <p:set>
+                                      <p:cBhvr>
+                                        <p:cTn id="10" dur="1" fill="hold">
+                                          <p:stCondLst>
+                                            <p:cond delay="0"/>
+                                          </p:stCondLst>
+                                        </p:cTn>
+                                        <p:tgtEl>
+                                          <p:spTgt spid="3">
+                                            <p:txEl>
+                                              <p:pRg st="2" end="2"/>
+                                            </p:txEl>
+                                          </p:spTgt>
+                                        </p:tgtEl>
+                                        <p:attrNameLst>
+                                          <p:attrName>style.visibility</p:attrName>
+                                        </p:attrNameLst>
+                                      </p:cBhvr>
+                                      <p:to>
+                                        <p:strVal val="visible"/>
+                                      </p:to>
+                                    </p:set>
+                                  </p:childTnLst>
+                                </p:cTn>
+                              </p:par>
+                            </p:childTnLst>
+                          </p:cTn>
+                        </p:par>
+                      </p:childTnLst>
+                    </p:cTn>
+                  </p:par>
+                  <p:par>
+                    <p:cTn id="11" fill="hold">
+                      <p:stCondLst>
+                        <p:cond delay="indefinite"/>
+                      </p:stCondLst>
+                      <p:childTnLst>
+                        <p:par>
+                          <p:cTn id="12" fill="hold">
+                            <p:stCondLst>
+                              <p:cond delay="0"/>
+                            </p:stCondLst>
+                            <p:childTnLst>
+                              <p:par>
+                                <p:cTn id="13" presetID="1" presetClass="entr" presetSubtype="0" fill="hold" nodeType="clickEffect">
+                                  <p:stCondLst>
+                                    <p:cond delay="0"/>
+                                  </p:stCondLst>
+                                  <p:childTnLst>
+                                    <p:set>
+                                      <p:cBhvr>
+                                        <p:cTn id="14" dur="1" fill="hold">
+                                          <p:stCondLst>
+                                            <p:cond delay="0"/>
+                                          </p:stCondLst>
+                                        </p:cTn>
+                                        <p:tgtEl>
+                                          <p:spTgt spid="3">
+                                            <p:txEl>
+                                              <p:pRg st="3" end="3"/>
+                                            </p:txEl>
+                                          </p:spTgt>
+                                        </p:tgtEl>
+                                        <p:attrNameLst>
+                                          <p:attrName>style.visibility</p:attrName>
+                                        </p:attrNameLst>
+                                      </p:cBhvr>
+                                      <p:to>
+                                        <p:strVal val="visible"/>
+                                      </p:to>
+                                    </p:set>
+                                  </p:childTnLst>
+                                </p:cTn>
+                              </p:par>
+                            </p:childTnLst>
+                          </p:cTn>
+                        </p:par>
+                      </p:childTnLst>
+                    </p:cTn>
+                  </p:par>
+                  <p:par>
+                    <p:cTn id="15" fill="hold">
+                      <p:stCondLst>
+                        <p:cond delay="indefinite"/>
+                      </p:stCondLst>
+                      <p:childTnLst>
+                        <p:par>
+                          <p:cTn id="16" fill="hold">
+                            <p:stCondLst>
+                              <p:cond delay="0"/>
+                            </p:stCondLst>
+                            <p:childTnLst>
+                              <p:par>
+                                <p:cTn id="17" presetID="1" presetClass="entr" presetSubtype="0" fill="hold" nodeType="clickEffect">
+                                  <p:stCondLst>
+                                    <p:cond delay="0"/>
+                                  </p:stCondLst>
+                                  <p:childTnLst>
+                                    <p:set>
+                                      <p:cBhvr>
+                                        <p:cTn id="18" dur="1" fill="hold">
+                                          <p:stCondLst>
+                                            <p:cond delay="0"/>
+                                          </p:stCondLst>
+                                        </p:cTn>
+                                        <p:tgtEl>
+                                          <p:spTgt spid="4">
+                                            <p:txEl>
+                                              <p:pRg st="1" end="1"/>
+                                            </p:txEl>
+                                          </p:spTgt>
+                                        </p:tgtEl>
+                                        <p:attrNameLst>
+                                          <p:attrName>style.visibility</p:attrName>
+                                        </p:attrNameLst>
+                                      </p:cBhvr>
+                                      <p:to>
+                                        <p:strVal val="visible"/>
+                                      </p:to>
+                                    </p:set>
+                                  </p:childTnLst>
+                                </p:cTn>
+                              </p:par>
+                            </p:childTnLst>
+                          </p:cTn>
+                        </p:par>
+                      </p:childTnLst>
+                    </p:cTn>
+                  </p:par>
+                  <p:par>
+                    <p:cTn id="19" fill="hold">
+                      <p:stCondLst>
+                        <p:cond delay="indefinite"/>
+                      </p:stCondLst>
+                      <p:childTnLst>
+                        <p:par>
+                          <p:cTn id="20" fill="hold">
+                            <p:stCondLst>
+                              <p:cond delay="0"/>
+                            </p:stCondLst>
+                            <p:childTnLst>
+                              <p:par>
+                                <p:cTn id="21" presetID="1" presetClass="entr" presetSubtype="0" fill="hold" nodeType="clickEffect">
+                                  <p:stCondLst>
+                                    <p:cond delay="0"/>
+                                  </p:stCondLst>
+                                  <p:childTnLst>
+                                    <p:set>
+                                      <p:cBhvr>
+                                        <p:cTn id="22" dur="1" fill="hold">
+                                          <p:stCondLst>
+                                            <p:cond delay="0"/>
+                                          </p:stCondLst>
+                                        </p:cTn>
+                                        <p:tgtEl>
+                                          <p:spTgt spid="4">
+                                            <p:txEl>
+                                              <p:pRg st="2" end="2"/>
+                                            </p:txEl>
+                                          </p:spTgt>
+                                        </p:tgtEl>
+                                        <p:attrNameLst>
+                                          <p:attrName>style.visibility</p:attrName>
+                                        </p:attrNameLst>
+                                      </p:cBhvr>
+                                      <p:to>
+                                        <p:strVal val="visible"/>
+                                      </p:to>
+                                    </p:set>
+                                  </p:childTnLst>
+                                </p:cTn>
+                              </p:par>
+                            </p:childTnLst>
+                          </p:cTn>
+                        </p:par>
+                      </p:childTnLst>
+                    </p:cTn>
+                  </p:par>
+                  <p:par>
+                    <p:cTn id="23" fill="hold">
+                      <p:stCondLst>
+                        <p:cond delay="indefinite"/>
+                      </p:stCondLst>
+                      <p:childTnLst>
+                        <p:par>
+                          <p:cTn id="24" fill="hold">
+                            <p:stCondLst>
+                              <p:cond delay="0"/>
+                            </p:stCondLst>
+                            <p:childTnLst>
+                              <p:par>
+                                <p:cTn id="25" presetID="1" presetClass="entr" presetSubtype="0" fill="hold" nodeType="clickEffect">
+                                  <p:stCondLst>
+                                    <p:cond delay="0"/>
+                                  </p:stCondLst>
+                                  <p:childTnLst>
+                                    <p:set>
+                                      <p:cBhvr>
+                                        <p:cTn id="26" dur="1" fill="hold">
+                                          <p:stCondLst>
+                                            <p:cond delay="0"/>
+                                          </p:stCondLst>
+                                        </p:cTn>
+                                        <p:tgtEl>
+                                          <p:spTgt spid="4">
+                                            <p:txEl>
+                                              <p:pRg st="3" end="3"/>
+                                            </p:txEl>
+                                          </p:spTgt>
+                                        </p:tgtEl>
+                                        <p:attrNameLst>
+                                          <p:attrName>style.visibility</p:attrName>
+                                        </p:attrNameLst>
+                                      </p:cBhvr>
+                                      <p:to>
+                                        <p:strVal val="visible"/>
+                                      </p:to>
+                                    </p:set>
+                                  </p:childTnLst>
+                                </p:cTn>
+                              </p:par>
+                            </p:childTnLst>
+                          </p:cTn>
+                        </p:par>
+                      </p:childTnLst>
+                    </p:cTn>
+                  </p:par>
+                </p:childTnLst>
+              </p:cTn>
+              <p:prevCondLst>
+                <p:cond evt="onPrev" delay="0">
+                  <p:tgtEl>
+                    <p:sldTgt/>
+                  </p:tgtEl>
+                </p:cond>
+              </p:prevCondLst>
+              <p:nextCondLst>
+                <p:cond evt="onNext" delay="0">
+                  <p:tgtEl>
+                    <p:sldTgt/>
+                  </p:tgtEl>
+                </p:cond>
+              </p:nextCondLst>
+            </p:seq>
+          </p:childTnLst>
+        </p:cTn>
+      </p:par>
+    </p:tnLst>
+  </p:timing>
+</p:sld>
+</file>
+
+<file path=ppt/slides/slide34.xml><?xml version="1.0" encoding="utf-8"?>
+<p:sld xmlns:a="http://schemas.openxmlformats.org/drawingml/2006/main" xmlns:r="http://schemas.openxmlformats.org/officeDocument/2006/relationships" xmlns:p="http://schemas.openxmlformats.org/presentationml/2006/main">
+  <p:cSld>
+    <p:spTree>
+      <p:nvGrpSpPr>
+        <p:cNvPr id="1" name=""/>
+        <p:cNvGrpSpPr/>
+        <p:nvPr/>
+      </p:nvGrpSpPr>
+      <p:grpSpPr>
+        <a:xfrm>
+          <a:off x="0" y="0"/>
+          <a:ext cx="0" cy="0"/>
+          <a:chOff x="0" y="0"/>
+          <a:chExt cx="0" cy="0"/>
+        </a:xfrm>
+      </p:grpSpPr>
+      <p:sp>
+        <p:nvSpPr>
+          <p:cNvPr id="2" name="Title 1"/>
+          <p:cNvSpPr>
+            <a:spLocks noGrp="1"/>
+          </p:cNvSpPr>
+          <p:nvPr>
+            <p:ph type="title"/>
+          </p:nvPr>
+        </p:nvSpPr>
+        <p:spPr/>
+        <p:txBody>
+          <a:bodyPr/>
+          <a:lstStyle/>
+          <a:p>
+            <a:r>
+              <a:t>Refactoring als Weg zu Patterns</a:t>
+            </a:r>
+          </a:p>
+        </p:txBody>
+      </p:sp>
+      <p:sp>
+        <p:nvSpPr>
+          <p:cNvPr id="3" name="Content Placeholder 2"/>
+          <p:cNvSpPr>
+            <a:spLocks noGrp="1"/>
+          </p:cNvSpPr>
+          <p:nvPr>
+            <p:ph sz="half" idx="1"/>
+          </p:nvPr>
+        </p:nvSpPr>
+        <p:spPr/>
+        <p:txBody>
+          <a:bodyPr>
+            <a:normAutofit lnSpcReduction="10000"/>
+          </a:bodyPr>
+          <a:lstStyle/>
+          <a:p>
+            <a:pPr marL="0" indent="0">
+              <a:lnSpc>
+                <a:spcPct val="150000"/>
+              </a:lnSpc>
+              <a:buNone/>
+            </a:pPr>
+            <a:r>
+              <a:rPr b="1" dirty="0" err="1"/>
+              <a:t>Typischer</a:t>
+            </a:r>
+            <a:r>
+              <a:rPr b="1" dirty="0"/>
+              <a:t> </a:t>
+            </a:r>
+            <a:r>
+              <a:rPr b="1" dirty="0" err="1"/>
+              <a:t>Ablauf</a:t>
+            </a:r>
+            <a:r>
+              <a:rPr b="1" dirty="0"/>
+              <a:t>:</a:t>
+            </a:r>
+          </a:p>
+          <a:p>
+            <a:pPr marL="0" indent="0">
+              <a:lnSpc>
+                <a:spcPct val="150000"/>
+              </a:lnSpc>
+              <a:buNone/>
+            </a:pPr>
+            <a:r>
+              <a:rPr dirty="0"/>
+              <a:t>1. </a:t>
+            </a:r>
+            <a:r>
+              <a:rPr dirty="0" err="1"/>
+              <a:t>Duplikation</a:t>
+            </a:r>
+            <a:r>
+              <a:rPr dirty="0"/>
+              <a:t> </a:t>
+            </a:r>
+            <a:r>
+              <a:rPr dirty="0" err="1"/>
+              <a:t>entsteht</a:t>
+            </a:r>
+            <a:r>
+              <a:rPr dirty="0"/>
+              <a:t> </a:t>
+            </a:r>
+            <a:r>
+              <a:rPr dirty="0" err="1"/>
+              <a:t>natürlich</a:t>
+            </a:r>
+            <a:endParaRPr dirty="0"/>
+          </a:p>
+          <a:p>
+            <a:pPr marL="0" indent="0">
+              <a:lnSpc>
+                <a:spcPct val="150000"/>
+              </a:lnSpc>
+              <a:buNone/>
+            </a:pPr>
+            <a:r>
+              <a:rPr dirty="0"/>
+              <a:t>2. Refactoring </a:t>
+            </a:r>
+            <a:r>
+              <a:rPr dirty="0" err="1"/>
+              <a:t>macht</a:t>
+            </a:r>
+            <a:r>
+              <a:rPr dirty="0"/>
+              <a:t> </a:t>
+            </a:r>
+            <a:r>
+              <a:rPr dirty="0" err="1"/>
+              <a:t>Gemeinsamkeiten</a:t>
+            </a:r>
+            <a:r>
+              <a:rPr dirty="0"/>
+              <a:t> </a:t>
+            </a:r>
+            <a:r>
+              <a:rPr dirty="0" err="1"/>
+              <a:t>sichtbar</a:t>
+            </a:r>
+            <a:endParaRPr dirty="0"/>
+          </a:p>
+          <a:p>
+            <a:pPr marL="0" indent="0">
+              <a:lnSpc>
+                <a:spcPct val="150000"/>
+              </a:lnSpc>
+              <a:buNone/>
+            </a:pPr>
+            <a:r>
+              <a:rPr dirty="0"/>
+              <a:t>3. Pattern Recognition - "Das </a:t>
+            </a:r>
+            <a:r>
+              <a:rPr dirty="0" err="1"/>
+              <a:t>ist</a:t>
+            </a:r>
+            <a:r>
+              <a:rPr dirty="0"/>
+              <a:t> </a:t>
+            </a:r>
+            <a:r>
+              <a:rPr dirty="0" err="1"/>
+              <a:t>ein</a:t>
+            </a:r>
+            <a:r>
+              <a:rPr dirty="0"/>
+              <a:t> </a:t>
+            </a:r>
+            <a:r>
+              <a:rPr dirty="0" err="1"/>
+              <a:t>bekanntes</a:t>
+            </a:r>
+            <a:r>
+              <a:rPr dirty="0"/>
+              <a:t> Problem"</a:t>
+            </a:r>
+          </a:p>
+          <a:p>
+            <a:pPr marL="0" indent="0">
+              <a:lnSpc>
+                <a:spcPct val="150000"/>
+              </a:lnSpc>
+              <a:buNone/>
+            </a:pPr>
+            <a:r>
+              <a:rPr dirty="0"/>
+              <a:t>4. Pattern Application - </a:t>
+            </a:r>
+            <a:r>
+              <a:rPr dirty="0" err="1"/>
+              <a:t>Bekannte</a:t>
+            </a:r>
+            <a:r>
+              <a:rPr dirty="0"/>
+              <a:t> </a:t>
+            </a:r>
+            <a:r>
+              <a:rPr dirty="0" err="1"/>
+              <a:t>Lösung</a:t>
+            </a:r>
+            <a:r>
+              <a:rPr dirty="0"/>
+              <a:t> </a:t>
+            </a:r>
+            <a:r>
+              <a:rPr dirty="0" err="1"/>
+              <a:t>anwenden</a:t>
+            </a:r>
+            <a:endParaRPr dirty="0"/>
+          </a:p>
+        </p:txBody>
+      </p:sp>
+      <p:sp>
+        <p:nvSpPr>
+          <p:cNvPr id="4" name="Content Placeholder 3"/>
+          <p:cNvSpPr>
+            <a:spLocks noGrp="1"/>
+          </p:cNvSpPr>
+          <p:nvPr>
+            <p:ph sz="half" idx="2"/>
+          </p:nvPr>
+        </p:nvSpPr>
+        <p:spPr/>
+        <p:txBody>
+          <a:bodyPr>
+            <a:normAutofit lnSpcReduction="10000"/>
+          </a:bodyPr>
+          <a:lstStyle/>
+          <a:p>
+            <a:pPr marL="0" indent="0">
+              <a:lnSpc>
+                <a:spcPct val="150000"/>
+              </a:lnSpc>
+              <a:buNone/>
+            </a:pPr>
+            <a:r>
+              <a:rPr b="1" dirty="0" err="1"/>
+              <a:t>Wichtige</a:t>
+            </a:r>
+            <a:r>
+              <a:rPr b="1" dirty="0"/>
+              <a:t> </a:t>
+            </a:r>
+            <a:r>
+              <a:rPr b="1" dirty="0" err="1"/>
+              <a:t>Erkenntnis</a:t>
+            </a:r>
+            <a:r>
+              <a:rPr b="1" dirty="0"/>
+              <a:t>:</a:t>
+            </a:r>
+          </a:p>
+          <a:p>
+            <a:pPr>
+              <a:lnSpc>
+                <a:spcPct val="150000"/>
+              </a:lnSpc>
+            </a:pPr>
+            <a:r>
+              <a:rPr dirty="0"/>
+              <a:t>Patterns </a:t>
+            </a:r>
+            <a:r>
+              <a:rPr dirty="0" err="1"/>
+              <a:t>werden</a:t>
+            </a:r>
+            <a:r>
+              <a:rPr dirty="0"/>
+              <a:t> </a:t>
+            </a:r>
+            <a:r>
+              <a:rPr dirty="0" err="1"/>
+              <a:t>durch</a:t>
+            </a:r>
+            <a:r>
+              <a:rPr dirty="0"/>
+              <a:t> Refactoring </a:t>
+            </a:r>
+            <a:r>
+              <a:rPr dirty="0" err="1"/>
+              <a:t>eingeführt</a:t>
+            </a:r>
+            <a:r>
+              <a:rPr dirty="0"/>
+              <a:t>, </a:t>
+            </a:r>
+            <a:r>
+              <a:rPr dirty="0" err="1"/>
+              <a:t>nicht</a:t>
+            </a:r>
+            <a:r>
+              <a:rPr dirty="0"/>
+              <a:t> von Anfang an </a:t>
+            </a:r>
+            <a:r>
+              <a:rPr dirty="0" err="1"/>
+              <a:t>geplant</a:t>
+            </a:r>
+            <a:r>
+              <a:rPr dirty="0"/>
+              <a:t>!</a:t>
+            </a:r>
+          </a:p>
+        </p:txBody>
+      </p:sp>
+    </p:spTree>
+  </p:cSld>
+  <p:clrMapOvr>
+    <a:masterClrMapping/>
+  </p:clrMapOvr>
+  <p:timing>
+    <p:tnLst>
+      <p:par>
+        <p:cTn id="1" dur="indefinite" restart="never" nodeType="tmRoot">
+          <p:childTnLst>
+            <p:seq concurrent="1" nextAc="seek">
+              <p:cTn id="2" dur="indefinite" nodeType="mainSeq">
+                <p:childTnLst>
+                  <p:par>
+                    <p:cTn id="3" fill="hold">
+                      <p:stCondLst>
+                        <p:cond delay="indefinite"/>
+                      </p:stCondLst>
+                      <p:childTnLst>
+                        <p:par>
+                          <p:cTn id="4" fill="hold">
+                            <p:stCondLst>
+                              <p:cond delay="0"/>
+                            </p:stCondLst>
+                            <p:childTnLst>
+                              <p:par>
+                                <p:cTn id="5" presetID="1" presetClass="entr" presetSubtype="0" fill="hold" nodeType="clickEffect">
+                                  <p:stCondLst>
+                                    <p:cond delay="0"/>
+                                  </p:stCondLst>
+                                  <p:childTnLst>
+                                    <p:set>
+                                      <p:cBhvr>
+                                        <p:cTn id="6" dur="1" fill="hold">
+                                          <p:stCondLst>
+                                            <p:cond delay="0"/>
+                                          </p:stCondLst>
+                                        </p:cTn>
+                                        <p:tgtEl>
+                                          <p:spTgt spid="3">
+                                            <p:txEl>
+                                              <p:pRg st="1" end="1"/>
+                                            </p:txEl>
+                                          </p:spTgt>
+                                        </p:tgtEl>
+                                        <p:attrNameLst>
+                                          <p:attrName>style.visibility</p:attrName>
+                                        </p:attrNameLst>
+                                      </p:cBhvr>
+                                      <p:to>
+                                        <p:strVal val="visible"/>
+                                      </p:to>
+                                    </p:set>
+                                  </p:childTnLst>
+                                </p:cTn>
+                              </p:par>
+                            </p:childTnLst>
+                          </p:cTn>
+                        </p:par>
+                      </p:childTnLst>
+                    </p:cTn>
+                  </p:par>
+                  <p:par>
+                    <p:cTn id="7" fill="hold">
+                      <p:stCondLst>
+                        <p:cond delay="indefinite"/>
+                      </p:stCondLst>
+                      <p:childTnLst>
+                        <p:par>
+                          <p:cTn id="8" fill="hold">
+                            <p:stCondLst>
+                              <p:cond delay="0"/>
+                            </p:stCondLst>
+                            <p:childTnLst>
+                              <p:par>
+                                <p:cTn id="9" presetID="1" presetClass="entr" presetSubtype="0" fill="hold" nodeType="clickEffect">
+                                  <p:stCondLst>
+                                    <p:cond delay="0"/>
+                                  </p:stCondLst>
+                                  <p:childTnLst>
+                                    <p:set>
+                                      <p:cBhvr>
+                                        <p:cTn id="10" dur="1" fill="hold">
+                                          <p:stCondLst>
+                                            <p:cond delay="0"/>
+                                          </p:stCondLst>
+                                        </p:cTn>
+                                        <p:tgtEl>
+                                          <p:spTgt spid="3">
+                                            <p:txEl>
+                                              <p:pRg st="2" end="2"/>
+                                            </p:txEl>
+                                          </p:spTgt>
+                                        </p:tgtEl>
+                                        <p:attrNameLst>
+                                          <p:attrName>style.visibility</p:attrName>
+                                        </p:attrNameLst>
+                                      </p:cBhvr>
+                                      <p:to>
+                                        <p:strVal val="visible"/>
+                                      </p:to>
+                                    </p:set>
+                                  </p:childTnLst>
+                                </p:cTn>
+                              </p:par>
+                            </p:childTnLst>
+                          </p:cTn>
+                        </p:par>
+                      </p:childTnLst>
+                    </p:cTn>
+                  </p:par>
+                  <p:par>
+                    <p:cTn id="11" fill="hold">
+                      <p:stCondLst>
+                        <p:cond delay="indefinite"/>
+                      </p:stCondLst>
+                      <p:childTnLst>
+                        <p:par>
+                          <p:cTn id="12" fill="hold">
+                            <p:stCondLst>
+                              <p:cond delay="0"/>
+                            </p:stCondLst>
+                            <p:childTnLst>
+                              <p:par>
+                                <p:cTn id="13" presetID="1" presetClass="entr" presetSubtype="0" fill="hold" nodeType="clickEffect">
+                                  <p:stCondLst>
+                                    <p:cond delay="0"/>
+                                  </p:stCondLst>
+                                  <p:childTnLst>
+                                    <p:set>
+                                      <p:cBhvr>
+                                        <p:cTn id="14" dur="1" fill="hold">
+                                          <p:stCondLst>
+                                            <p:cond delay="0"/>
+                                          </p:stCondLst>
+                                        </p:cTn>
+                                        <p:tgtEl>
+                                          <p:spTgt spid="3">
+                                            <p:txEl>
+                                              <p:pRg st="3" end="3"/>
+                                            </p:txEl>
+                                          </p:spTgt>
+                                        </p:tgtEl>
+                                        <p:attrNameLst>
+                                          <p:attrName>style.visibility</p:attrName>
+                                        </p:attrNameLst>
+                                      </p:cBhvr>
+                                      <p:to>
+                                        <p:strVal val="visible"/>
+                                      </p:to>
+                                    </p:set>
+                                  </p:childTnLst>
+                                </p:cTn>
+                              </p:par>
+                            </p:childTnLst>
+                          </p:cTn>
+                        </p:par>
+                      </p:childTnLst>
+                    </p:cTn>
+                  </p:par>
+                  <p:par>
+                    <p:cTn id="15" fill="hold">
+                      <p:stCondLst>
+                        <p:cond delay="indefinite"/>
+                      </p:stCondLst>
+                      <p:childTnLst>
+                        <p:par>
+                          <p:cTn id="16" fill="hold">
+                            <p:stCondLst>
+                              <p:cond delay="0"/>
+                            </p:stCondLst>
+                            <p:childTnLst>
+                              <p:par>
+                                <p:cTn id="17" presetID="1" presetClass="entr" presetSubtype="0" fill="hold" nodeType="clickEffect">
+                                  <p:stCondLst>
+                                    <p:cond delay="0"/>
+                                  </p:stCondLst>
+                                  <p:childTnLst>
+                                    <p:set>
+                                      <p:cBhvr>
+                                        <p:cTn id="18" dur="1" fill="hold">
+                                          <p:stCondLst>
+                                            <p:cond delay="0"/>
+                                          </p:stCondLst>
+                                        </p:cTn>
+                                        <p:tgtEl>
+                                          <p:spTgt spid="3">
+                                            <p:txEl>
+                                              <p:pRg st="4" end="4"/>
+                                            </p:txEl>
+                                          </p:spTgt>
+                                        </p:tgtEl>
+                                        <p:attrNameLst>
+                                          <p:attrName>style.visibility</p:attrName>
+                                        </p:attrNameLst>
+                                      </p:cBhvr>
+                                      <p:to>
+                                        <p:strVal val="visible"/>
+                                      </p:to>
+                                    </p:set>
+                                  </p:childTnLst>
+                                </p:cTn>
+                              </p:par>
+                            </p:childTnLst>
+                          </p:cTn>
+                        </p:par>
+                      </p:childTnLst>
+                    </p:cTn>
+                  </p:par>
+                  <p:par>
+                    <p:cTn id="19" fill="hold">
+                      <p:stCondLst>
+                        <p:cond delay="indefinite"/>
+                      </p:stCondLst>
+                      <p:childTnLst>
+                        <p:par>
+                          <p:cTn id="20" fill="hold">
+                            <p:stCondLst>
+                              <p:cond delay="0"/>
+                            </p:stCondLst>
+                            <p:childTnLst>
+                              <p:par>
+                                <p:cTn id="21" presetID="1" presetClass="entr" presetSubtype="0" fill="hold" nodeType="clickEffect">
+                                  <p:stCondLst>
+                                    <p:cond delay="0"/>
+                                  </p:stCondLst>
+                                  <p:childTnLst>
+                                    <p:set>
+                                      <p:cBhvr>
+                                        <p:cTn id="22" dur="1" fill="hold">
+                                          <p:stCondLst>
+                                            <p:cond delay="0"/>
+                                          </p:stCondLst>
+                                        </p:cTn>
+                                        <p:tgtEl>
+                                          <p:spTgt spid="4">
+                                            <p:txEl>
+                                              <p:pRg st="0" end="0"/>
+                                            </p:txEl>
+                                          </p:spTgt>
+                                        </p:tgtEl>
+                                        <p:attrNameLst>
+                                          <p:attrName>style.visibility</p:attrName>
+                                        </p:attrNameLst>
+                                      </p:cBhvr>
+                                      <p:to>
+                                        <p:strVal val="visible"/>
+                                      </p:to>
+                                    </p:set>
+                                  </p:childTnLst>
+                                </p:cTn>
+                              </p:par>
+                              <p:par>
+                                <p:cTn id="23" presetID="1" presetClass="entr" presetSubtype="0" fill="hold" nodeType="withEffect">
+                                  <p:stCondLst>
+                                    <p:cond delay="0"/>
+                                  </p:stCondLst>
+                                  <p:childTnLst>
+                                    <p:set>
+                                      <p:cBhvr>
+                                        <p:cTn id="24" dur="1" fill="hold">
+                                          <p:stCondLst>
+                                            <p:cond delay="0"/>
+                                          </p:stCondLst>
+                                        </p:cTn>
+                                        <p:tgtEl>
+                                          <p:spTgt spid="4">
+                                            <p:txEl>
+                                              <p:pRg st="1" end="1"/>
+                                            </p:txEl>
+                                          </p:spTgt>
+                                        </p:tgtEl>
+                                        <p:attrNameLst>
+                                          <p:attrName>style.visibility</p:attrName>
+                                        </p:attrNameLst>
+                                      </p:cBhvr>
+                                      <p:to>
+                                        <p:strVal val="visible"/>
+                                      </p:to>
+                                    </p:set>
+                                  </p:childTnLst>
+                                </p:cTn>
+                              </p:par>
+                            </p:childTnLst>
+                          </p:cTn>
+                        </p:par>
+                      </p:childTnLst>
+                    </p:cTn>
+                  </p:par>
+                </p:childTnLst>
+              </p:cTn>
+              <p:prevCondLst>
+                <p:cond evt="onPrev" delay="0">
+                  <p:tgtEl>
+                    <p:sldTgt/>
+                  </p:tgtEl>
+                </p:cond>
+              </p:prevCondLst>
+              <p:nextCondLst>
+                <p:cond evt="onNext" delay="0">
+                  <p:tgtEl>
+                    <p:sldTgt/>
+                  </p:tgtEl>
+                </p:cond>
+              </p:nextCondLst>
+            </p:seq>
+          </p:childTnLst>
+        </p:cTn>
+      </p:par>
+    </p:tnLst>
+  </p:timing>
+</p:sld>
+</file>
+
+<file path=ppt/slides/slide4.xml><?xml version="1.0" encoding="utf-8"?>
+<p:sld xmlns:a="http://schemas.openxmlformats.org/drawingml/2006/main" xmlns:r="http://schemas.openxmlformats.org/officeDocument/2006/relationships" xmlns:p="http://schemas.openxmlformats.org/presentationml/2006/main">
+  <p:cSld>
+    <p:spTree>
+      <p:nvGrpSpPr>
+        <p:cNvPr id="1" name=""/>
+        <p:cNvGrpSpPr/>
+        <p:nvPr/>
+      </p:nvGrpSpPr>
+      <p:grpSpPr>
+        <a:xfrm>
+          <a:off x="0" y="0"/>
+          <a:ext cx="0" cy="0"/>
+          <a:chOff x="0" y="0"/>
+          <a:chExt cx="0" cy="0"/>
+        </a:xfrm>
+      </p:grpSpPr>
+      <p:sp>
+        <p:nvSpPr>
+          <p:cNvPr id="2" name="Title 1"/>
+          <p:cNvSpPr>
+            <a:spLocks noGrp="1"/>
+          </p:cNvSpPr>
+          <p:nvPr>
+            <p:ph type="title"/>
+          </p:nvPr>
+        </p:nvSpPr>
+        <p:spPr/>
+        <p:txBody>
+          <a:bodyPr/>
+          <a:lstStyle/>
+          <a:p>
+            <a:r>
+              <a:t>Block 1: Creational Patterns - Schwerpunkt: Objekterzeugung</a:t>
+            </a:r>
+          </a:p>
+        </p:txBody>
+      </p:sp>
+      <p:sp>
+        <p:nvSpPr>
+          <p:cNvPr id="3" name="Content Placeholder 2"/>
+          <p:cNvSpPr>
+            <a:spLocks noGrp="1"/>
+          </p:cNvSpPr>
+          <p:nvPr>
+            <p:ph idx="1"/>
+          </p:nvPr>
+        </p:nvSpPr>
+        <p:spPr/>
+        <p:txBody>
+          <a:bodyPr/>
+          <a:lstStyle/>
+          <a:p>
+            <a:r>
+              <a:t>Factory Method: Objekterzeugung ohne konkrete Klassen</a:t>
+            </a:r>
+          </a:p>
+          <a:p>
+            <a:r>
+              <a:t>Abstract Factory: Familien verwandter Objekte</a:t>
+            </a:r>
+          </a:p>
+          <a:p>
+            <a:r>
+              <a:t>Builder: Komplexe Objekte Schritt für Schritt aufbauen</a:t>
+            </a:r>
+          </a:p>
+          <a:p>
+            <a:r>
+              <a:t>Prototype: Objektklonierung für kostspielige Initialisierung</a:t>
+            </a:r>
+          </a:p>
+          <a:p>
+            <a:r>
+              <a:t>Singleton: Eine Instanz für das ganze System</a:t>
             </a:r>
           </a:p>
         </p:txBody>
@@ -8793,7 +12816,7 @@
 </file>
 
 <file path=ppt/slides/slide5.xml><?xml version="1.0" encoding="utf-8"?>
-<p:sld xmlns:a="http://schemas.openxmlformats.org/drawingml/2006/main" xmlns:p="http://schemas.openxmlformats.org/presentationml/2006/main" xmlns:r="http://schemas.openxmlformats.org/officeDocument/2006/relationships">
+<p:sld xmlns:a="http://schemas.openxmlformats.org/drawingml/2006/main" xmlns:r="http://schemas.openxmlformats.org/officeDocument/2006/relationships" xmlns:p="http://schemas.openxmlformats.org/presentationml/2006/main">
   <p:cSld>
     <p:spTree>
       <p:nvGrpSpPr>
@@ -8801,7 +12824,14 @@
         <p:cNvGrpSpPr/>
         <p:nvPr/>
       </p:nvGrpSpPr>
-      <p:grpSpPr/>
+      <p:grpSpPr>
+        <a:xfrm>
+          <a:off x="0" y="0"/>
+          <a:ext cx="0" cy="0"/>
+          <a:chOff x="0" y="0"/>
+          <a:chExt cx="0" cy="0"/>
+        </a:xfrm>
+      </p:grpSpPr>
       <p:sp>
         <p:nvSpPr>
           <p:cNvPr id="2" name="Title 1"/>
@@ -8818,7 +12848,7 @@
           <a:lstStyle/>
           <a:p>
             <a:r>
-              <a:t>Block 3: Behavioral Patterns</a:t>
+              <a:t>Block 2: Structural Patterns - Schwerpunkt: Strukturelle Komposition</a:t>
             </a:r>
           </a:p>
         </p:txBody>
@@ -8837,35 +12867,24 @@
         <p:txBody>
           <a:bodyPr/>
           <a:lstStyle/>
-          <a:p/>
-          <a:p>
-            <a:pPr/>
-            <a:r>
-              <a:t>Schwerpunkt: Verhalten und Kommunikation</a:t>
-            </a:r>
-          </a:p>
-          <a:p>
-            <a:pPr/>
-            <a:r>
-              <a:t>Observer: Ereignisse propagieren</a:t>
-            </a:r>
-          </a:p>
-          <a:p>
-            <a:pPr/>
-            <a:r>
-              <a:t>Strategy: Algorithmen austauschbar machen</a:t>
-            </a:r>
-          </a:p>
-          <a:p>
-            <a:pPr/>
-            <a:r>
-              <a:t>Command: Operationen als Objekte</a:t>
-            </a:r>
-          </a:p>
-          <a:p>
-            <a:pPr/>
-            <a:r>
-              <a:t>State: Zustandsabhängiges Verhalten</a:t>
+          <a:p>
+            <a:r>
+              <a:t>Adapter: Inkompatible Schnittstellen verbinden</a:t>
+            </a:r>
+          </a:p>
+          <a:p>
+            <a:r>
+              <a:t>Decorator: Verhalten dynamisch erweitern</a:t>
+            </a:r>
+          </a:p>
+          <a:p>
+            <a:r>
+              <a:t>Facade: Komplexe Subsysteme vereinfachen</a:t>
+            </a:r>
+          </a:p>
+          <a:p>
+            <a:r>
+              <a:t>Composite: Hierarchische Strukturen behandeln</a:t>
             </a:r>
           </a:p>
         </p:txBody>
@@ -8879,7 +12898,7 @@
 </file>
 
 <file path=ppt/slides/slide6.xml><?xml version="1.0" encoding="utf-8"?>
-<p:sld xmlns:a="http://schemas.openxmlformats.org/drawingml/2006/main" xmlns:p="http://schemas.openxmlformats.org/presentationml/2006/main" xmlns:r="http://schemas.openxmlformats.org/officeDocument/2006/relationships">
+<p:sld xmlns:a="http://schemas.openxmlformats.org/drawingml/2006/main" xmlns:r="http://schemas.openxmlformats.org/officeDocument/2006/relationships" xmlns:p="http://schemas.openxmlformats.org/presentationml/2006/main">
   <p:cSld>
     <p:spTree>
       <p:nvGrpSpPr>
@@ -8887,7 +12906,14 @@
         <p:cNvGrpSpPr/>
         <p:nvPr/>
       </p:nvGrpSpPr>
-      <p:grpSpPr/>
+      <p:grpSpPr>
+        <a:xfrm>
+          <a:off x="0" y="0"/>
+          <a:ext cx="0" cy="0"/>
+          <a:chOff x="0" y="0"/>
+          <a:chExt cx="0" cy="0"/>
+        </a:xfrm>
+      </p:grpSpPr>
       <p:sp>
         <p:nvSpPr>
           <p:cNvPr id="2" name="Title 1"/>
@@ -8904,7 +12930,7 @@
           <a:lstStyle/>
           <a:p>
             <a:r>
-              <a:t>Block 4: Advanced Patterns</a:t>
+              <a:t>Block 3: Behavioral Patterns - Schwerpunkt: Verhalten und Kommunikation</a:t>
             </a:r>
           </a:p>
         </p:txBody>
@@ -8923,41 +12949,24 @@
         <p:txBody>
           <a:bodyPr/>
           <a:lstStyle/>
-          <a:p/>
-          <a:p>
-            <a:pPr/>
-            <a:r>
-              <a:t>Schwerpunkt: Komplexe Szenarien</a:t>
-            </a:r>
-          </a:p>
-          <a:p>
-            <a:pPr/>
-            <a:r>
-              <a:t>Template Method: Algorithmus-Skelett mit variablen Teilen</a:t>
-            </a:r>
-          </a:p>
-          <a:p>
-            <a:pPr/>
-            <a:r>
-              <a:t>Visitor: Operationen von Datenstruktur trennen</a:t>
-            </a:r>
-          </a:p>
-          <a:p>
-            <a:pPr/>
-            <a:r>
-              <a:t>Chain of Responsibility: Requests durch Handler-Kette</a:t>
-            </a:r>
-          </a:p>
-          <a:p>
-            <a:pPr/>
-            <a:r>
-              <a:t>Mediator: Komplexe Objekt-Interaktionen koordinieren</a:t>
-            </a:r>
-          </a:p>
-          <a:p>
-            <a:pPr/>
-            <a:r>
-              <a:t>Enterprise Patterns: Repository, Unit of Work, MVC/MVP/MVVM</a:t>
+          <a:p>
+            <a:r>
+              <a:t>Observer: Ereignisse propagieren</a:t>
+            </a:r>
+          </a:p>
+          <a:p>
+            <a:r>
+              <a:t>Strategy: Algorithmen austauschbar machen</a:t>
+            </a:r>
+          </a:p>
+          <a:p>
+            <a:r>
+              <a:t>Command: Operationen als Objekte</a:t>
+            </a:r>
+          </a:p>
+          <a:p>
+            <a:r>
+              <a:t>State: Zustandsabhängiges Verhalten</a:t>
             </a:r>
           </a:p>
         </p:txBody>
@@ -8971,7 +12980,7 @@
 </file>
 
 <file path=ppt/slides/slide7.xml><?xml version="1.0" encoding="utf-8"?>
-<p:sld xmlns:a="http://schemas.openxmlformats.org/drawingml/2006/main" xmlns:p="http://schemas.openxmlformats.org/presentationml/2006/main" xmlns:r="http://schemas.openxmlformats.org/officeDocument/2006/relationships">
+<p:sld xmlns:a="http://schemas.openxmlformats.org/drawingml/2006/main" xmlns:r="http://schemas.openxmlformats.org/officeDocument/2006/relationships" xmlns:p="http://schemas.openxmlformats.org/presentationml/2006/main">
   <p:cSld>
     <p:spTree>
       <p:nvGrpSpPr>
@@ -8979,7 +12988,14 @@
         <p:cNvGrpSpPr/>
         <p:nvPr/>
       </p:nvGrpSpPr>
-      <p:grpSpPr/>
+      <p:grpSpPr>
+        <a:xfrm>
+          <a:off x="0" y="0"/>
+          <a:ext cx="0" cy="0"/>
+          <a:chOff x="0" y="0"/>
+          <a:chExt cx="0" cy="0"/>
+        </a:xfrm>
+      </p:grpSpPr>
       <p:sp>
         <p:nvSpPr>
           <p:cNvPr id="2" name="Title 1"/>
@@ -8996,7 +13012,7 @@
           <a:lstStyle/>
           <a:p>
             <a:r>
-              <a:t>Was werden wir NICHT behandeln?</a:t>
+              <a:t>Block 4: Advanced Patterns - Schwerpunkt: Komplexe Szenarien</a:t>
             </a:r>
           </a:p>
         </p:txBody>
@@ -9015,41 +13031,29 @@
         <p:txBody>
           <a:bodyPr/>
           <a:lstStyle/>
-          <a:p/>
-          <a:p>
-            <a:pPr/>
-            <a:r>
-              <a:t>Bewusst ausgeklammerte Themen</a:t>
-            </a:r>
-          </a:p>
-          <a:p>
-            <a:pPr/>
-            <a:r>
-              <a:t>Framework-spezifische Patterns (Spring, Hibernate, etc.)</a:t>
-            </a:r>
-          </a:p>
-          <a:p>
-            <a:pPr/>
-            <a:r>
-              <a:t>Architektur-Patterns (Microservices, CQRS, Event Sourcing)</a:t>
-            </a:r>
-          </a:p>
-          <a:p>
-            <a:pPr/>
-            <a:r>
-              <a:t>Concurrency-Patterns (würde eigenen Workshop füllen)</a:t>
-            </a:r>
-          </a:p>
-          <a:p>
-            <a:pPr/>
-            <a:r>
-              <a:t>Specific UI-Frameworks (Angular, React, Vue)</a:t>
-            </a:r>
-          </a:p>
-          <a:p>
-            <a:pPr/>
-            <a:r>
-              <a:t>Cloud-native Patterns (separate Workshop-Serie)</a:t>
+          <a:p>
+            <a:r>
+              <a:t>Template Method: Algorithmus-Skelett mit variablen Teilen</a:t>
+            </a:r>
+          </a:p>
+          <a:p>
+            <a:r>
+              <a:t>Visitor: Operationen von Datenstruktur trennen</a:t>
+            </a:r>
+          </a:p>
+          <a:p>
+            <a:r>
+              <a:t>Chain of Responsibility: Requests durch Handler-Kette</a:t>
+            </a:r>
+          </a:p>
+          <a:p>
+            <a:r>
+              <a:t>Mediator: Komplexe Objekt-Interaktionen koordinieren</a:t>
+            </a:r>
+          </a:p>
+          <a:p>
+            <a:r>
+              <a:t>Enterprise Patterns: Repository, Unit of Work, MVC/MVP/MVVM</a:t>
             </a:r>
           </a:p>
         </p:txBody>
@@ -9063,7 +13067,7 @@
 </file>
 
 <file path=ppt/slides/slide8.xml><?xml version="1.0" encoding="utf-8"?>
-<p:sld xmlns:a="http://schemas.openxmlformats.org/drawingml/2006/main" xmlns:p="http://schemas.openxmlformats.org/presentationml/2006/main" xmlns:r="http://schemas.openxmlformats.org/officeDocument/2006/relationships">
+<p:sld xmlns:a="http://schemas.openxmlformats.org/drawingml/2006/main" xmlns:r="http://schemas.openxmlformats.org/officeDocument/2006/relationships" xmlns:p="http://schemas.openxmlformats.org/presentationml/2006/main">
   <p:cSld>
     <p:spTree>
       <p:nvGrpSpPr>
@@ -9071,7 +13075,14 @@
         <p:cNvGrpSpPr/>
         <p:nvPr/>
       </p:nvGrpSpPr>
-      <p:grpSpPr/>
+      <p:grpSpPr>
+        <a:xfrm>
+          <a:off x="0" y="0"/>
+          <a:ext cx="0" cy="0"/>
+          <a:chOff x="0" y="0"/>
+          <a:chExt cx="0" cy="0"/>
+        </a:xfrm>
+      </p:grpSpPr>
       <p:sp>
         <p:nvSpPr>
           <p:cNvPr id="2" name="Title 1"/>
@@ -9088,7 +13099,7 @@
           <a:lstStyle/>
           <a:p>
             <a:r>
-              <a:t>Lernziele und Kompetenzen</a:t>
+              <a:t>Was werden wir NICHT behandeln? - Bewusst ausgeklammerte Themen</a:t>
             </a:r>
           </a:p>
         </p:txBody>
@@ -9107,41 +13118,29 @@
         <p:txBody>
           <a:bodyPr/>
           <a:lstStyle/>
-          <a:p/>
-          <a:p>
-            <a:pPr/>
-            <a:r>
-              <a:t>Zentrale Problemstellungen</a:t>
-            </a:r>
-          </a:p>
-          <a:p>
-            <a:pPr/>
-            <a:r>
-              <a:t>Legacy-System Integration und Adapter-Patterns</a:t>
-            </a:r>
-          </a:p>
-          <a:p>
-            <a:pPr/>
-            <a:r>
-              <a:t>Flexible Objekterzeugung und Dependency Management</a:t>
-            </a:r>
-          </a:p>
-          <a:p>
-            <a:pPr/>
-            <a:r>
-              <a:t>Algorithmus-Variationen und Strategy-Patterns</a:t>
-            </a:r>
-          </a:p>
-          <a:p>
-            <a:pPr/>
-            <a:r>
-              <a:t>Event-basierte Kommunikation und Observer-Patterns</a:t>
-            </a:r>
-          </a:p>
-          <a:p>
-            <a:pPr/>
-            <a:r>
-              <a:t>Komplexe Objektstrukturen und Composite-Patterns</a:t>
+          <a:p>
+            <a:r>
+              <a:t>Framework-spezifische Patterns (Spring, Hibernate, etc.)</a:t>
+            </a:r>
+          </a:p>
+          <a:p>
+            <a:r>
+              <a:t>Architektur-Patterns (Microservices, CQRS, Event Sourcing)</a:t>
+            </a:r>
+          </a:p>
+          <a:p>
+            <a:r>
+              <a:t>Concurrency-Patterns (würde eigenen Workshop füllen)</a:t>
+            </a:r>
+          </a:p>
+          <a:p>
+            <a:r>
+              <a:t>Specific UI-Frameworks (Angular, React, Vue)</a:t>
+            </a:r>
+          </a:p>
+          <a:p>
+            <a:r>
+              <a:t>Cloud-native Patterns (separate Workshop-Serie)</a:t>
             </a:r>
           </a:p>
         </p:txBody>
@@ -9155,7 +13154,7 @@
 </file>
 
 <file path=ppt/slides/slide9.xml><?xml version="1.0" encoding="utf-8"?>
-<p:sld xmlns:a="http://schemas.openxmlformats.org/drawingml/2006/main" xmlns:p="http://schemas.openxmlformats.org/presentationml/2006/main" xmlns:r="http://schemas.openxmlformats.org/officeDocument/2006/relationships">
+<p:sld xmlns:a="http://schemas.openxmlformats.org/drawingml/2006/main" xmlns:r="http://schemas.openxmlformats.org/officeDocument/2006/relationships" xmlns:p="http://schemas.openxmlformats.org/presentationml/2006/main">
   <p:cSld>
     <p:spTree>
       <p:nvGrpSpPr>
@@ -9163,7 +13162,14 @@
         <p:cNvGrpSpPr/>
         <p:nvPr/>
       </p:nvGrpSpPr>
-      <p:grpSpPr/>
+      <p:grpSpPr>
+        <a:xfrm>
+          <a:off x="0" y="0"/>
+          <a:ext cx="0" cy="0"/>
+          <a:chOff x="0" y="0"/>
+          <a:chExt cx="0" cy="0"/>
+        </a:xfrm>
+      </p:grpSpPr>
       <p:sp>
         <p:nvSpPr>
           <p:cNvPr id="2" name="Title 1"/>
@@ -9180,7 +13186,7 @@
           <a:lstStyle/>
           <a:p>
             <a:r>
-              <a:t>Praktische Organisation</a:t>
+              <a:t>Lernziele und Kompetenzen - Zentrale Problemstellungen</a:t>
             </a:r>
           </a:p>
         </p:txBody>
@@ -9199,35 +13205,29 @@
         <p:txBody>
           <a:bodyPr/>
           <a:lstStyle/>
-          <a:p/>
-          <a:p>
-            <a:pPr/>
-            <a:r>
-              <a:t>Was Sie mitbringen sollten</a:t>
-            </a:r>
-          </a:p>
-          <a:p>
-            <a:pPr/>
-            <a:r>
-              <a:t>Laptop mit Java 11+ und IDE (IntelliJ/Eclipse)</a:t>
-            </a:r>
-          </a:p>
-          <a:p>
-            <a:pPr/>
-            <a:r>
-              <a:t>Git für Code-Austausch</a:t>
-            </a:r>
-          </a:p>
-          <a:p>
-            <a:pPr/>
-            <a:r>
-              <a:t>Offenheit für neue Perspektiven</a:t>
-            </a:r>
-          </a:p>
-          <a:p>
-            <a:pPr/>
-            <a:r>
-              <a:t>Eigene Code-Beispiele (wenn möglich)</a:t>
+          <a:p>
+            <a:r>
+              <a:t>Legacy-System Integration und Adapter-Patterns</a:t>
+            </a:r>
+          </a:p>
+          <a:p>
+            <a:r>
+              <a:t>Flexible Objekterzeugung und Dependency Management</a:t>
+            </a:r>
+          </a:p>
+          <a:p>
+            <a:r>
+              <a:t>Algorithmus-Variationen und Strategy-Patterns</a:t>
+            </a:r>
+          </a:p>
+          <a:p>
+            <a:r>
+              <a:t>Event-basierte Kommunikation und Observer-Patterns</a:t>
+            </a:r>
+          </a:p>
+          <a:p>
+            <a:r>
+              <a:t>Komplexe Objektstrukturen und Composite-Patterns</a:t>
             </a:r>
           </a:p>
         </p:txBody>
@@ -9566,44 +13566,44 @@
         <a:sysClr val="window" lastClr="FFFFFF"/>
       </a:lt1>
       <a:dk2>
-        <a:srgbClr val="1F497D"/>
+        <a:srgbClr val="0E2841"/>
       </a:dk2>
       <a:lt2>
-        <a:srgbClr val="EEECE1"/>
+        <a:srgbClr val="E8E8E8"/>
       </a:lt2>
       <a:accent1>
-        <a:srgbClr val="4F81BD"/>
+        <a:srgbClr val="156082"/>
       </a:accent1>
       <a:accent2>
-        <a:srgbClr val="C0504D"/>
+        <a:srgbClr val="E97132"/>
       </a:accent2>
       <a:accent3>
-        <a:srgbClr val="9BBB59"/>
+        <a:srgbClr val="196B24"/>
       </a:accent3>
       <a:accent4>
-        <a:srgbClr val="8064A2"/>
+        <a:srgbClr val="0F9ED5"/>
       </a:accent4>
       <a:accent5>
-        <a:srgbClr val="4BACC6"/>
+        <a:srgbClr val="A02B93"/>
       </a:accent5>
       <a:accent6>
-        <a:srgbClr val="F79646"/>
+        <a:srgbClr val="4EA72E"/>
       </a:accent6>
       <a:hlink>
-        <a:srgbClr val="0000FF"/>
+        <a:srgbClr val="467886"/>
       </a:hlink>
       <a:folHlink>
-        <a:srgbClr val="800080"/>
+        <a:srgbClr val="96607D"/>
       </a:folHlink>
     </a:clrScheme>
     <a:fontScheme name="Office">
       <a:majorFont>
-        <a:latin typeface="Calibri"/>
+        <a:latin typeface="Aptos Display" panose="02110004020202020204"/>
         <a:ea typeface=""/>
         <a:cs typeface=""/>
-        <a:font script="Jpan" typeface="ＭＳ Ｐゴシック"/>
+        <a:font script="Jpan" typeface="游ゴシック Light"/>
         <a:font script="Hang" typeface="맑은 고딕"/>
-        <a:font script="Hans" typeface="宋体"/>
+        <a:font script="Hans" typeface="等线 Light"/>
         <a:font script="Hant" typeface="新細明體"/>
         <a:font script="Arab" typeface="Times New Roman"/>
         <a:font script="Hebr" typeface="Times New Roman"/>
@@ -9631,14 +13631,31 @@
         <a:font script="Viet" typeface="Times New Roman"/>
         <a:font script="Uigh" typeface="Microsoft Uighur"/>
         <a:font script="Geor" typeface="Sylfaen"/>
+        <a:font script="Armn" typeface="Arial"/>
+        <a:font script="Bugi" typeface="Leelawadee UI"/>
+        <a:font script="Bopo" typeface="Microsoft JhengHei"/>
+        <a:font script="Java" typeface="Javanese Text"/>
+        <a:font script="Lisu" typeface="Segoe UI"/>
+        <a:font script="Mymr" typeface="Myanmar Text"/>
+        <a:font script="Nkoo" typeface="Ebrima"/>
+        <a:font script="Olck" typeface="Nirmala UI"/>
+        <a:font script="Osma" typeface="Ebrima"/>
+        <a:font script="Phag" typeface="Phagspa"/>
+        <a:font script="Syrn" typeface="Estrangelo Edessa"/>
+        <a:font script="Syrj" typeface="Estrangelo Edessa"/>
+        <a:font script="Syre" typeface="Estrangelo Edessa"/>
+        <a:font script="Sora" typeface="Nirmala UI"/>
+        <a:font script="Tale" typeface="Microsoft Tai Le"/>
+        <a:font script="Talu" typeface="Microsoft New Tai Lue"/>
+        <a:font script="Tfng" typeface="Ebrima"/>
       </a:majorFont>
       <a:minorFont>
-        <a:latin typeface="Calibri"/>
+        <a:latin typeface="Aptos" panose="02110004020202020204"/>
         <a:ea typeface=""/>
         <a:cs typeface=""/>
-        <a:font script="Jpan" typeface="ＭＳ Ｐゴシック"/>
+        <a:font script="Jpan" typeface="游ゴシック"/>
         <a:font script="Hang" typeface="맑은 고딕"/>
-        <a:font script="Hans" typeface="宋体"/>
+        <a:font script="Hans" typeface="等线"/>
         <a:font script="Hant" typeface="新細明體"/>
         <a:font script="Arab" typeface="Arial"/>
         <a:font script="Hebr" typeface="Arial"/>
@@ -9666,6 +13683,23 @@
         <a:font script="Viet" typeface="Arial"/>
         <a:font script="Uigh" typeface="Microsoft Uighur"/>
         <a:font script="Geor" typeface="Sylfaen"/>
+        <a:font script="Armn" typeface="Arial"/>
+        <a:font script="Bugi" typeface="Leelawadee UI"/>
+        <a:font script="Bopo" typeface="Microsoft JhengHei"/>
+        <a:font script="Java" typeface="Javanese Text"/>
+        <a:font script="Lisu" typeface="Segoe UI"/>
+        <a:font script="Mymr" typeface="Myanmar Text"/>
+        <a:font script="Nkoo" typeface="Ebrima"/>
+        <a:font script="Olck" typeface="Nirmala UI"/>
+        <a:font script="Osma" typeface="Ebrima"/>
+        <a:font script="Phag" typeface="Phagspa"/>
+        <a:font script="Syrn" typeface="Estrangelo Edessa"/>
+        <a:font script="Syrj" typeface="Estrangelo Edessa"/>
+        <a:font script="Syre" typeface="Estrangelo Edessa"/>
+        <a:font script="Sora" typeface="Nirmala UI"/>
+        <a:font script="Tale" typeface="Microsoft Tai Le"/>
+        <a:font script="Talu" typeface="Microsoft New Tai Lue"/>
+        <a:font script="Tfng" typeface="Ebrima"/>
       </a:minorFont>
     </a:fontScheme>
     <a:fmtScheme name="Office">
@@ -9677,180 +13711,136 @@
           <a:gsLst>
             <a:gs pos="0">
               <a:schemeClr val="phClr">
-                <a:tint val="50000"/>
-                <a:satMod val="300000"/>
+                <a:lumMod val="110000"/>
+                <a:satMod val="105000"/>
+                <a:tint val="67000"/>
               </a:schemeClr>
             </a:gs>
-            <a:gs pos="35000">
+            <a:gs pos="50000">
               <a:schemeClr val="phClr">
-                <a:tint val="37000"/>
-                <a:satMod val="300000"/>
+                <a:lumMod val="105000"/>
+                <a:satMod val="103000"/>
+                <a:tint val="73000"/>
               </a:schemeClr>
             </a:gs>
             <a:gs pos="100000">
               <a:schemeClr val="phClr">
-                <a:tint val="15000"/>
-                <a:satMod val="350000"/>
+                <a:lumMod val="105000"/>
+                <a:satMod val="109000"/>
+                <a:tint val="81000"/>
               </a:schemeClr>
             </a:gs>
           </a:gsLst>
-          <a:lin ang="16200000" scaled="1"/>
+          <a:lin ang="5400000" scaled="0"/>
         </a:gradFill>
         <a:gradFill rotWithShape="1">
           <a:gsLst>
             <a:gs pos="0">
               <a:schemeClr val="phClr">
-                <a:tint val="100000"/>
+                <a:satMod val="103000"/>
+                <a:lumMod val="102000"/>
+                <a:tint val="94000"/>
+              </a:schemeClr>
+            </a:gs>
+            <a:gs pos="50000">
+              <a:schemeClr val="phClr">
+                <a:satMod val="110000"/>
+                <a:lumMod val="100000"/>
                 <a:shade val="100000"/>
-                <a:satMod val="130000"/>
               </a:schemeClr>
             </a:gs>
             <a:gs pos="100000">
               <a:schemeClr val="phClr">
-                <a:tint val="50000"/>
-                <a:shade val="100000"/>
-                <a:satMod val="350000"/>
+                <a:lumMod val="99000"/>
+                <a:satMod val="120000"/>
+                <a:shade val="78000"/>
               </a:schemeClr>
             </a:gs>
           </a:gsLst>
-          <a:lin ang="16200000" scaled="0"/>
+          <a:lin ang="5400000" scaled="0"/>
         </a:gradFill>
       </a:fillStyleLst>
       <a:lnStyleLst>
-        <a:ln w="9525" cap="flat" cmpd="sng" algn="ctr">
+        <a:ln w="12700" cap="flat" cmpd="sng" algn="ctr">
           <a:solidFill>
-            <a:schemeClr val="phClr">
-              <a:shade val="95000"/>
-              <a:satMod val="105000"/>
-            </a:schemeClr>
+            <a:schemeClr val="phClr"/>
           </a:solidFill>
           <a:prstDash val="solid"/>
+          <a:miter lim="800000"/>
+        </a:ln>
+        <a:ln w="19050" cap="flat" cmpd="sng" algn="ctr">
+          <a:solidFill>
+            <a:schemeClr val="phClr"/>
+          </a:solidFill>
+          <a:prstDash val="solid"/>
+          <a:miter lim="800000"/>
         </a:ln>
         <a:ln w="25400" cap="flat" cmpd="sng" algn="ctr">
           <a:solidFill>
             <a:schemeClr val="phClr"/>
           </a:solidFill>
           <a:prstDash val="solid"/>
-        </a:ln>
-        <a:ln w="38100" cap="flat" cmpd="sng" algn="ctr">
-          <a:solidFill>
-            <a:schemeClr val="phClr"/>
-          </a:solidFill>
-          <a:prstDash val="solid"/>
+          <a:miter lim="800000"/>
         </a:ln>
       </a:lnStyleLst>
       <a:effectStyleLst>
         <a:effectStyle>
+          <a:effectLst/>
+        </a:effectStyle>
+        <a:effectStyle>
+          <a:effectLst/>
+        </a:effectStyle>
+        <a:effectStyle>
           <a:effectLst>
-            <a:outerShdw blurRad="40000" dist="20000" dir="5400000" rotWithShape="0">
+            <a:outerShdw blurRad="57150" dist="19050" dir="5400000" algn="ctr" rotWithShape="0">
               <a:srgbClr val="000000">
-                <a:alpha val="38000"/>
+                <a:alpha val="63000"/>
               </a:srgbClr>
             </a:outerShdw>
           </a:effectLst>
-        </a:effectStyle>
-        <a:effectStyle>
-          <a:effectLst>
-            <a:outerShdw blurRad="40000" dist="23000" dir="5400000" rotWithShape="0">
-              <a:srgbClr val="000000">
-                <a:alpha val="35000"/>
-              </a:srgbClr>
-            </a:outerShdw>
-          </a:effectLst>
-        </a:effectStyle>
-        <a:effectStyle>
-          <a:effectLst>
-            <a:outerShdw blurRad="40000" dist="23000" dir="5400000" rotWithShape="0">
-              <a:srgbClr val="000000">
-                <a:alpha val="35000"/>
-              </a:srgbClr>
-            </a:outerShdw>
-          </a:effectLst>
-          <a:scene3d>
-            <a:camera prst="orthographicFront">
-              <a:rot lat="0" lon="0" rev="0"/>
-            </a:camera>
-            <a:lightRig rig="threePt" dir="t">
-              <a:rot lat="0" lon="0" rev="1200000"/>
-            </a:lightRig>
-          </a:scene3d>
-          <a:sp3d>
-            <a:bevelT w="63500" h="25400"/>
-          </a:sp3d>
         </a:effectStyle>
       </a:effectStyleLst>
       <a:bgFillStyleLst>
         <a:solidFill>
           <a:schemeClr val="phClr"/>
         </a:solidFill>
+        <a:solidFill>
+          <a:schemeClr val="phClr">
+            <a:tint val="95000"/>
+            <a:satMod val="170000"/>
+          </a:schemeClr>
+        </a:solidFill>
         <a:gradFill rotWithShape="1">
           <a:gsLst>
             <a:gs pos="0">
               <a:schemeClr val="phClr">
-                <a:tint val="40000"/>
-                <a:satMod val="350000"/>
+                <a:tint val="93000"/>
+                <a:satMod val="150000"/>
+                <a:shade val="98000"/>
+                <a:lumMod val="102000"/>
               </a:schemeClr>
             </a:gs>
-            <a:gs pos="40000">
+            <a:gs pos="50000">
               <a:schemeClr val="phClr">
-                <a:tint val="45000"/>
-                <a:shade val="99000"/>
-                <a:satMod val="350000"/>
+                <a:tint val="98000"/>
+                <a:satMod val="130000"/>
+                <a:shade val="90000"/>
+                <a:lumMod val="103000"/>
               </a:schemeClr>
             </a:gs>
             <a:gs pos="100000">
               <a:schemeClr val="phClr">
-                <a:shade val="20000"/>
-                <a:satMod val="255000"/>
+                <a:shade val="63000"/>
+                <a:satMod val="120000"/>
               </a:schemeClr>
             </a:gs>
           </a:gsLst>
-          <a:path path="circle">
-            <a:fillToRect l="50000" t="-80000" r="50000" b="180000"/>
-          </a:path>
-        </a:gradFill>
-        <a:gradFill rotWithShape="1">
-          <a:gsLst>
-            <a:gs pos="0">
-              <a:schemeClr val="phClr">
-                <a:tint val="80000"/>
-                <a:satMod val="300000"/>
-              </a:schemeClr>
-            </a:gs>
-            <a:gs pos="100000">
-              <a:schemeClr val="phClr">
-                <a:shade val="30000"/>
-                <a:satMod val="200000"/>
-              </a:schemeClr>
-            </a:gs>
-          </a:gsLst>
-          <a:path path="circle">
-            <a:fillToRect l="50000" t="50000" r="50000" b="50000"/>
-          </a:path>
+          <a:lin ang="5400000" scaled="0"/>
         </a:gradFill>
       </a:bgFillStyleLst>
     </a:fmtScheme>
   </a:themeElements>
   <a:objectDefaults>
-    <a:spDef>
-      <a:spPr/>
-      <a:bodyPr/>
-      <a:lstStyle/>
-      <a:style>
-        <a:lnRef idx="1">
-          <a:schemeClr val="accent1"/>
-        </a:lnRef>
-        <a:fillRef idx="3">
-          <a:schemeClr val="accent1"/>
-        </a:fillRef>
-        <a:effectRef idx="2">
-          <a:schemeClr val="accent1"/>
-        </a:effectRef>
-        <a:fontRef idx="minor">
-          <a:schemeClr val="lt1"/>
-        </a:fontRef>
-      </a:style>
-    </a:spDef>
     <a:lnDef>
       <a:spPr/>
       <a:bodyPr/>
@@ -9872,5 +13862,10 @@
     </a:lnDef>
   </a:objectDefaults>
   <a:extraClrSchemeLst/>
+  <a:extLst>
+    <a:ext uri="{05A4C25C-085E-4340-85A3-A5531E510DB2}">
+      <thm15:themeFamily xmlns:thm15="http://schemas.microsoft.com/office/thememl/2012/main" name="Office Theme" id="{2E142A2C-CD16-42D6-873A-C26D2A0506FA}" vid="{1BDDFF52-6CD6-40A5-AB3C-68EB2F1E4D0A}"/>
+    </a:ext>
+  </a:extLst>
 </a:theme>
 </file>